--- a/GM IT Hackathon PITCH Doc Time.pptx
+++ b/GM IT Hackathon PITCH Doc Time.pptx
@@ -16,6 +16,7 @@
     <p:sldId id="263" r:id="rId11"/>
     <p:sldId id="264" r:id="rId12"/>
     <p:sldId id="265" r:id="rId13"/>
+    <p:sldId id="266" r:id="rId14"/>
   </p:sldIdLst>
   <p:sldSz cx="9144000" cy="6858000"/>
   <p:notesSz cx="7559675" cy="10691812"/>
@@ -63,7 +64,7 @@
       </p:grpSpPr>
       <p:sp>
         <p:nvSpPr>
-          <p:cNvPr id="26" name="PlaceHolder 1"/>
+          <p:cNvPr id="25" name="PlaceHolder 1"/>
           <p:cNvSpPr>
             <a:spLocks noGrp="1"/>
           </p:cNvSpPr>
@@ -73,8 +74,8 @@
         </p:nvSpPr>
         <p:spPr>
           <a:xfrm>
-            <a:off x="712800" y="2947680"/>
-            <a:ext cx="7718040" cy="539640"/>
+            <a:off x="457200" y="273600"/>
+            <a:ext cx="8229240" cy="1144800"/>
           </a:xfrm>
           <a:prstGeom prst="rect">
             <a:avLst/>
@@ -83,13 +84,14 @@
         <p:txBody>
           <a:bodyPr lIns="0" rIns="0" tIns="0" bIns="0" anchor="ctr"/>
           <a:p>
-            <a:endParaRPr/>
-          </a:p>
-        </p:txBody>
-      </p:sp>
-      <p:sp>
-        <p:nvSpPr>
-          <p:cNvPr id="27" name="PlaceHolder 2"/>
+            <a:pPr algn="ctr"/>
+            <a:endParaRPr/>
+          </a:p>
+        </p:txBody>
+      </p:sp>
+      <p:sp>
+        <p:nvSpPr>
+          <p:cNvPr id="26" name="PlaceHolder 2"/>
           <p:cNvSpPr>
             <a:spLocks noGrp="1"/>
           </p:cNvSpPr>
@@ -99,8 +101,8 @@
         </p:nvSpPr>
         <p:spPr>
           <a:xfrm>
-            <a:off x="712800" y="3633840"/>
-            <a:ext cx="7718040" cy="171360"/>
+            <a:off x="457200" y="1604520"/>
+            <a:ext cx="8229240" cy="1896840"/>
           </a:xfrm>
           <a:prstGeom prst="rect">
             <a:avLst/>
@@ -115,7 +117,7 @@
       </p:sp>
       <p:sp>
         <p:nvSpPr>
-          <p:cNvPr id="28" name="PlaceHolder 3"/>
+          <p:cNvPr id="27" name="PlaceHolder 3"/>
           <p:cNvSpPr>
             <a:spLocks noGrp="1"/>
           </p:cNvSpPr>
@@ -125,8 +127,8 @@
         </p:nvSpPr>
         <p:spPr>
           <a:xfrm>
-            <a:off x="712800" y="3821760"/>
-            <a:ext cx="7718040" cy="171360"/>
+            <a:off x="457200" y="3682080"/>
+            <a:ext cx="8229240" cy="1896840"/>
           </a:xfrm>
           <a:prstGeom prst="rect">
             <a:avLst/>
@@ -163,7 +165,7 @@
       </p:grpSpPr>
       <p:sp>
         <p:nvSpPr>
-          <p:cNvPr id="29" name="PlaceHolder 1"/>
+          <p:cNvPr id="28" name="PlaceHolder 1"/>
           <p:cNvSpPr>
             <a:spLocks noGrp="1"/>
           </p:cNvSpPr>
@@ -173,8 +175,8 @@
         </p:nvSpPr>
         <p:spPr>
           <a:xfrm>
-            <a:off x="712800" y="2947680"/>
-            <a:ext cx="7718040" cy="539640"/>
+            <a:off x="457200" y="273600"/>
+            <a:ext cx="8229240" cy="1144800"/>
           </a:xfrm>
           <a:prstGeom prst="rect">
             <a:avLst/>
@@ -183,13 +185,14 @@
         <p:txBody>
           <a:bodyPr lIns="0" rIns="0" tIns="0" bIns="0" anchor="ctr"/>
           <a:p>
-            <a:endParaRPr/>
-          </a:p>
-        </p:txBody>
-      </p:sp>
-      <p:sp>
-        <p:nvSpPr>
-          <p:cNvPr id="30" name="PlaceHolder 2"/>
+            <a:pPr algn="ctr"/>
+            <a:endParaRPr/>
+          </a:p>
+        </p:txBody>
+      </p:sp>
+      <p:sp>
+        <p:nvSpPr>
+          <p:cNvPr id="29" name="PlaceHolder 2"/>
           <p:cNvSpPr>
             <a:spLocks noGrp="1"/>
           </p:cNvSpPr>
@@ -199,8 +202,8 @@
         </p:nvSpPr>
         <p:spPr>
           <a:xfrm>
-            <a:off x="712800" y="3633840"/>
-            <a:ext cx="3766320" cy="171360"/>
+            <a:off x="457200" y="1604520"/>
+            <a:ext cx="4015800" cy="1896840"/>
           </a:xfrm>
           <a:prstGeom prst="rect">
             <a:avLst/>
@@ -215,7 +218,7 @@
       </p:sp>
       <p:sp>
         <p:nvSpPr>
-          <p:cNvPr id="31" name="PlaceHolder 3"/>
+          <p:cNvPr id="30" name="PlaceHolder 3"/>
           <p:cNvSpPr>
             <a:spLocks noGrp="1"/>
           </p:cNvSpPr>
@@ -225,8 +228,8 @@
         </p:nvSpPr>
         <p:spPr>
           <a:xfrm>
-            <a:off x="4667760" y="3633840"/>
-            <a:ext cx="3766320" cy="171360"/>
+            <a:off x="4674240" y="1604520"/>
+            <a:ext cx="4015800" cy="1896840"/>
           </a:xfrm>
           <a:prstGeom prst="rect">
             <a:avLst/>
@@ -241,7 +244,7 @@
       </p:sp>
       <p:sp>
         <p:nvSpPr>
-          <p:cNvPr id="32" name="PlaceHolder 4"/>
+          <p:cNvPr id="31" name="PlaceHolder 4"/>
           <p:cNvSpPr>
             <a:spLocks noGrp="1"/>
           </p:cNvSpPr>
@@ -251,8 +254,8 @@
         </p:nvSpPr>
         <p:spPr>
           <a:xfrm>
-            <a:off x="4667760" y="3821760"/>
-            <a:ext cx="3766320" cy="171360"/>
+            <a:off x="4674240" y="3682080"/>
+            <a:ext cx="4015800" cy="1896840"/>
           </a:xfrm>
           <a:prstGeom prst="rect">
             <a:avLst/>
@@ -267,7 +270,7 @@
       </p:sp>
       <p:sp>
         <p:nvSpPr>
-          <p:cNvPr id="33" name="PlaceHolder 5"/>
+          <p:cNvPr id="32" name="PlaceHolder 5"/>
           <p:cNvSpPr>
             <a:spLocks noGrp="1"/>
           </p:cNvSpPr>
@@ -277,8 +280,8 @@
         </p:nvSpPr>
         <p:spPr>
           <a:xfrm>
-            <a:off x="712800" y="3821760"/>
-            <a:ext cx="3766320" cy="171360"/>
+            <a:off x="457200" y="3682080"/>
+            <a:ext cx="4015800" cy="1896840"/>
           </a:xfrm>
           <a:prstGeom prst="rect">
             <a:avLst/>
@@ -315,7 +318,7 @@
       </p:grpSpPr>
       <p:sp>
         <p:nvSpPr>
-          <p:cNvPr id="34" name="PlaceHolder 1"/>
+          <p:cNvPr id="33" name="PlaceHolder 1"/>
           <p:cNvSpPr>
             <a:spLocks noGrp="1"/>
           </p:cNvSpPr>
@@ -325,8 +328,8 @@
         </p:nvSpPr>
         <p:spPr>
           <a:xfrm>
-            <a:off x="712800" y="2947680"/>
-            <a:ext cx="7718040" cy="539640"/>
+            <a:off x="457200" y="273600"/>
+            <a:ext cx="8229240" cy="1144800"/>
           </a:xfrm>
           <a:prstGeom prst="rect">
             <a:avLst/>
@@ -335,13 +338,14 @@
         <p:txBody>
           <a:bodyPr lIns="0" rIns="0" tIns="0" bIns="0" anchor="ctr"/>
           <a:p>
-            <a:endParaRPr/>
-          </a:p>
-        </p:txBody>
-      </p:sp>
-      <p:sp>
-        <p:nvSpPr>
-          <p:cNvPr id="35" name="PlaceHolder 2"/>
+            <a:pPr algn="ctr"/>
+            <a:endParaRPr/>
+          </a:p>
+        </p:txBody>
+      </p:sp>
+      <p:sp>
+        <p:nvSpPr>
+          <p:cNvPr id="34" name="PlaceHolder 2"/>
           <p:cNvSpPr>
             <a:spLocks noGrp="1"/>
           </p:cNvSpPr>
@@ -351,8 +355,8 @@
         </p:nvSpPr>
         <p:spPr>
           <a:xfrm>
-            <a:off x="712800" y="3633840"/>
-            <a:ext cx="7718040" cy="359640"/>
+            <a:off x="457200" y="1604520"/>
+            <a:ext cx="8229240" cy="3977280"/>
           </a:xfrm>
           <a:prstGeom prst="rect">
             <a:avLst/>
@@ -367,7 +371,7 @@
       </p:sp>
       <p:sp>
         <p:nvSpPr>
-          <p:cNvPr id="36" name="PlaceHolder 3"/>
+          <p:cNvPr id="35" name="PlaceHolder 3"/>
           <p:cNvSpPr>
             <a:spLocks noGrp="1"/>
           </p:cNvSpPr>
@@ -377,8 +381,8 @@
         </p:nvSpPr>
         <p:spPr>
           <a:xfrm>
-            <a:off x="712800" y="3633840"/>
-            <a:ext cx="7718040" cy="359640"/>
+            <a:off x="457200" y="1604520"/>
+            <a:ext cx="8229240" cy="3977280"/>
           </a:xfrm>
           <a:prstGeom prst="rect">
             <a:avLst/>
@@ -391,6 +395,29 @@
           </a:p>
         </p:txBody>
       </p:sp>
+      <p:pic>
+        <p:nvPicPr>
+          <p:cNvPr id="36" name="" descr=""/>
+          <p:cNvPicPr/>
+          <p:nvPr/>
+        </p:nvPicPr>
+        <p:blipFill>
+          <a:blip r:embed="rId2"/>
+          <a:stretch/>
+        </p:blipFill>
+        <p:spPr>
+          <a:xfrm>
+            <a:off x="2077920" y="1604520"/>
+            <a:ext cx="4987440" cy="3977280"/>
+          </a:xfrm>
+          <a:prstGeom prst="rect">
+            <a:avLst/>
+          </a:prstGeom>
+          <a:ln>
+            <a:noFill/>
+          </a:ln>
+        </p:spPr>
+      </p:pic>
       <p:pic>
         <p:nvPicPr>
           <p:cNvPr id="37" name="" descr=""/>
@@ -398,36 +425,13 @@
           <p:nvPr/>
         </p:nvPicPr>
         <p:blipFill>
-          <a:blip r:embed="rId2"/>
-          <a:stretch/>
-        </p:blipFill>
-        <p:spPr>
-          <a:xfrm>
-            <a:off x="4346280" y="3633480"/>
-            <a:ext cx="450720" cy="359640"/>
-          </a:xfrm>
-          <a:prstGeom prst="rect">
-            <a:avLst/>
-          </a:prstGeom>
-          <a:ln>
-            <a:noFill/>
-          </a:ln>
-        </p:spPr>
-      </p:pic>
-      <p:pic>
-        <p:nvPicPr>
-          <p:cNvPr id="38" name="" descr=""/>
-          <p:cNvPicPr/>
-          <p:nvPr/>
-        </p:nvPicPr>
-        <p:blipFill>
           <a:blip r:embed="rId3"/>
           <a:stretch/>
         </p:blipFill>
         <p:spPr>
           <a:xfrm>
-            <a:off x="4346280" y="3633480"/>
-            <a:ext cx="450720" cy="359640"/>
+            <a:off x="2077920" y="1604520"/>
+            <a:ext cx="4987440" cy="3977280"/>
           </a:xfrm>
           <a:prstGeom prst="rect">
             <a:avLst/>
@@ -483,7 +487,7 @@
       </p:grpSpPr>
       <p:sp>
         <p:nvSpPr>
-          <p:cNvPr id="48" name="PlaceHolder 1"/>
+          <p:cNvPr id="44" name="PlaceHolder 1"/>
           <p:cNvSpPr>
             <a:spLocks noGrp="1"/>
           </p:cNvSpPr>
@@ -493,8 +497,8 @@
         </p:nvSpPr>
         <p:spPr>
           <a:xfrm>
-            <a:off x="712800" y="2947680"/>
-            <a:ext cx="7718040" cy="539640"/>
+            <a:off x="457200" y="273600"/>
+            <a:ext cx="8229240" cy="1144800"/>
           </a:xfrm>
           <a:prstGeom prst="rect">
             <a:avLst/>
@@ -503,13 +507,14 @@
         <p:txBody>
           <a:bodyPr lIns="0" rIns="0" tIns="0" bIns="0" anchor="ctr"/>
           <a:p>
-            <a:endParaRPr/>
-          </a:p>
-        </p:txBody>
-      </p:sp>
-      <p:sp>
-        <p:nvSpPr>
-          <p:cNvPr id="49" name="PlaceHolder 2"/>
+            <a:pPr algn="ctr"/>
+            <a:endParaRPr/>
+          </a:p>
+        </p:txBody>
+      </p:sp>
+      <p:sp>
+        <p:nvSpPr>
+          <p:cNvPr id="45" name="PlaceHolder 2"/>
           <p:cNvSpPr>
             <a:spLocks noGrp="1"/>
           </p:cNvSpPr>
@@ -519,8 +524,8 @@
         </p:nvSpPr>
         <p:spPr>
           <a:xfrm>
-            <a:off x="712800" y="3585600"/>
-            <a:ext cx="7718040" cy="456120"/>
+            <a:off x="457200" y="1604520"/>
+            <a:ext cx="8229240" cy="3977280"/>
           </a:xfrm>
           <a:prstGeom prst="rect">
             <a:avLst/>
@@ -558,7 +563,7 @@
       </p:grpSpPr>
       <p:sp>
         <p:nvSpPr>
-          <p:cNvPr id="50" name="PlaceHolder 1"/>
+          <p:cNvPr id="46" name="PlaceHolder 1"/>
           <p:cNvSpPr>
             <a:spLocks noGrp="1"/>
           </p:cNvSpPr>
@@ -568,8 +573,8 @@
         </p:nvSpPr>
         <p:spPr>
           <a:xfrm>
-            <a:off x="712800" y="2947680"/>
-            <a:ext cx="7718040" cy="539640"/>
+            <a:off x="457200" y="273600"/>
+            <a:ext cx="8229240" cy="1144800"/>
           </a:xfrm>
           <a:prstGeom prst="rect">
             <a:avLst/>
@@ -578,13 +583,14 @@
         <p:txBody>
           <a:bodyPr lIns="0" rIns="0" tIns="0" bIns="0" anchor="ctr"/>
           <a:p>
-            <a:endParaRPr/>
-          </a:p>
-        </p:txBody>
-      </p:sp>
-      <p:sp>
-        <p:nvSpPr>
-          <p:cNvPr id="51" name="PlaceHolder 2"/>
+            <a:pPr algn="ctr"/>
+            <a:endParaRPr/>
+          </a:p>
+        </p:txBody>
+      </p:sp>
+      <p:sp>
+        <p:nvSpPr>
+          <p:cNvPr id="47" name="PlaceHolder 2"/>
           <p:cNvSpPr>
             <a:spLocks noGrp="1"/>
           </p:cNvSpPr>
@@ -594,8 +600,8 @@
         </p:nvSpPr>
         <p:spPr>
           <a:xfrm>
-            <a:off x="712800" y="3633840"/>
-            <a:ext cx="7718040" cy="359640"/>
+            <a:off x="457200" y="1604520"/>
+            <a:ext cx="8229240" cy="3977280"/>
           </a:xfrm>
           <a:prstGeom prst="rect">
             <a:avLst/>
@@ -632,7 +638,7 @@
       </p:grpSpPr>
       <p:sp>
         <p:nvSpPr>
-          <p:cNvPr id="52" name="PlaceHolder 1"/>
+          <p:cNvPr id="48" name="PlaceHolder 1"/>
           <p:cNvSpPr>
             <a:spLocks noGrp="1"/>
           </p:cNvSpPr>
@@ -642,8 +648,8 @@
         </p:nvSpPr>
         <p:spPr>
           <a:xfrm>
-            <a:off x="712800" y="2947680"/>
-            <a:ext cx="7718040" cy="539640"/>
+            <a:off x="457200" y="273600"/>
+            <a:ext cx="8229240" cy="1144800"/>
           </a:xfrm>
           <a:prstGeom prst="rect">
             <a:avLst/>
@@ -652,13 +658,14 @@
         <p:txBody>
           <a:bodyPr lIns="0" rIns="0" tIns="0" bIns="0" anchor="ctr"/>
           <a:p>
-            <a:endParaRPr/>
-          </a:p>
-        </p:txBody>
-      </p:sp>
-      <p:sp>
-        <p:nvSpPr>
-          <p:cNvPr id="53" name="PlaceHolder 2"/>
+            <a:pPr algn="ctr"/>
+            <a:endParaRPr/>
+          </a:p>
+        </p:txBody>
+      </p:sp>
+      <p:sp>
+        <p:nvSpPr>
+          <p:cNvPr id="49" name="PlaceHolder 2"/>
           <p:cNvSpPr>
             <a:spLocks noGrp="1"/>
           </p:cNvSpPr>
@@ -668,8 +675,8 @@
         </p:nvSpPr>
         <p:spPr>
           <a:xfrm>
-            <a:off x="712800" y="3633840"/>
-            <a:ext cx="3766320" cy="359640"/>
+            <a:off x="457200" y="1604520"/>
+            <a:ext cx="4015800" cy="3977280"/>
           </a:xfrm>
           <a:prstGeom prst="rect">
             <a:avLst/>
@@ -684,7 +691,7 @@
       </p:sp>
       <p:sp>
         <p:nvSpPr>
-          <p:cNvPr id="54" name="PlaceHolder 3"/>
+          <p:cNvPr id="50" name="PlaceHolder 3"/>
           <p:cNvSpPr>
             <a:spLocks noGrp="1"/>
           </p:cNvSpPr>
@@ -694,8 +701,8 @@
         </p:nvSpPr>
         <p:spPr>
           <a:xfrm>
-            <a:off x="4667760" y="3633840"/>
-            <a:ext cx="3766320" cy="359640"/>
+            <a:off x="4674240" y="1604520"/>
+            <a:ext cx="4015800" cy="3977280"/>
           </a:xfrm>
           <a:prstGeom prst="rect">
             <a:avLst/>
@@ -732,7 +739,7 @@
       </p:grpSpPr>
       <p:sp>
         <p:nvSpPr>
-          <p:cNvPr id="55" name="PlaceHolder 1"/>
+          <p:cNvPr id="51" name="PlaceHolder 1"/>
           <p:cNvSpPr>
             <a:spLocks noGrp="1"/>
           </p:cNvSpPr>
@@ -742,8 +749,8 @@
         </p:nvSpPr>
         <p:spPr>
           <a:xfrm>
-            <a:off x="712800" y="2947680"/>
-            <a:ext cx="7718040" cy="539640"/>
+            <a:off x="457200" y="273600"/>
+            <a:ext cx="8229240" cy="1144800"/>
           </a:xfrm>
           <a:prstGeom prst="rect">
             <a:avLst/>
@@ -752,6 +759,7 @@
         <p:txBody>
           <a:bodyPr lIns="0" rIns="0" tIns="0" bIns="0" anchor="ctr"/>
           <a:p>
+            <a:pPr algn="ctr"/>
             <a:endParaRPr/>
           </a:p>
         </p:txBody>
@@ -780,7 +788,7 @@
       </p:grpSpPr>
       <p:sp>
         <p:nvSpPr>
-          <p:cNvPr id="56" name="PlaceHolder 1"/>
+          <p:cNvPr id="52" name="PlaceHolder 1"/>
           <p:cNvSpPr>
             <a:spLocks noGrp="1"/>
           </p:cNvSpPr>
@@ -790,8 +798,8 @@
         </p:nvSpPr>
         <p:spPr>
           <a:xfrm>
-            <a:off x="712800" y="2947680"/>
-            <a:ext cx="7718040" cy="2502720"/>
+            <a:off x="457200" y="273600"/>
+            <a:ext cx="8229240" cy="5307840"/>
           </a:xfrm>
           <a:prstGeom prst="rect">
             <a:avLst/>
@@ -829,7 +837,7 @@
       </p:grpSpPr>
       <p:sp>
         <p:nvSpPr>
-          <p:cNvPr id="57" name="PlaceHolder 1"/>
+          <p:cNvPr id="53" name="PlaceHolder 1"/>
           <p:cNvSpPr>
             <a:spLocks noGrp="1"/>
           </p:cNvSpPr>
@@ -839,8 +847,8 @@
         </p:nvSpPr>
         <p:spPr>
           <a:xfrm>
-            <a:off x="712800" y="2947680"/>
-            <a:ext cx="7718040" cy="539640"/>
+            <a:off x="457200" y="273600"/>
+            <a:ext cx="8229240" cy="1144800"/>
           </a:xfrm>
           <a:prstGeom prst="rect">
             <a:avLst/>
@@ -849,13 +857,14 @@
         <p:txBody>
           <a:bodyPr lIns="0" rIns="0" tIns="0" bIns="0" anchor="ctr"/>
           <a:p>
-            <a:endParaRPr/>
-          </a:p>
-        </p:txBody>
-      </p:sp>
-      <p:sp>
-        <p:nvSpPr>
-          <p:cNvPr id="58" name="PlaceHolder 2"/>
+            <a:pPr algn="ctr"/>
+            <a:endParaRPr/>
+          </a:p>
+        </p:txBody>
+      </p:sp>
+      <p:sp>
+        <p:nvSpPr>
+          <p:cNvPr id="54" name="PlaceHolder 2"/>
           <p:cNvSpPr>
             <a:spLocks noGrp="1"/>
           </p:cNvSpPr>
@@ -865,8 +874,8 @@
         </p:nvSpPr>
         <p:spPr>
           <a:xfrm>
-            <a:off x="712800" y="3633840"/>
-            <a:ext cx="3766320" cy="171360"/>
+            <a:off x="457200" y="1604520"/>
+            <a:ext cx="4015800" cy="1896840"/>
           </a:xfrm>
           <a:prstGeom prst="rect">
             <a:avLst/>
@@ -881,7 +890,7 @@
       </p:sp>
       <p:sp>
         <p:nvSpPr>
-          <p:cNvPr id="59" name="PlaceHolder 3"/>
+          <p:cNvPr id="55" name="PlaceHolder 3"/>
           <p:cNvSpPr>
             <a:spLocks noGrp="1"/>
           </p:cNvSpPr>
@@ -891,8 +900,8 @@
         </p:nvSpPr>
         <p:spPr>
           <a:xfrm>
-            <a:off x="712800" y="3821760"/>
-            <a:ext cx="3766320" cy="171360"/>
+            <a:off x="457200" y="3682080"/>
+            <a:ext cx="4015800" cy="1896840"/>
           </a:xfrm>
           <a:prstGeom prst="rect">
             <a:avLst/>
@@ -907,7 +916,7 @@
       </p:sp>
       <p:sp>
         <p:nvSpPr>
-          <p:cNvPr id="60" name="PlaceHolder 4"/>
+          <p:cNvPr id="56" name="PlaceHolder 4"/>
           <p:cNvSpPr>
             <a:spLocks noGrp="1"/>
           </p:cNvSpPr>
@@ -917,8 +926,8 @@
         </p:nvSpPr>
         <p:spPr>
           <a:xfrm>
-            <a:off x="4667760" y="3633840"/>
-            <a:ext cx="3766320" cy="359640"/>
+            <a:off x="4674240" y="1604520"/>
+            <a:ext cx="4015800" cy="3977280"/>
           </a:xfrm>
           <a:prstGeom prst="rect">
             <a:avLst/>
@@ -955,7 +964,7 @@
       </p:grpSpPr>
       <p:sp>
         <p:nvSpPr>
-          <p:cNvPr id="5" name="PlaceHolder 1"/>
+          <p:cNvPr id="4" name="PlaceHolder 1"/>
           <p:cNvSpPr>
             <a:spLocks noGrp="1"/>
           </p:cNvSpPr>
@@ -965,8 +974,8 @@
         </p:nvSpPr>
         <p:spPr>
           <a:xfrm>
-            <a:off x="712800" y="2947680"/>
-            <a:ext cx="7718040" cy="539640"/>
+            <a:off x="457200" y="273600"/>
+            <a:ext cx="8229240" cy="1144800"/>
           </a:xfrm>
           <a:prstGeom prst="rect">
             <a:avLst/>
@@ -975,13 +984,14 @@
         <p:txBody>
           <a:bodyPr lIns="0" rIns="0" tIns="0" bIns="0" anchor="ctr"/>
           <a:p>
-            <a:endParaRPr/>
-          </a:p>
-        </p:txBody>
-      </p:sp>
-      <p:sp>
-        <p:nvSpPr>
-          <p:cNvPr id="6" name="PlaceHolder 2"/>
+            <a:pPr algn="ctr"/>
+            <a:endParaRPr/>
+          </a:p>
+        </p:txBody>
+      </p:sp>
+      <p:sp>
+        <p:nvSpPr>
+          <p:cNvPr id="5" name="PlaceHolder 2"/>
           <p:cNvSpPr>
             <a:spLocks noGrp="1"/>
           </p:cNvSpPr>
@@ -991,8 +1001,8 @@
         </p:nvSpPr>
         <p:spPr>
           <a:xfrm>
-            <a:off x="712800" y="3585600"/>
-            <a:ext cx="7718040" cy="456120"/>
+            <a:off x="457200" y="1604520"/>
+            <a:ext cx="8229240" cy="3977280"/>
           </a:xfrm>
           <a:prstGeom prst="rect">
             <a:avLst/>
@@ -1030,7 +1040,7 @@
       </p:grpSpPr>
       <p:sp>
         <p:nvSpPr>
-          <p:cNvPr id="61" name="PlaceHolder 1"/>
+          <p:cNvPr id="57" name="PlaceHolder 1"/>
           <p:cNvSpPr>
             <a:spLocks noGrp="1"/>
           </p:cNvSpPr>
@@ -1040,8 +1050,8 @@
         </p:nvSpPr>
         <p:spPr>
           <a:xfrm>
-            <a:off x="712800" y="2947680"/>
-            <a:ext cx="7718040" cy="539640"/>
+            <a:off x="457200" y="273600"/>
+            <a:ext cx="8229240" cy="1144800"/>
           </a:xfrm>
           <a:prstGeom prst="rect">
             <a:avLst/>
@@ -1050,13 +1060,14 @@
         <p:txBody>
           <a:bodyPr lIns="0" rIns="0" tIns="0" bIns="0" anchor="ctr"/>
           <a:p>
-            <a:endParaRPr/>
-          </a:p>
-        </p:txBody>
-      </p:sp>
-      <p:sp>
-        <p:nvSpPr>
-          <p:cNvPr id="62" name="PlaceHolder 2"/>
+            <a:pPr algn="ctr"/>
+            <a:endParaRPr/>
+          </a:p>
+        </p:txBody>
+      </p:sp>
+      <p:sp>
+        <p:nvSpPr>
+          <p:cNvPr id="58" name="PlaceHolder 2"/>
           <p:cNvSpPr>
             <a:spLocks noGrp="1"/>
           </p:cNvSpPr>
@@ -1066,8 +1077,8 @@
         </p:nvSpPr>
         <p:spPr>
           <a:xfrm>
-            <a:off x="712800" y="3633840"/>
-            <a:ext cx="3766320" cy="359640"/>
+            <a:off x="457200" y="1604520"/>
+            <a:ext cx="4015800" cy="3977280"/>
           </a:xfrm>
           <a:prstGeom prst="rect">
             <a:avLst/>
@@ -1082,7 +1093,7 @@
       </p:sp>
       <p:sp>
         <p:nvSpPr>
-          <p:cNvPr id="63" name="PlaceHolder 3"/>
+          <p:cNvPr id="59" name="PlaceHolder 3"/>
           <p:cNvSpPr>
             <a:spLocks noGrp="1"/>
           </p:cNvSpPr>
@@ -1092,8 +1103,8 @@
         </p:nvSpPr>
         <p:spPr>
           <a:xfrm>
-            <a:off x="4667760" y="3633840"/>
-            <a:ext cx="3766320" cy="171360"/>
+            <a:off x="4674240" y="1604520"/>
+            <a:ext cx="4015800" cy="1896840"/>
           </a:xfrm>
           <a:prstGeom prst="rect">
             <a:avLst/>
@@ -1108,7 +1119,7 @@
       </p:sp>
       <p:sp>
         <p:nvSpPr>
-          <p:cNvPr id="64" name="PlaceHolder 4"/>
+          <p:cNvPr id="60" name="PlaceHolder 4"/>
           <p:cNvSpPr>
             <a:spLocks noGrp="1"/>
           </p:cNvSpPr>
@@ -1118,8 +1129,8 @@
         </p:nvSpPr>
         <p:spPr>
           <a:xfrm>
-            <a:off x="4667760" y="3821760"/>
-            <a:ext cx="3766320" cy="171360"/>
+            <a:off x="4674240" y="3682080"/>
+            <a:ext cx="4015800" cy="1896840"/>
           </a:xfrm>
           <a:prstGeom prst="rect">
             <a:avLst/>
@@ -1156,7 +1167,7 @@
       </p:grpSpPr>
       <p:sp>
         <p:nvSpPr>
-          <p:cNvPr id="65" name="PlaceHolder 1"/>
+          <p:cNvPr id="61" name="PlaceHolder 1"/>
           <p:cNvSpPr>
             <a:spLocks noGrp="1"/>
           </p:cNvSpPr>
@@ -1166,8 +1177,8 @@
         </p:nvSpPr>
         <p:spPr>
           <a:xfrm>
-            <a:off x="712800" y="2947680"/>
-            <a:ext cx="7718040" cy="539640"/>
+            <a:off x="457200" y="273600"/>
+            <a:ext cx="8229240" cy="1144800"/>
           </a:xfrm>
           <a:prstGeom prst="rect">
             <a:avLst/>
@@ -1176,13 +1187,14 @@
         <p:txBody>
           <a:bodyPr lIns="0" rIns="0" tIns="0" bIns="0" anchor="ctr"/>
           <a:p>
-            <a:endParaRPr/>
-          </a:p>
-        </p:txBody>
-      </p:sp>
-      <p:sp>
-        <p:nvSpPr>
-          <p:cNvPr id="66" name="PlaceHolder 2"/>
+            <a:pPr algn="ctr"/>
+            <a:endParaRPr/>
+          </a:p>
+        </p:txBody>
+      </p:sp>
+      <p:sp>
+        <p:nvSpPr>
+          <p:cNvPr id="62" name="PlaceHolder 2"/>
           <p:cNvSpPr>
             <a:spLocks noGrp="1"/>
           </p:cNvSpPr>
@@ -1192,8 +1204,8 @@
         </p:nvSpPr>
         <p:spPr>
           <a:xfrm>
-            <a:off x="712800" y="3633840"/>
-            <a:ext cx="3766320" cy="171360"/>
+            <a:off x="457200" y="1604520"/>
+            <a:ext cx="4015800" cy="1896840"/>
           </a:xfrm>
           <a:prstGeom prst="rect">
             <a:avLst/>
@@ -1208,7 +1220,7 @@
       </p:sp>
       <p:sp>
         <p:nvSpPr>
-          <p:cNvPr id="67" name="PlaceHolder 3"/>
+          <p:cNvPr id="63" name="PlaceHolder 3"/>
           <p:cNvSpPr>
             <a:spLocks noGrp="1"/>
           </p:cNvSpPr>
@@ -1218,8 +1230,8 @@
         </p:nvSpPr>
         <p:spPr>
           <a:xfrm>
-            <a:off x="4667760" y="3633840"/>
-            <a:ext cx="3766320" cy="171360"/>
+            <a:off x="4674240" y="1604520"/>
+            <a:ext cx="4015800" cy="1896840"/>
           </a:xfrm>
           <a:prstGeom prst="rect">
             <a:avLst/>
@@ -1234,7 +1246,7 @@
       </p:sp>
       <p:sp>
         <p:nvSpPr>
-          <p:cNvPr id="68" name="PlaceHolder 4"/>
+          <p:cNvPr id="64" name="PlaceHolder 4"/>
           <p:cNvSpPr>
             <a:spLocks noGrp="1"/>
           </p:cNvSpPr>
@@ -1244,8 +1256,8 @@
         </p:nvSpPr>
         <p:spPr>
           <a:xfrm>
-            <a:off x="712800" y="3821760"/>
-            <a:ext cx="7718040" cy="171360"/>
+            <a:off x="457200" y="3682080"/>
+            <a:ext cx="8229240" cy="1896840"/>
           </a:xfrm>
           <a:prstGeom prst="rect">
             <a:avLst/>
@@ -1282,7 +1294,7 @@
       </p:grpSpPr>
       <p:sp>
         <p:nvSpPr>
-          <p:cNvPr id="69" name="PlaceHolder 1"/>
+          <p:cNvPr id="65" name="PlaceHolder 1"/>
           <p:cNvSpPr>
             <a:spLocks noGrp="1"/>
           </p:cNvSpPr>
@@ -1292,8 +1304,8 @@
         </p:nvSpPr>
         <p:spPr>
           <a:xfrm>
-            <a:off x="712800" y="2947680"/>
-            <a:ext cx="7718040" cy="539640"/>
+            <a:off x="457200" y="273600"/>
+            <a:ext cx="8229240" cy="1144800"/>
           </a:xfrm>
           <a:prstGeom prst="rect">
             <a:avLst/>
@@ -1302,13 +1314,14 @@
         <p:txBody>
           <a:bodyPr lIns="0" rIns="0" tIns="0" bIns="0" anchor="ctr"/>
           <a:p>
-            <a:endParaRPr/>
-          </a:p>
-        </p:txBody>
-      </p:sp>
-      <p:sp>
-        <p:nvSpPr>
-          <p:cNvPr id="70" name="PlaceHolder 2"/>
+            <a:pPr algn="ctr"/>
+            <a:endParaRPr/>
+          </a:p>
+        </p:txBody>
+      </p:sp>
+      <p:sp>
+        <p:nvSpPr>
+          <p:cNvPr id="66" name="PlaceHolder 2"/>
           <p:cNvSpPr>
             <a:spLocks noGrp="1"/>
           </p:cNvSpPr>
@@ -1318,8 +1331,8 @@
         </p:nvSpPr>
         <p:spPr>
           <a:xfrm>
-            <a:off x="712800" y="3633840"/>
-            <a:ext cx="7718040" cy="171360"/>
+            <a:off x="457200" y="1604520"/>
+            <a:ext cx="8229240" cy="1896840"/>
           </a:xfrm>
           <a:prstGeom prst="rect">
             <a:avLst/>
@@ -1334,7 +1347,7 @@
       </p:sp>
       <p:sp>
         <p:nvSpPr>
-          <p:cNvPr id="71" name="PlaceHolder 3"/>
+          <p:cNvPr id="67" name="PlaceHolder 3"/>
           <p:cNvSpPr>
             <a:spLocks noGrp="1"/>
           </p:cNvSpPr>
@@ -1344,8 +1357,8 @@
         </p:nvSpPr>
         <p:spPr>
           <a:xfrm>
-            <a:off x="712800" y="3821760"/>
-            <a:ext cx="7718040" cy="171360"/>
+            <a:off x="457200" y="3682080"/>
+            <a:ext cx="8229240" cy="1896840"/>
           </a:xfrm>
           <a:prstGeom prst="rect">
             <a:avLst/>
@@ -1382,7 +1395,7 @@
       </p:grpSpPr>
       <p:sp>
         <p:nvSpPr>
-          <p:cNvPr id="72" name="PlaceHolder 1"/>
+          <p:cNvPr id="68" name="PlaceHolder 1"/>
           <p:cNvSpPr>
             <a:spLocks noGrp="1"/>
           </p:cNvSpPr>
@@ -1392,8 +1405,8 @@
         </p:nvSpPr>
         <p:spPr>
           <a:xfrm>
-            <a:off x="712800" y="2947680"/>
-            <a:ext cx="7718040" cy="539640"/>
+            <a:off x="457200" y="273600"/>
+            <a:ext cx="8229240" cy="1144800"/>
           </a:xfrm>
           <a:prstGeom prst="rect">
             <a:avLst/>
@@ -1402,13 +1415,14 @@
         <p:txBody>
           <a:bodyPr lIns="0" rIns="0" tIns="0" bIns="0" anchor="ctr"/>
           <a:p>
-            <a:endParaRPr/>
-          </a:p>
-        </p:txBody>
-      </p:sp>
-      <p:sp>
-        <p:nvSpPr>
-          <p:cNvPr id="73" name="PlaceHolder 2"/>
+            <a:pPr algn="ctr"/>
+            <a:endParaRPr/>
+          </a:p>
+        </p:txBody>
+      </p:sp>
+      <p:sp>
+        <p:nvSpPr>
+          <p:cNvPr id="69" name="PlaceHolder 2"/>
           <p:cNvSpPr>
             <a:spLocks noGrp="1"/>
           </p:cNvSpPr>
@@ -1418,8 +1432,8 @@
         </p:nvSpPr>
         <p:spPr>
           <a:xfrm>
-            <a:off x="712800" y="3633840"/>
-            <a:ext cx="3766320" cy="171360"/>
+            <a:off x="457200" y="1604520"/>
+            <a:ext cx="4015800" cy="1896840"/>
           </a:xfrm>
           <a:prstGeom prst="rect">
             <a:avLst/>
@@ -1434,7 +1448,7 @@
       </p:sp>
       <p:sp>
         <p:nvSpPr>
-          <p:cNvPr id="74" name="PlaceHolder 3"/>
+          <p:cNvPr id="70" name="PlaceHolder 3"/>
           <p:cNvSpPr>
             <a:spLocks noGrp="1"/>
           </p:cNvSpPr>
@@ -1444,8 +1458,8 @@
         </p:nvSpPr>
         <p:spPr>
           <a:xfrm>
-            <a:off x="4667760" y="3633840"/>
-            <a:ext cx="3766320" cy="171360"/>
+            <a:off x="4674240" y="1604520"/>
+            <a:ext cx="4015800" cy="1896840"/>
           </a:xfrm>
           <a:prstGeom prst="rect">
             <a:avLst/>
@@ -1460,7 +1474,7 @@
       </p:sp>
       <p:sp>
         <p:nvSpPr>
-          <p:cNvPr id="75" name="PlaceHolder 4"/>
+          <p:cNvPr id="71" name="PlaceHolder 4"/>
           <p:cNvSpPr>
             <a:spLocks noGrp="1"/>
           </p:cNvSpPr>
@@ -1470,8 +1484,8 @@
         </p:nvSpPr>
         <p:spPr>
           <a:xfrm>
-            <a:off x="4667760" y="3821760"/>
-            <a:ext cx="3766320" cy="171360"/>
+            <a:off x="4674240" y="3682080"/>
+            <a:ext cx="4015800" cy="1896840"/>
           </a:xfrm>
           <a:prstGeom prst="rect">
             <a:avLst/>
@@ -1486,7 +1500,7 @@
       </p:sp>
       <p:sp>
         <p:nvSpPr>
-          <p:cNvPr id="76" name="PlaceHolder 5"/>
+          <p:cNvPr id="72" name="PlaceHolder 5"/>
           <p:cNvSpPr>
             <a:spLocks noGrp="1"/>
           </p:cNvSpPr>
@@ -1496,8 +1510,8 @@
         </p:nvSpPr>
         <p:spPr>
           <a:xfrm>
-            <a:off x="712800" y="3821760"/>
-            <a:ext cx="3766320" cy="171360"/>
+            <a:off x="457200" y="3682080"/>
+            <a:ext cx="4015800" cy="1896840"/>
           </a:xfrm>
           <a:prstGeom prst="rect">
             <a:avLst/>
@@ -1534,7 +1548,7 @@
       </p:grpSpPr>
       <p:sp>
         <p:nvSpPr>
-          <p:cNvPr id="77" name="PlaceHolder 1"/>
+          <p:cNvPr id="73" name="PlaceHolder 1"/>
           <p:cNvSpPr>
             <a:spLocks noGrp="1"/>
           </p:cNvSpPr>
@@ -1544,8 +1558,8 @@
         </p:nvSpPr>
         <p:spPr>
           <a:xfrm>
-            <a:off x="712800" y="2947680"/>
-            <a:ext cx="7718040" cy="539640"/>
+            <a:off x="457200" y="273600"/>
+            <a:ext cx="8229240" cy="1144800"/>
           </a:xfrm>
           <a:prstGeom prst="rect">
             <a:avLst/>
@@ -1554,13 +1568,14 @@
         <p:txBody>
           <a:bodyPr lIns="0" rIns="0" tIns="0" bIns="0" anchor="ctr"/>
           <a:p>
-            <a:endParaRPr/>
-          </a:p>
-        </p:txBody>
-      </p:sp>
-      <p:sp>
-        <p:nvSpPr>
-          <p:cNvPr id="78" name="PlaceHolder 2"/>
+            <a:pPr algn="ctr"/>
+            <a:endParaRPr/>
+          </a:p>
+        </p:txBody>
+      </p:sp>
+      <p:sp>
+        <p:nvSpPr>
+          <p:cNvPr id="74" name="PlaceHolder 2"/>
           <p:cNvSpPr>
             <a:spLocks noGrp="1"/>
           </p:cNvSpPr>
@@ -1570,8 +1585,8 @@
         </p:nvSpPr>
         <p:spPr>
           <a:xfrm>
-            <a:off x="712800" y="3633840"/>
-            <a:ext cx="7718040" cy="359640"/>
+            <a:off x="457200" y="1604520"/>
+            <a:ext cx="8229240" cy="3977280"/>
           </a:xfrm>
           <a:prstGeom prst="rect">
             <a:avLst/>
@@ -1586,7 +1601,7 @@
       </p:sp>
       <p:sp>
         <p:nvSpPr>
-          <p:cNvPr id="79" name="PlaceHolder 3"/>
+          <p:cNvPr id="75" name="PlaceHolder 3"/>
           <p:cNvSpPr>
             <a:spLocks noGrp="1"/>
           </p:cNvSpPr>
@@ -1596,8 +1611,8 @@
         </p:nvSpPr>
         <p:spPr>
           <a:xfrm>
-            <a:off x="712800" y="3633840"/>
-            <a:ext cx="7718040" cy="359640"/>
+            <a:off x="457200" y="1604520"/>
+            <a:ext cx="8229240" cy="3977280"/>
           </a:xfrm>
           <a:prstGeom prst="rect">
             <a:avLst/>
@@ -1612,7 +1627,7 @@
       </p:sp>
       <p:pic>
         <p:nvPicPr>
-          <p:cNvPr id="80" name="" descr=""/>
+          <p:cNvPr id="76" name="" descr=""/>
           <p:cNvPicPr/>
           <p:nvPr/>
         </p:nvPicPr>
@@ -1622,8 +1637,8 @@
         </p:blipFill>
         <p:spPr>
           <a:xfrm>
-            <a:off x="4346280" y="3633480"/>
-            <a:ext cx="450720" cy="359640"/>
+            <a:off x="2077920" y="1604520"/>
+            <a:ext cx="4987440" cy="3977280"/>
           </a:xfrm>
           <a:prstGeom prst="rect">
             <a:avLst/>
@@ -1635,7 +1650,7 @@
       </p:pic>
       <p:pic>
         <p:nvPicPr>
-          <p:cNvPr id="81" name="" descr=""/>
+          <p:cNvPr id="77" name="" descr=""/>
           <p:cNvPicPr/>
           <p:nvPr/>
         </p:nvPicPr>
@@ -1645,8 +1660,8 @@
         </p:blipFill>
         <p:spPr>
           <a:xfrm>
-            <a:off x="4346280" y="3633480"/>
-            <a:ext cx="450720" cy="359640"/>
+            <a:off x="2077920" y="1604520"/>
+            <a:ext cx="4987440" cy="3977280"/>
           </a:xfrm>
           <a:prstGeom prst="rect">
             <a:avLst/>
@@ -1680,7 +1695,7 @@
       </p:grpSpPr>
       <p:sp>
         <p:nvSpPr>
-          <p:cNvPr id="7" name="PlaceHolder 1"/>
+          <p:cNvPr id="6" name="PlaceHolder 1"/>
           <p:cNvSpPr>
             <a:spLocks noGrp="1"/>
           </p:cNvSpPr>
@@ -1690,8 +1705,8 @@
         </p:nvSpPr>
         <p:spPr>
           <a:xfrm>
-            <a:off x="712800" y="2947680"/>
-            <a:ext cx="7718040" cy="539640"/>
+            <a:off x="457200" y="273600"/>
+            <a:ext cx="8229240" cy="1144800"/>
           </a:xfrm>
           <a:prstGeom prst="rect">
             <a:avLst/>
@@ -1700,13 +1715,14 @@
         <p:txBody>
           <a:bodyPr lIns="0" rIns="0" tIns="0" bIns="0" anchor="ctr"/>
           <a:p>
-            <a:endParaRPr/>
-          </a:p>
-        </p:txBody>
-      </p:sp>
-      <p:sp>
-        <p:nvSpPr>
-          <p:cNvPr id="8" name="PlaceHolder 2"/>
+            <a:pPr algn="ctr"/>
+            <a:endParaRPr/>
+          </a:p>
+        </p:txBody>
+      </p:sp>
+      <p:sp>
+        <p:nvSpPr>
+          <p:cNvPr id="7" name="PlaceHolder 2"/>
           <p:cNvSpPr>
             <a:spLocks noGrp="1"/>
           </p:cNvSpPr>
@@ -1716,8 +1732,8 @@
         </p:nvSpPr>
         <p:spPr>
           <a:xfrm>
-            <a:off x="712800" y="3633840"/>
-            <a:ext cx="7718040" cy="359640"/>
+            <a:off x="457200" y="1604520"/>
+            <a:ext cx="8229240" cy="3977280"/>
           </a:xfrm>
           <a:prstGeom prst="rect">
             <a:avLst/>
@@ -1754,7 +1770,7 @@
       </p:grpSpPr>
       <p:sp>
         <p:nvSpPr>
-          <p:cNvPr id="9" name="PlaceHolder 1"/>
+          <p:cNvPr id="8" name="PlaceHolder 1"/>
           <p:cNvSpPr>
             <a:spLocks noGrp="1"/>
           </p:cNvSpPr>
@@ -1764,8 +1780,8 @@
         </p:nvSpPr>
         <p:spPr>
           <a:xfrm>
-            <a:off x="712800" y="2947680"/>
-            <a:ext cx="7718040" cy="539640"/>
+            <a:off x="457200" y="273600"/>
+            <a:ext cx="8229240" cy="1144800"/>
           </a:xfrm>
           <a:prstGeom prst="rect">
             <a:avLst/>
@@ -1774,13 +1790,14 @@
         <p:txBody>
           <a:bodyPr lIns="0" rIns="0" tIns="0" bIns="0" anchor="ctr"/>
           <a:p>
-            <a:endParaRPr/>
-          </a:p>
-        </p:txBody>
-      </p:sp>
-      <p:sp>
-        <p:nvSpPr>
-          <p:cNvPr id="10" name="PlaceHolder 2"/>
+            <a:pPr algn="ctr"/>
+            <a:endParaRPr/>
+          </a:p>
+        </p:txBody>
+      </p:sp>
+      <p:sp>
+        <p:nvSpPr>
+          <p:cNvPr id="9" name="PlaceHolder 2"/>
           <p:cNvSpPr>
             <a:spLocks noGrp="1"/>
           </p:cNvSpPr>
@@ -1790,8 +1807,8 @@
         </p:nvSpPr>
         <p:spPr>
           <a:xfrm>
-            <a:off x="712800" y="3633840"/>
-            <a:ext cx="3766320" cy="359640"/>
+            <a:off x="457200" y="1604520"/>
+            <a:ext cx="4015800" cy="3977280"/>
           </a:xfrm>
           <a:prstGeom prst="rect">
             <a:avLst/>
@@ -1806,7 +1823,7 @@
       </p:sp>
       <p:sp>
         <p:nvSpPr>
-          <p:cNvPr id="11" name="PlaceHolder 3"/>
+          <p:cNvPr id="10" name="PlaceHolder 3"/>
           <p:cNvSpPr>
             <a:spLocks noGrp="1"/>
           </p:cNvSpPr>
@@ -1816,8 +1833,8 @@
         </p:nvSpPr>
         <p:spPr>
           <a:xfrm>
-            <a:off x="4667760" y="3633840"/>
-            <a:ext cx="3766320" cy="359640"/>
+            <a:off x="4674240" y="1604520"/>
+            <a:ext cx="4015800" cy="3977280"/>
           </a:xfrm>
           <a:prstGeom prst="rect">
             <a:avLst/>
@@ -1854,7 +1871,7 @@
       </p:grpSpPr>
       <p:sp>
         <p:nvSpPr>
-          <p:cNvPr id="12" name="PlaceHolder 1"/>
+          <p:cNvPr id="11" name="PlaceHolder 1"/>
           <p:cNvSpPr>
             <a:spLocks noGrp="1"/>
           </p:cNvSpPr>
@@ -1864,8 +1881,8 @@
         </p:nvSpPr>
         <p:spPr>
           <a:xfrm>
-            <a:off x="712800" y="2947680"/>
-            <a:ext cx="7718040" cy="539640"/>
+            <a:off x="457200" y="273600"/>
+            <a:ext cx="8229240" cy="1144800"/>
           </a:xfrm>
           <a:prstGeom prst="rect">
             <a:avLst/>
@@ -1874,6 +1891,7 @@
         <p:txBody>
           <a:bodyPr lIns="0" rIns="0" tIns="0" bIns="0" anchor="ctr"/>
           <a:p>
+            <a:pPr algn="ctr"/>
             <a:endParaRPr/>
           </a:p>
         </p:txBody>
@@ -1902,7 +1920,7 @@
       </p:grpSpPr>
       <p:sp>
         <p:nvSpPr>
-          <p:cNvPr id="13" name="PlaceHolder 1"/>
+          <p:cNvPr id="12" name="PlaceHolder 1"/>
           <p:cNvSpPr>
             <a:spLocks noGrp="1"/>
           </p:cNvSpPr>
@@ -1912,8 +1930,8 @@
         </p:nvSpPr>
         <p:spPr>
           <a:xfrm>
-            <a:off x="712800" y="2947680"/>
-            <a:ext cx="7718040" cy="2502720"/>
+            <a:off x="457200" y="273600"/>
+            <a:ext cx="8229240" cy="5307840"/>
           </a:xfrm>
           <a:prstGeom prst="rect">
             <a:avLst/>
@@ -1951,7 +1969,7 @@
       </p:grpSpPr>
       <p:sp>
         <p:nvSpPr>
-          <p:cNvPr id="14" name="PlaceHolder 1"/>
+          <p:cNvPr id="13" name="PlaceHolder 1"/>
           <p:cNvSpPr>
             <a:spLocks noGrp="1"/>
           </p:cNvSpPr>
@@ -1961,8 +1979,8 @@
         </p:nvSpPr>
         <p:spPr>
           <a:xfrm>
-            <a:off x="712800" y="2947680"/>
-            <a:ext cx="7718040" cy="539640"/>
+            <a:off x="457200" y="273600"/>
+            <a:ext cx="8229240" cy="1144800"/>
           </a:xfrm>
           <a:prstGeom prst="rect">
             <a:avLst/>
@@ -1971,13 +1989,14 @@
         <p:txBody>
           <a:bodyPr lIns="0" rIns="0" tIns="0" bIns="0" anchor="ctr"/>
           <a:p>
-            <a:endParaRPr/>
-          </a:p>
-        </p:txBody>
-      </p:sp>
-      <p:sp>
-        <p:nvSpPr>
-          <p:cNvPr id="15" name="PlaceHolder 2"/>
+            <a:pPr algn="ctr"/>
+            <a:endParaRPr/>
+          </a:p>
+        </p:txBody>
+      </p:sp>
+      <p:sp>
+        <p:nvSpPr>
+          <p:cNvPr id="14" name="PlaceHolder 2"/>
           <p:cNvSpPr>
             <a:spLocks noGrp="1"/>
           </p:cNvSpPr>
@@ -1987,8 +2006,8 @@
         </p:nvSpPr>
         <p:spPr>
           <a:xfrm>
-            <a:off x="712800" y="3633840"/>
-            <a:ext cx="3766320" cy="171360"/>
+            <a:off x="457200" y="1604520"/>
+            <a:ext cx="4015800" cy="1896840"/>
           </a:xfrm>
           <a:prstGeom prst="rect">
             <a:avLst/>
@@ -2003,7 +2022,7 @@
       </p:sp>
       <p:sp>
         <p:nvSpPr>
-          <p:cNvPr id="16" name="PlaceHolder 3"/>
+          <p:cNvPr id="15" name="PlaceHolder 3"/>
           <p:cNvSpPr>
             <a:spLocks noGrp="1"/>
           </p:cNvSpPr>
@@ -2013,8 +2032,8 @@
         </p:nvSpPr>
         <p:spPr>
           <a:xfrm>
-            <a:off x="712800" y="3821760"/>
-            <a:ext cx="3766320" cy="171360"/>
+            <a:off x="457200" y="3682080"/>
+            <a:ext cx="4015800" cy="1896840"/>
           </a:xfrm>
           <a:prstGeom prst="rect">
             <a:avLst/>
@@ -2029,7 +2048,7 @@
       </p:sp>
       <p:sp>
         <p:nvSpPr>
-          <p:cNvPr id="17" name="PlaceHolder 4"/>
+          <p:cNvPr id="16" name="PlaceHolder 4"/>
           <p:cNvSpPr>
             <a:spLocks noGrp="1"/>
           </p:cNvSpPr>
@@ -2039,8 +2058,8 @@
         </p:nvSpPr>
         <p:spPr>
           <a:xfrm>
-            <a:off x="4667760" y="3633840"/>
-            <a:ext cx="3766320" cy="359640"/>
+            <a:off x="4674240" y="1604520"/>
+            <a:ext cx="4015800" cy="3977280"/>
           </a:xfrm>
           <a:prstGeom prst="rect">
             <a:avLst/>
@@ -2077,7 +2096,7 @@
       </p:grpSpPr>
       <p:sp>
         <p:nvSpPr>
-          <p:cNvPr id="18" name="PlaceHolder 1"/>
+          <p:cNvPr id="17" name="PlaceHolder 1"/>
           <p:cNvSpPr>
             <a:spLocks noGrp="1"/>
           </p:cNvSpPr>
@@ -2087,8 +2106,8 @@
         </p:nvSpPr>
         <p:spPr>
           <a:xfrm>
-            <a:off x="712800" y="2947680"/>
-            <a:ext cx="7718040" cy="539640"/>
+            <a:off x="457200" y="273600"/>
+            <a:ext cx="8229240" cy="1144800"/>
           </a:xfrm>
           <a:prstGeom prst="rect">
             <a:avLst/>
@@ -2097,13 +2116,14 @@
         <p:txBody>
           <a:bodyPr lIns="0" rIns="0" tIns="0" bIns="0" anchor="ctr"/>
           <a:p>
-            <a:endParaRPr/>
-          </a:p>
-        </p:txBody>
-      </p:sp>
-      <p:sp>
-        <p:nvSpPr>
-          <p:cNvPr id="19" name="PlaceHolder 2"/>
+            <a:pPr algn="ctr"/>
+            <a:endParaRPr/>
+          </a:p>
+        </p:txBody>
+      </p:sp>
+      <p:sp>
+        <p:nvSpPr>
+          <p:cNvPr id="18" name="PlaceHolder 2"/>
           <p:cNvSpPr>
             <a:spLocks noGrp="1"/>
           </p:cNvSpPr>
@@ -2113,8 +2133,8 @@
         </p:nvSpPr>
         <p:spPr>
           <a:xfrm>
-            <a:off x="712800" y="3633840"/>
-            <a:ext cx="3766320" cy="359640"/>
+            <a:off x="457200" y="1604520"/>
+            <a:ext cx="4015800" cy="3977280"/>
           </a:xfrm>
           <a:prstGeom prst="rect">
             <a:avLst/>
@@ -2129,7 +2149,7 @@
       </p:sp>
       <p:sp>
         <p:nvSpPr>
-          <p:cNvPr id="20" name="PlaceHolder 3"/>
+          <p:cNvPr id="19" name="PlaceHolder 3"/>
           <p:cNvSpPr>
             <a:spLocks noGrp="1"/>
           </p:cNvSpPr>
@@ -2139,8 +2159,8 @@
         </p:nvSpPr>
         <p:spPr>
           <a:xfrm>
-            <a:off x="4667760" y="3633840"/>
-            <a:ext cx="3766320" cy="171360"/>
+            <a:off x="4674240" y="1604520"/>
+            <a:ext cx="4015800" cy="1896840"/>
           </a:xfrm>
           <a:prstGeom prst="rect">
             <a:avLst/>
@@ -2155,7 +2175,7 @@
       </p:sp>
       <p:sp>
         <p:nvSpPr>
-          <p:cNvPr id="21" name="PlaceHolder 4"/>
+          <p:cNvPr id="20" name="PlaceHolder 4"/>
           <p:cNvSpPr>
             <a:spLocks noGrp="1"/>
           </p:cNvSpPr>
@@ -2165,8 +2185,8 @@
         </p:nvSpPr>
         <p:spPr>
           <a:xfrm>
-            <a:off x="4667760" y="3821760"/>
-            <a:ext cx="3766320" cy="171360"/>
+            <a:off x="4674240" y="3682080"/>
+            <a:ext cx="4015800" cy="1896840"/>
           </a:xfrm>
           <a:prstGeom prst="rect">
             <a:avLst/>
@@ -2203,7 +2223,7 @@
       </p:grpSpPr>
       <p:sp>
         <p:nvSpPr>
-          <p:cNvPr id="22" name="PlaceHolder 1"/>
+          <p:cNvPr id="21" name="PlaceHolder 1"/>
           <p:cNvSpPr>
             <a:spLocks noGrp="1"/>
           </p:cNvSpPr>
@@ -2213,8 +2233,8 @@
         </p:nvSpPr>
         <p:spPr>
           <a:xfrm>
-            <a:off x="712800" y="2947680"/>
-            <a:ext cx="7718040" cy="539640"/>
+            <a:off x="457200" y="273600"/>
+            <a:ext cx="8229240" cy="1144800"/>
           </a:xfrm>
           <a:prstGeom prst="rect">
             <a:avLst/>
@@ -2223,13 +2243,14 @@
         <p:txBody>
           <a:bodyPr lIns="0" rIns="0" tIns="0" bIns="0" anchor="ctr"/>
           <a:p>
-            <a:endParaRPr/>
-          </a:p>
-        </p:txBody>
-      </p:sp>
-      <p:sp>
-        <p:nvSpPr>
-          <p:cNvPr id="23" name="PlaceHolder 2"/>
+            <a:pPr algn="ctr"/>
+            <a:endParaRPr/>
+          </a:p>
+        </p:txBody>
+      </p:sp>
+      <p:sp>
+        <p:nvSpPr>
+          <p:cNvPr id="22" name="PlaceHolder 2"/>
           <p:cNvSpPr>
             <a:spLocks noGrp="1"/>
           </p:cNvSpPr>
@@ -2239,8 +2260,8 @@
         </p:nvSpPr>
         <p:spPr>
           <a:xfrm>
-            <a:off x="712800" y="3633840"/>
-            <a:ext cx="3766320" cy="171360"/>
+            <a:off x="457200" y="1604520"/>
+            <a:ext cx="4015800" cy="1896840"/>
           </a:xfrm>
           <a:prstGeom prst="rect">
             <a:avLst/>
@@ -2255,7 +2276,7 @@
       </p:sp>
       <p:sp>
         <p:nvSpPr>
-          <p:cNvPr id="24" name="PlaceHolder 3"/>
+          <p:cNvPr id="23" name="PlaceHolder 3"/>
           <p:cNvSpPr>
             <a:spLocks noGrp="1"/>
           </p:cNvSpPr>
@@ -2265,8 +2286,8 @@
         </p:nvSpPr>
         <p:spPr>
           <a:xfrm>
-            <a:off x="4667760" y="3633840"/>
-            <a:ext cx="3766320" cy="171360"/>
+            <a:off x="4674240" y="1604520"/>
+            <a:ext cx="4015800" cy="1896840"/>
           </a:xfrm>
           <a:prstGeom prst="rect">
             <a:avLst/>
@@ -2281,7 +2302,7 @@
       </p:sp>
       <p:sp>
         <p:nvSpPr>
-          <p:cNvPr id="25" name="PlaceHolder 4"/>
+          <p:cNvPr id="24" name="PlaceHolder 4"/>
           <p:cNvSpPr>
             <a:spLocks noGrp="1"/>
           </p:cNvSpPr>
@@ -2291,8 +2312,8 @@
         </p:nvSpPr>
         <p:spPr>
           <a:xfrm>
-            <a:off x="712800" y="3821760"/>
-            <a:ext cx="7718040" cy="171360"/>
+            <a:off x="457200" y="3682080"/>
+            <a:ext cx="8229240" cy="1896840"/>
           </a:xfrm>
           <a:prstGeom prst="rect">
             <a:avLst/>
@@ -2360,333 +2381,9 @@
           </a:ln>
         </p:spPr>
       </p:pic>
-      <p:sp>
-        <p:nvSpPr>
-          <p:cNvPr id="1" name="PlaceHolder 1"/>
-          <p:cNvSpPr>
-            <a:spLocks noGrp="1"/>
-          </p:cNvSpPr>
-          <p:nvPr>
-            <p:ph type="title"/>
-          </p:nvPr>
-        </p:nvSpPr>
-        <p:spPr>
-          <a:xfrm>
-            <a:off x="712800" y="2947680"/>
-            <a:ext cx="7718040" cy="539640"/>
-          </a:xfrm>
-          <a:prstGeom prst="rect">
-            <a:avLst/>
-          </a:prstGeom>
-        </p:spPr>
-        <p:txBody>
-          <a:bodyPr lIns="0" rIns="0" tIns="0" bIns="0"/>
-          <a:p>
-            <a:pPr algn="ctr">
-              <a:lnSpc>
-                <a:spcPct val="100000"/>
-              </a:lnSpc>
-            </a:pPr>
-            <a:r>
-              <a:rPr lang="fr-FR" sz="3200" strike="noStrike">
-                <a:solidFill>
-                  <a:srgbClr val="000000"/>
-                </a:solidFill>
-                <a:latin typeface="HelveticaNeue LT 45 Light"/>
-              </a:rPr>
-              <a:t>Cliquez et entrez le titre de la présentation</a:t>
-            </a:r>
-            <a:endParaRPr/>
-          </a:p>
-        </p:txBody>
-      </p:sp>
-      <p:sp>
-        <p:nvSpPr>
-          <p:cNvPr id="2" name="PlaceHolder 2"/>
-          <p:cNvSpPr>
-            <a:spLocks noGrp="1"/>
-          </p:cNvSpPr>
-          <p:nvPr>
-            <p:ph type="body"/>
-          </p:nvPr>
-        </p:nvSpPr>
-        <p:spPr>
-          <a:xfrm>
-            <a:off x="712800" y="3633840"/>
-            <a:ext cx="7718040" cy="359640"/>
-          </a:xfrm>
-          <a:prstGeom prst="rect">
-            <a:avLst/>
-          </a:prstGeom>
-        </p:spPr>
-        <p:txBody>
-          <a:bodyPr lIns="0" rIns="0" tIns="0" bIns="0"/>
-          <a:p>
-            <a:pPr>
-              <a:buSzPct val="45000"/>
-              <a:buFont typeface="StarSymbol"/>
-              <a:buChar char=""/>
-            </a:pPr>
-            <a:r>
-              <a:rPr lang="fr-FR" sz="2200" strike="noStrike">
-                <a:solidFill>
-                  <a:srgbClr val="595959"/>
-                </a:solidFill>
-                <a:latin typeface="HelveticaNeue LT 45 Light"/>
-              </a:rPr>
-              <a:t>Click to edit the outline text format</a:t>
-            </a:r>
-            <a:endParaRPr/>
-          </a:p>
-          <a:p>
-            <a:pPr lvl="1">
-              <a:buSzPct val="75000"/>
-              <a:buFont typeface="StarSymbol"/>
-              <a:buChar char=""/>
-            </a:pPr>
-            <a:r>
-              <a:rPr lang="fr-FR" sz="2200" strike="noStrike">
-                <a:solidFill>
-                  <a:srgbClr val="595959"/>
-                </a:solidFill>
-                <a:latin typeface="HelveticaNeue LT 45 Light"/>
-              </a:rPr>
-              <a:t>Second Outline Level</a:t>
-            </a:r>
-            <a:endParaRPr/>
-          </a:p>
-          <a:p>
-            <a:pPr lvl="2">
-              <a:buSzPct val="45000"/>
-              <a:buFont typeface="StarSymbol"/>
-              <a:buChar char=""/>
-            </a:pPr>
-            <a:r>
-              <a:rPr lang="fr-FR" sz="2200" strike="noStrike">
-                <a:solidFill>
-                  <a:srgbClr val="595959"/>
-                </a:solidFill>
-                <a:latin typeface="HelveticaNeue LT 45 Light"/>
-              </a:rPr>
-              <a:t>Third Outline Level</a:t>
-            </a:r>
-            <a:endParaRPr/>
-          </a:p>
-          <a:p>
-            <a:pPr lvl="3">
-              <a:buSzPct val="75000"/>
-              <a:buFont typeface="StarSymbol"/>
-              <a:buChar char=""/>
-            </a:pPr>
-            <a:r>
-              <a:rPr lang="fr-FR" sz="2200" strike="noStrike">
-                <a:solidFill>
-                  <a:srgbClr val="595959"/>
-                </a:solidFill>
-                <a:latin typeface="HelveticaNeue LT 45 Light"/>
-              </a:rPr>
-              <a:t>Fourth Outline Level</a:t>
-            </a:r>
-            <a:endParaRPr/>
-          </a:p>
-          <a:p>
-            <a:pPr lvl="4">
-              <a:buSzPct val="45000"/>
-              <a:buFont typeface="StarSymbol"/>
-              <a:buChar char=""/>
-            </a:pPr>
-            <a:r>
-              <a:rPr lang="fr-FR" sz="2200" strike="noStrike">
-                <a:solidFill>
-                  <a:srgbClr val="595959"/>
-                </a:solidFill>
-                <a:latin typeface="HelveticaNeue LT 45 Light"/>
-              </a:rPr>
-              <a:t>Fifth Outline Level</a:t>
-            </a:r>
-            <a:endParaRPr/>
-          </a:p>
-          <a:p>
-            <a:pPr lvl="5">
-              <a:buSzPct val="45000"/>
-              <a:buFont typeface="StarSymbol"/>
-              <a:buChar char=""/>
-            </a:pPr>
-            <a:r>
-              <a:rPr lang="fr-FR" sz="2200" strike="noStrike">
-                <a:solidFill>
-                  <a:srgbClr val="595959"/>
-                </a:solidFill>
-                <a:latin typeface="HelveticaNeue LT 45 Light"/>
-              </a:rPr>
-              <a:t>Sixth Outline Level</a:t>
-            </a:r>
-            <a:endParaRPr/>
-          </a:p>
-          <a:p>
-            <a:pPr algn="ctr">
-              <a:lnSpc>
-                <a:spcPct val="100000"/>
-              </a:lnSpc>
-            </a:pPr>
-            <a:r>
-              <a:rPr lang="fr-FR" sz="2200" strike="noStrike">
-                <a:solidFill>
-                  <a:srgbClr val="595959"/>
-                </a:solidFill>
-                <a:latin typeface="HelveticaNeue LT 45 Light"/>
-              </a:rPr>
-              <a:t>Seventh Outline LevelCliquez et entrez le contexte/complément du titre</a:t>
-            </a:r>
-            <a:endParaRPr/>
-          </a:p>
-        </p:txBody>
-      </p:sp>
-      <p:sp>
-        <p:nvSpPr>
-          <p:cNvPr id="3" name="PlaceHolder 3"/>
-          <p:cNvSpPr>
-            <a:spLocks noGrp="1"/>
-          </p:cNvSpPr>
-          <p:nvPr>
-            <p:ph type="body"/>
-          </p:nvPr>
-        </p:nvSpPr>
-        <p:spPr>
-          <a:xfrm>
-            <a:off x="712800" y="4040280"/>
-            <a:ext cx="7718040" cy="359640"/>
-          </a:xfrm>
-          <a:prstGeom prst="rect">
-            <a:avLst/>
-          </a:prstGeom>
-        </p:spPr>
-        <p:txBody>
-          <a:bodyPr lIns="0" rIns="0" tIns="0" bIns="0"/>
-          <a:p>
-            <a:pPr>
-              <a:buSzPct val="45000"/>
-              <a:buFont typeface="StarSymbol"/>
-              <a:buChar char=""/>
-            </a:pPr>
-            <a:r>
-              <a:rPr lang="fr-FR" sz="2200" strike="noStrike">
-                <a:solidFill>
-                  <a:srgbClr val="595959"/>
-                </a:solidFill>
-                <a:latin typeface="HelveticaNeue LT 45 Light"/>
-              </a:rPr>
-              <a:t>Click to edit the outline text format</a:t>
-            </a:r>
-            <a:endParaRPr/>
-          </a:p>
-          <a:p>
-            <a:pPr lvl="1">
-              <a:buSzPct val="75000"/>
-              <a:buFont typeface="StarSymbol"/>
-              <a:buChar char=""/>
-            </a:pPr>
-            <a:r>
-              <a:rPr lang="fr-FR" sz="2200" strike="noStrike">
-                <a:solidFill>
-                  <a:srgbClr val="595959"/>
-                </a:solidFill>
-                <a:latin typeface="HelveticaNeue LT 45 Light"/>
-              </a:rPr>
-              <a:t>Second Outline Level</a:t>
-            </a:r>
-            <a:endParaRPr/>
-          </a:p>
-          <a:p>
-            <a:pPr lvl="2">
-              <a:buSzPct val="45000"/>
-              <a:buFont typeface="StarSymbol"/>
-              <a:buChar char=""/>
-            </a:pPr>
-            <a:r>
-              <a:rPr lang="fr-FR" sz="2200" strike="noStrike">
-                <a:solidFill>
-                  <a:srgbClr val="595959"/>
-                </a:solidFill>
-                <a:latin typeface="HelveticaNeue LT 45 Light"/>
-              </a:rPr>
-              <a:t>Third Outline Level</a:t>
-            </a:r>
-            <a:endParaRPr/>
-          </a:p>
-          <a:p>
-            <a:pPr lvl="3">
-              <a:buSzPct val="75000"/>
-              <a:buFont typeface="StarSymbol"/>
-              <a:buChar char=""/>
-            </a:pPr>
-            <a:r>
-              <a:rPr lang="fr-FR" sz="2200" strike="noStrike">
-                <a:solidFill>
-                  <a:srgbClr val="595959"/>
-                </a:solidFill>
-                <a:latin typeface="HelveticaNeue LT 45 Light"/>
-              </a:rPr>
-              <a:t>Fourth Outline Level</a:t>
-            </a:r>
-            <a:endParaRPr/>
-          </a:p>
-          <a:p>
-            <a:pPr lvl="4">
-              <a:buSzPct val="45000"/>
-              <a:buFont typeface="StarSymbol"/>
-              <a:buChar char=""/>
-            </a:pPr>
-            <a:r>
-              <a:rPr lang="fr-FR" sz="2200" strike="noStrike">
-                <a:solidFill>
-                  <a:srgbClr val="595959"/>
-                </a:solidFill>
-                <a:latin typeface="HelveticaNeue LT 45 Light"/>
-              </a:rPr>
-              <a:t>Fifth Outline Level</a:t>
-            </a:r>
-            <a:endParaRPr/>
-          </a:p>
-          <a:p>
-            <a:pPr lvl="5">
-              <a:buSzPct val="45000"/>
-              <a:buFont typeface="StarSymbol"/>
-              <a:buChar char=""/>
-            </a:pPr>
-            <a:r>
-              <a:rPr lang="fr-FR" sz="2200" strike="noStrike">
-                <a:solidFill>
-                  <a:srgbClr val="595959"/>
-                </a:solidFill>
-                <a:latin typeface="HelveticaNeue LT 45 Light"/>
-              </a:rPr>
-              <a:t>Sixth Outline Level</a:t>
-            </a:r>
-            <a:endParaRPr/>
-          </a:p>
-          <a:p>
-            <a:pPr algn="ctr">
-              <a:lnSpc>
-                <a:spcPct val="100000"/>
-              </a:lnSpc>
-            </a:pPr>
-            <a:r>
-              <a:rPr lang="fr-FR" sz="2200" strike="noStrike">
-                <a:solidFill>
-                  <a:srgbClr val="595959"/>
-                </a:solidFill>
-                <a:latin typeface="HelveticaNeue LT 45 Light"/>
-              </a:rPr>
-              <a:t>Seventh Outline LevelCliquez et entrez la date</a:t>
-            </a:r>
-            <a:endParaRPr/>
-          </a:p>
-        </p:txBody>
-      </p:sp>
       <p:pic>
         <p:nvPicPr>
-          <p:cNvPr id="4" name="" descr=""/>
+          <p:cNvPr id="1" name="" descr=""/>
           <p:cNvPicPr/>
           <p:nvPr/>
         </p:nvPicPr>
@@ -2707,6 +2404,160 @@
           </a:ln>
         </p:spPr>
       </p:pic>
+      <p:sp>
+        <p:nvSpPr>
+          <p:cNvPr id="2" name="PlaceHolder 1"/>
+          <p:cNvSpPr>
+            <a:spLocks noGrp="1"/>
+          </p:cNvSpPr>
+          <p:nvPr>
+            <p:ph type="title"/>
+          </p:nvPr>
+        </p:nvSpPr>
+        <p:spPr>
+          <a:xfrm>
+            <a:off x="457200" y="273600"/>
+            <a:ext cx="8229240" cy="1144800"/>
+          </a:xfrm>
+          <a:prstGeom prst="rect">
+            <a:avLst/>
+          </a:prstGeom>
+        </p:spPr>
+        <p:txBody>
+          <a:bodyPr lIns="0" rIns="0" tIns="0" bIns="0" anchor="ctr"/>
+          <a:p>
+            <a:pPr algn="ctr"/>
+            <a:r>
+              <a:rPr lang="fr-FR" sz="4400">
+                <a:latin typeface="Arial"/>
+              </a:rPr>
+              <a:t>Click to edit the title text format</a:t>
+            </a:r>
+            <a:endParaRPr/>
+          </a:p>
+        </p:txBody>
+      </p:sp>
+      <p:sp>
+        <p:nvSpPr>
+          <p:cNvPr id="3" name="PlaceHolder 2"/>
+          <p:cNvSpPr>
+            <a:spLocks noGrp="1"/>
+          </p:cNvSpPr>
+          <p:nvPr>
+            <p:ph type="body"/>
+          </p:nvPr>
+        </p:nvSpPr>
+        <p:spPr>
+          <a:xfrm>
+            <a:off x="457200" y="1604520"/>
+            <a:ext cx="8229240" cy="3977280"/>
+          </a:xfrm>
+          <a:prstGeom prst="rect">
+            <a:avLst/>
+          </a:prstGeom>
+        </p:spPr>
+        <p:txBody>
+          <a:bodyPr lIns="0" rIns="0" tIns="0" bIns="0"/>
+          <a:p>
+            <a:pPr>
+              <a:buSzPct val="45000"/>
+              <a:buFont typeface="StarSymbol"/>
+              <a:buChar char=""/>
+            </a:pPr>
+            <a:r>
+              <a:rPr lang="fr-FR" sz="3200">
+                <a:latin typeface="Arial"/>
+              </a:rPr>
+              <a:t>Click to edit the outline text format</a:t>
+            </a:r>
+            <a:endParaRPr/>
+          </a:p>
+          <a:p>
+            <a:pPr lvl="1">
+              <a:buSzPct val="75000"/>
+              <a:buFont typeface="StarSymbol"/>
+              <a:buChar char=""/>
+            </a:pPr>
+            <a:r>
+              <a:rPr lang="fr-FR" sz="2800">
+                <a:latin typeface="Arial"/>
+              </a:rPr>
+              <a:t>Second Outline Level</a:t>
+            </a:r>
+            <a:endParaRPr/>
+          </a:p>
+          <a:p>
+            <a:pPr lvl="2">
+              <a:buSzPct val="45000"/>
+              <a:buFont typeface="StarSymbol"/>
+              <a:buChar char=""/>
+            </a:pPr>
+            <a:r>
+              <a:rPr lang="fr-FR" sz="2400">
+                <a:latin typeface="Arial"/>
+              </a:rPr>
+              <a:t>Third Outline Level</a:t>
+            </a:r>
+            <a:endParaRPr/>
+          </a:p>
+          <a:p>
+            <a:pPr lvl="3">
+              <a:buSzPct val="75000"/>
+              <a:buFont typeface="StarSymbol"/>
+              <a:buChar char=""/>
+            </a:pPr>
+            <a:r>
+              <a:rPr lang="fr-FR" sz="2000">
+                <a:latin typeface="Arial"/>
+              </a:rPr>
+              <a:t>Fourth Outline Level</a:t>
+            </a:r>
+            <a:endParaRPr/>
+          </a:p>
+          <a:p>
+            <a:pPr lvl="4">
+              <a:buSzPct val="45000"/>
+              <a:buFont typeface="StarSymbol"/>
+              <a:buChar char=""/>
+            </a:pPr>
+            <a:r>
+              <a:rPr lang="fr-FR" sz="2000">
+                <a:latin typeface="Arial"/>
+              </a:rPr>
+              <a:t>Fifth Outline Level</a:t>
+            </a:r>
+            <a:endParaRPr/>
+          </a:p>
+          <a:p>
+            <a:pPr lvl="5">
+              <a:buSzPct val="45000"/>
+              <a:buFont typeface="StarSymbol"/>
+              <a:buChar char=""/>
+            </a:pPr>
+            <a:r>
+              <a:rPr lang="fr-FR" sz="2000">
+                <a:latin typeface="Arial"/>
+              </a:rPr>
+              <a:t>Sixth Outline Level</a:t>
+            </a:r>
+            <a:endParaRPr/>
+          </a:p>
+          <a:p>
+            <a:pPr lvl="6">
+              <a:buSzPct val="45000"/>
+              <a:buFont typeface="StarSymbol"/>
+              <a:buChar char=""/>
+            </a:pPr>
+            <a:r>
+              <a:rPr lang="fr-FR" sz="2000">
+                <a:latin typeface="Arial"/>
+              </a:rPr>
+              <a:t>Seventh Outline Level</a:t>
+            </a:r>
+            <a:endParaRPr/>
+          </a:p>
+        </p:txBody>
+      </p:sp>
     </p:spTree>
   </p:cSld>
   <p:clrMap bg1="lt1" bg2="lt2" tx1="dk1" tx2="dk2" accent1="accent1" accent2="accent2" accent3="accent3" accent4="accent4" accent5="accent5" accent6="accent6" hlink="hlink" folHlink="folHlink"/>
@@ -2756,12 +2607,35 @@
       </p:grpSpPr>
       <p:pic>
         <p:nvPicPr>
+          <p:cNvPr id="38" name="" descr=""/>
+          <p:cNvPicPr/>
+          <p:nvPr/>
+        </p:nvPicPr>
+        <p:blipFill>
+          <a:blip r:embed="rId3"/>
+          <a:stretch/>
+        </p:blipFill>
+        <p:spPr>
+          <a:xfrm>
+            <a:off x="360" y="0"/>
+            <a:ext cx="360" cy="360"/>
+          </a:xfrm>
+          <a:prstGeom prst="rect">
+            <a:avLst/>
+          </a:prstGeom>
+          <a:ln>
+            <a:noFill/>
+          </a:ln>
+        </p:spPr>
+      </p:pic>
+      <p:pic>
+        <p:nvPicPr>
           <p:cNvPr id="39" name="" descr=""/>
           <p:cNvPicPr/>
           <p:nvPr/>
         </p:nvPicPr>
         <p:blipFill>
-          <a:blip r:embed="rId3"/>
+          <a:blip r:embed="rId4"/>
           <a:stretch/>
         </p:blipFill>
         <p:spPr>
@@ -2784,7 +2658,7 @@
           <p:nvPr/>
         </p:nvPicPr>
         <p:blipFill>
-          <a:blip r:embed="rId4"/>
+          <a:blip r:embed="rId5"/>
           <a:stretch/>
         </p:blipFill>
         <p:spPr>
@@ -2800,416 +2674,9 @@
           </a:ln>
         </p:spPr>
       </p:pic>
-      <p:sp>
-        <p:nvSpPr>
-          <p:cNvPr id="41" name="PlaceHolder 1"/>
-          <p:cNvSpPr>
-            <a:spLocks noGrp="1"/>
-          </p:cNvSpPr>
-          <p:nvPr>
-            <p:ph type="subTitle"/>
-          </p:nvPr>
-        </p:nvSpPr>
-        <p:spPr>
-          <a:xfrm>
-            <a:off x="720000" y="935640"/>
-            <a:ext cx="7711200" cy="507240"/>
-          </a:xfrm>
-          <a:prstGeom prst="rect">
-            <a:avLst/>
-          </a:prstGeom>
-        </p:spPr>
-        <p:txBody>
-          <a:bodyPr lIns="0" rIns="0" tIns="0" bIns="0"/>
-          <a:p>
-            <a:pPr>
-              <a:lnSpc>
-                <a:spcPct val="100000"/>
-              </a:lnSpc>
-            </a:pPr>
-            <a:r>
-              <a:rPr b="1" lang="fr-FR" sz="2000" strike="noStrike">
-                <a:solidFill>
-                  <a:srgbClr val="595959"/>
-                </a:solidFill>
-                <a:latin typeface="HelveticaNeueLT Com 55 Roman"/>
-              </a:rPr>
-              <a:t>Cliquez et entrez le sous-titre de la slide</a:t>
-            </a:r>
-            <a:endParaRPr/>
-          </a:p>
-        </p:txBody>
-      </p:sp>
-      <p:sp>
-        <p:nvSpPr>
-          <p:cNvPr id="42" name="PlaceHolder 2"/>
-          <p:cNvSpPr>
-            <a:spLocks noGrp="1"/>
-          </p:cNvSpPr>
-          <p:nvPr>
-            <p:ph type="title"/>
-          </p:nvPr>
-        </p:nvSpPr>
-        <p:spPr>
-          <a:xfrm>
-            <a:off x="712800" y="480240"/>
-            <a:ext cx="7716600" cy="456840"/>
-          </a:xfrm>
-          <a:prstGeom prst="rect">
-            <a:avLst/>
-          </a:prstGeom>
-        </p:spPr>
-        <p:txBody>
-          <a:bodyPr lIns="0" rIns="0" tIns="0" bIns="0"/>
-          <a:p>
-            <a:pPr>
-              <a:lnSpc>
-                <a:spcPct val="100000"/>
-              </a:lnSpc>
-            </a:pPr>
-            <a:r>
-              <a:rPr lang="fr-FR" sz="2400" strike="noStrike">
-                <a:solidFill>
-                  <a:srgbClr val="000000"/>
-                </a:solidFill>
-                <a:latin typeface="HelveticaNeueLT Com 55 Roman"/>
-              </a:rPr>
-              <a:t>Cliquez et entrez le titre du chapitre</a:t>
-            </a:r>
-            <a:endParaRPr/>
-          </a:p>
-        </p:txBody>
-      </p:sp>
-      <p:sp>
-        <p:nvSpPr>
-          <p:cNvPr id="43" name="PlaceHolder 3"/>
-          <p:cNvSpPr>
-            <a:spLocks noGrp="1"/>
-          </p:cNvSpPr>
-          <p:nvPr>
-            <p:ph type="sldNum"/>
-          </p:nvPr>
-        </p:nvSpPr>
-        <p:spPr>
-          <a:xfrm>
-            <a:off x="6879960" y="6311160"/>
-            <a:ext cx="2057040" cy="364680"/>
-          </a:xfrm>
-          <a:prstGeom prst="rect">
-            <a:avLst/>
-          </a:prstGeom>
-        </p:spPr>
-        <p:txBody>
-          <a:bodyPr lIns="108000" rIns="108000" anchor="ctr"/>
-          <a:p>
-            <a:pPr algn="r">
-              <a:lnSpc>
-                <a:spcPct val="100000"/>
-              </a:lnSpc>
-            </a:pPr>
-            <a:fld id="{F6791303-047B-47A8-B286-5635EAA422EB}" type="slidenum">
-              <a:rPr lang="fr-FR" sz="1000" strike="noStrike">
-                <a:solidFill>
-                  <a:srgbClr val="595959"/>
-                </a:solidFill>
-                <a:latin typeface="HelveticaNeue LT 45 Light"/>
-              </a:rPr>
-              <a:t>&lt;number&gt;</a:t>
-            </a:fld>
-            <a:endParaRPr/>
-          </a:p>
-        </p:txBody>
-      </p:sp>
-      <p:sp>
-        <p:nvSpPr>
-          <p:cNvPr id="44" name="PlaceHolder 4"/>
-          <p:cNvSpPr>
-            <a:spLocks noGrp="1"/>
-          </p:cNvSpPr>
-          <p:nvPr>
-            <p:ph type="body"/>
-          </p:nvPr>
-        </p:nvSpPr>
-        <p:spPr>
-          <a:xfrm>
-            <a:off x="712800" y="6311160"/>
-            <a:ext cx="6101640" cy="364680"/>
-          </a:xfrm>
-          <a:prstGeom prst="rect">
-            <a:avLst/>
-          </a:prstGeom>
-        </p:spPr>
-        <p:txBody>
-          <a:bodyPr lIns="0" rIns="0" tIns="0" bIns="0" anchor="ctr"/>
-          <a:p>
-            <a:pPr>
-              <a:buSzPct val="45000"/>
-              <a:buFont typeface="StarSymbol"/>
-              <a:buChar char=""/>
-            </a:pPr>
-            <a:r>
-              <a:rPr lang="fr-FR" sz="900" strike="noStrike">
-                <a:solidFill>
-                  <a:srgbClr val="595959"/>
-                </a:solidFill>
-                <a:latin typeface="HelveticaNeue LT 45 Light"/>
-              </a:rPr>
-              <a:t>Click to edit the outline text format</a:t>
-            </a:r>
-            <a:endParaRPr/>
-          </a:p>
-          <a:p>
-            <a:pPr lvl="1">
-              <a:buSzPct val="75000"/>
-              <a:buFont typeface="StarSymbol"/>
-              <a:buChar char=""/>
-            </a:pPr>
-            <a:r>
-              <a:rPr lang="fr-FR" sz="900" strike="noStrike">
-                <a:solidFill>
-                  <a:srgbClr val="595959"/>
-                </a:solidFill>
-                <a:latin typeface="HelveticaNeue LT 45 Light"/>
-              </a:rPr>
-              <a:t>Second Outline Level</a:t>
-            </a:r>
-            <a:endParaRPr/>
-          </a:p>
-          <a:p>
-            <a:pPr lvl="2">
-              <a:buSzPct val="45000"/>
-              <a:buFont typeface="StarSymbol"/>
-              <a:buChar char=""/>
-            </a:pPr>
-            <a:r>
-              <a:rPr lang="fr-FR" sz="900" strike="noStrike">
-                <a:solidFill>
-                  <a:srgbClr val="595959"/>
-                </a:solidFill>
-                <a:latin typeface="HelveticaNeue LT 45 Light"/>
-              </a:rPr>
-              <a:t>Third Outline Level</a:t>
-            </a:r>
-            <a:endParaRPr/>
-          </a:p>
-          <a:p>
-            <a:pPr lvl="3">
-              <a:buSzPct val="75000"/>
-              <a:buFont typeface="StarSymbol"/>
-              <a:buChar char=""/>
-            </a:pPr>
-            <a:r>
-              <a:rPr lang="fr-FR" sz="900" strike="noStrike">
-                <a:solidFill>
-                  <a:srgbClr val="595959"/>
-                </a:solidFill>
-                <a:latin typeface="HelveticaNeue LT 45 Light"/>
-              </a:rPr>
-              <a:t>Fourth Outline Level</a:t>
-            </a:r>
-            <a:endParaRPr/>
-          </a:p>
-          <a:p>
-            <a:pPr lvl="4">
-              <a:buSzPct val="45000"/>
-              <a:buFont typeface="StarSymbol"/>
-              <a:buChar char=""/>
-            </a:pPr>
-            <a:r>
-              <a:rPr lang="fr-FR" sz="900" strike="noStrike">
-                <a:solidFill>
-                  <a:srgbClr val="595959"/>
-                </a:solidFill>
-                <a:latin typeface="HelveticaNeue LT 45 Light"/>
-              </a:rPr>
-              <a:t>Fifth Outline Level</a:t>
-            </a:r>
-            <a:endParaRPr/>
-          </a:p>
-          <a:p>
-            <a:pPr lvl="5">
-              <a:buSzPct val="45000"/>
-              <a:buFont typeface="StarSymbol"/>
-              <a:buChar char=""/>
-            </a:pPr>
-            <a:r>
-              <a:rPr lang="fr-FR" sz="900" strike="noStrike">
-                <a:solidFill>
-                  <a:srgbClr val="595959"/>
-                </a:solidFill>
-                <a:latin typeface="HelveticaNeue LT 45 Light"/>
-              </a:rPr>
-              <a:t>Sixth Outline Level</a:t>
-            </a:r>
-            <a:endParaRPr/>
-          </a:p>
-          <a:p>
-            <a:pPr>
-              <a:lnSpc>
-                <a:spcPct val="100000"/>
-              </a:lnSpc>
-            </a:pPr>
-            <a:r>
-              <a:rPr lang="fr-FR" sz="900" strike="noStrike">
-                <a:solidFill>
-                  <a:srgbClr val="595959"/>
-                </a:solidFill>
-                <a:latin typeface="HelveticaNeue LT 45 Light"/>
-              </a:rPr>
-              <a:t>Seventh Outline Level1 Cliquez et entrez vos notes de bas de page</a:t>
-            </a:r>
-            <a:endParaRPr/>
-          </a:p>
-        </p:txBody>
-      </p:sp>
-      <p:sp>
-        <p:nvSpPr>
-          <p:cNvPr id="45" name="PlaceHolder 5"/>
-          <p:cNvSpPr>
-            <a:spLocks noGrp="1"/>
-          </p:cNvSpPr>
-          <p:nvPr>
-            <p:ph type="body"/>
-          </p:nvPr>
-        </p:nvSpPr>
-        <p:spPr>
-          <a:xfrm>
-            <a:off x="712800" y="1951200"/>
-            <a:ext cx="7710840" cy="3639240"/>
-          </a:xfrm>
-          <a:prstGeom prst="rect">
-            <a:avLst/>
-          </a:prstGeom>
-        </p:spPr>
-        <p:txBody>
-          <a:bodyPr lIns="0" rIns="0" tIns="0" bIns="0"/>
-          <a:p>
-            <a:pPr>
-              <a:buSzPct val="45000"/>
-              <a:buFont typeface="StarSymbol"/>
-              <a:buChar char=""/>
-            </a:pPr>
-            <a:r>
-              <a:rPr lang="fr-FR" sz="1600" strike="noStrike">
-                <a:solidFill>
-                  <a:srgbClr val="595959"/>
-                </a:solidFill>
-                <a:latin typeface="HelveticaNeue LT 45 Light"/>
-              </a:rPr>
-              <a:t>Click to edit the outline text format</a:t>
-            </a:r>
-            <a:endParaRPr/>
-          </a:p>
-          <a:p>
-            <a:pPr lvl="1">
-              <a:buSzPct val="75000"/>
-              <a:buFont typeface="StarSymbol"/>
-              <a:buChar char=""/>
-            </a:pPr>
-            <a:r>
-              <a:rPr lang="fr-FR" sz="1600" strike="noStrike">
-                <a:solidFill>
-                  <a:srgbClr val="595959"/>
-                </a:solidFill>
-                <a:latin typeface="HelveticaNeue LT 45 Light"/>
-              </a:rPr>
-              <a:t>Second Outline Level</a:t>
-            </a:r>
-            <a:endParaRPr/>
-          </a:p>
-          <a:p>
-            <a:pPr lvl="2">
-              <a:buSzPct val="45000"/>
-              <a:buFont typeface="StarSymbol"/>
-              <a:buChar char=""/>
-            </a:pPr>
-            <a:r>
-              <a:rPr lang="fr-FR" sz="1600" strike="noStrike">
-                <a:solidFill>
-                  <a:srgbClr val="595959"/>
-                </a:solidFill>
-                <a:latin typeface="HelveticaNeue LT 45 Light"/>
-              </a:rPr>
-              <a:t>Third Outline Level</a:t>
-            </a:r>
-            <a:endParaRPr/>
-          </a:p>
-          <a:p>
-            <a:pPr lvl="3">
-              <a:buSzPct val="75000"/>
-              <a:buFont typeface="StarSymbol"/>
-              <a:buChar char=""/>
-            </a:pPr>
-            <a:r>
-              <a:rPr lang="fr-FR" sz="1600" strike="noStrike">
-                <a:solidFill>
-                  <a:srgbClr val="595959"/>
-                </a:solidFill>
-                <a:latin typeface="HelveticaNeue LT 45 Light"/>
-              </a:rPr>
-              <a:t>Fourth Outline Level</a:t>
-            </a:r>
-            <a:endParaRPr/>
-          </a:p>
-          <a:p>
-            <a:pPr lvl="4">
-              <a:buSzPct val="45000"/>
-              <a:buFont typeface="StarSymbol"/>
-              <a:buChar char=""/>
-            </a:pPr>
-            <a:r>
-              <a:rPr lang="fr-FR" sz="1600" strike="noStrike">
-                <a:solidFill>
-                  <a:srgbClr val="595959"/>
-                </a:solidFill>
-                <a:latin typeface="HelveticaNeue LT 45 Light"/>
-              </a:rPr>
-              <a:t>Fifth Outline Level</a:t>
-            </a:r>
-            <a:endParaRPr/>
-          </a:p>
-          <a:p>
-            <a:pPr lvl="5">
-              <a:buSzPct val="45000"/>
-              <a:buFont typeface="StarSymbol"/>
-              <a:buChar char=""/>
-            </a:pPr>
-            <a:r>
-              <a:rPr lang="fr-FR" sz="1600" strike="noStrike">
-                <a:solidFill>
-                  <a:srgbClr val="595959"/>
-                </a:solidFill>
-                <a:latin typeface="HelveticaNeue LT 45 Light"/>
-              </a:rPr>
-              <a:t>Sixth Outline Level</a:t>
-            </a:r>
-            <a:endParaRPr/>
-          </a:p>
-          <a:p>
-            <a:pPr>
-              <a:lnSpc>
-                <a:spcPct val="100000"/>
-              </a:lnSpc>
-              <a:buBlip>
-                <a:blip r:embed="rId5"/>
-              </a:buBlip>
-            </a:pPr>
-            <a:r>
-              <a:rPr lang="fr-FR" sz="1600" strike="noStrike">
-                <a:solidFill>
-                  <a:srgbClr val="595959"/>
-                </a:solidFill>
-                <a:latin typeface="HelveticaNeue LT 45 Light"/>
-              </a:rPr>
-              <a:t>Seventh Outline LevelCliquez et entrez votre texte</a:t>
-            </a:r>
-            <a:endParaRPr/>
-          </a:p>
-        </p:txBody>
-      </p:sp>
       <p:pic>
         <p:nvPicPr>
-          <p:cNvPr id="46" name="" descr=""/>
+          <p:cNvPr id="41" name="" descr=""/>
           <p:cNvPicPr/>
           <p:nvPr/>
         </p:nvPicPr>
@@ -3230,45 +2697,176 @@
           </a:ln>
         </p:spPr>
       </p:pic>
-      <p:pic>
-        <p:nvPicPr>
-          <p:cNvPr id="47" name="" descr=""/>
-          <p:cNvPicPr/>
-          <p:nvPr/>
-        </p:nvPicPr>
-        <p:blipFill>
-          <a:blip r:embed="rId7"/>
-          <a:stretch/>
-        </p:blipFill>
-        <p:spPr>
-          <a:xfrm>
-            <a:off x="360" y="0"/>
-            <a:ext cx="360" cy="360"/>
-          </a:xfrm>
-          <a:prstGeom prst="rect">
-            <a:avLst/>
-          </a:prstGeom>
-          <a:ln>
-            <a:noFill/>
-          </a:ln>
-        </p:spPr>
-      </p:pic>
+      <p:sp>
+        <p:nvSpPr>
+          <p:cNvPr id="42" name="PlaceHolder 1"/>
+          <p:cNvSpPr>
+            <a:spLocks noGrp="1"/>
+          </p:cNvSpPr>
+          <p:nvPr>
+            <p:ph type="title"/>
+          </p:nvPr>
+        </p:nvSpPr>
+        <p:spPr>
+          <a:xfrm>
+            <a:off x="457200" y="273600"/>
+            <a:ext cx="8229240" cy="1144800"/>
+          </a:xfrm>
+          <a:prstGeom prst="rect">
+            <a:avLst/>
+          </a:prstGeom>
+        </p:spPr>
+        <p:txBody>
+          <a:bodyPr lIns="0" rIns="0" tIns="0" bIns="0" anchor="ctr"/>
+          <a:p>
+            <a:pPr algn="ctr"/>
+            <a:r>
+              <a:rPr lang="fr-FR" sz="4400">
+                <a:latin typeface="Arial"/>
+              </a:rPr>
+              <a:t>Click to edit the title text format</a:t>
+            </a:r>
+            <a:endParaRPr/>
+          </a:p>
+        </p:txBody>
+      </p:sp>
+      <p:sp>
+        <p:nvSpPr>
+          <p:cNvPr id="43" name="PlaceHolder 2"/>
+          <p:cNvSpPr>
+            <a:spLocks noGrp="1"/>
+          </p:cNvSpPr>
+          <p:nvPr>
+            <p:ph type="body"/>
+          </p:nvPr>
+        </p:nvSpPr>
+        <p:spPr>
+          <a:xfrm>
+            <a:off x="457200" y="1604520"/>
+            <a:ext cx="8229240" cy="3977280"/>
+          </a:xfrm>
+          <a:prstGeom prst="rect">
+            <a:avLst/>
+          </a:prstGeom>
+        </p:spPr>
+        <p:txBody>
+          <a:bodyPr lIns="0" rIns="0" tIns="0" bIns="0"/>
+          <a:p>
+            <a:pPr>
+              <a:buSzPct val="45000"/>
+              <a:buFont typeface="StarSymbol"/>
+              <a:buChar char=""/>
+            </a:pPr>
+            <a:r>
+              <a:rPr lang="fr-FR" sz="3200">
+                <a:latin typeface="Arial"/>
+              </a:rPr>
+              <a:t>Click to edit the outline text format</a:t>
+            </a:r>
+            <a:endParaRPr/>
+          </a:p>
+          <a:p>
+            <a:pPr lvl="1">
+              <a:buSzPct val="75000"/>
+              <a:buFont typeface="StarSymbol"/>
+              <a:buChar char=""/>
+            </a:pPr>
+            <a:r>
+              <a:rPr lang="fr-FR" sz="2800">
+                <a:latin typeface="Arial"/>
+              </a:rPr>
+              <a:t>Second Outline Level</a:t>
+            </a:r>
+            <a:endParaRPr/>
+          </a:p>
+          <a:p>
+            <a:pPr lvl="2">
+              <a:buSzPct val="45000"/>
+              <a:buFont typeface="StarSymbol"/>
+              <a:buChar char=""/>
+            </a:pPr>
+            <a:r>
+              <a:rPr lang="fr-FR" sz="2400">
+                <a:latin typeface="Arial"/>
+              </a:rPr>
+              <a:t>Third Outline Level</a:t>
+            </a:r>
+            <a:endParaRPr/>
+          </a:p>
+          <a:p>
+            <a:pPr lvl="3">
+              <a:buSzPct val="75000"/>
+              <a:buFont typeface="StarSymbol"/>
+              <a:buChar char=""/>
+            </a:pPr>
+            <a:r>
+              <a:rPr lang="fr-FR" sz="2000">
+                <a:latin typeface="Arial"/>
+              </a:rPr>
+              <a:t>Fourth Outline Level</a:t>
+            </a:r>
+            <a:endParaRPr/>
+          </a:p>
+          <a:p>
+            <a:pPr lvl="4">
+              <a:buSzPct val="45000"/>
+              <a:buFont typeface="StarSymbol"/>
+              <a:buChar char=""/>
+            </a:pPr>
+            <a:r>
+              <a:rPr lang="fr-FR" sz="2000">
+                <a:latin typeface="Arial"/>
+              </a:rPr>
+              <a:t>Fifth Outline Level</a:t>
+            </a:r>
+            <a:endParaRPr/>
+          </a:p>
+          <a:p>
+            <a:pPr lvl="5">
+              <a:buSzPct val="45000"/>
+              <a:buFont typeface="StarSymbol"/>
+              <a:buChar char=""/>
+            </a:pPr>
+            <a:r>
+              <a:rPr lang="fr-FR" sz="2000">
+                <a:latin typeface="Arial"/>
+              </a:rPr>
+              <a:t>Sixth Outline Level</a:t>
+            </a:r>
+            <a:endParaRPr/>
+          </a:p>
+          <a:p>
+            <a:pPr lvl="6">
+              <a:buSzPct val="45000"/>
+              <a:buFont typeface="StarSymbol"/>
+              <a:buChar char=""/>
+            </a:pPr>
+            <a:r>
+              <a:rPr lang="fr-FR" sz="2000">
+                <a:latin typeface="Arial"/>
+              </a:rPr>
+              <a:t>Seventh Outline Level</a:t>
+            </a:r>
+            <a:endParaRPr/>
+          </a:p>
+        </p:txBody>
+      </p:sp>
     </p:spTree>
   </p:cSld>
   <p:clrMap bg1="lt1" bg2="lt2" tx1="dk1" tx2="dk2" accent1="accent1" accent2="accent2" accent3="accent3" accent4="accent4" accent5="accent5" accent6="accent6" hlink="hlink" folHlink="folHlink"/>
   <p:sldLayoutIdLst>
-    <p:sldLayoutId id="2147483662" r:id="rId8"/>
-    <p:sldLayoutId id="2147483663" r:id="rId9"/>
-    <p:sldLayoutId id="2147483664" r:id="rId10"/>
-    <p:sldLayoutId id="2147483665" r:id="rId11"/>
-    <p:sldLayoutId id="2147483666" r:id="rId12"/>
-    <p:sldLayoutId id="2147483667" r:id="rId13"/>
-    <p:sldLayoutId id="2147483668" r:id="rId14"/>
-    <p:sldLayoutId id="2147483669" r:id="rId15"/>
-    <p:sldLayoutId id="2147483670" r:id="rId16"/>
-    <p:sldLayoutId id="2147483671" r:id="rId17"/>
-    <p:sldLayoutId id="2147483672" r:id="rId18"/>
-    <p:sldLayoutId id="2147483673" r:id="rId19"/>
+    <p:sldLayoutId id="2147483662" r:id="rId7"/>
+    <p:sldLayoutId id="2147483663" r:id="rId8"/>
+    <p:sldLayoutId id="2147483664" r:id="rId9"/>
+    <p:sldLayoutId id="2147483665" r:id="rId10"/>
+    <p:sldLayoutId id="2147483666" r:id="rId11"/>
+    <p:sldLayoutId id="2147483667" r:id="rId12"/>
+    <p:sldLayoutId id="2147483668" r:id="rId13"/>
+    <p:sldLayoutId id="2147483669" r:id="rId14"/>
+    <p:sldLayoutId id="2147483670" r:id="rId15"/>
+    <p:sldLayoutId id="2147483671" r:id="rId16"/>
+    <p:sldLayoutId id="2147483672" r:id="rId17"/>
+    <p:sldLayoutId id="2147483673" r:id="rId18"/>
   </p:sldLayoutIdLst>
 </p:sldMaster>
 </file>
@@ -3292,14 +2890,14 @@
       </p:grpSpPr>
       <p:sp>
         <p:nvSpPr>
-          <p:cNvPr id="82" name="TextShape 1"/>
-          <p:cNvSpPr txBox="1"/>
+          <p:cNvPr id="78" name="CustomShape 1"/>
+          <p:cNvSpPr/>
           <p:nvPr/>
         </p:nvSpPr>
         <p:spPr>
           <a:xfrm>
             <a:off x="712800" y="6335280"/>
-            <a:ext cx="7718040" cy="359640"/>
+            <a:ext cx="7717680" cy="359280"/>
           </a:xfrm>
           <a:prstGeom prst="rect">
             <a:avLst/>
@@ -3309,6 +2907,12 @@
             <a:noFill/>
           </a:ln>
         </p:spPr>
+        <p:style>
+          <a:lnRef idx="0"/>
+          <a:fillRef idx="0"/>
+          <a:effectRef idx="0"/>
+          <a:fontRef idx="minor"/>
+        </p:style>
         <p:txBody>
           <a:bodyPr lIns="0" rIns="0" tIns="0" bIns="0"/>
           <a:p>
@@ -3332,7 +2936,7 @@
       </p:sp>
       <p:pic>
         <p:nvPicPr>
-          <p:cNvPr id="83" name="Image 6" descr=""/>
+          <p:cNvPr id="79" name="Image 6" descr=""/>
           <p:cNvPicPr/>
           <p:nvPr/>
         </p:nvPicPr>
@@ -3343,7 +2947,7 @@
         <p:spPr>
           <a:xfrm>
             <a:off x="3359520" y="185040"/>
-            <a:ext cx="2487240" cy="927360"/>
+            <a:ext cx="2486880" cy="927000"/>
           </a:xfrm>
           <a:prstGeom prst="rect">
             <a:avLst/>
@@ -3355,7 +2959,7 @@
       </p:pic>
       <p:pic>
         <p:nvPicPr>
-          <p:cNvPr id="84" name="" descr=""/>
+          <p:cNvPr id="80" name="" descr=""/>
           <p:cNvPicPr/>
           <p:nvPr/>
         </p:nvPicPr>
@@ -3366,7 +2970,7 @@
         <p:spPr>
           <a:xfrm>
             <a:off x="1945080" y="2794320"/>
-            <a:ext cx="5308200" cy="1339560"/>
+            <a:ext cx="5307840" cy="1339200"/>
           </a:xfrm>
           <a:prstGeom prst="rect">
             <a:avLst/>
@@ -3427,14 +3031,14 @@
       </p:grpSpPr>
       <p:sp>
         <p:nvSpPr>
-          <p:cNvPr id="122" name="TextShape 1"/>
-          <p:cNvSpPr txBox="1"/>
+          <p:cNvPr id="115" name="CustomShape 1"/>
+          <p:cNvSpPr/>
           <p:nvPr/>
         </p:nvSpPr>
         <p:spPr>
           <a:xfrm>
-            <a:off x="712800" y="6335280"/>
-            <a:ext cx="7718040" cy="359640"/>
+            <a:off x="633600" y="489240"/>
+            <a:ext cx="7716240" cy="456480"/>
           </a:xfrm>
           <a:prstGeom prst="rect">
             <a:avLst/>
@@ -3444,6 +3048,293 @@
             <a:noFill/>
           </a:ln>
         </p:spPr>
+        <p:style>
+          <a:lnRef idx="0"/>
+          <a:fillRef idx="0"/>
+          <a:effectRef idx="0"/>
+          <a:fontRef idx="minor"/>
+        </p:style>
+        <p:txBody>
+          <a:bodyPr lIns="0" rIns="0" tIns="0" bIns="0"/>
+          <a:p>
+            <a:pPr>
+              <a:lnSpc>
+                <a:spcPct val="100000"/>
+              </a:lnSpc>
+            </a:pPr>
+            <a:r>
+              <a:rPr lang="fr-FR" sz="2400" strike="noStrike">
+                <a:solidFill>
+                  <a:srgbClr val="000000"/>
+                </a:solidFill>
+                <a:latin typeface="HelveticaNeueLT Com 55 Roman"/>
+              </a:rPr>
+              <a:t>Facture tarmed</a:t>
+            </a:r>
+            <a:endParaRPr/>
+          </a:p>
+        </p:txBody>
+      </p:sp>
+      <p:sp>
+        <p:nvSpPr>
+          <p:cNvPr id="116" name="CustomShape 2"/>
+          <p:cNvSpPr/>
+          <p:nvPr/>
+        </p:nvSpPr>
+        <p:spPr>
+          <a:xfrm>
+            <a:off x="6879960" y="6311160"/>
+            <a:ext cx="2056680" cy="364320"/>
+          </a:xfrm>
+          <a:prstGeom prst="rect">
+            <a:avLst/>
+          </a:prstGeom>
+          <a:noFill/>
+          <a:ln>
+            <a:noFill/>
+          </a:ln>
+        </p:spPr>
+        <p:style>
+          <a:lnRef idx="0"/>
+          <a:fillRef idx="0"/>
+          <a:effectRef idx="0"/>
+          <a:fontRef idx="minor"/>
+        </p:style>
+        <p:txBody>
+          <a:bodyPr lIns="108000" rIns="108000" tIns="45000" bIns="45000" anchor="ctr"/>
+          <a:p>
+            <a:pPr algn="r">
+              <a:lnSpc>
+                <a:spcPct val="100000"/>
+              </a:lnSpc>
+            </a:pPr>
+            <a:fld id="{8031EC2D-ECB4-4E31-A288-7B492F4DA2F7}" type="slidenum">
+              <a:rPr lang="fr-FR" sz="1000" strike="noStrike">
+                <a:solidFill>
+                  <a:srgbClr val="595959"/>
+                </a:solidFill>
+                <a:latin typeface="HelveticaNeue LT 45 Light"/>
+              </a:rPr>
+              <a:t>&lt;number&gt;</a:t>
+            </a:fld>
+            <a:endParaRPr/>
+          </a:p>
+        </p:txBody>
+      </p:sp>
+      <p:sp>
+        <p:nvSpPr>
+          <p:cNvPr id="117" name="CustomShape 3"/>
+          <p:cNvSpPr/>
+          <p:nvPr/>
+        </p:nvSpPr>
+        <p:spPr>
+          <a:xfrm>
+            <a:off x="712800" y="6311160"/>
+            <a:ext cx="6101280" cy="364320"/>
+          </a:xfrm>
+          <a:prstGeom prst="rect">
+            <a:avLst/>
+          </a:prstGeom>
+          <a:noFill/>
+          <a:ln>
+            <a:noFill/>
+          </a:ln>
+        </p:spPr>
+        <p:style>
+          <a:lnRef idx="0"/>
+          <a:fillRef idx="0"/>
+          <a:effectRef idx="0"/>
+          <a:fontRef idx="minor"/>
+        </p:style>
+      </p:sp>
+      <p:sp>
+        <p:nvSpPr>
+          <p:cNvPr id="118" name="CustomShape 4"/>
+          <p:cNvSpPr/>
+          <p:nvPr/>
+        </p:nvSpPr>
+        <p:spPr>
+          <a:xfrm>
+            <a:off x="703080" y="1951200"/>
+            <a:ext cx="7710480" cy="3638880"/>
+          </a:xfrm>
+          <a:prstGeom prst="rect">
+            <a:avLst/>
+          </a:prstGeom>
+          <a:noFill/>
+          <a:ln>
+            <a:noFill/>
+          </a:ln>
+        </p:spPr>
+        <p:style>
+          <a:lnRef idx="0"/>
+          <a:fillRef idx="0"/>
+          <a:effectRef idx="0"/>
+          <a:fontRef idx="minor"/>
+        </p:style>
+        <p:txBody>
+          <a:bodyPr lIns="0" rIns="0" tIns="0" bIns="0"/>
+          <a:p>
+            <a:pPr>
+              <a:lnSpc>
+                <a:spcPct val="100000"/>
+              </a:lnSpc>
+            </a:pPr>
+            <a:endParaRPr/>
+          </a:p>
+          <a:p>
+            <a:pPr>
+              <a:lnSpc>
+                <a:spcPct val="100000"/>
+              </a:lnSpc>
+            </a:pPr>
+            <a:endParaRPr/>
+          </a:p>
+        </p:txBody>
+      </p:sp>
+      <p:pic>
+        <p:nvPicPr>
+          <p:cNvPr id="119" name="" descr=""/>
+          <p:cNvPicPr/>
+          <p:nvPr/>
+        </p:nvPicPr>
+        <p:blipFill>
+          <a:blip r:embed="rId1"/>
+          <a:stretch/>
+        </p:blipFill>
+        <p:spPr>
+          <a:xfrm>
+            <a:off x="864000" y="1157760"/>
+            <a:ext cx="4200120" cy="1577880"/>
+          </a:xfrm>
+          <a:prstGeom prst="rect">
+            <a:avLst/>
+          </a:prstGeom>
+          <a:ln>
+            <a:noFill/>
+          </a:ln>
+        </p:spPr>
+      </p:pic>
+      <p:pic>
+        <p:nvPicPr>
+          <p:cNvPr id="120" name="" descr=""/>
+          <p:cNvPicPr/>
+          <p:nvPr/>
+        </p:nvPicPr>
+        <p:blipFill>
+          <a:blip r:embed="rId2"/>
+          <a:stretch/>
+        </p:blipFill>
+        <p:spPr>
+          <a:xfrm>
+            <a:off x="4104000" y="2808000"/>
+            <a:ext cx="4031640" cy="1555200"/>
+          </a:xfrm>
+          <a:prstGeom prst="rect">
+            <a:avLst/>
+          </a:prstGeom>
+          <a:ln>
+            <a:noFill/>
+          </a:ln>
+        </p:spPr>
+      </p:pic>
+      <p:pic>
+        <p:nvPicPr>
+          <p:cNvPr id="121" name="" descr=""/>
+          <p:cNvPicPr/>
+          <p:nvPr/>
+        </p:nvPicPr>
+        <p:blipFill>
+          <a:blip r:embed="rId3"/>
+          <a:stretch/>
+        </p:blipFill>
+        <p:spPr>
+          <a:xfrm>
+            <a:off x="1008000" y="4561560"/>
+            <a:ext cx="3958560" cy="1486080"/>
+          </a:xfrm>
+          <a:prstGeom prst="rect">
+            <a:avLst/>
+          </a:prstGeom>
+          <a:ln>
+            <a:noFill/>
+          </a:ln>
+        </p:spPr>
+      </p:pic>
+    </p:spTree>
+  </p:cSld>
+  <p:timing>
+    <p:tnLst>
+      <p:par>
+        <p:cTn id="19" dur="indefinite" restart="never" nodeType="tmRoot">
+          <p:childTnLst>
+            <p:seq>
+              <p:cTn id="20" nodeType="mainSeq"/>
+              <p:prevCondLst>
+                <p:cond delay="0" evt="onPrev">
+                  <p:tgtEl>
+                    <p:sldTgt/>
+                  </p:tgtEl>
+                </p:cond>
+              </p:prevCondLst>
+              <p:nextCondLst>
+                <p:cond delay="0" evt="onNext">
+                  <p:tgtEl>
+                    <p:sldTgt/>
+                  </p:tgtEl>
+                </p:cond>
+              </p:nextCondLst>
+            </p:seq>
+          </p:childTnLst>
+        </p:cTn>
+      </p:par>
+    </p:tnLst>
+  </p:timing>
+</p:sld>
+</file>
+
+<file path=ppt/slides/slide11.xml><?xml version="1.0" encoding="utf-8"?>
+<p:sld xmlns:a="http://schemas.openxmlformats.org/drawingml/2006/main" xmlns:p="http://schemas.openxmlformats.org/presentationml/2006/main" xmlns:r="http://schemas.openxmlformats.org/officeDocument/2006/relationships">
+  <p:cSld>
+    <p:spTree>
+      <p:nvGrpSpPr>
+        <p:cNvPr id="1" name=""/>
+        <p:cNvGrpSpPr/>
+        <p:nvPr/>
+      </p:nvGrpSpPr>
+      <p:grpSpPr>
+        <a:xfrm>
+          <a:off x="0" y="0"/>
+          <a:ext cx="0" cy="0"/>
+          <a:chOff x="0" y="0"/>
+          <a:chExt cx="0" cy="0"/>
+        </a:xfrm>
+      </p:grpSpPr>
+      <p:sp>
+        <p:nvSpPr>
+          <p:cNvPr id="122" name="CustomShape 1"/>
+          <p:cNvSpPr/>
+          <p:nvPr/>
+        </p:nvSpPr>
+        <p:spPr>
+          <a:xfrm>
+            <a:off x="712800" y="6335280"/>
+            <a:ext cx="7717680" cy="359280"/>
+          </a:xfrm>
+          <a:prstGeom prst="rect">
+            <a:avLst/>
+          </a:prstGeom>
+          <a:noFill/>
+          <a:ln>
+            <a:noFill/>
+          </a:ln>
+        </p:spPr>
+        <p:style>
+          <a:lnRef idx="0"/>
+          <a:fillRef idx="0"/>
+          <a:effectRef idx="0"/>
+          <a:fontRef idx="minor"/>
+        </p:style>
         <p:txBody>
           <a:bodyPr lIns="0" rIns="0" tIns="0" bIns="0"/>
           <a:p>
@@ -3478,7 +3369,7 @@
         <p:spPr>
           <a:xfrm>
             <a:off x="3359520" y="185040"/>
-            <a:ext cx="2487240" cy="927360"/>
+            <a:ext cx="2486880" cy="927000"/>
           </a:xfrm>
           <a:prstGeom prst="rect">
             <a:avLst/>
@@ -3490,14 +3381,14 @@
       </p:pic>
       <p:sp>
         <p:nvSpPr>
-          <p:cNvPr id="124" name="TextShape 2"/>
-          <p:cNvSpPr txBox="1"/>
+          <p:cNvPr id="124" name="CustomShape 2"/>
+          <p:cNvSpPr/>
           <p:nvPr/>
         </p:nvSpPr>
         <p:spPr>
           <a:xfrm>
             <a:off x="712800" y="2433960"/>
-            <a:ext cx="7718040" cy="539640"/>
+            <a:ext cx="7717680" cy="539280"/>
           </a:xfrm>
           <a:prstGeom prst="rect">
             <a:avLst/>
@@ -3507,12 +3398,12 @@
             <a:noFill/>
           </a:ln>
         </p:spPr>
-        <p:txBody>
-          <a:bodyPr lIns="0" rIns="0" tIns="0" bIns="0"/>
-          <a:p>
-            <a:endParaRPr/>
-          </a:p>
-        </p:txBody>
+        <p:style>
+          <a:lnRef idx="0"/>
+          <a:fillRef idx="0"/>
+          <a:effectRef idx="0"/>
+          <a:fontRef idx="minor"/>
+        </p:style>
       </p:sp>
       <p:pic>
         <p:nvPicPr>
@@ -3527,7 +3418,7 @@
         <p:spPr>
           <a:xfrm>
             <a:off x="1944720" y="2784240"/>
-            <a:ext cx="5308200" cy="1339560"/>
+            <a:ext cx="5307840" cy="1339200"/>
           </a:xfrm>
           <a:prstGeom prst="rect">
             <a:avLst/>
@@ -3542,10 +3433,10 @@
   <p:timing>
     <p:tnLst>
       <p:par>
-        <p:cTn id="19" dur="indefinite" restart="never" nodeType="tmRoot">
+        <p:cTn id="21" dur="indefinite" restart="never" nodeType="tmRoot">
           <p:childTnLst>
             <p:seq>
-              <p:cTn id="20" nodeType="mainSeq"/>
+              <p:cTn id="22" nodeType="mainSeq"/>
               <p:prevCondLst>
                 <p:cond delay="0" evt="onPrev">
                   <p:tgtEl>
@@ -3588,14 +3479,14 @@
       </p:grpSpPr>
       <p:sp>
         <p:nvSpPr>
-          <p:cNvPr id="85" name="TextShape 1"/>
-          <p:cNvSpPr txBox="1"/>
+          <p:cNvPr id="81" name="CustomShape 1"/>
+          <p:cNvSpPr/>
           <p:nvPr/>
         </p:nvSpPr>
         <p:spPr>
           <a:xfrm>
             <a:off x="720000" y="935640"/>
-            <a:ext cx="7711200" cy="507240"/>
+            <a:ext cx="7710840" cy="506880"/>
           </a:xfrm>
           <a:prstGeom prst="rect">
             <a:avLst/>
@@ -3605,24 +3496,23 @@
             <a:noFill/>
           </a:ln>
         </p:spPr>
-        <p:txBody>
-          <a:bodyPr lIns="0" rIns="0" tIns="0" bIns="0"/>
-          <a:p>
-            <a:pPr algn="ctr"/>
-            <a:endParaRPr/>
-          </a:p>
-        </p:txBody>
-      </p:sp>
-      <p:sp>
-        <p:nvSpPr>
-          <p:cNvPr id="86" name="TextShape 2"/>
-          <p:cNvSpPr txBox="1"/>
+        <p:style>
+          <a:lnRef idx="0"/>
+          <a:fillRef idx="0"/>
+          <a:effectRef idx="0"/>
+          <a:fontRef idx="minor"/>
+        </p:style>
+      </p:sp>
+      <p:sp>
+        <p:nvSpPr>
+          <p:cNvPr id="82" name="CustomShape 2"/>
+          <p:cNvSpPr/>
           <p:nvPr/>
         </p:nvSpPr>
         <p:spPr>
           <a:xfrm>
             <a:off x="6879960" y="6311160"/>
-            <a:ext cx="2057040" cy="364680"/>
+            <a:ext cx="2056680" cy="364320"/>
           </a:xfrm>
           <a:prstGeom prst="rect">
             <a:avLst/>
@@ -3632,15 +3522,21 @@
             <a:noFill/>
           </a:ln>
         </p:spPr>
-        <p:txBody>
-          <a:bodyPr lIns="108000" rIns="108000" anchor="ctr"/>
+        <p:style>
+          <a:lnRef idx="0"/>
+          <a:fillRef idx="0"/>
+          <a:effectRef idx="0"/>
+          <a:fontRef idx="minor"/>
+        </p:style>
+        <p:txBody>
+          <a:bodyPr lIns="108000" rIns="108000" tIns="45000" bIns="45000" anchor="ctr"/>
           <a:p>
             <a:pPr algn="r">
               <a:lnSpc>
                 <a:spcPct val="100000"/>
               </a:lnSpc>
             </a:pPr>
-            <a:fld id="{68F27C22-148B-4937-8B3F-1F9C2928DACC}" type="slidenum">
+            <a:fld id="{5F848056-CCD0-4676-8386-E84C46CD8F20}" type="slidenum">
               <a:rPr lang="fr-FR" sz="1000" strike="noStrike">
                 <a:solidFill>
                   <a:srgbClr val="595959"/>
@@ -3655,14 +3551,14 @@
       </p:sp>
       <p:sp>
         <p:nvSpPr>
-          <p:cNvPr id="87" name="TextShape 3"/>
-          <p:cNvSpPr txBox="1"/>
+          <p:cNvPr id="83" name="CustomShape 3"/>
+          <p:cNvSpPr/>
           <p:nvPr/>
         </p:nvSpPr>
         <p:spPr>
           <a:xfrm>
             <a:off x="712800" y="6311160"/>
-            <a:ext cx="6101640" cy="364680"/>
+            <a:ext cx="6101280" cy="364320"/>
           </a:xfrm>
           <a:prstGeom prst="rect">
             <a:avLst/>
@@ -3672,16 +3568,16 @@
             <a:noFill/>
           </a:ln>
         </p:spPr>
-        <p:txBody>
-          <a:bodyPr lIns="0" rIns="0" tIns="0" bIns="0" anchor="ctr"/>
-          <a:p>
-            <a:endParaRPr/>
-          </a:p>
-        </p:txBody>
+        <p:style>
+          <a:lnRef idx="0"/>
+          <a:fillRef idx="0"/>
+          <a:effectRef idx="0"/>
+          <a:fontRef idx="minor"/>
+        </p:style>
       </p:sp>
       <p:pic>
         <p:nvPicPr>
-          <p:cNvPr id="88" name="" descr=""/>
+          <p:cNvPr id="84" name="" descr=""/>
           <p:cNvPicPr/>
           <p:nvPr/>
         </p:nvPicPr>
@@ -3692,7 +3588,7 @@
         <p:spPr>
           <a:xfrm>
             <a:off x="792000" y="1389240"/>
-            <a:ext cx="7626960" cy="4298760"/>
+            <a:ext cx="7626600" cy="4298400"/>
           </a:xfrm>
           <a:prstGeom prst="rect">
             <a:avLst/>
@@ -3753,14 +3649,14 @@
       </p:grpSpPr>
       <p:sp>
         <p:nvSpPr>
-          <p:cNvPr id="89" name="TextShape 1"/>
-          <p:cNvSpPr txBox="1"/>
+          <p:cNvPr id="85" name="CustomShape 1"/>
+          <p:cNvSpPr/>
           <p:nvPr/>
         </p:nvSpPr>
         <p:spPr>
           <a:xfrm>
             <a:off x="576000" y="935640"/>
-            <a:ext cx="7711200" cy="507240"/>
+            <a:ext cx="7710840" cy="506880"/>
           </a:xfrm>
           <a:prstGeom prst="rect">
             <a:avLst/>
@@ -3770,30 +3666,23 @@
             <a:noFill/>
           </a:ln>
         </p:spPr>
-        <p:txBody>
-          <a:bodyPr lIns="0" rIns="0" tIns="0" bIns="0"/>
-          <a:p>
-            <a:pPr algn="ctr"/>
-            <a:r>
-              <a:rPr lang="fr-FR" sz="2000">
-                <a:latin typeface="Arial"/>
-              </a:rPr>
-              <a:t>Sondage</a:t>
-            </a:r>
-            <a:endParaRPr/>
-          </a:p>
-        </p:txBody>
-      </p:sp>
-      <p:sp>
-        <p:nvSpPr>
-          <p:cNvPr id="90" name="TextShape 2"/>
-          <p:cNvSpPr txBox="1"/>
+        <p:style>
+          <a:lnRef idx="0"/>
+          <a:fillRef idx="0"/>
+          <a:effectRef idx="0"/>
+          <a:fontRef idx="minor"/>
+        </p:style>
+      </p:sp>
+      <p:sp>
+        <p:nvSpPr>
+          <p:cNvPr id="86" name="CustomShape 2"/>
+          <p:cNvSpPr/>
           <p:nvPr/>
         </p:nvSpPr>
         <p:spPr>
           <a:xfrm>
             <a:off x="6879960" y="6311160"/>
-            <a:ext cx="2057040" cy="364680"/>
+            <a:ext cx="2056680" cy="364320"/>
           </a:xfrm>
           <a:prstGeom prst="rect">
             <a:avLst/>
@@ -3803,15 +3692,21 @@
             <a:noFill/>
           </a:ln>
         </p:spPr>
-        <p:txBody>
-          <a:bodyPr lIns="108000" rIns="108000" anchor="ctr"/>
+        <p:style>
+          <a:lnRef idx="0"/>
+          <a:fillRef idx="0"/>
+          <a:effectRef idx="0"/>
+          <a:fontRef idx="minor"/>
+        </p:style>
+        <p:txBody>
+          <a:bodyPr lIns="108000" rIns="108000" tIns="45000" bIns="45000" anchor="ctr"/>
           <a:p>
             <a:pPr algn="r">
               <a:lnSpc>
                 <a:spcPct val="100000"/>
               </a:lnSpc>
             </a:pPr>
-            <a:fld id="{DACB86BF-6297-4E09-A581-697F89141BD6}" type="slidenum">
+            <a:fld id="{DC794CF2-0C02-4B9F-B677-BC95CA66FFEF}" type="slidenum">
               <a:rPr lang="fr-FR" sz="1000" strike="noStrike">
                 <a:solidFill>
                   <a:srgbClr val="595959"/>
@@ -3826,13 +3721,13 @@
       </p:sp>
       <p:graphicFrame>
         <p:nvGraphicFramePr>
-          <p:cNvPr id="91" name="Table 3"/>
+          <p:cNvPr id="87" name="Table 3"/>
           <p:cNvGraphicFramePr/>
           <p:nvPr/>
         </p:nvGraphicFramePr>
         <p:xfrm>
           <a:off x="1112760" y="1715760"/>
-          <a:ext cx="6101280" cy="2562480"/>
+          <a:ext cx="6100920" cy="2562120"/>
         </p:xfrm>
         <a:graphic>
           <a:graphicData uri="http://schemas.openxmlformats.org/drawingml/2006/table">
@@ -3840,15 +3735,15 @@
               <a:tblPr/>
               <a:tblGrid>
                 <a:gridCol w="3050640"/>
-                <a:gridCol w="3051000"/>
+                <a:gridCol w="3050280"/>
               </a:tblGrid>
-              <a:tr h="366120">
+              <a:tr h="876960">
                 <a:tc>
                   <a:txBody>
-                    <a:bodyPr lIns="90000" rIns="90000" tIns="46800" bIns="46800"/>
+                    <a:bodyPr/>
                     <a:p>
                       <a:r>
-                        <a:rPr b="1" lang="fr-FR" sz="2000">
+                        <a:rPr b="1" lang="fr-FR" sz="2000" strike="noStrike">
                           <a:latin typeface="Arial"/>
                         </a:rPr>
                         <a:t>Spécialité</a:t>
@@ -3860,10 +3755,10 @@
                 </a:tc>
                 <a:tc>
                   <a:txBody>
-                    <a:bodyPr lIns="90000" rIns="90000" tIns="46800" bIns="46800"/>
+                    <a:bodyPr/>
                     <a:p>
                       <a:r>
-                        <a:rPr b="1" lang="fr-FR">
+                        <a:rPr b="1" lang="fr-FR" strike="noStrike">
                           <a:latin typeface="Arial"/>
                         </a:rPr>
                         <a:t>Temps d'attente moyenne</a:t>
@@ -3874,13 +3769,13 @@
                   <a:tcPr/>
                 </a:tc>
               </a:tr>
-              <a:tr h="366120">
+              <a:tr h="842400">
                 <a:tc>
                   <a:txBody>
-                    <a:bodyPr lIns="90000" rIns="90000" tIns="46800" bIns="46800"/>
+                    <a:bodyPr/>
                     <a:p>
                       <a:r>
-                        <a:rPr lang="fr-FR">
+                        <a:rPr lang="fr-FR" strike="noStrike">
                           <a:latin typeface="Arial"/>
                         </a:rPr>
                         <a:t>Généraliste</a:t>
@@ -3892,10 +3787,10 @@
                 </a:tc>
                 <a:tc>
                   <a:txBody>
-                    <a:bodyPr lIns="90000" rIns="90000" tIns="46800" bIns="46800"/>
+                    <a:bodyPr/>
                     <a:p>
                       <a:r>
-                        <a:rPr lang="fr-FR">
+                        <a:rPr lang="fr-FR" strike="noStrike">
                           <a:latin typeface="Arial"/>
                         </a:rPr>
                         <a:t>20 min</a:t>
@@ -3906,13 +3801,13 @@
                   <a:tcPr/>
                 </a:tc>
               </a:tr>
-              <a:tr h="366120">
+              <a:tr h="842760">
                 <a:tc>
                   <a:txBody>
-                    <a:bodyPr lIns="90000" rIns="90000" tIns="46800" bIns="46800"/>
+                    <a:bodyPr/>
                     <a:p>
                       <a:r>
-                        <a:rPr lang="fr-FR">
+                        <a:rPr lang="fr-FR" strike="noStrike">
                           <a:latin typeface="Arial"/>
                         </a:rPr>
                         <a:t>Gynécologue</a:t>
@@ -3924,10 +3819,10 @@
                 </a:tc>
                 <a:tc>
                   <a:txBody>
-                    <a:bodyPr lIns="90000" rIns="90000" tIns="46800" bIns="46800"/>
+                    <a:bodyPr/>
                     <a:p>
                       <a:r>
-                        <a:rPr lang="fr-FR">
+                        <a:rPr lang="fr-FR" strike="noStrike">
                           <a:latin typeface="Arial"/>
                         </a:rPr>
                         <a:t>28 min</a:t>
@@ -3993,14 +3888,14 @@
       </p:grpSpPr>
       <p:sp>
         <p:nvSpPr>
-          <p:cNvPr id="92" name="TextShape 1"/>
-          <p:cNvSpPr txBox="1"/>
+          <p:cNvPr id="88" name="CustomShape 1"/>
+          <p:cNvSpPr/>
           <p:nvPr/>
         </p:nvSpPr>
         <p:spPr>
           <a:xfrm>
             <a:off x="720000" y="935640"/>
-            <a:ext cx="7711200" cy="507240"/>
+            <a:ext cx="7710840" cy="506880"/>
           </a:xfrm>
           <a:prstGeom prst="rect">
             <a:avLst/>
@@ -4010,24 +3905,23 @@
             <a:noFill/>
           </a:ln>
         </p:spPr>
-        <p:txBody>
-          <a:bodyPr lIns="0" rIns="0" tIns="0" bIns="0"/>
-          <a:p>
-            <a:pPr algn="ctr"/>
-            <a:endParaRPr/>
-          </a:p>
-        </p:txBody>
-      </p:sp>
-      <p:sp>
-        <p:nvSpPr>
-          <p:cNvPr id="93" name="TextShape 2"/>
-          <p:cNvSpPr txBox="1"/>
+        <p:style>
+          <a:lnRef idx="0"/>
+          <a:fillRef idx="0"/>
+          <a:effectRef idx="0"/>
+          <a:fontRef idx="minor"/>
+        </p:style>
+      </p:sp>
+      <p:sp>
+        <p:nvSpPr>
+          <p:cNvPr id="89" name="CustomShape 2"/>
+          <p:cNvSpPr/>
           <p:nvPr/>
         </p:nvSpPr>
         <p:spPr>
           <a:xfrm>
             <a:off x="6879960" y="6311160"/>
-            <a:ext cx="2057040" cy="364680"/>
+            <a:ext cx="2056680" cy="364320"/>
           </a:xfrm>
           <a:prstGeom prst="rect">
             <a:avLst/>
@@ -4037,15 +3931,21 @@
             <a:noFill/>
           </a:ln>
         </p:spPr>
-        <p:txBody>
-          <a:bodyPr lIns="108000" rIns="108000" anchor="ctr"/>
+        <p:style>
+          <a:lnRef idx="0"/>
+          <a:fillRef idx="0"/>
+          <a:effectRef idx="0"/>
+          <a:fontRef idx="minor"/>
+        </p:style>
+        <p:txBody>
+          <a:bodyPr lIns="108000" rIns="108000" tIns="45000" bIns="45000" anchor="ctr"/>
           <a:p>
             <a:pPr algn="r">
               <a:lnSpc>
                 <a:spcPct val="100000"/>
               </a:lnSpc>
             </a:pPr>
-            <a:fld id="{4CFC2DED-D739-4065-85DC-F6E0126ABED8}" type="slidenum">
+            <a:fld id="{174D3B44-57A1-4B94-A465-BE07AFC43EF7}" type="slidenum">
               <a:rPr lang="fr-FR" sz="1000" strike="noStrike">
                 <a:solidFill>
                   <a:srgbClr val="595959"/>
@@ -4060,14 +3960,14 @@
       </p:sp>
       <p:sp>
         <p:nvSpPr>
-          <p:cNvPr id="94" name="TextShape 3"/>
-          <p:cNvSpPr txBox="1"/>
+          <p:cNvPr id="90" name="CustomShape 3"/>
+          <p:cNvSpPr/>
           <p:nvPr/>
         </p:nvSpPr>
         <p:spPr>
           <a:xfrm>
             <a:off x="712800" y="6311160"/>
-            <a:ext cx="6101640" cy="364680"/>
+            <a:ext cx="6101280" cy="364320"/>
           </a:xfrm>
           <a:prstGeom prst="rect">
             <a:avLst/>
@@ -4077,16 +3977,16 @@
             <a:noFill/>
           </a:ln>
         </p:spPr>
-        <p:txBody>
-          <a:bodyPr lIns="0" rIns="0" tIns="0" bIns="0" anchor="ctr"/>
-          <a:p>
-            <a:endParaRPr/>
-          </a:p>
-        </p:txBody>
+        <p:style>
+          <a:lnRef idx="0"/>
+          <a:fillRef idx="0"/>
+          <a:effectRef idx="0"/>
+          <a:fontRef idx="minor"/>
+        </p:style>
       </p:sp>
       <p:pic>
         <p:nvPicPr>
-          <p:cNvPr id="95" name="" descr=""/>
+          <p:cNvPr id="91" name="" descr=""/>
           <p:cNvPicPr/>
           <p:nvPr/>
         </p:nvPicPr>
@@ -4097,7 +3997,7 @@
         <p:spPr>
           <a:xfrm>
             <a:off x="1008000" y="1296360"/>
-            <a:ext cx="6696000" cy="4463640"/>
+            <a:ext cx="6695640" cy="4463280"/>
           </a:xfrm>
           <a:prstGeom prst="rect">
             <a:avLst/>
@@ -4158,14 +4058,14 @@
       </p:grpSpPr>
       <p:sp>
         <p:nvSpPr>
-          <p:cNvPr id="96" name="TextShape 1"/>
-          <p:cNvSpPr txBox="1"/>
+          <p:cNvPr id="92" name="CustomShape 1"/>
+          <p:cNvSpPr/>
           <p:nvPr/>
         </p:nvSpPr>
         <p:spPr>
           <a:xfrm>
-            <a:off x="720000" y="935640"/>
-            <a:ext cx="7711200" cy="507240"/>
+            <a:off x="712800" y="6335280"/>
+            <a:ext cx="7717680" cy="359280"/>
           </a:xfrm>
           <a:prstGeom prst="rect">
             <a:avLst/>
@@ -4175,416 +4075,105 @@
             <a:noFill/>
           </a:ln>
         </p:spPr>
+        <p:style>
+          <a:lnRef idx="0"/>
+          <a:fillRef idx="0"/>
+          <a:effectRef idx="0"/>
+          <a:fontRef idx="minor"/>
+        </p:style>
         <p:txBody>
           <a:bodyPr lIns="0" rIns="0" tIns="0" bIns="0"/>
           <a:p>
-            <a:pPr algn="ctr"/>
-            <a:endParaRPr/>
-          </a:p>
-        </p:txBody>
-      </p:sp>
-      <p:sp>
-        <p:nvSpPr>
-          <p:cNvPr id="97" name="TextShape 2"/>
-          <p:cNvSpPr txBox="1"/>
-          <p:nvPr/>
-        </p:nvSpPr>
-        <p:spPr>
-          <a:xfrm>
-            <a:off x="6879960" y="6311160"/>
-            <a:ext cx="2057040" cy="364680"/>
-          </a:xfrm>
-          <a:prstGeom prst="rect">
-            <a:avLst/>
-          </a:prstGeom>
-          <a:noFill/>
-          <a:ln>
-            <a:noFill/>
-          </a:ln>
-        </p:spPr>
-        <p:txBody>
-          <a:bodyPr lIns="108000" rIns="108000" anchor="ctr"/>
-          <a:p>
-            <a:pPr algn="r">
+            <a:pPr algn="ctr">
               <a:lnSpc>
                 <a:spcPct val="100000"/>
               </a:lnSpc>
             </a:pPr>
-            <a:fld id="{D2A20B58-5175-4675-B285-4B2CC22AAD3D}" type="slidenum">
-              <a:rPr lang="fr-FR" sz="1000" strike="noStrike">
+            <a:r>
+              <a:rPr lang="fr-FR" sz="2200" strike="noStrike">
                 <a:solidFill>
                   <a:srgbClr val="595959"/>
                 </a:solidFill>
                 <a:latin typeface="HelveticaNeue LT 45 Light"/>
               </a:rPr>
-              <a:t>&lt;number&gt;</a:t>
-            </a:fld>
-            <a:endParaRPr/>
-          </a:p>
-        </p:txBody>
-      </p:sp>
-      <p:graphicFrame>
-        <p:nvGraphicFramePr>
-          <p:cNvPr id="98" name="Table 3"/>
-          <p:cNvGraphicFramePr/>
+              <a:t>17-18 mai 2019</a:t>
+            </a:r>
+            <a:endParaRPr/>
+          </a:p>
+        </p:txBody>
+      </p:sp>
+      <p:pic>
+        <p:nvPicPr>
+          <p:cNvPr id="93" name="Image 6" descr=""/>
+          <p:cNvPicPr/>
           <p:nvPr/>
-        </p:nvGraphicFramePr>
-        <p:xfrm>
-          <a:off x="1512720" y="954720"/>
-          <a:ext cx="5075280" cy="4804560"/>
-        </p:xfrm>
-        <a:graphic>
-          <a:graphicData uri="http://schemas.openxmlformats.org/drawingml/2006/table">
-            <a:tbl>
-              <a:tblPr/>
-              <a:tblGrid>
-                <a:gridCol w="2537640"/>
-                <a:gridCol w="2538000"/>
-              </a:tblGrid>
-              <a:tr h="337320">
-                <a:tc>
-                  <a:txBody>
-                    <a:bodyPr lIns="90000" rIns="90000" tIns="46800" bIns="46800"/>
-                    <a:p>
-                      <a:r>
-                        <a:rPr b="1" lang="fr-FR">
-                          <a:latin typeface="Arial"/>
-                        </a:rPr>
-                        <a:t>Source</a:t>
-                      </a:r>
-                      <a:endParaRPr/>
-                    </a:p>
-                  </a:txBody>
-                  <a:tcPr/>
-                </a:tc>
-                <a:tc>
-                  <a:txBody>
-                    <a:bodyPr lIns="90000" rIns="90000" tIns="46800" bIns="46800"/>
-                    <a:p>
-                      <a:r>
-                        <a:rPr b="1" lang="fr-FR">
-                          <a:latin typeface="Arial"/>
-                        </a:rPr>
-                        <a:t>Proprieté</a:t>
-                      </a:r>
-                      <a:endParaRPr/>
-                    </a:p>
-                  </a:txBody>
-                  <a:tcPr/>
-                </a:tc>
-              </a:tr>
-              <a:tr h="337320">
-                <a:tc>
-                  <a:txBody>
-                    <a:bodyPr lIns="90000" rIns="90000" tIns="46800" bIns="46800"/>
-                    <a:p>
-                      <a:r>
-                        <a:rPr lang="fr-FR">
-                          <a:latin typeface="Arial"/>
-                        </a:rPr>
-                        <a:t>Données GM</a:t>
-                      </a:r>
-                      <a:endParaRPr/>
-                    </a:p>
-                  </a:txBody>
-                  <a:tcPr/>
-                </a:tc>
-                <a:tc>
-                  <a:txBody>
-                    <a:bodyPr lIns="90000" rIns="90000" tIns="46800" bIns="46800"/>
-                    <a:p>
-                      <a:r>
-                        <a:rPr lang="fr-FR">
-                          <a:latin typeface="Arial"/>
-                        </a:rPr>
-                        <a:t>durée visite</a:t>
-                      </a:r>
-                      <a:endParaRPr/>
-                    </a:p>
-                  </a:txBody>
-                  <a:tcPr/>
-                </a:tc>
-              </a:tr>
-              <a:tr h="337320">
-                <a:tc>
-                  <a:tcPr/>
-                </a:tc>
-                <a:tc>
-                  <a:txBody>
-                    <a:bodyPr lIns="90000" rIns="90000" tIns="46800" bIns="46800"/>
-                    <a:p>
-                      <a:r>
-                        <a:rPr lang="fr-FR">
-                          <a:latin typeface="Arial"/>
-                        </a:rPr>
-                        <a:t>type de prestation</a:t>
-                      </a:r>
-                      <a:endParaRPr/>
-                    </a:p>
-                  </a:txBody>
-                  <a:tcPr/>
-                </a:tc>
-              </a:tr>
-              <a:tr h="337320">
-                <a:tc>
-                  <a:tcPr/>
-                </a:tc>
-                <a:tc>
-                  <a:txBody>
-                    <a:bodyPr lIns="90000" rIns="90000" tIns="46800" bIns="46800"/>
-                    <a:p>
-                      <a:r>
-                        <a:rPr lang="fr-FR">
-                          <a:latin typeface="Arial"/>
-                        </a:rPr>
-                        <a:t>description prestation</a:t>
-                      </a:r>
-                      <a:endParaRPr/>
-                    </a:p>
-                  </a:txBody>
-                  <a:tcPr/>
-                </a:tc>
-              </a:tr>
-              <a:tr h="337320">
-                <a:tc>
-                  <a:txBody>
-                    <a:bodyPr lIns="90000" rIns="90000" tIns="46800" bIns="46800"/>
-                    <a:p>
-                      <a:r>
-                        <a:rPr lang="fr-FR">
-                          <a:latin typeface="Arial"/>
-                        </a:rPr>
-                        <a:t>Données du patient</a:t>
-                      </a:r>
-                      <a:endParaRPr/>
-                    </a:p>
-                  </a:txBody>
-                  <a:tcPr/>
-                </a:tc>
-                <a:tc>
-                  <a:txBody>
-                    <a:bodyPr lIns="90000" rIns="90000" tIns="46800" bIns="46800"/>
-                    <a:p>
-                      <a:r>
-                        <a:rPr lang="fr-FR">
-                          <a:latin typeface="Arial"/>
-                        </a:rPr>
-                        <a:t>âge</a:t>
-                      </a:r>
-                      <a:endParaRPr/>
-                    </a:p>
-                  </a:txBody>
-                  <a:tcPr/>
-                </a:tc>
-              </a:tr>
-              <a:tr h="337320">
-                <a:tc>
-                  <a:tcPr/>
-                </a:tc>
-                <a:tc>
-                  <a:txBody>
-                    <a:bodyPr lIns="90000" rIns="90000" tIns="46800" bIns="46800"/>
-                    <a:p>
-                      <a:r>
-                        <a:rPr lang="fr-FR">
-                          <a:latin typeface="Arial"/>
-                        </a:rPr>
-                        <a:t>sexe</a:t>
-                      </a:r>
-                      <a:endParaRPr/>
-                    </a:p>
-                  </a:txBody>
-                  <a:tcPr/>
-                </a:tc>
-              </a:tr>
-              <a:tr h="337320">
-                <a:tc>
-                  <a:tcPr/>
-                </a:tc>
-                <a:tc>
-                  <a:txBody>
-                    <a:bodyPr lIns="90000" rIns="90000" tIns="46800" bIns="46800"/>
-                    <a:p>
-                      <a:r>
-                        <a:rPr lang="fr-FR">
-                          <a:latin typeface="Arial"/>
-                        </a:rPr>
-                        <a:t>historique médical</a:t>
-                      </a:r>
-                      <a:endParaRPr/>
-                    </a:p>
-                  </a:txBody>
-                  <a:tcPr/>
-                </a:tc>
-              </a:tr>
-              <a:tr h="337320">
-                <a:tc>
-                  <a:tcPr/>
-                </a:tc>
-                <a:tc>
-                  <a:txBody>
-                    <a:bodyPr lIns="90000" rIns="90000" tIns="46800" bIns="46800"/>
-                    <a:p>
-                      <a:r>
-                        <a:rPr lang="fr-FR">
-                          <a:latin typeface="Arial"/>
-                        </a:rPr>
-                        <a:t>état de santé actuel</a:t>
-                      </a:r>
-                      <a:endParaRPr/>
-                    </a:p>
-                  </a:txBody>
-                  <a:tcPr/>
-                </a:tc>
-              </a:tr>
-              <a:tr h="337320">
-                <a:tc>
-                  <a:tcPr/>
-                </a:tc>
-                <a:tc>
-                  <a:txBody>
-                    <a:bodyPr lIns="90000" rIns="90000" tIns="46800" bIns="46800"/>
-                    <a:p>
-                      <a:r>
-                        <a:rPr lang="fr-FR">
-                          <a:latin typeface="Arial"/>
-                        </a:rPr>
-                        <a:t>situation géographique</a:t>
-                      </a:r>
-                      <a:endParaRPr/>
-                    </a:p>
-                  </a:txBody>
-                  <a:tcPr/>
-                </a:tc>
-              </a:tr>
-              <a:tr h="337320">
-                <a:tc>
-                  <a:txBody>
-                    <a:bodyPr lIns="90000" rIns="90000" tIns="46800" bIns="46800"/>
-                    <a:p>
-                      <a:r>
-                        <a:rPr lang="fr-FR">
-                          <a:latin typeface="Arial"/>
-                        </a:rPr>
-                        <a:t>Données du médecin</a:t>
-                      </a:r>
-                      <a:endParaRPr/>
-                    </a:p>
-                  </a:txBody>
-                  <a:tcPr/>
-                </a:tc>
-                <a:tc>
-                  <a:txBody>
-                    <a:bodyPr lIns="90000" rIns="90000" tIns="46800" bIns="46800"/>
-                    <a:p>
-                      <a:r>
-                        <a:rPr lang="fr-FR">
-                          <a:latin typeface="Arial"/>
-                        </a:rPr>
-                        <a:t>nombre de visites</a:t>
-                      </a:r>
-                      <a:endParaRPr/>
-                    </a:p>
-                  </a:txBody>
-                  <a:tcPr/>
-                </a:tc>
-              </a:tr>
-              <a:tr h="337320">
-                <a:tc>
-                  <a:tcPr/>
-                </a:tc>
-                <a:tc>
-                  <a:txBody>
-                    <a:bodyPr lIns="90000" rIns="90000" tIns="46800" bIns="46800"/>
-                    <a:p>
-                      <a:r>
-                        <a:rPr lang="fr-FR">
-                          <a:latin typeface="Arial"/>
-                        </a:rPr>
-                        <a:t>heure de la journée</a:t>
-                      </a:r>
-                      <a:endParaRPr/>
-                    </a:p>
-                  </a:txBody>
-                  <a:tcPr/>
-                </a:tc>
-              </a:tr>
-              <a:tr h="337320">
-                <a:tc>
-                  <a:tcPr/>
-                </a:tc>
-                <a:tc>
-                  <a:txBody>
-                    <a:bodyPr lIns="90000" rIns="90000" tIns="46800" bIns="46800"/>
-                    <a:p>
-                      <a:r>
-                        <a:rPr lang="fr-FR">
-                          <a:latin typeface="Arial"/>
-                        </a:rPr>
-                        <a:t>période de l'année</a:t>
-                      </a:r>
-                      <a:endParaRPr/>
-                    </a:p>
-                  </a:txBody>
-                  <a:tcPr/>
-                </a:tc>
-              </a:tr>
-              <a:tr h="337320">
-                <a:tc>
-                  <a:txBody>
-                    <a:bodyPr lIns="90000" rIns="90000" tIns="46800" bIns="46800"/>
-                    <a:p>
-                      <a:r>
-                        <a:rPr lang="fr-FR">
-                          <a:latin typeface="Arial"/>
-                        </a:rPr>
-                        <a:t>Référentiel public</a:t>
-                      </a:r>
-                      <a:endParaRPr/>
-                    </a:p>
-                  </a:txBody>
-                  <a:tcPr/>
-                </a:tc>
-                <a:tc>
-                  <a:txBody>
-                    <a:bodyPr lIns="90000" rIns="90000" tIns="46800" bIns="46800"/>
-                    <a:p>
-                      <a:r>
-                        <a:rPr lang="fr-FR">
-                          <a:latin typeface="Arial"/>
-                        </a:rPr>
-                        <a:t>situation épidémiologique</a:t>
-                      </a:r>
-                      <a:endParaRPr/>
-                    </a:p>
-                  </a:txBody>
-                  <a:tcPr/>
-                </a:tc>
-              </a:tr>
-              <a:tr h="337320">
-                <a:tc>
-                  <a:tcPr/>
-                </a:tc>
-                <a:tc>
-                  <a:txBody>
-                    <a:bodyPr lIns="90000" rIns="90000" tIns="46800" bIns="46800"/>
-                    <a:p>
-                      <a:r>
-                        <a:rPr lang="fr-FR">
-                          <a:latin typeface="Arial"/>
-                        </a:rPr>
-                        <a:t>méteo</a:t>
-                      </a:r>
-                      <a:endParaRPr/>
-                    </a:p>
-                  </a:txBody>
-                  <a:tcPr/>
-                </a:tc>
-              </a:tr>
-            </a:tbl>
-          </a:graphicData>
-        </a:graphic>
-      </p:graphicFrame>
+        </p:nvPicPr>
+        <p:blipFill>
+          <a:blip r:embed="rId1"/>
+          <a:stretch/>
+        </p:blipFill>
+        <p:spPr>
+          <a:xfrm>
+            <a:off x="3359520" y="185040"/>
+            <a:ext cx="2486880" cy="927000"/>
+          </a:xfrm>
+          <a:prstGeom prst="rect">
+            <a:avLst/>
+          </a:prstGeom>
+          <a:ln>
+            <a:noFill/>
+          </a:ln>
+        </p:spPr>
+      </p:pic>
+      <p:sp>
+        <p:nvSpPr>
+          <p:cNvPr id="94" name="CustomShape 2"/>
+          <p:cNvSpPr/>
+          <p:nvPr/>
+        </p:nvSpPr>
+        <p:spPr>
+          <a:xfrm>
+            <a:off x="712800" y="2433960"/>
+            <a:ext cx="7717680" cy="539280"/>
+          </a:xfrm>
+          <a:prstGeom prst="rect">
+            <a:avLst/>
+          </a:prstGeom>
+          <a:noFill/>
+          <a:ln>
+            <a:noFill/>
+          </a:ln>
+        </p:spPr>
+        <p:style>
+          <a:lnRef idx="0"/>
+          <a:fillRef idx="0"/>
+          <a:effectRef idx="0"/>
+          <a:fontRef idx="minor"/>
+        </p:style>
+      </p:sp>
+      <p:pic>
+        <p:nvPicPr>
+          <p:cNvPr id="95" name="" descr=""/>
+          <p:cNvPicPr/>
+          <p:nvPr/>
+        </p:nvPicPr>
+        <p:blipFill>
+          <a:blip r:embed="rId2"/>
+          <a:stretch/>
+        </p:blipFill>
+        <p:spPr>
+          <a:xfrm>
+            <a:off x="1944720" y="2784240"/>
+            <a:ext cx="5307840" cy="1339200"/>
+          </a:xfrm>
+          <a:prstGeom prst="rect">
+            <a:avLst/>
+          </a:prstGeom>
+          <a:ln>
+            <a:noFill/>
+          </a:ln>
+        </p:spPr>
+      </p:pic>
     </p:spTree>
   </p:cSld>
   <p:timing>
@@ -4636,14 +4225,14 @@
       </p:grpSpPr>
       <p:sp>
         <p:nvSpPr>
-          <p:cNvPr id="99" name="TextShape 1"/>
-          <p:cNvSpPr txBox="1"/>
+          <p:cNvPr id="96" name="CustomShape 1"/>
+          <p:cNvSpPr/>
           <p:nvPr/>
         </p:nvSpPr>
         <p:spPr>
           <a:xfrm>
             <a:off x="720000" y="935640"/>
-            <a:ext cx="7711200" cy="507240"/>
+            <a:ext cx="7710840" cy="506880"/>
           </a:xfrm>
           <a:prstGeom prst="rect">
             <a:avLst/>
@@ -4653,24 +4242,23 @@
             <a:noFill/>
           </a:ln>
         </p:spPr>
-        <p:txBody>
-          <a:bodyPr lIns="0" rIns="0" tIns="0" bIns="0"/>
-          <a:p>
-            <a:pPr algn="ctr"/>
-            <a:endParaRPr/>
-          </a:p>
-        </p:txBody>
-      </p:sp>
-      <p:sp>
-        <p:nvSpPr>
-          <p:cNvPr id="100" name="TextShape 2"/>
-          <p:cNvSpPr txBox="1"/>
+        <p:style>
+          <a:lnRef idx="0"/>
+          <a:fillRef idx="0"/>
+          <a:effectRef idx="0"/>
+          <a:fontRef idx="minor"/>
+        </p:style>
+      </p:sp>
+      <p:sp>
+        <p:nvSpPr>
+          <p:cNvPr id="97" name="CustomShape 2"/>
+          <p:cNvSpPr/>
           <p:nvPr/>
         </p:nvSpPr>
         <p:spPr>
           <a:xfrm>
-            <a:off x="712800" y="480240"/>
-            <a:ext cx="7716600" cy="456840"/>
+            <a:off x="6879960" y="6311160"/>
+            <a:ext cx="2056680" cy="364320"/>
           </a:xfrm>
           <a:prstGeom prst="rect">
             <a:avLst/>
@@ -4680,55 +4268,21 @@
             <a:noFill/>
           </a:ln>
         </p:spPr>
-        <p:txBody>
-          <a:bodyPr lIns="0" rIns="0" tIns="0" bIns="0"/>
-          <a:p>
-            <a:pPr>
-              <a:lnSpc>
-                <a:spcPct val="100000"/>
-              </a:lnSpc>
-            </a:pPr>
-            <a:r>
-              <a:rPr lang="fr-FR" sz="2400" strike="noStrike">
-                <a:solidFill>
-                  <a:srgbClr val="000000"/>
-                </a:solidFill>
-                <a:latin typeface="HelveticaNeueLT Com 55 Roman"/>
-              </a:rPr>
-              <a:t>Doc Time</a:t>
-            </a:r>
-            <a:endParaRPr/>
-          </a:p>
-        </p:txBody>
-      </p:sp>
-      <p:sp>
-        <p:nvSpPr>
-          <p:cNvPr id="101" name="TextShape 3"/>
-          <p:cNvSpPr txBox="1"/>
-          <p:nvPr/>
-        </p:nvSpPr>
-        <p:spPr>
-          <a:xfrm>
-            <a:off x="6879960" y="6311160"/>
-            <a:ext cx="2057040" cy="364680"/>
-          </a:xfrm>
-          <a:prstGeom prst="rect">
-            <a:avLst/>
-          </a:prstGeom>
-          <a:noFill/>
-          <a:ln>
-            <a:noFill/>
-          </a:ln>
-        </p:spPr>
-        <p:txBody>
-          <a:bodyPr lIns="108000" rIns="108000" anchor="ctr"/>
+        <p:style>
+          <a:lnRef idx="0"/>
+          <a:fillRef idx="0"/>
+          <a:effectRef idx="0"/>
+          <a:fontRef idx="minor"/>
+        </p:style>
+        <p:txBody>
+          <a:bodyPr lIns="108000" rIns="108000" tIns="45000" bIns="45000" anchor="ctr"/>
           <a:p>
             <a:pPr algn="r">
               <a:lnSpc>
                 <a:spcPct val="100000"/>
               </a:lnSpc>
             </a:pPr>
-            <a:fld id="{B943306F-7D7C-4A1E-BD17-1F2DE7FF8307}" type="slidenum">
+            <a:fld id="{7A6DD77A-AFF9-4AEF-9103-E7587DFBAEC2}" type="slidenum">
               <a:rPr lang="fr-FR" sz="1000" strike="noStrike">
                 <a:solidFill>
                   <a:srgbClr val="595959"/>
@@ -4741,55 +4295,368 @@
           </a:p>
         </p:txBody>
       </p:sp>
-      <p:sp>
-        <p:nvSpPr>
-          <p:cNvPr id="102" name="TextShape 4"/>
-          <p:cNvSpPr txBox="1"/>
+      <p:graphicFrame>
+        <p:nvGraphicFramePr>
+          <p:cNvPr id="98" name="Table 3"/>
+          <p:cNvGraphicFramePr/>
           <p:nvPr/>
-        </p:nvSpPr>
-        <p:spPr>
-          <a:xfrm>
-            <a:off x="712800" y="6311160"/>
-            <a:ext cx="6101640" cy="364680"/>
-          </a:xfrm>
-          <a:prstGeom prst="rect">
-            <a:avLst/>
-          </a:prstGeom>
-          <a:noFill/>
-          <a:ln>
-            <a:noFill/>
-          </a:ln>
-        </p:spPr>
-        <p:txBody>
-          <a:bodyPr lIns="0" rIns="0" tIns="0" bIns="0" anchor="ctr"/>
-          <a:p>
-            <a:endParaRPr/>
-          </a:p>
-        </p:txBody>
-      </p:sp>
-      <p:pic>
-        <p:nvPicPr>
-          <p:cNvPr id="103" name="" descr=""/>
-          <p:cNvPicPr/>
-          <p:nvPr/>
-        </p:nvPicPr>
-        <p:blipFill>
-          <a:blip r:embed="rId1"/>
-          <a:stretch/>
-        </p:blipFill>
-        <p:spPr>
-          <a:xfrm>
-            <a:off x="2041920" y="935640"/>
-            <a:ext cx="4661280" cy="5184360"/>
-          </a:xfrm>
-          <a:prstGeom prst="rect">
-            <a:avLst/>
-          </a:prstGeom>
-          <a:ln>
-            <a:noFill/>
-          </a:ln>
-        </p:spPr>
-      </p:pic>
+        </p:nvGraphicFramePr>
+        <p:xfrm>
+          <a:off x="1306440" y="788760"/>
+          <a:ext cx="6324120" cy="5403240"/>
+        </p:xfrm>
+        <a:graphic>
+          <a:graphicData uri="http://schemas.openxmlformats.org/drawingml/2006/table">
+            <a:tbl>
+              <a:tblPr/>
+              <a:tblGrid>
+                <a:gridCol w="3162600"/>
+                <a:gridCol w="3161880"/>
+              </a:tblGrid>
+              <a:tr h="355320">
+                <a:tc>
+                  <a:txBody>
+                    <a:bodyPr/>
+                    <a:p>
+                      <a:r>
+                        <a:rPr b="1" lang="fr-FR" strike="noStrike">
+                          <a:latin typeface="Arial"/>
+                        </a:rPr>
+                        <a:t>Source</a:t>
+                      </a:r>
+                      <a:endParaRPr/>
+                    </a:p>
+                  </a:txBody>
+                  <a:tcPr/>
+                </a:tc>
+                <a:tc>
+                  <a:txBody>
+                    <a:bodyPr/>
+                    <a:p>
+                      <a:r>
+                        <a:rPr b="1" lang="fr-FR" strike="noStrike">
+                          <a:latin typeface="Arial"/>
+                        </a:rPr>
+                        <a:t>Proprieté</a:t>
+                      </a:r>
+                      <a:endParaRPr/>
+                    </a:p>
+                  </a:txBody>
+                  <a:tcPr/>
+                </a:tc>
+              </a:tr>
+              <a:tr h="348120">
+                <a:tc>
+                  <a:txBody>
+                    <a:bodyPr/>
+                    <a:p>
+                      <a:r>
+                        <a:rPr lang="fr-FR" strike="noStrike">
+                          <a:latin typeface="Arial"/>
+                        </a:rPr>
+                        <a:t>Données GM</a:t>
+                      </a:r>
+                      <a:endParaRPr/>
+                    </a:p>
+                  </a:txBody>
+                  <a:tcPr/>
+                </a:tc>
+                <a:tc>
+                  <a:txBody>
+                    <a:bodyPr/>
+                    <a:p>
+                      <a:r>
+                        <a:rPr lang="fr-FR" strike="noStrike">
+                          <a:latin typeface="Arial"/>
+                        </a:rPr>
+                        <a:t>durée visite</a:t>
+                      </a:r>
+                      <a:endParaRPr/>
+                    </a:p>
+                  </a:txBody>
+                  <a:tcPr/>
+                </a:tc>
+              </a:tr>
+              <a:tr h="428760">
+                <a:tc>
+                  <a:tcPr/>
+                </a:tc>
+                <a:tc>
+                  <a:txBody>
+                    <a:bodyPr/>
+                    <a:p>
+                      <a:r>
+                        <a:rPr lang="fr-FR" strike="noStrike">
+                          <a:latin typeface="Arial"/>
+                        </a:rPr>
+                        <a:t>type de prestation</a:t>
+                      </a:r>
+                      <a:endParaRPr/>
+                    </a:p>
+                  </a:txBody>
+                  <a:tcPr/>
+                </a:tc>
+              </a:tr>
+              <a:tr h="428760">
+                <a:tc>
+                  <a:tcPr/>
+                </a:tc>
+                <a:tc>
+                  <a:txBody>
+                    <a:bodyPr/>
+                    <a:p>
+                      <a:r>
+                        <a:rPr lang="fr-FR" strike="noStrike">
+                          <a:latin typeface="Arial"/>
+                        </a:rPr>
+                        <a:t>description prestation</a:t>
+                      </a:r>
+                      <a:endParaRPr/>
+                    </a:p>
+                  </a:txBody>
+                  <a:tcPr/>
+                </a:tc>
+              </a:tr>
+              <a:tr h="348120">
+                <a:tc>
+                  <a:txBody>
+                    <a:bodyPr/>
+                    <a:p>
+                      <a:r>
+                        <a:rPr lang="fr-FR" strike="noStrike">
+                          <a:latin typeface="Arial"/>
+                        </a:rPr>
+                        <a:t>Données du patient</a:t>
+                      </a:r>
+                      <a:endParaRPr/>
+                    </a:p>
+                  </a:txBody>
+                  <a:tcPr/>
+                </a:tc>
+                <a:tc>
+                  <a:txBody>
+                    <a:bodyPr/>
+                    <a:p>
+                      <a:r>
+                        <a:rPr lang="fr-FR" strike="noStrike">
+                          <a:latin typeface="Arial"/>
+                        </a:rPr>
+                        <a:t>âge</a:t>
+                      </a:r>
+                      <a:endParaRPr/>
+                    </a:p>
+                  </a:txBody>
+                  <a:tcPr/>
+                </a:tc>
+              </a:tr>
+              <a:tr h="428760">
+                <a:tc>
+                  <a:tcPr/>
+                </a:tc>
+                <a:tc>
+                  <a:txBody>
+                    <a:bodyPr/>
+                    <a:p>
+                      <a:r>
+                        <a:rPr lang="fr-FR" strike="noStrike">
+                          <a:latin typeface="Arial"/>
+                        </a:rPr>
+                        <a:t>sexe</a:t>
+                      </a:r>
+                      <a:endParaRPr/>
+                    </a:p>
+                  </a:txBody>
+                  <a:tcPr/>
+                </a:tc>
+              </a:tr>
+              <a:tr h="428760">
+                <a:tc>
+                  <a:tcPr/>
+                </a:tc>
+                <a:tc>
+                  <a:txBody>
+                    <a:bodyPr/>
+                    <a:p>
+                      <a:r>
+                        <a:rPr lang="fr-FR" strike="noStrike">
+                          <a:latin typeface="Arial"/>
+                        </a:rPr>
+                        <a:t>historique médical</a:t>
+                      </a:r>
+                      <a:endParaRPr/>
+                    </a:p>
+                  </a:txBody>
+                  <a:tcPr/>
+                </a:tc>
+              </a:tr>
+              <a:tr h="428760">
+                <a:tc>
+                  <a:tcPr/>
+                </a:tc>
+                <a:tc>
+                  <a:txBody>
+                    <a:bodyPr/>
+                    <a:p>
+                      <a:r>
+                        <a:rPr lang="fr-FR" strike="noStrike">
+                          <a:latin typeface="Arial"/>
+                        </a:rPr>
+                        <a:t>état de santé actuel</a:t>
+                      </a:r>
+                      <a:endParaRPr/>
+                    </a:p>
+                  </a:txBody>
+                  <a:tcPr/>
+                </a:tc>
+              </a:tr>
+              <a:tr h="428760">
+                <a:tc>
+                  <a:tcPr/>
+                </a:tc>
+                <a:tc>
+                  <a:txBody>
+                    <a:bodyPr/>
+                    <a:p>
+                      <a:r>
+                        <a:rPr lang="fr-FR" strike="noStrike">
+                          <a:latin typeface="Arial"/>
+                        </a:rPr>
+                        <a:t>situation géographique</a:t>
+                      </a:r>
+                      <a:endParaRPr/>
+                    </a:p>
+                  </a:txBody>
+                  <a:tcPr/>
+                </a:tc>
+              </a:tr>
+              <a:tr h="348120">
+                <a:tc>
+                  <a:txBody>
+                    <a:bodyPr/>
+                    <a:p>
+                      <a:r>
+                        <a:rPr lang="fr-FR" strike="noStrike">
+                          <a:latin typeface="Arial"/>
+                        </a:rPr>
+                        <a:t>Données du médecin</a:t>
+                      </a:r>
+                      <a:endParaRPr/>
+                    </a:p>
+                  </a:txBody>
+                  <a:tcPr/>
+                </a:tc>
+                <a:tc>
+                  <a:txBody>
+                    <a:bodyPr/>
+                    <a:p>
+                      <a:r>
+                        <a:rPr lang="fr-FR" strike="noStrike">
+                          <a:latin typeface="Arial"/>
+                        </a:rPr>
+                        <a:t>nombre de visites</a:t>
+                      </a:r>
+                      <a:endParaRPr/>
+                    </a:p>
+                  </a:txBody>
+                  <a:tcPr/>
+                </a:tc>
+              </a:tr>
+              <a:tr h="428760">
+                <a:tc>
+                  <a:tcPr/>
+                </a:tc>
+                <a:tc>
+                  <a:txBody>
+                    <a:bodyPr/>
+                    <a:p>
+                      <a:r>
+                        <a:rPr lang="fr-FR" strike="noStrike">
+                          <a:latin typeface="Arial"/>
+                        </a:rPr>
+                        <a:t>heure de la journée</a:t>
+                      </a:r>
+                      <a:endParaRPr/>
+                    </a:p>
+                  </a:txBody>
+                  <a:tcPr/>
+                </a:tc>
+              </a:tr>
+              <a:tr h="428760">
+                <a:tc>
+                  <a:tcPr/>
+                </a:tc>
+                <a:tc>
+                  <a:txBody>
+                    <a:bodyPr/>
+                    <a:p>
+                      <a:r>
+                        <a:rPr lang="fr-FR" strike="noStrike">
+                          <a:latin typeface="Arial"/>
+                        </a:rPr>
+                        <a:t>période de l'année</a:t>
+                      </a:r>
+                      <a:endParaRPr/>
+                    </a:p>
+                  </a:txBody>
+                  <a:tcPr/>
+                </a:tc>
+              </a:tr>
+              <a:tr h="348120">
+                <a:tc>
+                  <a:txBody>
+                    <a:bodyPr/>
+                    <a:p>
+                      <a:r>
+                        <a:rPr lang="fr-FR" strike="noStrike">
+                          <a:latin typeface="Arial"/>
+                        </a:rPr>
+                        <a:t>Référentiel public</a:t>
+                      </a:r>
+                      <a:endParaRPr/>
+                    </a:p>
+                  </a:txBody>
+                  <a:tcPr/>
+                </a:tc>
+                <a:tc>
+                  <a:txBody>
+                    <a:bodyPr/>
+                    <a:p>
+                      <a:r>
+                        <a:rPr lang="fr-FR" strike="noStrike">
+                          <a:latin typeface="Arial"/>
+                        </a:rPr>
+                        <a:t>situation épidémiologique</a:t>
+                      </a:r>
+                      <a:endParaRPr/>
+                    </a:p>
+                  </a:txBody>
+                  <a:tcPr/>
+                </a:tc>
+              </a:tr>
+              <a:tr h="428760">
+                <a:tc>
+                  <a:tcPr/>
+                </a:tc>
+                <a:tc>
+                  <a:txBody>
+                    <a:bodyPr/>
+                    <a:p>
+                      <a:r>
+                        <a:rPr lang="fr-FR" strike="noStrike">
+                          <a:latin typeface="Arial"/>
+                        </a:rPr>
+                        <a:t>méteo</a:t>
+                      </a:r>
+                      <a:endParaRPr/>
+                    </a:p>
+                  </a:txBody>
+                  <a:tcPr/>
+                </a:tc>
+              </a:tr>
+            </a:tbl>
+          </a:graphicData>
+        </a:graphic>
+      </p:graphicFrame>
     </p:spTree>
   </p:cSld>
   <p:timing>
@@ -4841,14 +4708,14 @@
       </p:grpSpPr>
       <p:sp>
         <p:nvSpPr>
-          <p:cNvPr id="104" name="TextShape 1"/>
-          <p:cNvSpPr txBox="1"/>
+          <p:cNvPr id="99" name="CustomShape 1"/>
+          <p:cNvSpPr/>
           <p:nvPr/>
         </p:nvSpPr>
         <p:spPr>
           <a:xfrm>
             <a:off x="720000" y="935640"/>
-            <a:ext cx="7711200" cy="507240"/>
+            <a:ext cx="7710840" cy="506880"/>
           </a:xfrm>
           <a:prstGeom prst="rect">
             <a:avLst/>
@@ -4858,24 +4725,23 @@
             <a:noFill/>
           </a:ln>
         </p:spPr>
-        <p:txBody>
-          <a:bodyPr lIns="0" rIns="0" tIns="0" bIns="0"/>
-          <a:p>
-            <a:pPr algn="ctr"/>
-            <a:endParaRPr/>
-          </a:p>
-        </p:txBody>
-      </p:sp>
-      <p:sp>
-        <p:nvSpPr>
-          <p:cNvPr id="105" name="TextShape 2"/>
-          <p:cNvSpPr txBox="1"/>
+        <p:style>
+          <a:lnRef idx="0"/>
+          <a:fillRef idx="0"/>
+          <a:effectRef idx="0"/>
+          <a:fontRef idx="minor"/>
+        </p:style>
+      </p:sp>
+      <p:sp>
+        <p:nvSpPr>
+          <p:cNvPr id="100" name="CustomShape 2"/>
+          <p:cNvSpPr/>
           <p:nvPr/>
         </p:nvSpPr>
         <p:spPr>
           <a:xfrm>
             <a:off x="712800" y="480240"/>
-            <a:ext cx="7716600" cy="456840"/>
+            <a:ext cx="7716240" cy="456480"/>
           </a:xfrm>
           <a:prstGeom prst="rect">
             <a:avLst/>
@@ -4885,29 +4751,23 @@
             <a:noFill/>
           </a:ln>
         </p:spPr>
-        <p:txBody>
-          <a:bodyPr lIns="0" rIns="0" tIns="0" bIns="0"/>
-          <a:p>
-            <a:r>
-              <a:rPr lang="fr-FR">
-                <a:latin typeface="Calibri"/>
-              </a:rPr>
-              <a:t>Doc Time</a:t>
-            </a:r>
-            <a:endParaRPr/>
-          </a:p>
-        </p:txBody>
-      </p:sp>
-      <p:sp>
-        <p:nvSpPr>
-          <p:cNvPr id="106" name="TextShape 3"/>
-          <p:cNvSpPr txBox="1"/>
+        <p:style>
+          <a:lnRef idx="0"/>
+          <a:fillRef idx="0"/>
+          <a:effectRef idx="0"/>
+          <a:fontRef idx="minor"/>
+        </p:style>
+      </p:sp>
+      <p:sp>
+        <p:nvSpPr>
+          <p:cNvPr id="101" name="CustomShape 3"/>
+          <p:cNvSpPr/>
           <p:nvPr/>
         </p:nvSpPr>
         <p:spPr>
           <a:xfrm>
             <a:off x="6879960" y="6311160"/>
-            <a:ext cx="2057040" cy="364680"/>
+            <a:ext cx="2056680" cy="364320"/>
           </a:xfrm>
           <a:prstGeom prst="rect">
             <a:avLst/>
@@ -4917,15 +4777,21 @@
             <a:noFill/>
           </a:ln>
         </p:spPr>
-        <p:txBody>
-          <a:bodyPr lIns="108000" rIns="108000" anchor="ctr"/>
+        <p:style>
+          <a:lnRef idx="0"/>
+          <a:fillRef idx="0"/>
+          <a:effectRef idx="0"/>
+          <a:fontRef idx="minor"/>
+        </p:style>
+        <p:txBody>
+          <a:bodyPr lIns="108000" rIns="108000" tIns="45000" bIns="45000" anchor="ctr"/>
           <a:p>
             <a:pPr algn="r">
               <a:lnSpc>
                 <a:spcPct val="100000"/>
               </a:lnSpc>
             </a:pPr>
-            <a:fld id="{038492E3-A681-4FE8-AA66-B39ECD089740}" type="slidenum">
+            <a:fld id="{3E9B65E4-7ABF-4358-B28F-86360350C9AF}" type="slidenum">
               <a:rPr lang="fr-FR" sz="1000" strike="noStrike">
                 <a:solidFill>
                   <a:srgbClr val="595959"/>
@@ -4940,14 +4806,14 @@
       </p:sp>
       <p:sp>
         <p:nvSpPr>
-          <p:cNvPr id="107" name="TextShape 4"/>
-          <p:cNvSpPr txBox="1"/>
+          <p:cNvPr id="102" name="CustomShape 4"/>
+          <p:cNvSpPr/>
           <p:nvPr/>
         </p:nvSpPr>
         <p:spPr>
           <a:xfrm>
             <a:off x="712800" y="6311160"/>
-            <a:ext cx="6101640" cy="364680"/>
+            <a:ext cx="6101280" cy="364320"/>
           </a:xfrm>
           <a:prstGeom prst="rect">
             <a:avLst/>
@@ -4957,16 +4823,16 @@
             <a:noFill/>
           </a:ln>
         </p:spPr>
-        <p:txBody>
-          <a:bodyPr lIns="0" rIns="0" tIns="0" bIns="0" anchor="ctr"/>
-          <a:p>
-            <a:endParaRPr/>
-          </a:p>
-        </p:txBody>
+        <p:style>
+          <a:lnRef idx="0"/>
+          <a:fillRef idx="0"/>
+          <a:effectRef idx="0"/>
+          <a:fontRef idx="minor"/>
+        </p:style>
       </p:sp>
       <p:pic>
         <p:nvPicPr>
-          <p:cNvPr id="108" name="" descr=""/>
+          <p:cNvPr id="103" name="" descr=""/>
           <p:cNvPicPr/>
           <p:nvPr/>
         </p:nvPicPr>
@@ -4976,8 +4842,8 @@
         </p:blipFill>
         <p:spPr>
           <a:xfrm>
-            <a:off x="2113920" y="1224000"/>
-            <a:ext cx="4078080" cy="4535640"/>
+            <a:off x="2041920" y="935640"/>
+            <a:ext cx="4660920" cy="5184000"/>
           </a:xfrm>
           <a:prstGeom prst="rect">
             <a:avLst/>
@@ -4987,35 +4853,6 @@
           </a:ln>
         </p:spPr>
       </p:pic>
-      <p:sp>
-        <p:nvSpPr>
-          <p:cNvPr id="109" name="CustomShape 5"/>
-          <p:cNvSpPr/>
-          <p:nvPr/>
-        </p:nvSpPr>
-        <p:spPr>
-          <a:xfrm>
-            <a:off x="1872000" y="2376000"/>
-            <a:ext cx="1368000" cy="864000"/>
-          </a:xfrm>
-          <a:prstGeom prst="ellipse">
-            <a:avLst/>
-          </a:prstGeom>
-          <a:noFill/>
-          <a:ln w="36000">
-            <a:solidFill>
-              <a:srgbClr val="ff3333"/>
-            </a:solidFill>
-            <a:round/>
-          </a:ln>
-        </p:spPr>
-        <p:style>
-          <a:lnRef idx="0"/>
-          <a:fillRef idx="0"/>
-          <a:effectRef idx="0"/>
-          <a:fontRef idx="minor"/>
-        </p:style>
-      </p:sp>
     </p:spTree>
   </p:cSld>
   <p:timing>
@@ -5067,14 +4904,14 @@
       </p:grpSpPr>
       <p:sp>
         <p:nvSpPr>
-          <p:cNvPr id="110" name="TextShape 1"/>
-          <p:cNvSpPr txBox="1"/>
+          <p:cNvPr id="104" name="CustomShape 1"/>
+          <p:cNvSpPr/>
           <p:nvPr/>
         </p:nvSpPr>
         <p:spPr>
           <a:xfrm>
-            <a:off x="633600" y="489240"/>
-            <a:ext cx="7716600" cy="456840"/>
+            <a:off x="720000" y="935640"/>
+            <a:ext cx="7710840" cy="506880"/>
           </a:xfrm>
           <a:prstGeom prst="rect">
             <a:avLst/>
@@ -5084,37 +4921,23 @@
             <a:noFill/>
           </a:ln>
         </p:spPr>
-        <p:txBody>
-          <a:bodyPr lIns="0" rIns="0" tIns="0" bIns="0"/>
-          <a:p>
-            <a:pPr>
-              <a:lnSpc>
-                <a:spcPct val="100000"/>
-              </a:lnSpc>
-            </a:pPr>
-            <a:r>
-              <a:rPr lang="fr-FR" sz="2400" strike="noStrike">
-                <a:solidFill>
-                  <a:srgbClr val="000000"/>
-                </a:solidFill>
-                <a:latin typeface="HelveticaNeueLT Com 55 Roman"/>
-              </a:rPr>
-              <a:t>Facture tarmed</a:t>
-            </a:r>
-            <a:endParaRPr/>
-          </a:p>
-        </p:txBody>
-      </p:sp>
-      <p:sp>
-        <p:nvSpPr>
-          <p:cNvPr id="111" name="TextShape 2"/>
-          <p:cNvSpPr txBox="1"/>
+        <p:style>
+          <a:lnRef idx="0"/>
+          <a:fillRef idx="0"/>
+          <a:effectRef idx="0"/>
+          <a:fontRef idx="minor"/>
+        </p:style>
+      </p:sp>
+      <p:sp>
+        <p:nvSpPr>
+          <p:cNvPr id="105" name="CustomShape 2"/>
+          <p:cNvSpPr/>
           <p:nvPr/>
         </p:nvSpPr>
         <p:spPr>
           <a:xfrm>
-            <a:off x="6879960" y="6311160"/>
-            <a:ext cx="2057040" cy="364680"/>
+            <a:off x="712800" y="480240"/>
+            <a:ext cx="7716240" cy="456480"/>
           </a:xfrm>
           <a:prstGeom prst="rect">
             <a:avLst/>
@@ -5124,15 +4947,47 @@
             <a:noFill/>
           </a:ln>
         </p:spPr>
-        <p:txBody>
-          <a:bodyPr lIns="108000" rIns="108000" anchor="ctr"/>
+        <p:style>
+          <a:lnRef idx="0"/>
+          <a:fillRef idx="0"/>
+          <a:effectRef idx="0"/>
+          <a:fontRef idx="minor"/>
+        </p:style>
+      </p:sp>
+      <p:sp>
+        <p:nvSpPr>
+          <p:cNvPr id="106" name="CustomShape 3"/>
+          <p:cNvSpPr/>
+          <p:nvPr/>
+        </p:nvSpPr>
+        <p:spPr>
+          <a:xfrm>
+            <a:off x="6879960" y="6311160"/>
+            <a:ext cx="2056680" cy="364320"/>
+          </a:xfrm>
+          <a:prstGeom prst="rect">
+            <a:avLst/>
+          </a:prstGeom>
+          <a:noFill/>
+          <a:ln>
+            <a:noFill/>
+          </a:ln>
+        </p:spPr>
+        <p:style>
+          <a:lnRef idx="0"/>
+          <a:fillRef idx="0"/>
+          <a:effectRef idx="0"/>
+          <a:fontRef idx="minor"/>
+        </p:style>
+        <p:txBody>
+          <a:bodyPr lIns="108000" rIns="108000" tIns="45000" bIns="45000" anchor="ctr"/>
           <a:p>
             <a:pPr algn="r">
               <a:lnSpc>
                 <a:spcPct val="100000"/>
               </a:lnSpc>
             </a:pPr>
-            <a:fld id="{E495C021-4C6B-480B-AF36-C099C9055B6E}" type="slidenum">
+            <a:fld id="{BC342036-6D6D-4FA8-B49E-232E834D3EF8}" type="slidenum">
               <a:rPr lang="fr-FR" sz="1000" strike="noStrike">
                 <a:solidFill>
                   <a:srgbClr val="595959"/>
@@ -5147,14 +5002,14 @@
       </p:sp>
       <p:sp>
         <p:nvSpPr>
-          <p:cNvPr id="112" name="TextShape 3"/>
-          <p:cNvSpPr txBox="1"/>
+          <p:cNvPr id="107" name="CustomShape 4"/>
+          <p:cNvSpPr/>
           <p:nvPr/>
         </p:nvSpPr>
         <p:spPr>
           <a:xfrm>
             <a:off x="712800" y="6311160"/>
-            <a:ext cx="6101640" cy="364680"/>
+            <a:ext cx="6101280" cy="364320"/>
           </a:xfrm>
           <a:prstGeom prst="rect">
             <a:avLst/>
@@ -5164,55 +5019,16 @@
             <a:noFill/>
           </a:ln>
         </p:spPr>
-        <p:txBody>
-          <a:bodyPr lIns="0" rIns="0" tIns="0" bIns="0" anchor="ctr"/>
-          <a:p>
-            <a:endParaRPr/>
-          </a:p>
-        </p:txBody>
-      </p:sp>
-      <p:sp>
-        <p:nvSpPr>
-          <p:cNvPr id="113" name="TextShape 4"/>
-          <p:cNvSpPr txBox="1"/>
-          <p:nvPr/>
-        </p:nvSpPr>
-        <p:spPr>
-          <a:xfrm>
-            <a:off x="703080" y="1951200"/>
-            <a:ext cx="7710840" cy="3639240"/>
-          </a:xfrm>
-          <a:prstGeom prst="rect">
-            <a:avLst/>
-          </a:prstGeom>
-          <a:noFill/>
-          <a:ln>
-            <a:noFill/>
-          </a:ln>
-        </p:spPr>
-        <p:txBody>
-          <a:bodyPr lIns="0" rIns="0" tIns="0" bIns="0"/>
-          <a:p>
-            <a:pPr>
-              <a:lnSpc>
-                <a:spcPct val="100000"/>
-              </a:lnSpc>
-            </a:pPr>
-            <a:endParaRPr/>
-          </a:p>
-          <a:p>
-            <a:pPr>
-              <a:lnSpc>
-                <a:spcPct val="100000"/>
-              </a:lnSpc>
-            </a:pPr>
-            <a:endParaRPr/>
-          </a:p>
-        </p:txBody>
+        <p:style>
+          <a:lnRef idx="0"/>
+          <a:fillRef idx="0"/>
+          <a:effectRef idx="0"/>
+          <a:fontRef idx="minor"/>
+        </p:style>
       </p:sp>
       <p:pic>
         <p:nvPicPr>
-          <p:cNvPr id="114" name="" descr=""/>
+          <p:cNvPr id="108" name="" descr=""/>
           <p:cNvPicPr/>
           <p:nvPr/>
         </p:nvPicPr>
@@ -5222,8 +5038,8 @@
         </p:blipFill>
         <p:spPr>
           <a:xfrm>
-            <a:off x="936000" y="1224000"/>
-            <a:ext cx="6842160" cy="3915360"/>
+            <a:off x="2113920" y="1224000"/>
+            <a:ext cx="4077720" cy="4535280"/>
           </a:xfrm>
           <a:prstGeom prst="rect">
             <a:avLst/>
@@ -5233,6 +5049,35 @@
           </a:ln>
         </p:spPr>
       </p:pic>
+      <p:sp>
+        <p:nvSpPr>
+          <p:cNvPr id="109" name="CustomShape 5"/>
+          <p:cNvSpPr/>
+          <p:nvPr/>
+        </p:nvSpPr>
+        <p:spPr>
+          <a:xfrm>
+            <a:off x="1872000" y="2376000"/>
+            <a:ext cx="1367640" cy="863640"/>
+          </a:xfrm>
+          <a:prstGeom prst="ellipse">
+            <a:avLst/>
+          </a:prstGeom>
+          <a:noFill/>
+          <a:ln w="36000">
+            <a:solidFill>
+              <a:srgbClr val="ff3333"/>
+            </a:solidFill>
+            <a:round/>
+          </a:ln>
+        </p:spPr>
+        <p:style>
+          <a:lnRef idx="0"/>
+          <a:fillRef idx="0"/>
+          <a:effectRef idx="0"/>
+          <a:fontRef idx="minor"/>
+        </p:style>
+      </p:sp>
     </p:spTree>
   </p:cSld>
   <p:timing>
@@ -5284,14 +5129,14 @@
       </p:grpSpPr>
       <p:sp>
         <p:nvSpPr>
-          <p:cNvPr id="115" name="TextShape 1"/>
-          <p:cNvSpPr txBox="1"/>
+          <p:cNvPr id="110" name="CustomShape 1"/>
+          <p:cNvSpPr/>
           <p:nvPr/>
         </p:nvSpPr>
         <p:spPr>
           <a:xfrm>
             <a:off x="633600" y="489240"/>
-            <a:ext cx="7716600" cy="456840"/>
+            <a:ext cx="7716240" cy="456480"/>
           </a:xfrm>
           <a:prstGeom prst="rect">
             <a:avLst/>
@@ -5301,6 +5146,12 @@
             <a:noFill/>
           </a:ln>
         </p:spPr>
+        <p:style>
+          <a:lnRef idx="0"/>
+          <a:fillRef idx="0"/>
+          <a:effectRef idx="0"/>
+          <a:fontRef idx="minor"/>
+        </p:style>
         <p:txBody>
           <a:bodyPr lIns="0" rIns="0" tIns="0" bIns="0"/>
           <a:p>
@@ -5324,14 +5175,14 @@
       </p:sp>
       <p:sp>
         <p:nvSpPr>
-          <p:cNvPr id="116" name="TextShape 2"/>
-          <p:cNvSpPr txBox="1"/>
+          <p:cNvPr id="111" name="CustomShape 2"/>
+          <p:cNvSpPr/>
           <p:nvPr/>
         </p:nvSpPr>
         <p:spPr>
           <a:xfrm>
             <a:off x="6879960" y="6311160"/>
-            <a:ext cx="2057040" cy="364680"/>
+            <a:ext cx="2056680" cy="364320"/>
           </a:xfrm>
           <a:prstGeom prst="rect">
             <a:avLst/>
@@ -5341,15 +5192,21 @@
             <a:noFill/>
           </a:ln>
         </p:spPr>
-        <p:txBody>
-          <a:bodyPr lIns="108000" rIns="108000" anchor="ctr"/>
+        <p:style>
+          <a:lnRef idx="0"/>
+          <a:fillRef idx="0"/>
+          <a:effectRef idx="0"/>
+          <a:fontRef idx="minor"/>
+        </p:style>
+        <p:txBody>
+          <a:bodyPr lIns="108000" rIns="108000" tIns="45000" bIns="45000" anchor="ctr"/>
           <a:p>
             <a:pPr algn="r">
               <a:lnSpc>
                 <a:spcPct val="100000"/>
               </a:lnSpc>
             </a:pPr>
-            <a:fld id="{5E1F4F44-501A-4CBA-88E2-DEA92325CDAE}" type="slidenum">
+            <a:fld id="{B1065A41-1120-474E-B4E5-C1227E0FDA79}" type="slidenum">
               <a:rPr lang="fr-FR" sz="1000" strike="noStrike">
                 <a:solidFill>
                   <a:srgbClr val="595959"/>
@@ -5364,14 +5221,14 @@
       </p:sp>
       <p:sp>
         <p:nvSpPr>
-          <p:cNvPr id="117" name="TextShape 3"/>
-          <p:cNvSpPr txBox="1"/>
+          <p:cNvPr id="112" name="CustomShape 3"/>
+          <p:cNvSpPr/>
           <p:nvPr/>
         </p:nvSpPr>
         <p:spPr>
           <a:xfrm>
             <a:off x="712800" y="6311160"/>
-            <a:ext cx="6101640" cy="364680"/>
+            <a:ext cx="6101280" cy="364320"/>
           </a:xfrm>
           <a:prstGeom prst="rect">
             <a:avLst/>
@@ -5381,23 +5238,23 @@
             <a:noFill/>
           </a:ln>
         </p:spPr>
-        <p:txBody>
-          <a:bodyPr lIns="0" rIns="0" tIns="0" bIns="0" anchor="ctr"/>
-          <a:p>
-            <a:endParaRPr/>
-          </a:p>
-        </p:txBody>
-      </p:sp>
-      <p:sp>
-        <p:nvSpPr>
-          <p:cNvPr id="118" name="TextShape 4"/>
-          <p:cNvSpPr txBox="1"/>
+        <p:style>
+          <a:lnRef idx="0"/>
+          <a:fillRef idx="0"/>
+          <a:effectRef idx="0"/>
+          <a:fontRef idx="minor"/>
+        </p:style>
+      </p:sp>
+      <p:sp>
+        <p:nvSpPr>
+          <p:cNvPr id="113" name="CustomShape 4"/>
+          <p:cNvSpPr/>
           <p:nvPr/>
         </p:nvSpPr>
         <p:spPr>
           <a:xfrm>
             <a:off x="703080" y="1951200"/>
-            <a:ext cx="7710840" cy="3639240"/>
+            <a:ext cx="7710480" cy="3638880"/>
           </a:xfrm>
           <a:prstGeom prst="rect">
             <a:avLst/>
@@ -5407,6 +5264,12 @@
             <a:noFill/>
           </a:ln>
         </p:spPr>
+        <p:style>
+          <a:lnRef idx="0"/>
+          <a:fillRef idx="0"/>
+          <a:effectRef idx="0"/>
+          <a:fontRef idx="minor"/>
+        </p:style>
         <p:txBody>
           <a:bodyPr lIns="0" rIns="0" tIns="0" bIns="0"/>
           <a:p>
@@ -5429,7 +5292,7 @@
       </p:sp>
       <p:pic>
         <p:nvPicPr>
-          <p:cNvPr id="119" name="" descr=""/>
+          <p:cNvPr id="114" name="" descr=""/>
           <p:cNvPicPr/>
           <p:nvPr/>
         </p:nvPicPr>
@@ -5439,54 +5302,8 @@
         </p:blipFill>
         <p:spPr>
           <a:xfrm>
-            <a:off x="864000" y="1157760"/>
-            <a:ext cx="4200480" cy="1578240"/>
-          </a:xfrm>
-          <a:prstGeom prst="rect">
-            <a:avLst/>
-          </a:prstGeom>
-          <a:ln>
-            <a:noFill/>
-          </a:ln>
-        </p:spPr>
-      </p:pic>
-      <p:pic>
-        <p:nvPicPr>
-          <p:cNvPr id="120" name="" descr=""/>
-          <p:cNvPicPr/>
-          <p:nvPr/>
-        </p:nvPicPr>
-        <p:blipFill>
-          <a:blip r:embed="rId2"/>
-          <a:stretch/>
-        </p:blipFill>
-        <p:spPr>
-          <a:xfrm>
-            <a:off x="4104000" y="2808000"/>
-            <a:ext cx="4032000" cy="1555560"/>
-          </a:xfrm>
-          <a:prstGeom prst="rect">
-            <a:avLst/>
-          </a:prstGeom>
-          <a:ln>
-            <a:noFill/>
-          </a:ln>
-        </p:spPr>
-      </p:pic>
-      <p:pic>
-        <p:nvPicPr>
-          <p:cNvPr id="121" name="" descr=""/>
-          <p:cNvPicPr/>
-          <p:nvPr/>
-        </p:nvPicPr>
-        <p:blipFill>
-          <a:blip r:embed="rId3"/>
-          <a:stretch/>
-        </p:blipFill>
-        <p:spPr>
-          <a:xfrm>
-            <a:off x="1008000" y="4561560"/>
-            <a:ext cx="3958920" cy="1486440"/>
+            <a:off x="936000" y="1224000"/>
+            <a:ext cx="6841800" cy="3915000"/>
           </a:xfrm>
           <a:prstGeom prst="rect">
             <a:avLst/>

--- a/GM IT Hackathon PITCH Doc Time.pptx
+++ b/GM IT Hackathon PITCH Doc Time.pptx
@@ -17,6 +17,8 @@
     <p:sldId id="264" r:id="rId12"/>
     <p:sldId id="265" r:id="rId13"/>
     <p:sldId id="266" r:id="rId14"/>
+    <p:sldId id="267" r:id="rId15"/>
+    <p:sldId id="268" r:id="rId16"/>
   </p:sldIdLst>
   <p:sldSz cx="9144000" cy="6858000"/>
   <p:notesSz cx="7559675" cy="10691812"/>
@@ -3031,7 +3033,7 @@
       </p:grpSpPr>
       <p:sp>
         <p:nvSpPr>
-          <p:cNvPr id="115" name="CustomShape 1"/>
+          <p:cNvPr id="111" name="CustomShape 1"/>
           <p:cNvSpPr/>
           <p:nvPr/>
         </p:nvSpPr>
@@ -3077,7 +3079,7 @@
       </p:sp>
       <p:sp>
         <p:nvSpPr>
-          <p:cNvPr id="116" name="CustomShape 2"/>
+          <p:cNvPr id="112" name="CustomShape 2"/>
           <p:cNvSpPr/>
           <p:nvPr/>
         </p:nvSpPr>
@@ -3108,7 +3110,7 @@
                 <a:spcPct val="100000"/>
               </a:lnSpc>
             </a:pPr>
-            <a:fld id="{8031EC2D-ECB4-4E31-A288-7B492F4DA2F7}" type="slidenum">
+            <a:fld id="{D192BC65-1B02-4619-84AC-243E051DA875}" type="slidenum">
               <a:rPr lang="fr-FR" sz="1000" strike="noStrike">
                 <a:solidFill>
                   <a:srgbClr val="595959"/>
@@ -3123,7 +3125,7 @@
       </p:sp>
       <p:sp>
         <p:nvSpPr>
-          <p:cNvPr id="117" name="CustomShape 3"/>
+          <p:cNvPr id="113" name="CustomShape 3"/>
           <p:cNvSpPr/>
           <p:nvPr/>
         </p:nvSpPr>
@@ -3149,7 +3151,7 @@
       </p:sp>
       <p:sp>
         <p:nvSpPr>
-          <p:cNvPr id="118" name="CustomShape 4"/>
+          <p:cNvPr id="114" name="CustomShape 4"/>
           <p:cNvSpPr/>
           <p:nvPr/>
         </p:nvSpPr>
@@ -3194,7 +3196,7 @@
       </p:sp>
       <p:pic>
         <p:nvPicPr>
-          <p:cNvPr id="119" name="" descr=""/>
+          <p:cNvPr id="115" name="" descr=""/>
           <p:cNvPicPr/>
           <p:nvPr/>
         </p:nvPicPr>
@@ -3217,7 +3219,7 @@
       </p:pic>
       <p:pic>
         <p:nvPicPr>
-          <p:cNvPr id="120" name="" descr=""/>
+          <p:cNvPr id="116" name="" descr=""/>
           <p:cNvPicPr/>
           <p:nvPr/>
         </p:nvPicPr>
@@ -3240,7 +3242,7 @@
       </p:pic>
       <p:pic>
         <p:nvPicPr>
-          <p:cNvPr id="121" name="" descr=""/>
+          <p:cNvPr id="117" name="" descr=""/>
           <p:cNvPicPr/>
           <p:nvPr/>
         </p:nvPicPr>
@@ -3266,10 +3268,10 @@
   <p:timing>
     <p:tnLst>
       <p:par>
-        <p:cTn id="19" dur="indefinite" restart="never" nodeType="tmRoot">
+        <p:cTn id="17" dur="indefinite" restart="never" nodeType="tmRoot">
           <p:childTnLst>
             <p:seq>
-              <p:cTn id="20" nodeType="mainSeq"/>
+              <p:cTn id="18" nodeType="mainSeq"/>
               <p:prevCondLst>
                 <p:cond delay="0" evt="onPrev">
                   <p:tgtEl>
@@ -3312,7 +3314,345 @@
       </p:grpSpPr>
       <p:sp>
         <p:nvSpPr>
-          <p:cNvPr id="122" name="CustomShape 1"/>
+          <p:cNvPr id="118" name="CustomShape 1"/>
+          <p:cNvSpPr/>
+          <p:nvPr/>
+        </p:nvSpPr>
+        <p:spPr>
+          <a:xfrm>
+            <a:off x="633600" y="489240"/>
+            <a:ext cx="7716240" cy="456480"/>
+          </a:xfrm>
+          <a:prstGeom prst="rect">
+            <a:avLst/>
+          </a:prstGeom>
+          <a:noFill/>
+          <a:ln>
+            <a:noFill/>
+          </a:ln>
+        </p:spPr>
+        <p:style>
+          <a:lnRef idx="0"/>
+          <a:fillRef idx="0"/>
+          <a:effectRef idx="0"/>
+          <a:fontRef idx="minor"/>
+        </p:style>
+      </p:sp>
+      <p:sp>
+        <p:nvSpPr>
+          <p:cNvPr id="119" name="CustomShape 2"/>
+          <p:cNvSpPr/>
+          <p:nvPr/>
+        </p:nvSpPr>
+        <p:spPr>
+          <a:xfrm>
+            <a:off x="6879960" y="6311160"/>
+            <a:ext cx="2056680" cy="364320"/>
+          </a:xfrm>
+          <a:prstGeom prst="rect">
+            <a:avLst/>
+          </a:prstGeom>
+          <a:noFill/>
+          <a:ln>
+            <a:noFill/>
+          </a:ln>
+        </p:spPr>
+        <p:style>
+          <a:lnRef idx="0"/>
+          <a:fillRef idx="0"/>
+          <a:effectRef idx="0"/>
+          <a:fontRef idx="minor"/>
+        </p:style>
+        <p:txBody>
+          <a:bodyPr lIns="108000" rIns="108000" tIns="45000" bIns="45000" anchor="ctr"/>
+          <a:p>
+            <a:pPr algn="r">
+              <a:lnSpc>
+                <a:spcPct val="100000"/>
+              </a:lnSpc>
+            </a:pPr>
+            <a:fld id="{B867CD64-9FCB-4E6F-BB31-25CE84350380}" type="slidenum">
+              <a:rPr lang="fr-FR" sz="1000" strike="noStrike">
+                <a:solidFill>
+                  <a:srgbClr val="595959"/>
+                </a:solidFill>
+                <a:latin typeface="HelveticaNeue LT 45 Light"/>
+              </a:rPr>
+              <a:t>&lt;number&gt;</a:t>
+            </a:fld>
+            <a:endParaRPr/>
+          </a:p>
+        </p:txBody>
+      </p:sp>
+      <p:sp>
+        <p:nvSpPr>
+          <p:cNvPr id="120" name="CustomShape 3"/>
+          <p:cNvSpPr/>
+          <p:nvPr/>
+        </p:nvSpPr>
+        <p:spPr>
+          <a:xfrm>
+            <a:off x="712800" y="6311160"/>
+            <a:ext cx="6101280" cy="364320"/>
+          </a:xfrm>
+          <a:prstGeom prst="rect">
+            <a:avLst/>
+          </a:prstGeom>
+          <a:noFill/>
+          <a:ln>
+            <a:noFill/>
+          </a:ln>
+        </p:spPr>
+        <p:style>
+          <a:lnRef idx="0"/>
+          <a:fillRef idx="0"/>
+          <a:effectRef idx="0"/>
+          <a:fontRef idx="minor"/>
+        </p:style>
+      </p:sp>
+      <p:sp>
+        <p:nvSpPr>
+          <p:cNvPr id="121" name="CustomShape 4"/>
+          <p:cNvSpPr/>
+          <p:nvPr/>
+        </p:nvSpPr>
+        <p:spPr>
+          <a:xfrm>
+            <a:off x="703080" y="1951200"/>
+            <a:ext cx="7710480" cy="3638880"/>
+          </a:xfrm>
+          <a:prstGeom prst="rect">
+            <a:avLst/>
+          </a:prstGeom>
+          <a:noFill/>
+          <a:ln>
+            <a:noFill/>
+          </a:ln>
+        </p:spPr>
+        <p:style>
+          <a:lnRef idx="0"/>
+          <a:fillRef idx="0"/>
+          <a:effectRef idx="0"/>
+          <a:fontRef idx="minor"/>
+        </p:style>
+        <p:txBody>
+          <a:bodyPr lIns="0" rIns="0" tIns="0" bIns="0"/>
+          <a:p>
+            <a:pPr>
+              <a:lnSpc>
+                <a:spcPct val="100000"/>
+              </a:lnSpc>
+            </a:pPr>
+            <a:endParaRPr/>
+          </a:p>
+          <a:p>
+            <a:pPr>
+              <a:lnSpc>
+                <a:spcPct val="100000"/>
+              </a:lnSpc>
+            </a:pPr>
+            <a:endParaRPr/>
+          </a:p>
+        </p:txBody>
+      </p:sp>
+      <p:sp>
+        <p:nvSpPr>
+          <p:cNvPr id="122" name="TextShape 5"/>
+          <p:cNvSpPr txBox="1"/>
+          <p:nvPr/>
+        </p:nvSpPr>
+        <p:spPr>
+          <a:xfrm>
+            <a:off x="457200" y="273600"/>
+            <a:ext cx="8229240" cy="1144800"/>
+          </a:xfrm>
+          <a:prstGeom prst="rect">
+            <a:avLst/>
+          </a:prstGeom>
+          <a:noFill/>
+          <a:ln>
+            <a:noFill/>
+          </a:ln>
+        </p:spPr>
+        <p:txBody>
+          <a:bodyPr lIns="0" rIns="0" tIns="0" bIns="0" anchor="ctr"/>
+          <a:p>
+            <a:pPr algn="ctr"/>
+            <a:endParaRPr/>
+          </a:p>
+        </p:txBody>
+      </p:sp>
+      <p:sp>
+        <p:nvSpPr>
+          <p:cNvPr id="123" name="TextShape 6"/>
+          <p:cNvSpPr txBox="1"/>
+          <p:nvPr/>
+        </p:nvSpPr>
+        <p:spPr>
+          <a:xfrm>
+            <a:off x="457200" y="1604520"/>
+            <a:ext cx="8229240" cy="3977280"/>
+          </a:xfrm>
+          <a:prstGeom prst="rect">
+            <a:avLst/>
+          </a:prstGeom>
+          <a:noFill/>
+          <a:ln>
+            <a:noFill/>
+          </a:ln>
+        </p:spPr>
+        <p:txBody>
+          <a:bodyPr lIns="0" rIns="0" tIns="0" bIns="0" anchor="ctr"/>
+          <a:p>
+            <a:pPr algn="ctr"/>
+            <a:r>
+              <a:rPr lang="fr-FR" sz="4000">
+                <a:latin typeface="Arial"/>
+              </a:rPr>
+              <a:t>Demo</a:t>
+            </a:r>
+            <a:endParaRPr/>
+          </a:p>
+        </p:txBody>
+      </p:sp>
+    </p:spTree>
+  </p:cSld>
+  <p:timing>
+    <p:tnLst>
+      <p:par>
+        <p:cTn id="19" dur="indefinite" restart="never" nodeType="tmRoot">
+          <p:childTnLst>
+            <p:seq>
+              <p:cTn id="20" nodeType="mainSeq"/>
+              <p:prevCondLst>
+                <p:cond delay="0" evt="onPrev">
+                  <p:tgtEl>
+                    <p:sldTgt/>
+                  </p:tgtEl>
+                </p:cond>
+              </p:prevCondLst>
+              <p:nextCondLst>
+                <p:cond delay="0" evt="onNext">
+                  <p:tgtEl>
+                    <p:sldTgt/>
+                  </p:tgtEl>
+                </p:cond>
+              </p:nextCondLst>
+            </p:seq>
+          </p:childTnLst>
+        </p:cTn>
+      </p:par>
+    </p:tnLst>
+  </p:timing>
+</p:sld>
+</file>
+
+<file path=ppt/slides/slide12.xml><?xml version="1.0" encoding="utf-8"?>
+<p:sld xmlns:a="http://schemas.openxmlformats.org/drawingml/2006/main" xmlns:p="http://schemas.openxmlformats.org/presentationml/2006/main" xmlns:r="http://schemas.openxmlformats.org/officeDocument/2006/relationships">
+  <p:cSld>
+    <p:spTree>
+      <p:nvGrpSpPr>
+        <p:cNvPr id="1" name=""/>
+        <p:cNvGrpSpPr/>
+        <p:nvPr/>
+      </p:nvGrpSpPr>
+      <p:grpSpPr>
+        <a:xfrm>
+          <a:off x="0" y="0"/>
+          <a:ext cx="0" cy="0"/>
+          <a:chOff x="0" y="0"/>
+          <a:chExt cx="0" cy="0"/>
+        </a:xfrm>
+      </p:grpSpPr>
+      <p:sp>
+        <p:nvSpPr>
+          <p:cNvPr id="124" name="TextShape 1"/>
+          <p:cNvSpPr txBox="1"/>
+          <p:nvPr/>
+        </p:nvSpPr>
+        <p:spPr>
+          <a:xfrm>
+            <a:off x="457200" y="273600"/>
+            <a:ext cx="8229240" cy="1144800"/>
+          </a:xfrm>
+          <a:prstGeom prst="rect">
+            <a:avLst/>
+          </a:prstGeom>
+          <a:noFill/>
+          <a:ln>
+            <a:noFill/>
+          </a:ln>
+        </p:spPr>
+        <p:txBody>
+          <a:bodyPr lIns="0" rIns="0" tIns="0" bIns="0" anchor="ctr"/>
+          <a:p>
+            <a:pPr algn="ctr"/>
+            <a:endParaRPr/>
+          </a:p>
+        </p:txBody>
+      </p:sp>
+      <p:sp>
+        <p:nvSpPr>
+          <p:cNvPr id="125" name="TextShape 2"/>
+          <p:cNvSpPr txBox="1"/>
+          <p:nvPr/>
+        </p:nvSpPr>
+        <p:spPr>
+          <a:xfrm>
+            <a:off x="457200" y="1604520"/>
+            <a:ext cx="8229240" cy="3977280"/>
+          </a:xfrm>
+          <a:prstGeom prst="rect">
+            <a:avLst/>
+          </a:prstGeom>
+          <a:noFill/>
+          <a:ln>
+            <a:noFill/>
+          </a:ln>
+        </p:spPr>
+        <p:txBody>
+          <a:bodyPr lIns="0" rIns="0" tIns="0" bIns="0"/>
+          <a:p>
+            <a:pPr algn="ctr">
+              <a:buSzPct val="45000"/>
+              <a:buFont typeface="StarSymbol"/>
+              <a:buChar char=""/>
+            </a:pPr>
+            <a:r>
+              <a:rPr lang="fr-FR" sz="3200">
+                <a:latin typeface="Arial"/>
+              </a:rPr>
+              <a:t>Question</a:t>
+            </a:r>
+            <a:endParaRPr/>
+          </a:p>
+        </p:txBody>
+      </p:sp>
+    </p:spTree>
+  </p:cSld>
+</p:sld>
+</file>
+
+<file path=ppt/slides/slide13.xml><?xml version="1.0" encoding="utf-8"?>
+<p:sld xmlns:a="http://schemas.openxmlformats.org/drawingml/2006/main" xmlns:p="http://schemas.openxmlformats.org/presentationml/2006/main" xmlns:r="http://schemas.openxmlformats.org/officeDocument/2006/relationships">
+  <p:cSld>
+    <p:spTree>
+      <p:nvGrpSpPr>
+        <p:cNvPr id="1" name=""/>
+        <p:cNvGrpSpPr/>
+        <p:nvPr/>
+      </p:nvGrpSpPr>
+      <p:grpSpPr>
+        <a:xfrm>
+          <a:off x="0" y="0"/>
+          <a:ext cx="0" cy="0"/>
+          <a:chOff x="0" y="0"/>
+          <a:chExt cx="0" cy="0"/>
+        </a:xfrm>
+      </p:grpSpPr>
+      <p:sp>
+        <p:nvSpPr>
+          <p:cNvPr id="126" name="CustomShape 1"/>
           <p:cNvSpPr/>
           <p:nvPr/>
         </p:nvSpPr>
@@ -3358,7 +3698,7 @@
       </p:sp>
       <p:pic>
         <p:nvPicPr>
-          <p:cNvPr id="123" name="Image 6" descr=""/>
+          <p:cNvPr id="127" name="Image 6" descr=""/>
           <p:cNvPicPr/>
           <p:nvPr/>
         </p:nvPicPr>
@@ -3381,7 +3721,7 @@
       </p:pic>
       <p:sp>
         <p:nvSpPr>
-          <p:cNvPr id="124" name="CustomShape 2"/>
+          <p:cNvPr id="128" name="CustomShape 2"/>
           <p:cNvSpPr/>
           <p:nvPr/>
         </p:nvSpPr>
@@ -3407,7 +3747,7 @@
       </p:sp>
       <p:pic>
         <p:nvPicPr>
-          <p:cNvPr id="125" name="" descr=""/>
+          <p:cNvPr id="129" name="" descr=""/>
           <p:cNvPicPr/>
           <p:nvPr/>
         </p:nvPicPr>
@@ -3536,7 +3876,7 @@
                 <a:spcPct val="100000"/>
               </a:lnSpc>
             </a:pPr>
-            <a:fld id="{5F848056-CCD0-4676-8386-E84C46CD8F20}" type="slidenum">
+            <a:fld id="{5BA5A7ED-93FD-45E5-AAC1-9EFEBDDF7393}" type="slidenum">
               <a:rPr lang="fr-FR" sz="1000" strike="noStrike">
                 <a:solidFill>
                   <a:srgbClr val="595959"/>
@@ -3706,7 +4046,7 @@
                 <a:spcPct val="100000"/>
               </a:lnSpc>
             </a:pPr>
-            <a:fld id="{DC794CF2-0C02-4B9F-B677-BC95CA66FFEF}" type="slidenum">
+            <a:fld id="{2C6FD2D6-3B75-46FC-AFDF-5DCD65DB3943}" type="slidenum">
               <a:rPr lang="fr-FR" sz="1000" strike="noStrike">
                 <a:solidFill>
                   <a:srgbClr val="595959"/>
@@ -3945,7 +4285,7 @@
                 <a:spcPct val="100000"/>
               </a:lnSpc>
             </a:pPr>
-            <a:fld id="{174D3B44-57A1-4B94-A465-BE07AFC43EF7}" type="slidenum">
+            <a:fld id="{7634C88E-FDD2-46D5-81F9-2BBC1ADE0ABA}" type="slidenum">
               <a:rPr lang="fr-FR" sz="1000" strike="noStrike">
                 <a:solidFill>
                   <a:srgbClr val="595959"/>
@@ -4056,153 +4396,8 @@
           <a:chExt cx="0" cy="0"/>
         </a:xfrm>
       </p:grpSpPr>
-      <p:sp>
-        <p:nvSpPr>
-          <p:cNvPr id="92" name="CustomShape 1"/>
-          <p:cNvSpPr/>
-          <p:nvPr/>
-        </p:nvSpPr>
-        <p:spPr>
-          <a:xfrm>
-            <a:off x="712800" y="6335280"/>
-            <a:ext cx="7717680" cy="359280"/>
-          </a:xfrm>
-          <a:prstGeom prst="rect">
-            <a:avLst/>
-          </a:prstGeom>
-          <a:noFill/>
-          <a:ln>
-            <a:noFill/>
-          </a:ln>
-        </p:spPr>
-        <p:style>
-          <a:lnRef idx="0"/>
-          <a:fillRef idx="0"/>
-          <a:effectRef idx="0"/>
-          <a:fontRef idx="minor"/>
-        </p:style>
-        <p:txBody>
-          <a:bodyPr lIns="0" rIns="0" tIns="0" bIns="0"/>
-          <a:p>
-            <a:pPr algn="ctr">
-              <a:lnSpc>
-                <a:spcPct val="100000"/>
-              </a:lnSpc>
-            </a:pPr>
-            <a:r>
-              <a:rPr lang="fr-FR" sz="2200" strike="noStrike">
-                <a:solidFill>
-                  <a:srgbClr val="595959"/>
-                </a:solidFill>
-                <a:latin typeface="HelveticaNeue LT 45 Light"/>
-              </a:rPr>
-              <a:t>17-18 mai 2019</a:t>
-            </a:r>
-            <a:endParaRPr/>
-          </a:p>
-        </p:txBody>
-      </p:sp>
-      <p:pic>
-        <p:nvPicPr>
-          <p:cNvPr id="93" name="Image 6" descr=""/>
-          <p:cNvPicPr/>
-          <p:nvPr/>
-        </p:nvPicPr>
-        <p:blipFill>
-          <a:blip r:embed="rId1"/>
-          <a:stretch/>
-        </p:blipFill>
-        <p:spPr>
-          <a:xfrm>
-            <a:off x="3359520" y="185040"/>
-            <a:ext cx="2486880" cy="927000"/>
-          </a:xfrm>
-          <a:prstGeom prst="rect">
-            <a:avLst/>
-          </a:prstGeom>
-          <a:ln>
-            <a:noFill/>
-          </a:ln>
-        </p:spPr>
-      </p:pic>
-      <p:sp>
-        <p:nvSpPr>
-          <p:cNvPr id="94" name="CustomShape 2"/>
-          <p:cNvSpPr/>
-          <p:nvPr/>
-        </p:nvSpPr>
-        <p:spPr>
-          <a:xfrm>
-            <a:off x="712800" y="2433960"/>
-            <a:ext cx="7717680" cy="539280"/>
-          </a:xfrm>
-          <a:prstGeom prst="rect">
-            <a:avLst/>
-          </a:prstGeom>
-          <a:noFill/>
-          <a:ln>
-            <a:noFill/>
-          </a:ln>
-        </p:spPr>
-        <p:style>
-          <a:lnRef idx="0"/>
-          <a:fillRef idx="0"/>
-          <a:effectRef idx="0"/>
-          <a:fontRef idx="minor"/>
-        </p:style>
-      </p:sp>
-      <p:pic>
-        <p:nvPicPr>
-          <p:cNvPr id="95" name="" descr=""/>
-          <p:cNvPicPr/>
-          <p:nvPr/>
-        </p:nvPicPr>
-        <p:blipFill>
-          <a:blip r:embed="rId2"/>
-          <a:stretch/>
-        </p:blipFill>
-        <p:spPr>
-          <a:xfrm>
-            <a:off x="1944720" y="2784240"/>
-            <a:ext cx="5307840" cy="1339200"/>
-          </a:xfrm>
-          <a:prstGeom prst="rect">
-            <a:avLst/>
-          </a:prstGeom>
-          <a:ln>
-            <a:noFill/>
-          </a:ln>
-        </p:spPr>
-      </p:pic>
     </p:spTree>
   </p:cSld>
-  <p:timing>
-    <p:tnLst>
-      <p:par>
-        <p:cTn id="9" dur="indefinite" restart="never" nodeType="tmRoot">
-          <p:childTnLst>
-            <p:seq>
-              <p:cTn id="10" nodeType="mainSeq"/>
-              <p:prevCondLst>
-                <p:cond delay="0" evt="onPrev">
-                  <p:tgtEl>
-                    <p:sldTgt/>
-                  </p:tgtEl>
-                </p:cond>
-              </p:prevCondLst>
-              <p:nextCondLst>
-                <p:cond delay="0" evt="onNext">
-                  <p:tgtEl>
-                    <p:sldTgt/>
-                  </p:tgtEl>
-                </p:cond>
-              </p:nextCondLst>
-            </p:seq>
-          </p:childTnLst>
-        </p:cTn>
-      </p:par>
-    </p:tnLst>
-  </p:timing>
 </p:sld>
 </file>
 
@@ -4225,7 +4420,7 @@
       </p:grpSpPr>
       <p:sp>
         <p:nvSpPr>
-          <p:cNvPr id="96" name="CustomShape 1"/>
+          <p:cNvPr id="92" name="CustomShape 1"/>
           <p:cNvSpPr/>
           <p:nvPr/>
         </p:nvSpPr>
@@ -4251,7 +4446,7 @@
       </p:sp>
       <p:sp>
         <p:nvSpPr>
-          <p:cNvPr id="97" name="CustomShape 2"/>
+          <p:cNvPr id="93" name="CustomShape 2"/>
           <p:cNvSpPr/>
           <p:nvPr/>
         </p:nvSpPr>
@@ -4282,7 +4477,7 @@
                 <a:spcPct val="100000"/>
               </a:lnSpc>
             </a:pPr>
-            <a:fld id="{7A6DD77A-AFF9-4AEF-9103-E7587DFBAEC2}" type="slidenum">
+            <a:fld id="{4C09BB5E-A5F1-4557-8D2A-70A2E4E7E985}" type="slidenum">
               <a:rPr lang="fr-FR" sz="1000" strike="noStrike">
                 <a:solidFill>
                   <a:srgbClr val="595959"/>
@@ -4297,7 +4492,7 @@
       </p:sp>
       <p:graphicFrame>
         <p:nvGraphicFramePr>
-          <p:cNvPr id="98" name="Table 3"/>
+          <p:cNvPr id="94" name="Table 3"/>
           <p:cNvGraphicFramePr/>
           <p:nvPr/>
         </p:nvGraphicFramePr>
@@ -4662,10 +4857,10 @@
   <p:timing>
     <p:tnLst>
       <p:par>
-        <p:cTn id="11" dur="indefinite" restart="never" nodeType="tmRoot">
+        <p:cTn id="9" dur="indefinite" restart="never" nodeType="tmRoot">
           <p:childTnLst>
             <p:seq>
-              <p:cTn id="12" nodeType="mainSeq"/>
+              <p:cTn id="10" nodeType="mainSeq"/>
               <p:prevCondLst>
                 <p:cond delay="0" evt="onPrev">
                   <p:tgtEl>
@@ -4708,7 +4903,7 @@
       </p:grpSpPr>
       <p:sp>
         <p:nvSpPr>
-          <p:cNvPr id="99" name="CustomShape 1"/>
+          <p:cNvPr id="95" name="CustomShape 1"/>
           <p:cNvSpPr/>
           <p:nvPr/>
         </p:nvSpPr>
@@ -4734,7 +4929,7 @@
       </p:sp>
       <p:sp>
         <p:nvSpPr>
-          <p:cNvPr id="100" name="CustomShape 2"/>
+          <p:cNvPr id="96" name="CustomShape 2"/>
           <p:cNvSpPr/>
           <p:nvPr/>
         </p:nvSpPr>
@@ -4760,7 +4955,7 @@
       </p:sp>
       <p:sp>
         <p:nvSpPr>
-          <p:cNvPr id="101" name="CustomShape 3"/>
+          <p:cNvPr id="97" name="CustomShape 3"/>
           <p:cNvSpPr/>
           <p:nvPr/>
         </p:nvSpPr>
@@ -4791,7 +4986,7 @@
                 <a:spcPct val="100000"/>
               </a:lnSpc>
             </a:pPr>
-            <a:fld id="{3E9B65E4-7ABF-4358-B28F-86360350C9AF}" type="slidenum">
+            <a:fld id="{62BC4972-AFB0-46E4-B010-7194B0B93AE4}" type="slidenum">
               <a:rPr lang="fr-FR" sz="1000" strike="noStrike">
                 <a:solidFill>
                   <a:srgbClr val="595959"/>
@@ -4806,7 +5001,7 @@
       </p:sp>
       <p:sp>
         <p:nvSpPr>
-          <p:cNvPr id="102" name="CustomShape 4"/>
+          <p:cNvPr id="98" name="CustomShape 4"/>
           <p:cNvSpPr/>
           <p:nvPr/>
         </p:nvSpPr>
@@ -4832,7 +5027,7 @@
       </p:sp>
       <p:pic>
         <p:nvPicPr>
-          <p:cNvPr id="103" name="" descr=""/>
+          <p:cNvPr id="99" name="" descr=""/>
           <p:cNvPicPr/>
           <p:nvPr/>
         </p:nvPicPr>
@@ -4842,8 +5037,8 @@
         </p:blipFill>
         <p:spPr>
           <a:xfrm>
-            <a:off x="2041920" y="935640"/>
-            <a:ext cx="4660920" cy="5184000"/>
+            <a:off x="2113920" y="1224000"/>
+            <a:ext cx="4077720" cy="4535280"/>
           </a:xfrm>
           <a:prstGeom prst="rect">
             <a:avLst/>
@@ -4858,10 +5053,10 @@
   <p:timing>
     <p:tnLst>
       <p:par>
-        <p:cTn id="13" dur="indefinite" restart="never" nodeType="tmRoot">
+        <p:cTn id="11" dur="indefinite" restart="never" nodeType="tmRoot">
           <p:childTnLst>
             <p:seq>
-              <p:cTn id="14" nodeType="mainSeq"/>
+              <p:cTn id="12" nodeType="mainSeq"/>
               <p:prevCondLst>
                 <p:cond delay="0" evt="onPrev">
                   <p:tgtEl>
@@ -4904,7 +5099,7 @@
       </p:grpSpPr>
       <p:sp>
         <p:nvSpPr>
-          <p:cNvPr id="104" name="CustomShape 1"/>
+          <p:cNvPr id="100" name="CustomShape 1"/>
           <p:cNvSpPr/>
           <p:nvPr/>
         </p:nvSpPr>
@@ -4930,7 +5125,7 @@
       </p:sp>
       <p:sp>
         <p:nvSpPr>
-          <p:cNvPr id="105" name="CustomShape 2"/>
+          <p:cNvPr id="101" name="CustomShape 2"/>
           <p:cNvSpPr/>
           <p:nvPr/>
         </p:nvSpPr>
@@ -4956,7 +5151,7 @@
       </p:sp>
       <p:sp>
         <p:nvSpPr>
-          <p:cNvPr id="106" name="CustomShape 3"/>
+          <p:cNvPr id="102" name="CustomShape 3"/>
           <p:cNvSpPr/>
           <p:nvPr/>
         </p:nvSpPr>
@@ -4987,7 +5182,7 @@
                 <a:spcPct val="100000"/>
               </a:lnSpc>
             </a:pPr>
-            <a:fld id="{BC342036-6D6D-4FA8-B49E-232E834D3EF8}" type="slidenum">
+            <a:fld id="{B7B9250F-49DB-4BFD-8D6F-50DF47901AEA}" type="slidenum">
               <a:rPr lang="fr-FR" sz="1000" strike="noStrike">
                 <a:solidFill>
                   <a:srgbClr val="595959"/>
@@ -5002,7 +5197,7 @@
       </p:sp>
       <p:sp>
         <p:nvSpPr>
-          <p:cNvPr id="107" name="CustomShape 4"/>
+          <p:cNvPr id="103" name="CustomShape 4"/>
           <p:cNvSpPr/>
           <p:nvPr/>
         </p:nvSpPr>
@@ -5028,7 +5223,7 @@
       </p:sp>
       <p:pic>
         <p:nvPicPr>
-          <p:cNvPr id="108" name="" descr=""/>
+          <p:cNvPr id="104" name="" descr=""/>
           <p:cNvPicPr/>
           <p:nvPr/>
         </p:nvPicPr>
@@ -5051,7 +5246,7 @@
       </p:pic>
       <p:sp>
         <p:nvSpPr>
-          <p:cNvPr id="109" name="CustomShape 5"/>
+          <p:cNvPr id="105" name="CustomShape 5"/>
           <p:cNvSpPr/>
           <p:nvPr/>
         </p:nvSpPr>
@@ -5083,10 +5278,10 @@
   <p:timing>
     <p:tnLst>
       <p:par>
-        <p:cTn id="15" dur="indefinite" restart="never" nodeType="tmRoot">
+        <p:cTn id="13" dur="indefinite" restart="never" nodeType="tmRoot">
           <p:childTnLst>
             <p:seq>
-              <p:cTn id="16" nodeType="mainSeq"/>
+              <p:cTn id="14" nodeType="mainSeq"/>
               <p:prevCondLst>
                 <p:cond delay="0" evt="onPrev">
                   <p:tgtEl>
@@ -5129,7 +5324,7 @@
       </p:grpSpPr>
       <p:sp>
         <p:nvSpPr>
-          <p:cNvPr id="110" name="CustomShape 1"/>
+          <p:cNvPr id="106" name="CustomShape 1"/>
           <p:cNvSpPr/>
           <p:nvPr/>
         </p:nvSpPr>
@@ -5175,7 +5370,7 @@
       </p:sp>
       <p:sp>
         <p:nvSpPr>
-          <p:cNvPr id="111" name="CustomShape 2"/>
+          <p:cNvPr id="107" name="CustomShape 2"/>
           <p:cNvSpPr/>
           <p:nvPr/>
         </p:nvSpPr>
@@ -5206,7 +5401,7 @@
                 <a:spcPct val="100000"/>
               </a:lnSpc>
             </a:pPr>
-            <a:fld id="{B1065A41-1120-474E-B4E5-C1227E0FDA79}" type="slidenum">
+            <a:fld id="{9E91FB42-5DF0-4494-8267-EFF40A8D456A}" type="slidenum">
               <a:rPr lang="fr-FR" sz="1000" strike="noStrike">
                 <a:solidFill>
                   <a:srgbClr val="595959"/>
@@ -5221,7 +5416,7 @@
       </p:sp>
       <p:sp>
         <p:nvSpPr>
-          <p:cNvPr id="112" name="CustomShape 3"/>
+          <p:cNvPr id="108" name="CustomShape 3"/>
           <p:cNvSpPr/>
           <p:nvPr/>
         </p:nvSpPr>
@@ -5247,7 +5442,7 @@
       </p:sp>
       <p:sp>
         <p:nvSpPr>
-          <p:cNvPr id="113" name="CustomShape 4"/>
+          <p:cNvPr id="109" name="CustomShape 4"/>
           <p:cNvSpPr/>
           <p:nvPr/>
         </p:nvSpPr>
@@ -5292,7 +5487,7 @@
       </p:sp>
       <p:pic>
         <p:nvPicPr>
-          <p:cNvPr id="114" name="" descr=""/>
+          <p:cNvPr id="110" name="" descr=""/>
           <p:cNvPicPr/>
           <p:nvPr/>
         </p:nvPicPr>
@@ -5318,10 +5513,10 @@
   <p:timing>
     <p:tnLst>
       <p:par>
-        <p:cTn id="17" dur="indefinite" restart="never" nodeType="tmRoot">
+        <p:cTn id="15" dur="indefinite" restart="never" nodeType="tmRoot">
           <p:childTnLst>
             <p:seq>
-              <p:cTn id="18" nodeType="mainSeq"/>
+              <p:cTn id="16" nodeType="mainSeq"/>
               <p:prevCondLst>
                 <p:cond delay="0" evt="onPrev">
                   <p:tgtEl>

--- a/GM IT Hackathon PITCH Doc Time.pptx
+++ b/GM IT Hackathon PITCH Doc Time.pptx
@@ -4,21 +4,19 @@
   <p:sldMasterIdLst>
     <p:sldMasterId id="2147483648" r:id="rId2"/>
     <p:sldMasterId id="2147483661" r:id="rId3"/>
+    <p:sldMasterId id="2147483674" r:id="rId4"/>
+    <p:sldMasterId id="2147483687" r:id="rId5"/>
   </p:sldMasterIdLst>
   <p:sldIdLst>
-    <p:sldId id="256" r:id="rId4"/>
-    <p:sldId id="257" r:id="rId5"/>
-    <p:sldId id="258" r:id="rId6"/>
-    <p:sldId id="259" r:id="rId7"/>
-    <p:sldId id="260" r:id="rId8"/>
-    <p:sldId id="261" r:id="rId9"/>
-    <p:sldId id="262" r:id="rId10"/>
-    <p:sldId id="263" r:id="rId11"/>
-    <p:sldId id="264" r:id="rId12"/>
-    <p:sldId id="265" r:id="rId13"/>
-    <p:sldId id="266" r:id="rId14"/>
-    <p:sldId id="267" r:id="rId15"/>
-    <p:sldId id="268" r:id="rId16"/>
+    <p:sldId id="256" r:id="rId6"/>
+    <p:sldId id="257" r:id="rId7"/>
+    <p:sldId id="258" r:id="rId8"/>
+    <p:sldId id="259" r:id="rId9"/>
+    <p:sldId id="260" r:id="rId10"/>
+    <p:sldId id="261" r:id="rId11"/>
+    <p:sldId id="262" r:id="rId12"/>
+    <p:sldId id="263" r:id="rId13"/>
+    <p:sldId id="264" r:id="rId14"/>
   </p:sldIdLst>
   <p:sldSz cx="9144000" cy="6858000"/>
   <p:notesSz cx="7559675" cy="10691812"/>
@@ -1678,6 +1676,329 @@
 </p:sldLayout>
 </file>
 
+<file path=ppt/slideLayouts/slideLayout25.xml><?xml version="1.0" encoding="utf-8"?>
+<p:sldLayout xmlns:a="http://schemas.openxmlformats.org/drawingml/2006/main" xmlns:p="http://schemas.openxmlformats.org/presentationml/2006/main" xmlns:r="http://schemas.openxmlformats.org/officeDocument/2006/relationships" type="blank" preserve="1">
+  <p:cSld name="Blank Slide">
+    <p:spTree>
+      <p:nvGrpSpPr>
+        <p:cNvPr id="1" name=""/>
+        <p:cNvGrpSpPr/>
+        <p:nvPr/>
+      </p:nvGrpSpPr>
+      <p:grpSpPr>
+        <a:xfrm>
+          <a:off x="0" y="0"/>
+          <a:ext cx="0" cy="0"/>
+          <a:chOff x="0" y="0"/>
+          <a:chExt cx="0" cy="0"/>
+        </a:xfrm>
+      </p:grpSpPr>
+    </p:spTree>
+  </p:cSld>
+</p:sldLayout>
+</file>
+
+<file path=ppt/slideLayouts/slideLayout26.xml><?xml version="1.0" encoding="utf-8"?>
+<p:sldLayout xmlns:a="http://schemas.openxmlformats.org/drawingml/2006/main" xmlns:p="http://schemas.openxmlformats.org/presentationml/2006/main" xmlns:r="http://schemas.openxmlformats.org/officeDocument/2006/relationships" type="tx" preserve="1">
+  <p:cSld name="Title Slide">
+    <p:spTree>
+      <p:nvGrpSpPr>
+        <p:cNvPr id="1" name=""/>
+        <p:cNvGrpSpPr/>
+        <p:nvPr/>
+      </p:nvGrpSpPr>
+      <p:grpSpPr>
+        <a:xfrm>
+          <a:off x="0" y="0"/>
+          <a:ext cx="0" cy="0"/>
+          <a:chOff x="0" y="0"/>
+          <a:chExt cx="0" cy="0"/>
+        </a:xfrm>
+      </p:grpSpPr>
+      <p:sp>
+        <p:nvSpPr>
+          <p:cNvPr id="85" name="PlaceHolder 1"/>
+          <p:cNvSpPr>
+            <a:spLocks noGrp="1"/>
+          </p:cNvSpPr>
+          <p:nvPr>
+            <p:ph type="title"/>
+          </p:nvPr>
+        </p:nvSpPr>
+        <p:spPr>
+          <a:xfrm>
+            <a:off x="457200" y="273600"/>
+            <a:ext cx="8229240" cy="1144800"/>
+          </a:xfrm>
+          <a:prstGeom prst="rect">
+            <a:avLst/>
+          </a:prstGeom>
+        </p:spPr>
+        <p:txBody>
+          <a:bodyPr lIns="0" rIns="0" tIns="0" bIns="0" anchor="ctr"/>
+          <a:p>
+            <a:pPr algn="ctr"/>
+            <a:endParaRPr/>
+          </a:p>
+        </p:txBody>
+      </p:sp>
+      <p:sp>
+        <p:nvSpPr>
+          <p:cNvPr id="86" name="PlaceHolder 2"/>
+          <p:cNvSpPr>
+            <a:spLocks noGrp="1"/>
+          </p:cNvSpPr>
+          <p:nvPr>
+            <p:ph type="subTitle"/>
+          </p:nvPr>
+        </p:nvSpPr>
+        <p:spPr>
+          <a:xfrm>
+            <a:off x="457200" y="1604520"/>
+            <a:ext cx="8229240" cy="3977280"/>
+          </a:xfrm>
+          <a:prstGeom prst="rect">
+            <a:avLst/>
+          </a:prstGeom>
+        </p:spPr>
+        <p:txBody>
+          <a:bodyPr lIns="0" rIns="0" tIns="0" bIns="0" anchor="ctr"/>
+          <a:p>
+            <a:pPr algn="ctr"/>
+            <a:endParaRPr/>
+          </a:p>
+        </p:txBody>
+      </p:sp>
+    </p:spTree>
+  </p:cSld>
+</p:sldLayout>
+</file>
+
+<file path=ppt/slideLayouts/slideLayout27.xml><?xml version="1.0" encoding="utf-8"?>
+<p:sldLayout xmlns:a="http://schemas.openxmlformats.org/drawingml/2006/main" xmlns:p="http://schemas.openxmlformats.org/presentationml/2006/main" xmlns:r="http://schemas.openxmlformats.org/officeDocument/2006/relationships" type="obj" preserve="1">
+  <p:cSld name="Title, Content">
+    <p:spTree>
+      <p:nvGrpSpPr>
+        <p:cNvPr id="1" name=""/>
+        <p:cNvGrpSpPr/>
+        <p:nvPr/>
+      </p:nvGrpSpPr>
+      <p:grpSpPr>
+        <a:xfrm>
+          <a:off x="0" y="0"/>
+          <a:ext cx="0" cy="0"/>
+          <a:chOff x="0" y="0"/>
+          <a:chExt cx="0" cy="0"/>
+        </a:xfrm>
+      </p:grpSpPr>
+      <p:sp>
+        <p:nvSpPr>
+          <p:cNvPr id="87" name="PlaceHolder 1"/>
+          <p:cNvSpPr>
+            <a:spLocks noGrp="1"/>
+          </p:cNvSpPr>
+          <p:nvPr>
+            <p:ph type="title"/>
+          </p:nvPr>
+        </p:nvSpPr>
+        <p:spPr>
+          <a:xfrm>
+            <a:off x="457200" y="273600"/>
+            <a:ext cx="8229240" cy="1144800"/>
+          </a:xfrm>
+          <a:prstGeom prst="rect">
+            <a:avLst/>
+          </a:prstGeom>
+        </p:spPr>
+        <p:txBody>
+          <a:bodyPr lIns="0" rIns="0" tIns="0" bIns="0" anchor="ctr"/>
+          <a:p>
+            <a:pPr algn="ctr"/>
+            <a:endParaRPr/>
+          </a:p>
+        </p:txBody>
+      </p:sp>
+      <p:sp>
+        <p:nvSpPr>
+          <p:cNvPr id="88" name="PlaceHolder 2"/>
+          <p:cNvSpPr>
+            <a:spLocks noGrp="1"/>
+          </p:cNvSpPr>
+          <p:nvPr>
+            <p:ph type="body"/>
+          </p:nvPr>
+        </p:nvSpPr>
+        <p:spPr>
+          <a:xfrm>
+            <a:off x="457200" y="1604520"/>
+            <a:ext cx="8229240" cy="3977280"/>
+          </a:xfrm>
+          <a:prstGeom prst="rect">
+            <a:avLst/>
+          </a:prstGeom>
+        </p:spPr>
+        <p:txBody>
+          <a:bodyPr lIns="0" rIns="0" tIns="0" bIns="0"/>
+          <a:p>
+            <a:endParaRPr/>
+          </a:p>
+        </p:txBody>
+      </p:sp>
+    </p:spTree>
+  </p:cSld>
+</p:sldLayout>
+</file>
+
+<file path=ppt/slideLayouts/slideLayout28.xml><?xml version="1.0" encoding="utf-8"?>
+<p:sldLayout xmlns:a="http://schemas.openxmlformats.org/drawingml/2006/main" xmlns:p="http://schemas.openxmlformats.org/presentationml/2006/main" xmlns:r="http://schemas.openxmlformats.org/officeDocument/2006/relationships" type="twoObj" preserve="1">
+  <p:cSld name="Title, 2 Content">
+    <p:spTree>
+      <p:nvGrpSpPr>
+        <p:cNvPr id="1" name=""/>
+        <p:cNvGrpSpPr/>
+        <p:nvPr/>
+      </p:nvGrpSpPr>
+      <p:grpSpPr>
+        <a:xfrm>
+          <a:off x="0" y="0"/>
+          <a:ext cx="0" cy="0"/>
+          <a:chOff x="0" y="0"/>
+          <a:chExt cx="0" cy="0"/>
+        </a:xfrm>
+      </p:grpSpPr>
+      <p:sp>
+        <p:nvSpPr>
+          <p:cNvPr id="89" name="PlaceHolder 1"/>
+          <p:cNvSpPr>
+            <a:spLocks noGrp="1"/>
+          </p:cNvSpPr>
+          <p:nvPr>
+            <p:ph type="title"/>
+          </p:nvPr>
+        </p:nvSpPr>
+        <p:spPr>
+          <a:xfrm>
+            <a:off x="457200" y="273600"/>
+            <a:ext cx="8229240" cy="1144800"/>
+          </a:xfrm>
+          <a:prstGeom prst="rect">
+            <a:avLst/>
+          </a:prstGeom>
+        </p:spPr>
+        <p:txBody>
+          <a:bodyPr lIns="0" rIns="0" tIns="0" bIns="0" anchor="ctr"/>
+          <a:p>
+            <a:pPr algn="ctr"/>
+            <a:endParaRPr/>
+          </a:p>
+        </p:txBody>
+      </p:sp>
+      <p:sp>
+        <p:nvSpPr>
+          <p:cNvPr id="90" name="PlaceHolder 2"/>
+          <p:cNvSpPr>
+            <a:spLocks noGrp="1"/>
+          </p:cNvSpPr>
+          <p:nvPr>
+            <p:ph type="body"/>
+          </p:nvPr>
+        </p:nvSpPr>
+        <p:spPr>
+          <a:xfrm>
+            <a:off x="457200" y="1604520"/>
+            <a:ext cx="4015800" cy="3977280"/>
+          </a:xfrm>
+          <a:prstGeom prst="rect">
+            <a:avLst/>
+          </a:prstGeom>
+        </p:spPr>
+        <p:txBody>
+          <a:bodyPr lIns="0" rIns="0" tIns="0" bIns="0"/>
+          <a:p>
+            <a:endParaRPr/>
+          </a:p>
+        </p:txBody>
+      </p:sp>
+      <p:sp>
+        <p:nvSpPr>
+          <p:cNvPr id="91" name="PlaceHolder 3"/>
+          <p:cNvSpPr>
+            <a:spLocks noGrp="1"/>
+          </p:cNvSpPr>
+          <p:nvPr>
+            <p:ph type="body"/>
+          </p:nvPr>
+        </p:nvSpPr>
+        <p:spPr>
+          <a:xfrm>
+            <a:off x="4674240" y="1604520"/>
+            <a:ext cx="4015800" cy="3977280"/>
+          </a:xfrm>
+          <a:prstGeom prst="rect">
+            <a:avLst/>
+          </a:prstGeom>
+        </p:spPr>
+        <p:txBody>
+          <a:bodyPr lIns="0" rIns="0" tIns="0" bIns="0"/>
+          <a:p>
+            <a:endParaRPr/>
+          </a:p>
+        </p:txBody>
+      </p:sp>
+    </p:spTree>
+  </p:cSld>
+</p:sldLayout>
+</file>
+
+<file path=ppt/slideLayouts/slideLayout29.xml><?xml version="1.0" encoding="utf-8"?>
+<p:sldLayout xmlns:a="http://schemas.openxmlformats.org/drawingml/2006/main" xmlns:p="http://schemas.openxmlformats.org/presentationml/2006/main" xmlns:r="http://schemas.openxmlformats.org/officeDocument/2006/relationships" type="titleOnly" preserve="1">
+  <p:cSld name="Title Only">
+    <p:spTree>
+      <p:nvGrpSpPr>
+        <p:cNvPr id="1" name=""/>
+        <p:cNvGrpSpPr/>
+        <p:nvPr/>
+      </p:nvGrpSpPr>
+      <p:grpSpPr>
+        <a:xfrm>
+          <a:off x="0" y="0"/>
+          <a:ext cx="0" cy="0"/>
+          <a:chOff x="0" y="0"/>
+          <a:chExt cx="0" cy="0"/>
+        </a:xfrm>
+      </p:grpSpPr>
+      <p:sp>
+        <p:nvSpPr>
+          <p:cNvPr id="92" name="PlaceHolder 1"/>
+          <p:cNvSpPr>
+            <a:spLocks noGrp="1"/>
+          </p:cNvSpPr>
+          <p:nvPr>
+            <p:ph type="title"/>
+          </p:nvPr>
+        </p:nvSpPr>
+        <p:spPr>
+          <a:xfrm>
+            <a:off x="457200" y="273600"/>
+            <a:ext cx="8229240" cy="1144800"/>
+          </a:xfrm>
+          <a:prstGeom prst="rect">
+            <a:avLst/>
+          </a:prstGeom>
+        </p:spPr>
+        <p:txBody>
+          <a:bodyPr lIns="0" rIns="0" tIns="0" bIns="0" anchor="ctr"/>
+          <a:p>
+            <a:pPr algn="ctr"/>
+            <a:endParaRPr/>
+          </a:p>
+        </p:txBody>
+      </p:sp>
+    </p:spTree>
+  </p:cSld>
+</p:sldLayout>
+</file>
+
 <file path=ppt/slideLayouts/slideLayout3.xml><?xml version="1.0" encoding="utf-8"?>
 <p:sldLayout xmlns:a="http://schemas.openxmlformats.org/drawingml/2006/main" xmlns:p="http://schemas.openxmlformats.org/presentationml/2006/main" xmlns:r="http://schemas.openxmlformats.org/officeDocument/2006/relationships" type="obj" preserve="1">
   <p:cSld name="Title, Content">
@@ -1725,6 +2046,1010 @@
       <p:sp>
         <p:nvSpPr>
           <p:cNvPr id="7" name="PlaceHolder 2"/>
+          <p:cNvSpPr>
+            <a:spLocks noGrp="1"/>
+          </p:cNvSpPr>
+          <p:nvPr>
+            <p:ph type="body"/>
+          </p:nvPr>
+        </p:nvSpPr>
+        <p:spPr>
+          <a:xfrm>
+            <a:off x="457200" y="1604520"/>
+            <a:ext cx="8229240" cy="3977280"/>
+          </a:xfrm>
+          <a:prstGeom prst="rect">
+            <a:avLst/>
+          </a:prstGeom>
+        </p:spPr>
+        <p:txBody>
+          <a:bodyPr lIns="0" rIns="0" tIns="0" bIns="0"/>
+          <a:p>
+            <a:endParaRPr/>
+          </a:p>
+        </p:txBody>
+      </p:sp>
+    </p:spTree>
+  </p:cSld>
+</p:sldLayout>
+</file>
+
+<file path=ppt/slideLayouts/slideLayout30.xml><?xml version="1.0" encoding="utf-8"?>
+<p:sldLayout xmlns:a="http://schemas.openxmlformats.org/drawingml/2006/main" xmlns:p="http://schemas.openxmlformats.org/presentationml/2006/main" xmlns:r="http://schemas.openxmlformats.org/officeDocument/2006/relationships" type="objOnly" preserve="1">
+  <p:cSld name="Centered Text">
+    <p:spTree>
+      <p:nvGrpSpPr>
+        <p:cNvPr id="1" name=""/>
+        <p:cNvGrpSpPr/>
+        <p:nvPr/>
+      </p:nvGrpSpPr>
+      <p:grpSpPr>
+        <a:xfrm>
+          <a:off x="0" y="0"/>
+          <a:ext cx="0" cy="0"/>
+          <a:chOff x="0" y="0"/>
+          <a:chExt cx="0" cy="0"/>
+        </a:xfrm>
+      </p:grpSpPr>
+      <p:sp>
+        <p:nvSpPr>
+          <p:cNvPr id="93" name="PlaceHolder 1"/>
+          <p:cNvSpPr>
+            <a:spLocks noGrp="1"/>
+          </p:cNvSpPr>
+          <p:nvPr>
+            <p:ph type="subTitle"/>
+          </p:nvPr>
+        </p:nvSpPr>
+        <p:spPr>
+          <a:xfrm>
+            <a:off x="457200" y="273600"/>
+            <a:ext cx="8229240" cy="5307840"/>
+          </a:xfrm>
+          <a:prstGeom prst="rect">
+            <a:avLst/>
+          </a:prstGeom>
+        </p:spPr>
+        <p:txBody>
+          <a:bodyPr lIns="0" rIns="0" tIns="0" bIns="0" anchor="ctr"/>
+          <a:p>
+            <a:pPr algn="ctr"/>
+            <a:endParaRPr/>
+          </a:p>
+        </p:txBody>
+      </p:sp>
+    </p:spTree>
+  </p:cSld>
+</p:sldLayout>
+</file>
+
+<file path=ppt/slideLayouts/slideLayout31.xml><?xml version="1.0" encoding="utf-8"?>
+<p:sldLayout xmlns:a="http://schemas.openxmlformats.org/drawingml/2006/main" xmlns:p="http://schemas.openxmlformats.org/presentationml/2006/main" xmlns:r="http://schemas.openxmlformats.org/officeDocument/2006/relationships" type="twoObjAndObj" preserve="1">
+  <p:cSld name="Title, 2 Content and Content">
+    <p:spTree>
+      <p:nvGrpSpPr>
+        <p:cNvPr id="1" name=""/>
+        <p:cNvGrpSpPr/>
+        <p:nvPr/>
+      </p:nvGrpSpPr>
+      <p:grpSpPr>
+        <a:xfrm>
+          <a:off x="0" y="0"/>
+          <a:ext cx="0" cy="0"/>
+          <a:chOff x="0" y="0"/>
+          <a:chExt cx="0" cy="0"/>
+        </a:xfrm>
+      </p:grpSpPr>
+      <p:sp>
+        <p:nvSpPr>
+          <p:cNvPr id="94" name="PlaceHolder 1"/>
+          <p:cNvSpPr>
+            <a:spLocks noGrp="1"/>
+          </p:cNvSpPr>
+          <p:nvPr>
+            <p:ph type="title"/>
+          </p:nvPr>
+        </p:nvSpPr>
+        <p:spPr>
+          <a:xfrm>
+            <a:off x="457200" y="273600"/>
+            <a:ext cx="8229240" cy="1144800"/>
+          </a:xfrm>
+          <a:prstGeom prst="rect">
+            <a:avLst/>
+          </a:prstGeom>
+        </p:spPr>
+        <p:txBody>
+          <a:bodyPr lIns="0" rIns="0" tIns="0" bIns="0" anchor="ctr"/>
+          <a:p>
+            <a:pPr algn="ctr"/>
+            <a:endParaRPr/>
+          </a:p>
+        </p:txBody>
+      </p:sp>
+      <p:sp>
+        <p:nvSpPr>
+          <p:cNvPr id="95" name="PlaceHolder 2"/>
+          <p:cNvSpPr>
+            <a:spLocks noGrp="1"/>
+          </p:cNvSpPr>
+          <p:nvPr>
+            <p:ph type="body"/>
+          </p:nvPr>
+        </p:nvSpPr>
+        <p:spPr>
+          <a:xfrm>
+            <a:off x="457200" y="1604520"/>
+            <a:ext cx="4015800" cy="1896840"/>
+          </a:xfrm>
+          <a:prstGeom prst="rect">
+            <a:avLst/>
+          </a:prstGeom>
+        </p:spPr>
+        <p:txBody>
+          <a:bodyPr lIns="0" rIns="0" tIns="0" bIns="0"/>
+          <a:p>
+            <a:endParaRPr/>
+          </a:p>
+        </p:txBody>
+      </p:sp>
+      <p:sp>
+        <p:nvSpPr>
+          <p:cNvPr id="96" name="PlaceHolder 3"/>
+          <p:cNvSpPr>
+            <a:spLocks noGrp="1"/>
+          </p:cNvSpPr>
+          <p:nvPr>
+            <p:ph type="body"/>
+          </p:nvPr>
+        </p:nvSpPr>
+        <p:spPr>
+          <a:xfrm>
+            <a:off x="457200" y="3682080"/>
+            <a:ext cx="4015800" cy="1896840"/>
+          </a:xfrm>
+          <a:prstGeom prst="rect">
+            <a:avLst/>
+          </a:prstGeom>
+        </p:spPr>
+        <p:txBody>
+          <a:bodyPr lIns="0" rIns="0" tIns="0" bIns="0"/>
+          <a:p>
+            <a:endParaRPr/>
+          </a:p>
+        </p:txBody>
+      </p:sp>
+      <p:sp>
+        <p:nvSpPr>
+          <p:cNvPr id="97" name="PlaceHolder 4"/>
+          <p:cNvSpPr>
+            <a:spLocks noGrp="1"/>
+          </p:cNvSpPr>
+          <p:nvPr>
+            <p:ph type="body"/>
+          </p:nvPr>
+        </p:nvSpPr>
+        <p:spPr>
+          <a:xfrm>
+            <a:off x="4674240" y="1604520"/>
+            <a:ext cx="4015800" cy="3977280"/>
+          </a:xfrm>
+          <a:prstGeom prst="rect">
+            <a:avLst/>
+          </a:prstGeom>
+        </p:spPr>
+        <p:txBody>
+          <a:bodyPr lIns="0" rIns="0" tIns="0" bIns="0"/>
+          <a:p>
+            <a:endParaRPr/>
+          </a:p>
+        </p:txBody>
+      </p:sp>
+    </p:spTree>
+  </p:cSld>
+</p:sldLayout>
+</file>
+
+<file path=ppt/slideLayouts/slideLayout32.xml><?xml version="1.0" encoding="utf-8"?>
+<p:sldLayout xmlns:a="http://schemas.openxmlformats.org/drawingml/2006/main" xmlns:p="http://schemas.openxmlformats.org/presentationml/2006/main" xmlns:r="http://schemas.openxmlformats.org/officeDocument/2006/relationships" type="objAndTwoObj" preserve="1">
+  <p:cSld name="Title Content and 2 Content">
+    <p:spTree>
+      <p:nvGrpSpPr>
+        <p:cNvPr id="1" name=""/>
+        <p:cNvGrpSpPr/>
+        <p:nvPr/>
+      </p:nvGrpSpPr>
+      <p:grpSpPr>
+        <a:xfrm>
+          <a:off x="0" y="0"/>
+          <a:ext cx="0" cy="0"/>
+          <a:chOff x="0" y="0"/>
+          <a:chExt cx="0" cy="0"/>
+        </a:xfrm>
+      </p:grpSpPr>
+      <p:sp>
+        <p:nvSpPr>
+          <p:cNvPr id="98" name="PlaceHolder 1"/>
+          <p:cNvSpPr>
+            <a:spLocks noGrp="1"/>
+          </p:cNvSpPr>
+          <p:nvPr>
+            <p:ph type="title"/>
+          </p:nvPr>
+        </p:nvSpPr>
+        <p:spPr>
+          <a:xfrm>
+            <a:off x="457200" y="273600"/>
+            <a:ext cx="8229240" cy="1144800"/>
+          </a:xfrm>
+          <a:prstGeom prst="rect">
+            <a:avLst/>
+          </a:prstGeom>
+        </p:spPr>
+        <p:txBody>
+          <a:bodyPr lIns="0" rIns="0" tIns="0" bIns="0" anchor="ctr"/>
+          <a:p>
+            <a:pPr algn="ctr"/>
+            <a:endParaRPr/>
+          </a:p>
+        </p:txBody>
+      </p:sp>
+      <p:sp>
+        <p:nvSpPr>
+          <p:cNvPr id="99" name="PlaceHolder 2"/>
+          <p:cNvSpPr>
+            <a:spLocks noGrp="1"/>
+          </p:cNvSpPr>
+          <p:nvPr>
+            <p:ph type="body"/>
+          </p:nvPr>
+        </p:nvSpPr>
+        <p:spPr>
+          <a:xfrm>
+            <a:off x="457200" y="1604520"/>
+            <a:ext cx="4015800" cy="3977280"/>
+          </a:xfrm>
+          <a:prstGeom prst="rect">
+            <a:avLst/>
+          </a:prstGeom>
+        </p:spPr>
+        <p:txBody>
+          <a:bodyPr lIns="0" rIns="0" tIns="0" bIns="0"/>
+          <a:p>
+            <a:endParaRPr/>
+          </a:p>
+        </p:txBody>
+      </p:sp>
+      <p:sp>
+        <p:nvSpPr>
+          <p:cNvPr id="100" name="PlaceHolder 3"/>
+          <p:cNvSpPr>
+            <a:spLocks noGrp="1"/>
+          </p:cNvSpPr>
+          <p:nvPr>
+            <p:ph type="body"/>
+          </p:nvPr>
+        </p:nvSpPr>
+        <p:spPr>
+          <a:xfrm>
+            <a:off x="4674240" y="1604520"/>
+            <a:ext cx="4015800" cy="1896840"/>
+          </a:xfrm>
+          <a:prstGeom prst="rect">
+            <a:avLst/>
+          </a:prstGeom>
+        </p:spPr>
+        <p:txBody>
+          <a:bodyPr lIns="0" rIns="0" tIns="0" bIns="0"/>
+          <a:p>
+            <a:endParaRPr/>
+          </a:p>
+        </p:txBody>
+      </p:sp>
+      <p:sp>
+        <p:nvSpPr>
+          <p:cNvPr id="101" name="PlaceHolder 4"/>
+          <p:cNvSpPr>
+            <a:spLocks noGrp="1"/>
+          </p:cNvSpPr>
+          <p:nvPr>
+            <p:ph type="body"/>
+          </p:nvPr>
+        </p:nvSpPr>
+        <p:spPr>
+          <a:xfrm>
+            <a:off x="4674240" y="3682080"/>
+            <a:ext cx="4015800" cy="1896840"/>
+          </a:xfrm>
+          <a:prstGeom prst="rect">
+            <a:avLst/>
+          </a:prstGeom>
+        </p:spPr>
+        <p:txBody>
+          <a:bodyPr lIns="0" rIns="0" tIns="0" bIns="0"/>
+          <a:p>
+            <a:endParaRPr/>
+          </a:p>
+        </p:txBody>
+      </p:sp>
+    </p:spTree>
+  </p:cSld>
+</p:sldLayout>
+</file>
+
+<file path=ppt/slideLayouts/slideLayout33.xml><?xml version="1.0" encoding="utf-8"?>
+<p:sldLayout xmlns:a="http://schemas.openxmlformats.org/drawingml/2006/main" xmlns:p="http://schemas.openxmlformats.org/presentationml/2006/main" xmlns:r="http://schemas.openxmlformats.org/officeDocument/2006/relationships" type="twoObjOverTx" preserve="1">
+  <p:cSld name="Title, 2 Content over Content">
+    <p:spTree>
+      <p:nvGrpSpPr>
+        <p:cNvPr id="1" name=""/>
+        <p:cNvGrpSpPr/>
+        <p:nvPr/>
+      </p:nvGrpSpPr>
+      <p:grpSpPr>
+        <a:xfrm>
+          <a:off x="0" y="0"/>
+          <a:ext cx="0" cy="0"/>
+          <a:chOff x="0" y="0"/>
+          <a:chExt cx="0" cy="0"/>
+        </a:xfrm>
+      </p:grpSpPr>
+      <p:sp>
+        <p:nvSpPr>
+          <p:cNvPr id="102" name="PlaceHolder 1"/>
+          <p:cNvSpPr>
+            <a:spLocks noGrp="1"/>
+          </p:cNvSpPr>
+          <p:nvPr>
+            <p:ph type="title"/>
+          </p:nvPr>
+        </p:nvSpPr>
+        <p:spPr>
+          <a:xfrm>
+            <a:off x="457200" y="273600"/>
+            <a:ext cx="8229240" cy="1144800"/>
+          </a:xfrm>
+          <a:prstGeom prst="rect">
+            <a:avLst/>
+          </a:prstGeom>
+        </p:spPr>
+        <p:txBody>
+          <a:bodyPr lIns="0" rIns="0" tIns="0" bIns="0" anchor="ctr"/>
+          <a:p>
+            <a:pPr algn="ctr"/>
+            <a:endParaRPr/>
+          </a:p>
+        </p:txBody>
+      </p:sp>
+      <p:sp>
+        <p:nvSpPr>
+          <p:cNvPr id="103" name="PlaceHolder 2"/>
+          <p:cNvSpPr>
+            <a:spLocks noGrp="1"/>
+          </p:cNvSpPr>
+          <p:nvPr>
+            <p:ph type="body"/>
+          </p:nvPr>
+        </p:nvSpPr>
+        <p:spPr>
+          <a:xfrm>
+            <a:off x="457200" y="1604520"/>
+            <a:ext cx="4015800" cy="1896840"/>
+          </a:xfrm>
+          <a:prstGeom prst="rect">
+            <a:avLst/>
+          </a:prstGeom>
+        </p:spPr>
+        <p:txBody>
+          <a:bodyPr lIns="0" rIns="0" tIns="0" bIns="0"/>
+          <a:p>
+            <a:endParaRPr/>
+          </a:p>
+        </p:txBody>
+      </p:sp>
+      <p:sp>
+        <p:nvSpPr>
+          <p:cNvPr id="104" name="PlaceHolder 3"/>
+          <p:cNvSpPr>
+            <a:spLocks noGrp="1"/>
+          </p:cNvSpPr>
+          <p:nvPr>
+            <p:ph type="body"/>
+          </p:nvPr>
+        </p:nvSpPr>
+        <p:spPr>
+          <a:xfrm>
+            <a:off x="4674240" y="1604520"/>
+            <a:ext cx="4015800" cy="1896840"/>
+          </a:xfrm>
+          <a:prstGeom prst="rect">
+            <a:avLst/>
+          </a:prstGeom>
+        </p:spPr>
+        <p:txBody>
+          <a:bodyPr lIns="0" rIns="0" tIns="0" bIns="0"/>
+          <a:p>
+            <a:endParaRPr/>
+          </a:p>
+        </p:txBody>
+      </p:sp>
+      <p:sp>
+        <p:nvSpPr>
+          <p:cNvPr id="105" name="PlaceHolder 4"/>
+          <p:cNvSpPr>
+            <a:spLocks noGrp="1"/>
+          </p:cNvSpPr>
+          <p:nvPr>
+            <p:ph type="body"/>
+          </p:nvPr>
+        </p:nvSpPr>
+        <p:spPr>
+          <a:xfrm>
+            <a:off x="457200" y="3682080"/>
+            <a:ext cx="8229240" cy="1896840"/>
+          </a:xfrm>
+          <a:prstGeom prst="rect">
+            <a:avLst/>
+          </a:prstGeom>
+        </p:spPr>
+        <p:txBody>
+          <a:bodyPr lIns="0" rIns="0" tIns="0" bIns="0"/>
+          <a:p>
+            <a:endParaRPr/>
+          </a:p>
+        </p:txBody>
+      </p:sp>
+    </p:spTree>
+  </p:cSld>
+</p:sldLayout>
+</file>
+
+<file path=ppt/slideLayouts/slideLayout34.xml><?xml version="1.0" encoding="utf-8"?>
+<p:sldLayout xmlns:a="http://schemas.openxmlformats.org/drawingml/2006/main" xmlns:p="http://schemas.openxmlformats.org/presentationml/2006/main" xmlns:r="http://schemas.openxmlformats.org/officeDocument/2006/relationships" type="objOverTx" preserve="1">
+  <p:cSld name="Title, Content over Content">
+    <p:spTree>
+      <p:nvGrpSpPr>
+        <p:cNvPr id="1" name=""/>
+        <p:cNvGrpSpPr/>
+        <p:nvPr/>
+      </p:nvGrpSpPr>
+      <p:grpSpPr>
+        <a:xfrm>
+          <a:off x="0" y="0"/>
+          <a:ext cx="0" cy="0"/>
+          <a:chOff x="0" y="0"/>
+          <a:chExt cx="0" cy="0"/>
+        </a:xfrm>
+      </p:grpSpPr>
+      <p:sp>
+        <p:nvSpPr>
+          <p:cNvPr id="106" name="PlaceHolder 1"/>
+          <p:cNvSpPr>
+            <a:spLocks noGrp="1"/>
+          </p:cNvSpPr>
+          <p:nvPr>
+            <p:ph type="title"/>
+          </p:nvPr>
+        </p:nvSpPr>
+        <p:spPr>
+          <a:xfrm>
+            <a:off x="457200" y="273600"/>
+            <a:ext cx="8229240" cy="1144800"/>
+          </a:xfrm>
+          <a:prstGeom prst="rect">
+            <a:avLst/>
+          </a:prstGeom>
+        </p:spPr>
+        <p:txBody>
+          <a:bodyPr lIns="0" rIns="0" tIns="0" bIns="0" anchor="ctr"/>
+          <a:p>
+            <a:pPr algn="ctr"/>
+            <a:endParaRPr/>
+          </a:p>
+        </p:txBody>
+      </p:sp>
+      <p:sp>
+        <p:nvSpPr>
+          <p:cNvPr id="107" name="PlaceHolder 2"/>
+          <p:cNvSpPr>
+            <a:spLocks noGrp="1"/>
+          </p:cNvSpPr>
+          <p:nvPr>
+            <p:ph type="body"/>
+          </p:nvPr>
+        </p:nvSpPr>
+        <p:spPr>
+          <a:xfrm>
+            <a:off x="457200" y="1604520"/>
+            <a:ext cx="8229240" cy="1896840"/>
+          </a:xfrm>
+          <a:prstGeom prst="rect">
+            <a:avLst/>
+          </a:prstGeom>
+        </p:spPr>
+        <p:txBody>
+          <a:bodyPr lIns="0" rIns="0" tIns="0" bIns="0"/>
+          <a:p>
+            <a:endParaRPr/>
+          </a:p>
+        </p:txBody>
+      </p:sp>
+      <p:sp>
+        <p:nvSpPr>
+          <p:cNvPr id="108" name="PlaceHolder 3"/>
+          <p:cNvSpPr>
+            <a:spLocks noGrp="1"/>
+          </p:cNvSpPr>
+          <p:nvPr>
+            <p:ph type="body"/>
+          </p:nvPr>
+        </p:nvSpPr>
+        <p:spPr>
+          <a:xfrm>
+            <a:off x="457200" y="3682080"/>
+            <a:ext cx="8229240" cy="1896840"/>
+          </a:xfrm>
+          <a:prstGeom prst="rect">
+            <a:avLst/>
+          </a:prstGeom>
+        </p:spPr>
+        <p:txBody>
+          <a:bodyPr lIns="0" rIns="0" tIns="0" bIns="0"/>
+          <a:p>
+            <a:endParaRPr/>
+          </a:p>
+        </p:txBody>
+      </p:sp>
+    </p:spTree>
+  </p:cSld>
+</p:sldLayout>
+</file>
+
+<file path=ppt/slideLayouts/slideLayout35.xml><?xml version="1.0" encoding="utf-8"?>
+<p:sldLayout xmlns:a="http://schemas.openxmlformats.org/drawingml/2006/main" xmlns:p="http://schemas.openxmlformats.org/presentationml/2006/main" xmlns:r="http://schemas.openxmlformats.org/officeDocument/2006/relationships" type="fourObj" preserve="1">
+  <p:cSld name="Title, 4 Content">
+    <p:spTree>
+      <p:nvGrpSpPr>
+        <p:cNvPr id="1" name=""/>
+        <p:cNvGrpSpPr/>
+        <p:nvPr/>
+      </p:nvGrpSpPr>
+      <p:grpSpPr>
+        <a:xfrm>
+          <a:off x="0" y="0"/>
+          <a:ext cx="0" cy="0"/>
+          <a:chOff x="0" y="0"/>
+          <a:chExt cx="0" cy="0"/>
+        </a:xfrm>
+      </p:grpSpPr>
+      <p:sp>
+        <p:nvSpPr>
+          <p:cNvPr id="109" name="PlaceHolder 1"/>
+          <p:cNvSpPr>
+            <a:spLocks noGrp="1"/>
+          </p:cNvSpPr>
+          <p:nvPr>
+            <p:ph type="title"/>
+          </p:nvPr>
+        </p:nvSpPr>
+        <p:spPr>
+          <a:xfrm>
+            <a:off x="457200" y="273600"/>
+            <a:ext cx="8229240" cy="1144800"/>
+          </a:xfrm>
+          <a:prstGeom prst="rect">
+            <a:avLst/>
+          </a:prstGeom>
+        </p:spPr>
+        <p:txBody>
+          <a:bodyPr lIns="0" rIns="0" tIns="0" bIns="0" anchor="ctr"/>
+          <a:p>
+            <a:pPr algn="ctr"/>
+            <a:endParaRPr/>
+          </a:p>
+        </p:txBody>
+      </p:sp>
+      <p:sp>
+        <p:nvSpPr>
+          <p:cNvPr id="110" name="PlaceHolder 2"/>
+          <p:cNvSpPr>
+            <a:spLocks noGrp="1"/>
+          </p:cNvSpPr>
+          <p:nvPr>
+            <p:ph type="body"/>
+          </p:nvPr>
+        </p:nvSpPr>
+        <p:spPr>
+          <a:xfrm>
+            <a:off x="457200" y="1604520"/>
+            <a:ext cx="4015800" cy="1896840"/>
+          </a:xfrm>
+          <a:prstGeom prst="rect">
+            <a:avLst/>
+          </a:prstGeom>
+        </p:spPr>
+        <p:txBody>
+          <a:bodyPr lIns="0" rIns="0" tIns="0" bIns="0"/>
+          <a:p>
+            <a:endParaRPr/>
+          </a:p>
+        </p:txBody>
+      </p:sp>
+      <p:sp>
+        <p:nvSpPr>
+          <p:cNvPr id="111" name="PlaceHolder 3"/>
+          <p:cNvSpPr>
+            <a:spLocks noGrp="1"/>
+          </p:cNvSpPr>
+          <p:nvPr>
+            <p:ph type="body"/>
+          </p:nvPr>
+        </p:nvSpPr>
+        <p:spPr>
+          <a:xfrm>
+            <a:off x="4674240" y="1604520"/>
+            <a:ext cx="4015800" cy="1896840"/>
+          </a:xfrm>
+          <a:prstGeom prst="rect">
+            <a:avLst/>
+          </a:prstGeom>
+        </p:spPr>
+        <p:txBody>
+          <a:bodyPr lIns="0" rIns="0" tIns="0" bIns="0"/>
+          <a:p>
+            <a:endParaRPr/>
+          </a:p>
+        </p:txBody>
+      </p:sp>
+      <p:sp>
+        <p:nvSpPr>
+          <p:cNvPr id="112" name="PlaceHolder 4"/>
+          <p:cNvSpPr>
+            <a:spLocks noGrp="1"/>
+          </p:cNvSpPr>
+          <p:nvPr>
+            <p:ph type="body"/>
+          </p:nvPr>
+        </p:nvSpPr>
+        <p:spPr>
+          <a:xfrm>
+            <a:off x="4674240" y="3682080"/>
+            <a:ext cx="4015800" cy="1896840"/>
+          </a:xfrm>
+          <a:prstGeom prst="rect">
+            <a:avLst/>
+          </a:prstGeom>
+        </p:spPr>
+        <p:txBody>
+          <a:bodyPr lIns="0" rIns="0" tIns="0" bIns="0"/>
+          <a:p>
+            <a:endParaRPr/>
+          </a:p>
+        </p:txBody>
+      </p:sp>
+      <p:sp>
+        <p:nvSpPr>
+          <p:cNvPr id="113" name="PlaceHolder 5"/>
+          <p:cNvSpPr>
+            <a:spLocks noGrp="1"/>
+          </p:cNvSpPr>
+          <p:nvPr>
+            <p:ph type="body"/>
+          </p:nvPr>
+        </p:nvSpPr>
+        <p:spPr>
+          <a:xfrm>
+            <a:off x="457200" y="3682080"/>
+            <a:ext cx="4015800" cy="1896840"/>
+          </a:xfrm>
+          <a:prstGeom prst="rect">
+            <a:avLst/>
+          </a:prstGeom>
+        </p:spPr>
+        <p:txBody>
+          <a:bodyPr lIns="0" rIns="0" tIns="0" bIns="0"/>
+          <a:p>
+            <a:endParaRPr/>
+          </a:p>
+        </p:txBody>
+      </p:sp>
+    </p:spTree>
+  </p:cSld>
+</p:sldLayout>
+</file>
+
+<file path=ppt/slideLayouts/slideLayout36.xml><?xml version="1.0" encoding="utf-8"?>
+<p:sldLayout xmlns:a="http://schemas.openxmlformats.org/drawingml/2006/main" xmlns:p="http://schemas.openxmlformats.org/presentationml/2006/main" xmlns:r="http://schemas.openxmlformats.org/officeDocument/2006/relationships" type="blank" preserve="1">
+  <p:cSld name="Title, 6 Content">
+    <p:spTree>
+      <p:nvGrpSpPr>
+        <p:cNvPr id="1" name=""/>
+        <p:cNvGrpSpPr/>
+        <p:nvPr/>
+      </p:nvGrpSpPr>
+      <p:grpSpPr>
+        <a:xfrm>
+          <a:off x="0" y="0"/>
+          <a:ext cx="0" cy="0"/>
+          <a:chOff x="0" y="0"/>
+          <a:chExt cx="0" cy="0"/>
+        </a:xfrm>
+      </p:grpSpPr>
+      <p:sp>
+        <p:nvSpPr>
+          <p:cNvPr id="114" name="PlaceHolder 1"/>
+          <p:cNvSpPr>
+            <a:spLocks noGrp="1"/>
+          </p:cNvSpPr>
+          <p:nvPr>
+            <p:ph type="title"/>
+          </p:nvPr>
+        </p:nvSpPr>
+        <p:spPr>
+          <a:xfrm>
+            <a:off x="457200" y="273600"/>
+            <a:ext cx="8229240" cy="1144800"/>
+          </a:xfrm>
+          <a:prstGeom prst="rect">
+            <a:avLst/>
+          </a:prstGeom>
+        </p:spPr>
+        <p:txBody>
+          <a:bodyPr lIns="0" rIns="0" tIns="0" bIns="0" anchor="ctr"/>
+          <a:p>
+            <a:pPr algn="ctr"/>
+            <a:endParaRPr/>
+          </a:p>
+        </p:txBody>
+      </p:sp>
+      <p:sp>
+        <p:nvSpPr>
+          <p:cNvPr id="115" name="PlaceHolder 2"/>
+          <p:cNvSpPr>
+            <a:spLocks noGrp="1"/>
+          </p:cNvSpPr>
+          <p:nvPr>
+            <p:ph type="body"/>
+          </p:nvPr>
+        </p:nvSpPr>
+        <p:spPr>
+          <a:xfrm>
+            <a:off x="457200" y="1604520"/>
+            <a:ext cx="8229240" cy="3977280"/>
+          </a:xfrm>
+          <a:prstGeom prst="rect">
+            <a:avLst/>
+          </a:prstGeom>
+        </p:spPr>
+        <p:txBody>
+          <a:bodyPr lIns="0" rIns="0" tIns="0" bIns="0"/>
+          <a:p>
+            <a:endParaRPr/>
+          </a:p>
+        </p:txBody>
+      </p:sp>
+      <p:sp>
+        <p:nvSpPr>
+          <p:cNvPr id="116" name="PlaceHolder 3"/>
+          <p:cNvSpPr>
+            <a:spLocks noGrp="1"/>
+          </p:cNvSpPr>
+          <p:nvPr>
+            <p:ph type="body"/>
+          </p:nvPr>
+        </p:nvSpPr>
+        <p:spPr>
+          <a:xfrm>
+            <a:off x="457200" y="1604520"/>
+            <a:ext cx="8229240" cy="3977280"/>
+          </a:xfrm>
+          <a:prstGeom prst="rect">
+            <a:avLst/>
+          </a:prstGeom>
+        </p:spPr>
+        <p:txBody>
+          <a:bodyPr lIns="0" rIns="0" tIns="0" bIns="0"/>
+          <a:p>
+            <a:endParaRPr/>
+          </a:p>
+        </p:txBody>
+      </p:sp>
+      <p:pic>
+        <p:nvPicPr>
+          <p:cNvPr id="117" name="" descr=""/>
+          <p:cNvPicPr/>
+          <p:nvPr/>
+        </p:nvPicPr>
+        <p:blipFill>
+          <a:blip r:embed="rId2"/>
+          <a:stretch/>
+        </p:blipFill>
+        <p:spPr>
+          <a:xfrm>
+            <a:off x="2077920" y="1604520"/>
+            <a:ext cx="4987440" cy="3977280"/>
+          </a:xfrm>
+          <a:prstGeom prst="rect">
+            <a:avLst/>
+          </a:prstGeom>
+          <a:ln>
+            <a:noFill/>
+          </a:ln>
+        </p:spPr>
+      </p:pic>
+      <p:pic>
+        <p:nvPicPr>
+          <p:cNvPr id="118" name="" descr=""/>
+          <p:cNvPicPr/>
+          <p:nvPr/>
+        </p:nvPicPr>
+        <p:blipFill>
+          <a:blip r:embed="rId3"/>
+          <a:stretch/>
+        </p:blipFill>
+        <p:spPr>
+          <a:xfrm>
+            <a:off x="2077920" y="1604520"/>
+            <a:ext cx="4987440" cy="3977280"/>
+          </a:xfrm>
+          <a:prstGeom prst="rect">
+            <a:avLst/>
+          </a:prstGeom>
+          <a:ln>
+            <a:noFill/>
+          </a:ln>
+        </p:spPr>
+      </p:pic>
+    </p:spTree>
+  </p:cSld>
+</p:sldLayout>
+</file>
+
+<file path=ppt/slideLayouts/slideLayout37.xml><?xml version="1.0" encoding="utf-8"?>
+<p:sldLayout xmlns:a="http://schemas.openxmlformats.org/drawingml/2006/main" xmlns:p="http://schemas.openxmlformats.org/presentationml/2006/main" xmlns:r="http://schemas.openxmlformats.org/officeDocument/2006/relationships" type="blank" preserve="1">
+  <p:cSld name="Blank Slide">
+    <p:spTree>
+      <p:nvGrpSpPr>
+        <p:cNvPr id="1" name=""/>
+        <p:cNvGrpSpPr/>
+        <p:nvPr/>
+      </p:nvGrpSpPr>
+      <p:grpSpPr>
+        <a:xfrm>
+          <a:off x="0" y="0"/>
+          <a:ext cx="0" cy="0"/>
+          <a:chOff x="0" y="0"/>
+          <a:chExt cx="0" cy="0"/>
+        </a:xfrm>
+      </p:grpSpPr>
+    </p:spTree>
+  </p:cSld>
+</p:sldLayout>
+</file>
+
+<file path=ppt/slideLayouts/slideLayout38.xml><?xml version="1.0" encoding="utf-8"?>
+<p:sldLayout xmlns:a="http://schemas.openxmlformats.org/drawingml/2006/main" xmlns:p="http://schemas.openxmlformats.org/presentationml/2006/main" xmlns:r="http://schemas.openxmlformats.org/officeDocument/2006/relationships" type="tx" preserve="1">
+  <p:cSld name="Title Slide">
+    <p:spTree>
+      <p:nvGrpSpPr>
+        <p:cNvPr id="1" name=""/>
+        <p:cNvGrpSpPr/>
+        <p:nvPr/>
+      </p:nvGrpSpPr>
+      <p:grpSpPr>
+        <a:xfrm>
+          <a:off x="0" y="0"/>
+          <a:ext cx="0" cy="0"/>
+          <a:chOff x="0" y="0"/>
+          <a:chExt cx="0" cy="0"/>
+        </a:xfrm>
+      </p:grpSpPr>
+      <p:sp>
+        <p:nvSpPr>
+          <p:cNvPr id="125" name="PlaceHolder 1"/>
+          <p:cNvSpPr>
+            <a:spLocks noGrp="1"/>
+          </p:cNvSpPr>
+          <p:nvPr>
+            <p:ph type="title"/>
+          </p:nvPr>
+        </p:nvSpPr>
+        <p:spPr>
+          <a:xfrm>
+            <a:off x="457200" y="273600"/>
+            <a:ext cx="8229240" cy="1144800"/>
+          </a:xfrm>
+          <a:prstGeom prst="rect">
+            <a:avLst/>
+          </a:prstGeom>
+        </p:spPr>
+        <p:txBody>
+          <a:bodyPr lIns="0" rIns="0" tIns="0" bIns="0" anchor="ctr"/>
+          <a:p>
+            <a:pPr algn="ctr"/>
+            <a:endParaRPr/>
+          </a:p>
+        </p:txBody>
+      </p:sp>
+      <p:sp>
+        <p:nvSpPr>
+          <p:cNvPr id="126" name="PlaceHolder 2"/>
+          <p:cNvSpPr>
+            <a:spLocks noGrp="1"/>
+          </p:cNvSpPr>
+          <p:nvPr>
+            <p:ph type="subTitle"/>
+          </p:nvPr>
+        </p:nvSpPr>
+        <p:spPr>
+          <a:xfrm>
+            <a:off x="457200" y="1604520"/>
+            <a:ext cx="8229240" cy="3977280"/>
+          </a:xfrm>
+          <a:prstGeom prst="rect">
+            <a:avLst/>
+          </a:prstGeom>
+        </p:spPr>
+        <p:txBody>
+          <a:bodyPr lIns="0" rIns="0" tIns="0" bIns="0" anchor="ctr"/>
+          <a:p>
+            <a:pPr algn="ctr"/>
+            <a:endParaRPr/>
+          </a:p>
+        </p:txBody>
+      </p:sp>
+    </p:spTree>
+  </p:cSld>
+</p:sldLayout>
+</file>
+
+<file path=ppt/slideLayouts/slideLayout39.xml><?xml version="1.0" encoding="utf-8"?>
+<p:sldLayout xmlns:a="http://schemas.openxmlformats.org/drawingml/2006/main" xmlns:p="http://schemas.openxmlformats.org/presentationml/2006/main" xmlns:r="http://schemas.openxmlformats.org/officeDocument/2006/relationships" type="obj" preserve="1">
+  <p:cSld name="Title, Content">
+    <p:spTree>
+      <p:nvGrpSpPr>
+        <p:cNvPr id="1" name=""/>
+        <p:cNvGrpSpPr/>
+        <p:nvPr/>
+      </p:nvGrpSpPr>
+      <p:grpSpPr>
+        <a:xfrm>
+          <a:off x="0" y="0"/>
+          <a:ext cx="0" cy="0"/>
+          <a:chOff x="0" y="0"/>
+          <a:chExt cx="0" cy="0"/>
+        </a:xfrm>
+      </p:grpSpPr>
+      <p:sp>
+        <p:nvSpPr>
+          <p:cNvPr id="127" name="PlaceHolder 1"/>
+          <p:cNvSpPr>
+            <a:spLocks noGrp="1"/>
+          </p:cNvSpPr>
+          <p:nvPr>
+            <p:ph type="title"/>
+          </p:nvPr>
+        </p:nvSpPr>
+        <p:spPr>
+          <a:xfrm>
+            <a:off x="457200" y="273600"/>
+            <a:ext cx="8229240" cy="1144800"/>
+          </a:xfrm>
+          <a:prstGeom prst="rect">
+            <a:avLst/>
+          </a:prstGeom>
+        </p:spPr>
+        <p:txBody>
+          <a:bodyPr lIns="0" rIns="0" tIns="0" bIns="0" anchor="ctr"/>
+          <a:p>
+            <a:pPr algn="ctr"/>
+            <a:endParaRPr/>
+          </a:p>
+        </p:txBody>
+      </p:sp>
+      <p:sp>
+        <p:nvSpPr>
+          <p:cNvPr id="128" name="PlaceHolder 2"/>
           <p:cNvSpPr>
             <a:spLocks noGrp="1"/>
           </p:cNvSpPr>
@@ -1849,6 +3174,987 @@
           </a:p>
         </p:txBody>
       </p:sp>
+    </p:spTree>
+  </p:cSld>
+</p:sldLayout>
+</file>
+
+<file path=ppt/slideLayouts/slideLayout40.xml><?xml version="1.0" encoding="utf-8"?>
+<p:sldLayout xmlns:a="http://schemas.openxmlformats.org/drawingml/2006/main" xmlns:p="http://schemas.openxmlformats.org/presentationml/2006/main" xmlns:r="http://schemas.openxmlformats.org/officeDocument/2006/relationships" type="twoObj" preserve="1">
+  <p:cSld name="Title, 2 Content">
+    <p:spTree>
+      <p:nvGrpSpPr>
+        <p:cNvPr id="1" name=""/>
+        <p:cNvGrpSpPr/>
+        <p:nvPr/>
+      </p:nvGrpSpPr>
+      <p:grpSpPr>
+        <a:xfrm>
+          <a:off x="0" y="0"/>
+          <a:ext cx="0" cy="0"/>
+          <a:chOff x="0" y="0"/>
+          <a:chExt cx="0" cy="0"/>
+        </a:xfrm>
+      </p:grpSpPr>
+      <p:sp>
+        <p:nvSpPr>
+          <p:cNvPr id="129" name="PlaceHolder 1"/>
+          <p:cNvSpPr>
+            <a:spLocks noGrp="1"/>
+          </p:cNvSpPr>
+          <p:nvPr>
+            <p:ph type="title"/>
+          </p:nvPr>
+        </p:nvSpPr>
+        <p:spPr>
+          <a:xfrm>
+            <a:off x="457200" y="273600"/>
+            <a:ext cx="8229240" cy="1144800"/>
+          </a:xfrm>
+          <a:prstGeom prst="rect">
+            <a:avLst/>
+          </a:prstGeom>
+        </p:spPr>
+        <p:txBody>
+          <a:bodyPr lIns="0" rIns="0" tIns="0" bIns="0" anchor="ctr"/>
+          <a:p>
+            <a:pPr algn="ctr"/>
+            <a:endParaRPr/>
+          </a:p>
+        </p:txBody>
+      </p:sp>
+      <p:sp>
+        <p:nvSpPr>
+          <p:cNvPr id="130" name="PlaceHolder 2"/>
+          <p:cNvSpPr>
+            <a:spLocks noGrp="1"/>
+          </p:cNvSpPr>
+          <p:nvPr>
+            <p:ph type="body"/>
+          </p:nvPr>
+        </p:nvSpPr>
+        <p:spPr>
+          <a:xfrm>
+            <a:off x="457200" y="1604520"/>
+            <a:ext cx="4015800" cy="3977280"/>
+          </a:xfrm>
+          <a:prstGeom prst="rect">
+            <a:avLst/>
+          </a:prstGeom>
+        </p:spPr>
+        <p:txBody>
+          <a:bodyPr lIns="0" rIns="0" tIns="0" bIns="0"/>
+          <a:p>
+            <a:endParaRPr/>
+          </a:p>
+        </p:txBody>
+      </p:sp>
+      <p:sp>
+        <p:nvSpPr>
+          <p:cNvPr id="131" name="PlaceHolder 3"/>
+          <p:cNvSpPr>
+            <a:spLocks noGrp="1"/>
+          </p:cNvSpPr>
+          <p:nvPr>
+            <p:ph type="body"/>
+          </p:nvPr>
+        </p:nvSpPr>
+        <p:spPr>
+          <a:xfrm>
+            <a:off x="4674240" y="1604520"/>
+            <a:ext cx="4015800" cy="3977280"/>
+          </a:xfrm>
+          <a:prstGeom prst="rect">
+            <a:avLst/>
+          </a:prstGeom>
+        </p:spPr>
+        <p:txBody>
+          <a:bodyPr lIns="0" rIns="0" tIns="0" bIns="0"/>
+          <a:p>
+            <a:endParaRPr/>
+          </a:p>
+        </p:txBody>
+      </p:sp>
+    </p:spTree>
+  </p:cSld>
+</p:sldLayout>
+</file>
+
+<file path=ppt/slideLayouts/slideLayout41.xml><?xml version="1.0" encoding="utf-8"?>
+<p:sldLayout xmlns:a="http://schemas.openxmlformats.org/drawingml/2006/main" xmlns:p="http://schemas.openxmlformats.org/presentationml/2006/main" xmlns:r="http://schemas.openxmlformats.org/officeDocument/2006/relationships" type="titleOnly" preserve="1">
+  <p:cSld name="Title Only">
+    <p:spTree>
+      <p:nvGrpSpPr>
+        <p:cNvPr id="1" name=""/>
+        <p:cNvGrpSpPr/>
+        <p:nvPr/>
+      </p:nvGrpSpPr>
+      <p:grpSpPr>
+        <a:xfrm>
+          <a:off x="0" y="0"/>
+          <a:ext cx="0" cy="0"/>
+          <a:chOff x="0" y="0"/>
+          <a:chExt cx="0" cy="0"/>
+        </a:xfrm>
+      </p:grpSpPr>
+      <p:sp>
+        <p:nvSpPr>
+          <p:cNvPr id="132" name="PlaceHolder 1"/>
+          <p:cNvSpPr>
+            <a:spLocks noGrp="1"/>
+          </p:cNvSpPr>
+          <p:nvPr>
+            <p:ph type="title"/>
+          </p:nvPr>
+        </p:nvSpPr>
+        <p:spPr>
+          <a:xfrm>
+            <a:off x="457200" y="273600"/>
+            <a:ext cx="8229240" cy="1144800"/>
+          </a:xfrm>
+          <a:prstGeom prst="rect">
+            <a:avLst/>
+          </a:prstGeom>
+        </p:spPr>
+        <p:txBody>
+          <a:bodyPr lIns="0" rIns="0" tIns="0" bIns="0" anchor="ctr"/>
+          <a:p>
+            <a:pPr algn="ctr"/>
+            <a:endParaRPr/>
+          </a:p>
+        </p:txBody>
+      </p:sp>
+    </p:spTree>
+  </p:cSld>
+</p:sldLayout>
+</file>
+
+<file path=ppt/slideLayouts/slideLayout42.xml><?xml version="1.0" encoding="utf-8"?>
+<p:sldLayout xmlns:a="http://schemas.openxmlformats.org/drawingml/2006/main" xmlns:p="http://schemas.openxmlformats.org/presentationml/2006/main" xmlns:r="http://schemas.openxmlformats.org/officeDocument/2006/relationships" type="objOnly" preserve="1">
+  <p:cSld name="Centered Text">
+    <p:spTree>
+      <p:nvGrpSpPr>
+        <p:cNvPr id="1" name=""/>
+        <p:cNvGrpSpPr/>
+        <p:nvPr/>
+      </p:nvGrpSpPr>
+      <p:grpSpPr>
+        <a:xfrm>
+          <a:off x="0" y="0"/>
+          <a:ext cx="0" cy="0"/>
+          <a:chOff x="0" y="0"/>
+          <a:chExt cx="0" cy="0"/>
+        </a:xfrm>
+      </p:grpSpPr>
+      <p:sp>
+        <p:nvSpPr>
+          <p:cNvPr id="133" name="PlaceHolder 1"/>
+          <p:cNvSpPr>
+            <a:spLocks noGrp="1"/>
+          </p:cNvSpPr>
+          <p:nvPr>
+            <p:ph type="subTitle"/>
+          </p:nvPr>
+        </p:nvSpPr>
+        <p:spPr>
+          <a:xfrm>
+            <a:off x="457200" y="273600"/>
+            <a:ext cx="8229240" cy="5307840"/>
+          </a:xfrm>
+          <a:prstGeom prst="rect">
+            <a:avLst/>
+          </a:prstGeom>
+        </p:spPr>
+        <p:txBody>
+          <a:bodyPr lIns="0" rIns="0" tIns="0" bIns="0" anchor="ctr"/>
+          <a:p>
+            <a:pPr algn="ctr"/>
+            <a:endParaRPr/>
+          </a:p>
+        </p:txBody>
+      </p:sp>
+    </p:spTree>
+  </p:cSld>
+</p:sldLayout>
+</file>
+
+<file path=ppt/slideLayouts/slideLayout43.xml><?xml version="1.0" encoding="utf-8"?>
+<p:sldLayout xmlns:a="http://schemas.openxmlformats.org/drawingml/2006/main" xmlns:p="http://schemas.openxmlformats.org/presentationml/2006/main" xmlns:r="http://schemas.openxmlformats.org/officeDocument/2006/relationships" type="twoObjAndObj" preserve="1">
+  <p:cSld name="Title, 2 Content and Content">
+    <p:spTree>
+      <p:nvGrpSpPr>
+        <p:cNvPr id="1" name=""/>
+        <p:cNvGrpSpPr/>
+        <p:nvPr/>
+      </p:nvGrpSpPr>
+      <p:grpSpPr>
+        <a:xfrm>
+          <a:off x="0" y="0"/>
+          <a:ext cx="0" cy="0"/>
+          <a:chOff x="0" y="0"/>
+          <a:chExt cx="0" cy="0"/>
+        </a:xfrm>
+      </p:grpSpPr>
+      <p:sp>
+        <p:nvSpPr>
+          <p:cNvPr id="134" name="PlaceHolder 1"/>
+          <p:cNvSpPr>
+            <a:spLocks noGrp="1"/>
+          </p:cNvSpPr>
+          <p:nvPr>
+            <p:ph type="title"/>
+          </p:nvPr>
+        </p:nvSpPr>
+        <p:spPr>
+          <a:xfrm>
+            <a:off x="457200" y="273600"/>
+            <a:ext cx="8229240" cy="1144800"/>
+          </a:xfrm>
+          <a:prstGeom prst="rect">
+            <a:avLst/>
+          </a:prstGeom>
+        </p:spPr>
+        <p:txBody>
+          <a:bodyPr lIns="0" rIns="0" tIns="0" bIns="0" anchor="ctr"/>
+          <a:p>
+            <a:pPr algn="ctr"/>
+            <a:endParaRPr/>
+          </a:p>
+        </p:txBody>
+      </p:sp>
+      <p:sp>
+        <p:nvSpPr>
+          <p:cNvPr id="135" name="PlaceHolder 2"/>
+          <p:cNvSpPr>
+            <a:spLocks noGrp="1"/>
+          </p:cNvSpPr>
+          <p:nvPr>
+            <p:ph type="body"/>
+          </p:nvPr>
+        </p:nvSpPr>
+        <p:spPr>
+          <a:xfrm>
+            <a:off x="457200" y="1604520"/>
+            <a:ext cx="4015800" cy="1896840"/>
+          </a:xfrm>
+          <a:prstGeom prst="rect">
+            <a:avLst/>
+          </a:prstGeom>
+        </p:spPr>
+        <p:txBody>
+          <a:bodyPr lIns="0" rIns="0" tIns="0" bIns="0"/>
+          <a:p>
+            <a:endParaRPr/>
+          </a:p>
+        </p:txBody>
+      </p:sp>
+      <p:sp>
+        <p:nvSpPr>
+          <p:cNvPr id="136" name="PlaceHolder 3"/>
+          <p:cNvSpPr>
+            <a:spLocks noGrp="1"/>
+          </p:cNvSpPr>
+          <p:nvPr>
+            <p:ph type="body"/>
+          </p:nvPr>
+        </p:nvSpPr>
+        <p:spPr>
+          <a:xfrm>
+            <a:off x="457200" y="3682080"/>
+            <a:ext cx="4015800" cy="1896840"/>
+          </a:xfrm>
+          <a:prstGeom prst="rect">
+            <a:avLst/>
+          </a:prstGeom>
+        </p:spPr>
+        <p:txBody>
+          <a:bodyPr lIns="0" rIns="0" tIns="0" bIns="0"/>
+          <a:p>
+            <a:endParaRPr/>
+          </a:p>
+        </p:txBody>
+      </p:sp>
+      <p:sp>
+        <p:nvSpPr>
+          <p:cNvPr id="137" name="PlaceHolder 4"/>
+          <p:cNvSpPr>
+            <a:spLocks noGrp="1"/>
+          </p:cNvSpPr>
+          <p:nvPr>
+            <p:ph type="body"/>
+          </p:nvPr>
+        </p:nvSpPr>
+        <p:spPr>
+          <a:xfrm>
+            <a:off x="4674240" y="1604520"/>
+            <a:ext cx="4015800" cy="3977280"/>
+          </a:xfrm>
+          <a:prstGeom prst="rect">
+            <a:avLst/>
+          </a:prstGeom>
+        </p:spPr>
+        <p:txBody>
+          <a:bodyPr lIns="0" rIns="0" tIns="0" bIns="0"/>
+          <a:p>
+            <a:endParaRPr/>
+          </a:p>
+        </p:txBody>
+      </p:sp>
+    </p:spTree>
+  </p:cSld>
+</p:sldLayout>
+</file>
+
+<file path=ppt/slideLayouts/slideLayout44.xml><?xml version="1.0" encoding="utf-8"?>
+<p:sldLayout xmlns:a="http://schemas.openxmlformats.org/drawingml/2006/main" xmlns:p="http://schemas.openxmlformats.org/presentationml/2006/main" xmlns:r="http://schemas.openxmlformats.org/officeDocument/2006/relationships" type="objAndTwoObj" preserve="1">
+  <p:cSld name="Title Content and 2 Content">
+    <p:spTree>
+      <p:nvGrpSpPr>
+        <p:cNvPr id="1" name=""/>
+        <p:cNvGrpSpPr/>
+        <p:nvPr/>
+      </p:nvGrpSpPr>
+      <p:grpSpPr>
+        <a:xfrm>
+          <a:off x="0" y="0"/>
+          <a:ext cx="0" cy="0"/>
+          <a:chOff x="0" y="0"/>
+          <a:chExt cx="0" cy="0"/>
+        </a:xfrm>
+      </p:grpSpPr>
+      <p:sp>
+        <p:nvSpPr>
+          <p:cNvPr id="138" name="PlaceHolder 1"/>
+          <p:cNvSpPr>
+            <a:spLocks noGrp="1"/>
+          </p:cNvSpPr>
+          <p:nvPr>
+            <p:ph type="title"/>
+          </p:nvPr>
+        </p:nvSpPr>
+        <p:spPr>
+          <a:xfrm>
+            <a:off x="457200" y="273600"/>
+            <a:ext cx="8229240" cy="1144800"/>
+          </a:xfrm>
+          <a:prstGeom prst="rect">
+            <a:avLst/>
+          </a:prstGeom>
+        </p:spPr>
+        <p:txBody>
+          <a:bodyPr lIns="0" rIns="0" tIns="0" bIns="0" anchor="ctr"/>
+          <a:p>
+            <a:pPr algn="ctr"/>
+            <a:endParaRPr/>
+          </a:p>
+        </p:txBody>
+      </p:sp>
+      <p:sp>
+        <p:nvSpPr>
+          <p:cNvPr id="139" name="PlaceHolder 2"/>
+          <p:cNvSpPr>
+            <a:spLocks noGrp="1"/>
+          </p:cNvSpPr>
+          <p:nvPr>
+            <p:ph type="body"/>
+          </p:nvPr>
+        </p:nvSpPr>
+        <p:spPr>
+          <a:xfrm>
+            <a:off x="457200" y="1604520"/>
+            <a:ext cx="4015800" cy="3977280"/>
+          </a:xfrm>
+          <a:prstGeom prst="rect">
+            <a:avLst/>
+          </a:prstGeom>
+        </p:spPr>
+        <p:txBody>
+          <a:bodyPr lIns="0" rIns="0" tIns="0" bIns="0"/>
+          <a:p>
+            <a:endParaRPr/>
+          </a:p>
+        </p:txBody>
+      </p:sp>
+      <p:sp>
+        <p:nvSpPr>
+          <p:cNvPr id="140" name="PlaceHolder 3"/>
+          <p:cNvSpPr>
+            <a:spLocks noGrp="1"/>
+          </p:cNvSpPr>
+          <p:nvPr>
+            <p:ph type="body"/>
+          </p:nvPr>
+        </p:nvSpPr>
+        <p:spPr>
+          <a:xfrm>
+            <a:off x="4674240" y="1604520"/>
+            <a:ext cx="4015800" cy="1896840"/>
+          </a:xfrm>
+          <a:prstGeom prst="rect">
+            <a:avLst/>
+          </a:prstGeom>
+        </p:spPr>
+        <p:txBody>
+          <a:bodyPr lIns="0" rIns="0" tIns="0" bIns="0"/>
+          <a:p>
+            <a:endParaRPr/>
+          </a:p>
+        </p:txBody>
+      </p:sp>
+      <p:sp>
+        <p:nvSpPr>
+          <p:cNvPr id="141" name="PlaceHolder 4"/>
+          <p:cNvSpPr>
+            <a:spLocks noGrp="1"/>
+          </p:cNvSpPr>
+          <p:nvPr>
+            <p:ph type="body"/>
+          </p:nvPr>
+        </p:nvSpPr>
+        <p:spPr>
+          <a:xfrm>
+            <a:off x="4674240" y="3682080"/>
+            <a:ext cx="4015800" cy="1896840"/>
+          </a:xfrm>
+          <a:prstGeom prst="rect">
+            <a:avLst/>
+          </a:prstGeom>
+        </p:spPr>
+        <p:txBody>
+          <a:bodyPr lIns="0" rIns="0" tIns="0" bIns="0"/>
+          <a:p>
+            <a:endParaRPr/>
+          </a:p>
+        </p:txBody>
+      </p:sp>
+    </p:spTree>
+  </p:cSld>
+</p:sldLayout>
+</file>
+
+<file path=ppt/slideLayouts/slideLayout45.xml><?xml version="1.0" encoding="utf-8"?>
+<p:sldLayout xmlns:a="http://schemas.openxmlformats.org/drawingml/2006/main" xmlns:p="http://schemas.openxmlformats.org/presentationml/2006/main" xmlns:r="http://schemas.openxmlformats.org/officeDocument/2006/relationships" type="twoObjOverTx" preserve="1">
+  <p:cSld name="Title, 2 Content over Content">
+    <p:spTree>
+      <p:nvGrpSpPr>
+        <p:cNvPr id="1" name=""/>
+        <p:cNvGrpSpPr/>
+        <p:nvPr/>
+      </p:nvGrpSpPr>
+      <p:grpSpPr>
+        <a:xfrm>
+          <a:off x="0" y="0"/>
+          <a:ext cx="0" cy="0"/>
+          <a:chOff x="0" y="0"/>
+          <a:chExt cx="0" cy="0"/>
+        </a:xfrm>
+      </p:grpSpPr>
+      <p:sp>
+        <p:nvSpPr>
+          <p:cNvPr id="142" name="PlaceHolder 1"/>
+          <p:cNvSpPr>
+            <a:spLocks noGrp="1"/>
+          </p:cNvSpPr>
+          <p:nvPr>
+            <p:ph type="title"/>
+          </p:nvPr>
+        </p:nvSpPr>
+        <p:spPr>
+          <a:xfrm>
+            <a:off x="457200" y="273600"/>
+            <a:ext cx="8229240" cy="1144800"/>
+          </a:xfrm>
+          <a:prstGeom prst="rect">
+            <a:avLst/>
+          </a:prstGeom>
+        </p:spPr>
+        <p:txBody>
+          <a:bodyPr lIns="0" rIns="0" tIns="0" bIns="0" anchor="ctr"/>
+          <a:p>
+            <a:pPr algn="ctr"/>
+            <a:endParaRPr/>
+          </a:p>
+        </p:txBody>
+      </p:sp>
+      <p:sp>
+        <p:nvSpPr>
+          <p:cNvPr id="143" name="PlaceHolder 2"/>
+          <p:cNvSpPr>
+            <a:spLocks noGrp="1"/>
+          </p:cNvSpPr>
+          <p:nvPr>
+            <p:ph type="body"/>
+          </p:nvPr>
+        </p:nvSpPr>
+        <p:spPr>
+          <a:xfrm>
+            <a:off x="457200" y="1604520"/>
+            <a:ext cx="4015800" cy="1896840"/>
+          </a:xfrm>
+          <a:prstGeom prst="rect">
+            <a:avLst/>
+          </a:prstGeom>
+        </p:spPr>
+        <p:txBody>
+          <a:bodyPr lIns="0" rIns="0" tIns="0" bIns="0"/>
+          <a:p>
+            <a:endParaRPr/>
+          </a:p>
+        </p:txBody>
+      </p:sp>
+      <p:sp>
+        <p:nvSpPr>
+          <p:cNvPr id="144" name="PlaceHolder 3"/>
+          <p:cNvSpPr>
+            <a:spLocks noGrp="1"/>
+          </p:cNvSpPr>
+          <p:nvPr>
+            <p:ph type="body"/>
+          </p:nvPr>
+        </p:nvSpPr>
+        <p:spPr>
+          <a:xfrm>
+            <a:off x="4674240" y="1604520"/>
+            <a:ext cx="4015800" cy="1896840"/>
+          </a:xfrm>
+          <a:prstGeom prst="rect">
+            <a:avLst/>
+          </a:prstGeom>
+        </p:spPr>
+        <p:txBody>
+          <a:bodyPr lIns="0" rIns="0" tIns="0" bIns="0"/>
+          <a:p>
+            <a:endParaRPr/>
+          </a:p>
+        </p:txBody>
+      </p:sp>
+      <p:sp>
+        <p:nvSpPr>
+          <p:cNvPr id="145" name="PlaceHolder 4"/>
+          <p:cNvSpPr>
+            <a:spLocks noGrp="1"/>
+          </p:cNvSpPr>
+          <p:nvPr>
+            <p:ph type="body"/>
+          </p:nvPr>
+        </p:nvSpPr>
+        <p:spPr>
+          <a:xfrm>
+            <a:off x="457200" y="3682080"/>
+            <a:ext cx="8229240" cy="1896840"/>
+          </a:xfrm>
+          <a:prstGeom prst="rect">
+            <a:avLst/>
+          </a:prstGeom>
+        </p:spPr>
+        <p:txBody>
+          <a:bodyPr lIns="0" rIns="0" tIns="0" bIns="0"/>
+          <a:p>
+            <a:endParaRPr/>
+          </a:p>
+        </p:txBody>
+      </p:sp>
+    </p:spTree>
+  </p:cSld>
+</p:sldLayout>
+</file>
+
+<file path=ppt/slideLayouts/slideLayout46.xml><?xml version="1.0" encoding="utf-8"?>
+<p:sldLayout xmlns:a="http://schemas.openxmlformats.org/drawingml/2006/main" xmlns:p="http://schemas.openxmlformats.org/presentationml/2006/main" xmlns:r="http://schemas.openxmlformats.org/officeDocument/2006/relationships" type="objOverTx" preserve="1">
+  <p:cSld name="Title, Content over Content">
+    <p:spTree>
+      <p:nvGrpSpPr>
+        <p:cNvPr id="1" name=""/>
+        <p:cNvGrpSpPr/>
+        <p:nvPr/>
+      </p:nvGrpSpPr>
+      <p:grpSpPr>
+        <a:xfrm>
+          <a:off x="0" y="0"/>
+          <a:ext cx="0" cy="0"/>
+          <a:chOff x="0" y="0"/>
+          <a:chExt cx="0" cy="0"/>
+        </a:xfrm>
+      </p:grpSpPr>
+      <p:sp>
+        <p:nvSpPr>
+          <p:cNvPr id="146" name="PlaceHolder 1"/>
+          <p:cNvSpPr>
+            <a:spLocks noGrp="1"/>
+          </p:cNvSpPr>
+          <p:nvPr>
+            <p:ph type="title"/>
+          </p:nvPr>
+        </p:nvSpPr>
+        <p:spPr>
+          <a:xfrm>
+            <a:off x="457200" y="273600"/>
+            <a:ext cx="8229240" cy="1144800"/>
+          </a:xfrm>
+          <a:prstGeom prst="rect">
+            <a:avLst/>
+          </a:prstGeom>
+        </p:spPr>
+        <p:txBody>
+          <a:bodyPr lIns="0" rIns="0" tIns="0" bIns="0" anchor="ctr"/>
+          <a:p>
+            <a:pPr algn="ctr"/>
+            <a:endParaRPr/>
+          </a:p>
+        </p:txBody>
+      </p:sp>
+      <p:sp>
+        <p:nvSpPr>
+          <p:cNvPr id="147" name="PlaceHolder 2"/>
+          <p:cNvSpPr>
+            <a:spLocks noGrp="1"/>
+          </p:cNvSpPr>
+          <p:nvPr>
+            <p:ph type="body"/>
+          </p:nvPr>
+        </p:nvSpPr>
+        <p:spPr>
+          <a:xfrm>
+            <a:off x="457200" y="1604520"/>
+            <a:ext cx="8229240" cy="1896840"/>
+          </a:xfrm>
+          <a:prstGeom prst="rect">
+            <a:avLst/>
+          </a:prstGeom>
+        </p:spPr>
+        <p:txBody>
+          <a:bodyPr lIns="0" rIns="0" tIns="0" bIns="0"/>
+          <a:p>
+            <a:endParaRPr/>
+          </a:p>
+        </p:txBody>
+      </p:sp>
+      <p:sp>
+        <p:nvSpPr>
+          <p:cNvPr id="148" name="PlaceHolder 3"/>
+          <p:cNvSpPr>
+            <a:spLocks noGrp="1"/>
+          </p:cNvSpPr>
+          <p:nvPr>
+            <p:ph type="body"/>
+          </p:nvPr>
+        </p:nvSpPr>
+        <p:spPr>
+          <a:xfrm>
+            <a:off x="457200" y="3682080"/>
+            <a:ext cx="8229240" cy="1896840"/>
+          </a:xfrm>
+          <a:prstGeom prst="rect">
+            <a:avLst/>
+          </a:prstGeom>
+        </p:spPr>
+        <p:txBody>
+          <a:bodyPr lIns="0" rIns="0" tIns="0" bIns="0"/>
+          <a:p>
+            <a:endParaRPr/>
+          </a:p>
+        </p:txBody>
+      </p:sp>
+    </p:spTree>
+  </p:cSld>
+</p:sldLayout>
+</file>
+
+<file path=ppt/slideLayouts/slideLayout47.xml><?xml version="1.0" encoding="utf-8"?>
+<p:sldLayout xmlns:a="http://schemas.openxmlformats.org/drawingml/2006/main" xmlns:p="http://schemas.openxmlformats.org/presentationml/2006/main" xmlns:r="http://schemas.openxmlformats.org/officeDocument/2006/relationships" type="fourObj" preserve="1">
+  <p:cSld name="Title, 4 Content">
+    <p:spTree>
+      <p:nvGrpSpPr>
+        <p:cNvPr id="1" name=""/>
+        <p:cNvGrpSpPr/>
+        <p:nvPr/>
+      </p:nvGrpSpPr>
+      <p:grpSpPr>
+        <a:xfrm>
+          <a:off x="0" y="0"/>
+          <a:ext cx="0" cy="0"/>
+          <a:chOff x="0" y="0"/>
+          <a:chExt cx="0" cy="0"/>
+        </a:xfrm>
+      </p:grpSpPr>
+      <p:sp>
+        <p:nvSpPr>
+          <p:cNvPr id="149" name="PlaceHolder 1"/>
+          <p:cNvSpPr>
+            <a:spLocks noGrp="1"/>
+          </p:cNvSpPr>
+          <p:nvPr>
+            <p:ph type="title"/>
+          </p:nvPr>
+        </p:nvSpPr>
+        <p:spPr>
+          <a:xfrm>
+            <a:off x="457200" y="273600"/>
+            <a:ext cx="8229240" cy="1144800"/>
+          </a:xfrm>
+          <a:prstGeom prst="rect">
+            <a:avLst/>
+          </a:prstGeom>
+        </p:spPr>
+        <p:txBody>
+          <a:bodyPr lIns="0" rIns="0" tIns="0" bIns="0" anchor="ctr"/>
+          <a:p>
+            <a:pPr algn="ctr"/>
+            <a:endParaRPr/>
+          </a:p>
+        </p:txBody>
+      </p:sp>
+      <p:sp>
+        <p:nvSpPr>
+          <p:cNvPr id="150" name="PlaceHolder 2"/>
+          <p:cNvSpPr>
+            <a:spLocks noGrp="1"/>
+          </p:cNvSpPr>
+          <p:nvPr>
+            <p:ph type="body"/>
+          </p:nvPr>
+        </p:nvSpPr>
+        <p:spPr>
+          <a:xfrm>
+            <a:off x="457200" y="1604520"/>
+            <a:ext cx="4015800" cy="1896840"/>
+          </a:xfrm>
+          <a:prstGeom prst="rect">
+            <a:avLst/>
+          </a:prstGeom>
+        </p:spPr>
+        <p:txBody>
+          <a:bodyPr lIns="0" rIns="0" tIns="0" bIns="0"/>
+          <a:p>
+            <a:endParaRPr/>
+          </a:p>
+        </p:txBody>
+      </p:sp>
+      <p:sp>
+        <p:nvSpPr>
+          <p:cNvPr id="151" name="PlaceHolder 3"/>
+          <p:cNvSpPr>
+            <a:spLocks noGrp="1"/>
+          </p:cNvSpPr>
+          <p:nvPr>
+            <p:ph type="body"/>
+          </p:nvPr>
+        </p:nvSpPr>
+        <p:spPr>
+          <a:xfrm>
+            <a:off x="4674240" y="1604520"/>
+            <a:ext cx="4015800" cy="1896840"/>
+          </a:xfrm>
+          <a:prstGeom prst="rect">
+            <a:avLst/>
+          </a:prstGeom>
+        </p:spPr>
+        <p:txBody>
+          <a:bodyPr lIns="0" rIns="0" tIns="0" bIns="0"/>
+          <a:p>
+            <a:endParaRPr/>
+          </a:p>
+        </p:txBody>
+      </p:sp>
+      <p:sp>
+        <p:nvSpPr>
+          <p:cNvPr id="152" name="PlaceHolder 4"/>
+          <p:cNvSpPr>
+            <a:spLocks noGrp="1"/>
+          </p:cNvSpPr>
+          <p:nvPr>
+            <p:ph type="body"/>
+          </p:nvPr>
+        </p:nvSpPr>
+        <p:spPr>
+          <a:xfrm>
+            <a:off x="4674240" y="3682080"/>
+            <a:ext cx="4015800" cy="1896840"/>
+          </a:xfrm>
+          <a:prstGeom prst="rect">
+            <a:avLst/>
+          </a:prstGeom>
+        </p:spPr>
+        <p:txBody>
+          <a:bodyPr lIns="0" rIns="0" tIns="0" bIns="0"/>
+          <a:p>
+            <a:endParaRPr/>
+          </a:p>
+        </p:txBody>
+      </p:sp>
+      <p:sp>
+        <p:nvSpPr>
+          <p:cNvPr id="153" name="PlaceHolder 5"/>
+          <p:cNvSpPr>
+            <a:spLocks noGrp="1"/>
+          </p:cNvSpPr>
+          <p:nvPr>
+            <p:ph type="body"/>
+          </p:nvPr>
+        </p:nvSpPr>
+        <p:spPr>
+          <a:xfrm>
+            <a:off x="457200" y="3682080"/>
+            <a:ext cx="4015800" cy="1896840"/>
+          </a:xfrm>
+          <a:prstGeom prst="rect">
+            <a:avLst/>
+          </a:prstGeom>
+        </p:spPr>
+        <p:txBody>
+          <a:bodyPr lIns="0" rIns="0" tIns="0" bIns="0"/>
+          <a:p>
+            <a:endParaRPr/>
+          </a:p>
+        </p:txBody>
+      </p:sp>
+    </p:spTree>
+  </p:cSld>
+</p:sldLayout>
+</file>
+
+<file path=ppt/slideLayouts/slideLayout48.xml><?xml version="1.0" encoding="utf-8"?>
+<p:sldLayout xmlns:a="http://schemas.openxmlformats.org/drawingml/2006/main" xmlns:p="http://schemas.openxmlformats.org/presentationml/2006/main" xmlns:r="http://schemas.openxmlformats.org/officeDocument/2006/relationships" type="blank" preserve="1">
+  <p:cSld name="Title, 6 Content">
+    <p:spTree>
+      <p:nvGrpSpPr>
+        <p:cNvPr id="1" name=""/>
+        <p:cNvGrpSpPr/>
+        <p:nvPr/>
+      </p:nvGrpSpPr>
+      <p:grpSpPr>
+        <a:xfrm>
+          <a:off x="0" y="0"/>
+          <a:ext cx="0" cy="0"/>
+          <a:chOff x="0" y="0"/>
+          <a:chExt cx="0" cy="0"/>
+        </a:xfrm>
+      </p:grpSpPr>
+      <p:sp>
+        <p:nvSpPr>
+          <p:cNvPr id="154" name="PlaceHolder 1"/>
+          <p:cNvSpPr>
+            <a:spLocks noGrp="1"/>
+          </p:cNvSpPr>
+          <p:nvPr>
+            <p:ph type="title"/>
+          </p:nvPr>
+        </p:nvSpPr>
+        <p:spPr>
+          <a:xfrm>
+            <a:off x="457200" y="273600"/>
+            <a:ext cx="8229240" cy="1144800"/>
+          </a:xfrm>
+          <a:prstGeom prst="rect">
+            <a:avLst/>
+          </a:prstGeom>
+        </p:spPr>
+        <p:txBody>
+          <a:bodyPr lIns="0" rIns="0" tIns="0" bIns="0" anchor="ctr"/>
+          <a:p>
+            <a:pPr algn="ctr"/>
+            <a:endParaRPr/>
+          </a:p>
+        </p:txBody>
+      </p:sp>
+      <p:sp>
+        <p:nvSpPr>
+          <p:cNvPr id="155" name="PlaceHolder 2"/>
+          <p:cNvSpPr>
+            <a:spLocks noGrp="1"/>
+          </p:cNvSpPr>
+          <p:nvPr>
+            <p:ph type="body"/>
+          </p:nvPr>
+        </p:nvSpPr>
+        <p:spPr>
+          <a:xfrm>
+            <a:off x="457200" y="1604520"/>
+            <a:ext cx="8229240" cy="3977280"/>
+          </a:xfrm>
+          <a:prstGeom prst="rect">
+            <a:avLst/>
+          </a:prstGeom>
+        </p:spPr>
+        <p:txBody>
+          <a:bodyPr lIns="0" rIns="0" tIns="0" bIns="0"/>
+          <a:p>
+            <a:endParaRPr/>
+          </a:p>
+        </p:txBody>
+      </p:sp>
+      <p:sp>
+        <p:nvSpPr>
+          <p:cNvPr id="156" name="PlaceHolder 3"/>
+          <p:cNvSpPr>
+            <a:spLocks noGrp="1"/>
+          </p:cNvSpPr>
+          <p:nvPr>
+            <p:ph type="body"/>
+          </p:nvPr>
+        </p:nvSpPr>
+        <p:spPr>
+          <a:xfrm>
+            <a:off x="457200" y="1604520"/>
+            <a:ext cx="8229240" cy="3977280"/>
+          </a:xfrm>
+          <a:prstGeom prst="rect">
+            <a:avLst/>
+          </a:prstGeom>
+        </p:spPr>
+        <p:txBody>
+          <a:bodyPr lIns="0" rIns="0" tIns="0" bIns="0"/>
+          <a:p>
+            <a:endParaRPr/>
+          </a:p>
+        </p:txBody>
+      </p:sp>
+      <p:pic>
+        <p:nvPicPr>
+          <p:cNvPr id="157" name="" descr=""/>
+          <p:cNvPicPr/>
+          <p:nvPr/>
+        </p:nvPicPr>
+        <p:blipFill>
+          <a:blip r:embed="rId2"/>
+          <a:stretch/>
+        </p:blipFill>
+        <p:spPr>
+          <a:xfrm>
+            <a:off x="2077920" y="1604520"/>
+            <a:ext cx="4987440" cy="3977280"/>
+          </a:xfrm>
+          <a:prstGeom prst="rect">
+            <a:avLst/>
+          </a:prstGeom>
+          <a:ln>
+            <a:noFill/>
+          </a:ln>
+        </p:spPr>
+      </p:pic>
+      <p:pic>
+        <p:nvPicPr>
+          <p:cNvPr id="158" name="" descr=""/>
+          <p:cNvPicPr/>
+          <p:nvPr/>
+        </p:nvPicPr>
+        <p:blipFill>
+          <a:blip r:embed="rId3"/>
+          <a:stretch/>
+        </p:blipFill>
+        <p:spPr>
+          <a:xfrm>
+            <a:off x="2077920" y="1604520"/>
+            <a:ext cx="4987440" cy="3977280"/>
+          </a:xfrm>
+          <a:prstGeom prst="rect">
+            <a:avLst/>
+          </a:prstGeom>
+          <a:ln>
+            <a:noFill/>
+          </a:ln>
+        </p:spPr>
+      </p:pic>
     </p:spTree>
   </p:cSld>
 </p:sldLayout>
@@ -2873,6 +5179,607 @@
 </p:sldMaster>
 </file>
 
+<file path=ppt/slideMasters/slideMaster3.xml><?xml version="1.0" encoding="utf-8"?>
+<p:sldMaster xmlns:a="http://schemas.openxmlformats.org/drawingml/2006/main" xmlns:p="http://schemas.openxmlformats.org/presentationml/2006/main" xmlns:r="http://schemas.openxmlformats.org/officeDocument/2006/relationships">
+  <p:cSld>
+    <p:bg>
+      <p:bgPr>
+        <a:blipFill>
+          <a:blip r:embed="rId2"/>
+          <a:stretch>
+            <a:fillRect/>
+          </a:stretch>
+        </a:blipFill>
+      </p:bgPr>
+    </p:bg>
+    <p:spTree>
+      <p:nvGrpSpPr>
+        <p:cNvPr id="1" name=""/>
+        <p:cNvGrpSpPr/>
+        <p:nvPr/>
+      </p:nvGrpSpPr>
+      <p:grpSpPr>
+        <a:xfrm>
+          <a:off x="0" y="0"/>
+          <a:ext cx="0" cy="0"/>
+          <a:chOff x="0" y="0"/>
+          <a:chExt cx="0" cy="0"/>
+        </a:xfrm>
+      </p:grpSpPr>
+      <p:pic>
+        <p:nvPicPr>
+          <p:cNvPr id="78" name="" descr=""/>
+          <p:cNvPicPr/>
+          <p:nvPr/>
+        </p:nvPicPr>
+        <p:blipFill>
+          <a:blip r:embed="rId3"/>
+          <a:stretch/>
+        </p:blipFill>
+        <p:spPr>
+          <a:xfrm>
+            <a:off x="360" y="0"/>
+            <a:ext cx="360" cy="360"/>
+          </a:xfrm>
+          <a:prstGeom prst="rect">
+            <a:avLst/>
+          </a:prstGeom>
+          <a:ln>
+            <a:noFill/>
+          </a:ln>
+        </p:spPr>
+      </p:pic>
+      <p:pic>
+        <p:nvPicPr>
+          <p:cNvPr id="79" name="" descr=""/>
+          <p:cNvPicPr/>
+          <p:nvPr/>
+        </p:nvPicPr>
+        <p:blipFill>
+          <a:blip r:embed="rId4"/>
+          <a:stretch/>
+        </p:blipFill>
+        <p:spPr>
+          <a:xfrm>
+            <a:off x="360" y="0"/>
+            <a:ext cx="360" cy="360"/>
+          </a:xfrm>
+          <a:prstGeom prst="rect">
+            <a:avLst/>
+          </a:prstGeom>
+          <a:ln>
+            <a:noFill/>
+          </a:ln>
+        </p:spPr>
+      </p:pic>
+      <p:pic>
+        <p:nvPicPr>
+          <p:cNvPr id="80" name="" descr=""/>
+          <p:cNvPicPr/>
+          <p:nvPr/>
+        </p:nvPicPr>
+        <p:blipFill>
+          <a:blip r:embed="rId5"/>
+          <a:stretch/>
+        </p:blipFill>
+        <p:spPr>
+          <a:xfrm>
+            <a:off x="360" y="0"/>
+            <a:ext cx="360" cy="360"/>
+          </a:xfrm>
+          <a:prstGeom prst="rect">
+            <a:avLst/>
+          </a:prstGeom>
+          <a:ln>
+            <a:noFill/>
+          </a:ln>
+        </p:spPr>
+      </p:pic>
+      <p:pic>
+        <p:nvPicPr>
+          <p:cNvPr id="81" name="" descr=""/>
+          <p:cNvPicPr/>
+          <p:nvPr/>
+        </p:nvPicPr>
+        <p:blipFill>
+          <a:blip r:embed="rId6"/>
+          <a:stretch/>
+        </p:blipFill>
+        <p:spPr>
+          <a:xfrm>
+            <a:off x="360" y="0"/>
+            <a:ext cx="360" cy="360"/>
+          </a:xfrm>
+          <a:prstGeom prst="rect">
+            <a:avLst/>
+          </a:prstGeom>
+          <a:ln>
+            <a:noFill/>
+          </a:ln>
+        </p:spPr>
+      </p:pic>
+      <p:sp>
+        <p:nvSpPr>
+          <p:cNvPr id="82" name="PlaceHolder 1"/>
+          <p:cNvSpPr>
+            <a:spLocks noGrp="1"/>
+          </p:cNvSpPr>
+          <p:nvPr>
+            <p:ph type="title"/>
+          </p:nvPr>
+        </p:nvSpPr>
+        <p:spPr>
+          <a:xfrm>
+            <a:off x="457200" y="273600"/>
+            <a:ext cx="8228880" cy="1144440"/>
+          </a:xfrm>
+          <a:prstGeom prst="rect">
+            <a:avLst/>
+          </a:prstGeom>
+        </p:spPr>
+        <p:txBody>
+          <a:bodyPr lIns="0" rIns="0" tIns="0" bIns="0" anchor="ctr"/>
+          <a:p>
+            <a:pPr algn="ctr"/>
+            <a:endParaRPr/>
+          </a:p>
+        </p:txBody>
+      </p:sp>
+      <p:sp>
+        <p:nvSpPr>
+          <p:cNvPr id="83" name="PlaceHolder 2"/>
+          <p:cNvSpPr>
+            <a:spLocks noGrp="1"/>
+          </p:cNvSpPr>
+          <p:nvPr>
+            <p:ph type="subTitle"/>
+          </p:nvPr>
+        </p:nvSpPr>
+        <p:spPr>
+          <a:xfrm>
+            <a:off x="457200" y="1604520"/>
+            <a:ext cx="8228880" cy="3976920"/>
+          </a:xfrm>
+          <a:prstGeom prst="rect">
+            <a:avLst/>
+          </a:prstGeom>
+        </p:spPr>
+        <p:txBody>
+          <a:bodyPr lIns="0" rIns="0" tIns="0" bIns="0" anchor="ctr"/>
+          <a:p>
+            <a:pPr algn="ctr"/>
+            <a:endParaRPr/>
+          </a:p>
+        </p:txBody>
+      </p:sp>
+      <p:sp>
+        <p:nvSpPr>
+          <p:cNvPr id="84" name="PlaceHolder 3"/>
+          <p:cNvSpPr>
+            <a:spLocks noGrp="1"/>
+          </p:cNvSpPr>
+          <p:nvPr>
+            <p:ph type="body"/>
+          </p:nvPr>
+        </p:nvSpPr>
+        <p:spPr>
+          <a:xfrm>
+            <a:off x="457200" y="1604520"/>
+            <a:ext cx="8229240" cy="3977280"/>
+          </a:xfrm>
+          <a:prstGeom prst="rect">
+            <a:avLst/>
+          </a:prstGeom>
+        </p:spPr>
+        <p:txBody>
+          <a:bodyPr lIns="0" rIns="0" tIns="0" bIns="0"/>
+          <a:p>
+            <a:pPr>
+              <a:buSzPct val="45000"/>
+              <a:buFont typeface="StarSymbol"/>
+              <a:buChar char=""/>
+            </a:pPr>
+            <a:r>
+              <a:rPr lang="fr-FR" sz="3200">
+                <a:latin typeface="Arial"/>
+              </a:rPr>
+              <a:t>Click to edit the outline text format</a:t>
+            </a:r>
+            <a:endParaRPr/>
+          </a:p>
+          <a:p>
+            <a:pPr lvl="1">
+              <a:buSzPct val="75000"/>
+              <a:buFont typeface="StarSymbol"/>
+              <a:buChar char=""/>
+            </a:pPr>
+            <a:r>
+              <a:rPr lang="fr-FR" sz="2800">
+                <a:latin typeface="Arial"/>
+              </a:rPr>
+              <a:t>Second Outline Level</a:t>
+            </a:r>
+            <a:endParaRPr/>
+          </a:p>
+          <a:p>
+            <a:pPr lvl="2">
+              <a:buSzPct val="45000"/>
+              <a:buFont typeface="StarSymbol"/>
+              <a:buChar char=""/>
+            </a:pPr>
+            <a:r>
+              <a:rPr lang="fr-FR" sz="2400">
+                <a:latin typeface="Arial"/>
+              </a:rPr>
+              <a:t>Third Outline Level</a:t>
+            </a:r>
+            <a:endParaRPr/>
+          </a:p>
+          <a:p>
+            <a:pPr lvl="3">
+              <a:buSzPct val="75000"/>
+              <a:buFont typeface="StarSymbol"/>
+              <a:buChar char=""/>
+            </a:pPr>
+            <a:r>
+              <a:rPr lang="fr-FR" sz="2000">
+                <a:latin typeface="Arial"/>
+              </a:rPr>
+              <a:t>Fourth Outline Level</a:t>
+            </a:r>
+            <a:endParaRPr/>
+          </a:p>
+          <a:p>
+            <a:pPr lvl="4">
+              <a:buSzPct val="45000"/>
+              <a:buFont typeface="StarSymbol"/>
+              <a:buChar char=""/>
+            </a:pPr>
+            <a:r>
+              <a:rPr lang="fr-FR" sz="2000">
+                <a:latin typeface="Arial"/>
+              </a:rPr>
+              <a:t>Fifth Outline Level</a:t>
+            </a:r>
+            <a:endParaRPr/>
+          </a:p>
+          <a:p>
+            <a:pPr lvl="5">
+              <a:buSzPct val="45000"/>
+              <a:buFont typeface="StarSymbol"/>
+              <a:buChar char=""/>
+            </a:pPr>
+            <a:r>
+              <a:rPr lang="fr-FR" sz="2000">
+                <a:latin typeface="Arial"/>
+              </a:rPr>
+              <a:t>Sixth Outline Level</a:t>
+            </a:r>
+            <a:endParaRPr/>
+          </a:p>
+          <a:p>
+            <a:pPr lvl="6">
+              <a:buSzPct val="45000"/>
+              <a:buFont typeface="StarSymbol"/>
+              <a:buChar char=""/>
+            </a:pPr>
+            <a:r>
+              <a:rPr lang="fr-FR" sz="2000">
+                <a:latin typeface="Arial"/>
+              </a:rPr>
+              <a:t>Seventh Outline Level</a:t>
+            </a:r>
+            <a:endParaRPr/>
+          </a:p>
+        </p:txBody>
+      </p:sp>
+    </p:spTree>
+  </p:cSld>
+  <p:clrMap bg1="lt1" bg2="lt2" tx1="dk1" tx2="dk2" accent1="accent1" accent2="accent2" accent3="accent3" accent4="accent4" accent5="accent5" accent6="accent6" hlink="hlink" folHlink="folHlink"/>
+  <p:sldLayoutIdLst>
+    <p:sldLayoutId id="2147483675" r:id="rId7"/>
+    <p:sldLayoutId id="2147483676" r:id="rId8"/>
+    <p:sldLayoutId id="2147483677" r:id="rId9"/>
+    <p:sldLayoutId id="2147483678" r:id="rId10"/>
+    <p:sldLayoutId id="2147483679" r:id="rId11"/>
+    <p:sldLayoutId id="2147483680" r:id="rId12"/>
+    <p:sldLayoutId id="2147483681" r:id="rId13"/>
+    <p:sldLayoutId id="2147483682" r:id="rId14"/>
+    <p:sldLayoutId id="2147483683" r:id="rId15"/>
+    <p:sldLayoutId id="2147483684" r:id="rId16"/>
+    <p:sldLayoutId id="2147483685" r:id="rId17"/>
+    <p:sldLayoutId id="2147483686" r:id="rId18"/>
+  </p:sldLayoutIdLst>
+</p:sldMaster>
+</file>
+
+<file path=ppt/slideMasters/slideMaster4.xml><?xml version="1.0" encoding="utf-8"?>
+<p:sldMaster xmlns:a="http://schemas.openxmlformats.org/drawingml/2006/main" xmlns:p="http://schemas.openxmlformats.org/presentationml/2006/main" xmlns:r="http://schemas.openxmlformats.org/officeDocument/2006/relationships">
+  <p:cSld>
+    <p:bg>
+      <p:bgPr>
+        <a:blipFill>
+          <a:blip r:embed="rId2"/>
+          <a:stretch>
+            <a:fillRect/>
+          </a:stretch>
+        </a:blipFill>
+      </p:bgPr>
+    </p:bg>
+    <p:spTree>
+      <p:nvGrpSpPr>
+        <p:cNvPr id="1" name=""/>
+        <p:cNvGrpSpPr/>
+        <p:nvPr/>
+      </p:nvGrpSpPr>
+      <p:grpSpPr>
+        <a:xfrm>
+          <a:off x="0" y="0"/>
+          <a:ext cx="0" cy="0"/>
+          <a:chOff x="0" y="0"/>
+          <a:chExt cx="0" cy="0"/>
+        </a:xfrm>
+      </p:grpSpPr>
+      <p:pic>
+        <p:nvPicPr>
+          <p:cNvPr id="119" name="" descr=""/>
+          <p:cNvPicPr/>
+          <p:nvPr/>
+        </p:nvPicPr>
+        <p:blipFill>
+          <a:blip r:embed="rId3"/>
+          <a:stretch/>
+        </p:blipFill>
+        <p:spPr>
+          <a:xfrm>
+            <a:off x="360" y="0"/>
+            <a:ext cx="360" cy="360"/>
+          </a:xfrm>
+          <a:prstGeom prst="rect">
+            <a:avLst/>
+          </a:prstGeom>
+          <a:ln>
+            <a:noFill/>
+          </a:ln>
+        </p:spPr>
+      </p:pic>
+      <p:pic>
+        <p:nvPicPr>
+          <p:cNvPr id="120" name="" descr=""/>
+          <p:cNvPicPr/>
+          <p:nvPr/>
+        </p:nvPicPr>
+        <p:blipFill>
+          <a:blip r:embed="rId4"/>
+          <a:stretch/>
+        </p:blipFill>
+        <p:spPr>
+          <a:xfrm>
+            <a:off x="360" y="0"/>
+            <a:ext cx="360" cy="360"/>
+          </a:xfrm>
+          <a:prstGeom prst="rect">
+            <a:avLst/>
+          </a:prstGeom>
+          <a:ln>
+            <a:noFill/>
+          </a:ln>
+        </p:spPr>
+      </p:pic>
+      <p:pic>
+        <p:nvPicPr>
+          <p:cNvPr id="121" name="" descr=""/>
+          <p:cNvPicPr/>
+          <p:nvPr/>
+        </p:nvPicPr>
+        <p:blipFill>
+          <a:blip r:embed="rId5"/>
+          <a:stretch/>
+        </p:blipFill>
+        <p:spPr>
+          <a:xfrm>
+            <a:off x="360" y="0"/>
+            <a:ext cx="360" cy="360"/>
+          </a:xfrm>
+          <a:prstGeom prst="rect">
+            <a:avLst/>
+          </a:prstGeom>
+          <a:ln>
+            <a:noFill/>
+          </a:ln>
+        </p:spPr>
+      </p:pic>
+      <p:pic>
+        <p:nvPicPr>
+          <p:cNvPr id="122" name="" descr=""/>
+          <p:cNvPicPr/>
+          <p:nvPr/>
+        </p:nvPicPr>
+        <p:blipFill>
+          <a:blip r:embed="rId6"/>
+          <a:stretch/>
+        </p:blipFill>
+        <p:spPr>
+          <a:xfrm>
+            <a:off x="360" y="0"/>
+            <a:ext cx="360" cy="360"/>
+          </a:xfrm>
+          <a:prstGeom prst="rect">
+            <a:avLst/>
+          </a:prstGeom>
+          <a:ln>
+            <a:noFill/>
+          </a:ln>
+        </p:spPr>
+      </p:pic>
+      <p:sp>
+        <p:nvSpPr>
+          <p:cNvPr id="123" name="PlaceHolder 1"/>
+          <p:cNvSpPr>
+            <a:spLocks noGrp="1"/>
+          </p:cNvSpPr>
+          <p:nvPr>
+            <p:ph type="title"/>
+          </p:nvPr>
+        </p:nvSpPr>
+        <p:spPr>
+          <a:xfrm>
+            <a:off x="457200" y="273600"/>
+            <a:ext cx="8228880" cy="1144440"/>
+          </a:xfrm>
+          <a:prstGeom prst="rect">
+            <a:avLst/>
+          </a:prstGeom>
+        </p:spPr>
+        <p:txBody>
+          <a:bodyPr lIns="0" rIns="0" tIns="0" bIns="0" anchor="ctr"/>
+          <a:p>
+            <a:pPr algn="ctr"/>
+            <a:endParaRPr/>
+          </a:p>
+        </p:txBody>
+      </p:sp>
+      <p:sp>
+        <p:nvSpPr>
+          <p:cNvPr id="124" name="PlaceHolder 2"/>
+          <p:cNvSpPr>
+            <a:spLocks noGrp="1"/>
+          </p:cNvSpPr>
+          <p:nvPr>
+            <p:ph type="body"/>
+          </p:nvPr>
+        </p:nvSpPr>
+        <p:spPr>
+          <a:xfrm>
+            <a:off x="457200" y="1604520"/>
+            <a:ext cx="8228880" cy="3976920"/>
+          </a:xfrm>
+          <a:prstGeom prst="rect">
+            <a:avLst/>
+          </a:prstGeom>
+        </p:spPr>
+        <p:txBody>
+          <a:bodyPr lIns="0" rIns="0" tIns="0" bIns="0"/>
+          <a:p>
+            <a:pPr>
+              <a:buSzPct val="45000"/>
+              <a:buFont typeface="StarSymbol"/>
+              <a:buChar char=""/>
+            </a:pPr>
+            <a:r>
+              <a:rPr lang="fr-FR">
+                <a:latin typeface="Arial"/>
+              </a:rPr>
+              <a:t>Click to edit the outline text format</a:t>
+            </a:r>
+            <a:endParaRPr/>
+          </a:p>
+          <a:p>
+            <a:pPr lvl="1">
+              <a:buSzPct val="75000"/>
+              <a:buFont typeface="StarSymbol"/>
+              <a:buChar char=""/>
+            </a:pPr>
+            <a:r>
+              <a:rPr lang="fr-FR">
+                <a:latin typeface="Arial"/>
+              </a:rPr>
+              <a:t>Second Outline Level</a:t>
+            </a:r>
+            <a:endParaRPr/>
+          </a:p>
+          <a:p>
+            <a:pPr lvl="2">
+              <a:buSzPct val="45000"/>
+              <a:buFont typeface="StarSymbol"/>
+              <a:buChar char=""/>
+            </a:pPr>
+            <a:r>
+              <a:rPr lang="fr-FR">
+                <a:latin typeface="Arial"/>
+              </a:rPr>
+              <a:t>Third Outline Level</a:t>
+            </a:r>
+            <a:endParaRPr/>
+          </a:p>
+          <a:p>
+            <a:pPr lvl="3">
+              <a:buSzPct val="75000"/>
+              <a:buFont typeface="StarSymbol"/>
+              <a:buChar char=""/>
+            </a:pPr>
+            <a:r>
+              <a:rPr lang="fr-FR">
+                <a:latin typeface="Arial"/>
+              </a:rPr>
+              <a:t>Fourth Outline Level</a:t>
+            </a:r>
+            <a:endParaRPr/>
+          </a:p>
+          <a:p>
+            <a:pPr lvl="4">
+              <a:buSzPct val="45000"/>
+              <a:buFont typeface="StarSymbol"/>
+              <a:buChar char=""/>
+            </a:pPr>
+            <a:r>
+              <a:rPr lang="fr-FR">
+                <a:latin typeface="Arial"/>
+              </a:rPr>
+              <a:t>Fifth Outline Level</a:t>
+            </a:r>
+            <a:endParaRPr/>
+          </a:p>
+          <a:p>
+            <a:pPr lvl="5">
+              <a:buSzPct val="45000"/>
+              <a:buFont typeface="StarSymbol"/>
+              <a:buChar char=""/>
+            </a:pPr>
+            <a:r>
+              <a:rPr lang="fr-FR">
+                <a:latin typeface="Arial"/>
+              </a:rPr>
+              <a:t>Sixth Outline Level</a:t>
+            </a:r>
+            <a:endParaRPr/>
+          </a:p>
+          <a:p>
+            <a:pPr lvl="6">
+              <a:buSzPct val="45000"/>
+              <a:buFont typeface="StarSymbol"/>
+              <a:buChar char=""/>
+            </a:pPr>
+            <a:r>
+              <a:rPr lang="fr-FR">
+                <a:latin typeface="Arial"/>
+              </a:rPr>
+              <a:t>Seventh Outline Level</a:t>
+            </a:r>
+            <a:endParaRPr/>
+          </a:p>
+        </p:txBody>
+      </p:sp>
+    </p:spTree>
+  </p:cSld>
+  <p:clrMap bg1="lt1" bg2="lt2" tx1="dk1" tx2="dk2" accent1="accent1" accent2="accent2" accent3="accent3" accent4="accent4" accent5="accent5" accent6="accent6" hlink="hlink" folHlink="folHlink"/>
+  <p:sldLayoutIdLst>
+    <p:sldLayoutId id="2147483688" r:id="rId7"/>
+    <p:sldLayoutId id="2147483689" r:id="rId8"/>
+    <p:sldLayoutId id="2147483690" r:id="rId9"/>
+    <p:sldLayoutId id="2147483691" r:id="rId10"/>
+    <p:sldLayoutId id="2147483692" r:id="rId11"/>
+    <p:sldLayoutId id="2147483693" r:id="rId12"/>
+    <p:sldLayoutId id="2147483694" r:id="rId13"/>
+    <p:sldLayoutId id="2147483695" r:id="rId14"/>
+    <p:sldLayoutId id="2147483696" r:id="rId15"/>
+    <p:sldLayoutId id="2147483697" r:id="rId16"/>
+    <p:sldLayoutId id="2147483698" r:id="rId17"/>
+    <p:sldLayoutId id="2147483699" r:id="rId18"/>
+  </p:sldLayoutIdLst>
+</p:sldMaster>
+</file>
+
 <file path=ppt/slides/slide1.xml><?xml version="1.0" encoding="utf-8"?>
 <p:sld xmlns:a="http://schemas.openxmlformats.org/drawingml/2006/main" xmlns:p="http://schemas.openxmlformats.org/presentationml/2006/main" xmlns:r="http://schemas.openxmlformats.org/officeDocument/2006/relationships">
   <p:cSld>
@@ -2892,14 +5799,14 @@
       </p:grpSpPr>
       <p:sp>
         <p:nvSpPr>
-          <p:cNvPr id="78" name="CustomShape 1"/>
+          <p:cNvPr id="159" name="CustomShape 1"/>
           <p:cNvSpPr/>
           <p:nvPr/>
         </p:nvSpPr>
         <p:spPr>
           <a:xfrm>
             <a:off x="712800" y="6335280"/>
-            <a:ext cx="7717680" cy="359280"/>
+            <a:ext cx="7717320" cy="358920"/>
           </a:xfrm>
           <a:prstGeom prst="rect">
             <a:avLst/>
@@ -2929,6 +5836,7 @@
                   <a:srgbClr val="595959"/>
                 </a:solidFill>
                 <a:latin typeface="HelveticaNeue LT 45 Light"/>
+                <a:ea typeface="DejaVu Sans"/>
               </a:rPr>
               <a:t>17-18 mai 2019</a:t>
             </a:r>
@@ -2938,7 +5846,7 @@
       </p:sp>
       <p:pic>
         <p:nvPicPr>
-          <p:cNvPr id="79" name="Image 6" descr=""/>
+          <p:cNvPr id="160" name="Image 6" descr=""/>
           <p:cNvPicPr/>
           <p:nvPr/>
         </p:nvPicPr>
@@ -2949,7 +5857,7 @@
         <p:spPr>
           <a:xfrm>
             <a:off x="3359520" y="185040"/>
-            <a:ext cx="2486880" cy="927000"/>
+            <a:ext cx="2486520" cy="926640"/>
           </a:xfrm>
           <a:prstGeom prst="rect">
             <a:avLst/>
@@ -2961,7 +5869,7 @@
       </p:pic>
       <p:pic>
         <p:nvPicPr>
-          <p:cNvPr id="80" name="" descr=""/>
+          <p:cNvPr id="161" name="" descr=""/>
           <p:cNvPicPr/>
           <p:nvPr/>
         </p:nvPicPr>
@@ -2972,7 +5880,7 @@
         <p:spPr>
           <a:xfrm>
             <a:off x="1945080" y="2794320"/>
-            <a:ext cx="5307840" cy="1339200"/>
+            <a:ext cx="5307480" cy="1338840"/>
           </a:xfrm>
           <a:prstGeom prst="rect">
             <a:avLst/>
@@ -2991,792 +5899,6 @@
           <p:childTnLst>
             <p:seq>
               <p:cTn id="2" nodeType="mainSeq"/>
-              <p:prevCondLst>
-                <p:cond delay="0" evt="onPrev">
-                  <p:tgtEl>
-                    <p:sldTgt/>
-                  </p:tgtEl>
-                </p:cond>
-              </p:prevCondLst>
-              <p:nextCondLst>
-                <p:cond delay="0" evt="onNext">
-                  <p:tgtEl>
-                    <p:sldTgt/>
-                  </p:tgtEl>
-                </p:cond>
-              </p:nextCondLst>
-            </p:seq>
-          </p:childTnLst>
-        </p:cTn>
-      </p:par>
-    </p:tnLst>
-  </p:timing>
-</p:sld>
-</file>
-
-<file path=ppt/slides/slide10.xml><?xml version="1.0" encoding="utf-8"?>
-<p:sld xmlns:a="http://schemas.openxmlformats.org/drawingml/2006/main" xmlns:p="http://schemas.openxmlformats.org/presentationml/2006/main" xmlns:r="http://schemas.openxmlformats.org/officeDocument/2006/relationships">
-  <p:cSld>
-    <p:spTree>
-      <p:nvGrpSpPr>
-        <p:cNvPr id="1" name=""/>
-        <p:cNvGrpSpPr/>
-        <p:nvPr/>
-      </p:nvGrpSpPr>
-      <p:grpSpPr>
-        <a:xfrm>
-          <a:off x="0" y="0"/>
-          <a:ext cx="0" cy="0"/>
-          <a:chOff x="0" y="0"/>
-          <a:chExt cx="0" cy="0"/>
-        </a:xfrm>
-      </p:grpSpPr>
-      <p:sp>
-        <p:nvSpPr>
-          <p:cNvPr id="111" name="CustomShape 1"/>
-          <p:cNvSpPr/>
-          <p:nvPr/>
-        </p:nvSpPr>
-        <p:spPr>
-          <a:xfrm>
-            <a:off x="633600" y="489240"/>
-            <a:ext cx="7716240" cy="456480"/>
-          </a:xfrm>
-          <a:prstGeom prst="rect">
-            <a:avLst/>
-          </a:prstGeom>
-          <a:noFill/>
-          <a:ln>
-            <a:noFill/>
-          </a:ln>
-        </p:spPr>
-        <p:style>
-          <a:lnRef idx="0"/>
-          <a:fillRef idx="0"/>
-          <a:effectRef idx="0"/>
-          <a:fontRef idx="minor"/>
-        </p:style>
-        <p:txBody>
-          <a:bodyPr lIns="0" rIns="0" tIns="0" bIns="0"/>
-          <a:p>
-            <a:pPr>
-              <a:lnSpc>
-                <a:spcPct val="100000"/>
-              </a:lnSpc>
-            </a:pPr>
-            <a:r>
-              <a:rPr lang="fr-FR" sz="2400" strike="noStrike">
-                <a:solidFill>
-                  <a:srgbClr val="000000"/>
-                </a:solidFill>
-                <a:latin typeface="HelveticaNeueLT Com 55 Roman"/>
-              </a:rPr>
-              <a:t>Facture tarmed</a:t>
-            </a:r>
-            <a:endParaRPr/>
-          </a:p>
-        </p:txBody>
-      </p:sp>
-      <p:sp>
-        <p:nvSpPr>
-          <p:cNvPr id="112" name="CustomShape 2"/>
-          <p:cNvSpPr/>
-          <p:nvPr/>
-        </p:nvSpPr>
-        <p:spPr>
-          <a:xfrm>
-            <a:off x="6879960" y="6311160"/>
-            <a:ext cx="2056680" cy="364320"/>
-          </a:xfrm>
-          <a:prstGeom prst="rect">
-            <a:avLst/>
-          </a:prstGeom>
-          <a:noFill/>
-          <a:ln>
-            <a:noFill/>
-          </a:ln>
-        </p:spPr>
-        <p:style>
-          <a:lnRef idx="0"/>
-          <a:fillRef idx="0"/>
-          <a:effectRef idx="0"/>
-          <a:fontRef idx="minor"/>
-        </p:style>
-        <p:txBody>
-          <a:bodyPr lIns="108000" rIns="108000" tIns="45000" bIns="45000" anchor="ctr"/>
-          <a:p>
-            <a:pPr algn="r">
-              <a:lnSpc>
-                <a:spcPct val="100000"/>
-              </a:lnSpc>
-            </a:pPr>
-            <a:fld id="{D192BC65-1B02-4619-84AC-243E051DA875}" type="slidenum">
-              <a:rPr lang="fr-FR" sz="1000" strike="noStrike">
-                <a:solidFill>
-                  <a:srgbClr val="595959"/>
-                </a:solidFill>
-                <a:latin typeface="HelveticaNeue LT 45 Light"/>
-              </a:rPr>
-              <a:t>&lt;number&gt;</a:t>
-            </a:fld>
-            <a:endParaRPr/>
-          </a:p>
-        </p:txBody>
-      </p:sp>
-      <p:sp>
-        <p:nvSpPr>
-          <p:cNvPr id="113" name="CustomShape 3"/>
-          <p:cNvSpPr/>
-          <p:nvPr/>
-        </p:nvSpPr>
-        <p:spPr>
-          <a:xfrm>
-            <a:off x="712800" y="6311160"/>
-            <a:ext cx="6101280" cy="364320"/>
-          </a:xfrm>
-          <a:prstGeom prst="rect">
-            <a:avLst/>
-          </a:prstGeom>
-          <a:noFill/>
-          <a:ln>
-            <a:noFill/>
-          </a:ln>
-        </p:spPr>
-        <p:style>
-          <a:lnRef idx="0"/>
-          <a:fillRef idx="0"/>
-          <a:effectRef idx="0"/>
-          <a:fontRef idx="minor"/>
-        </p:style>
-      </p:sp>
-      <p:sp>
-        <p:nvSpPr>
-          <p:cNvPr id="114" name="CustomShape 4"/>
-          <p:cNvSpPr/>
-          <p:nvPr/>
-        </p:nvSpPr>
-        <p:spPr>
-          <a:xfrm>
-            <a:off x="703080" y="1951200"/>
-            <a:ext cx="7710480" cy="3638880"/>
-          </a:xfrm>
-          <a:prstGeom prst="rect">
-            <a:avLst/>
-          </a:prstGeom>
-          <a:noFill/>
-          <a:ln>
-            <a:noFill/>
-          </a:ln>
-        </p:spPr>
-        <p:style>
-          <a:lnRef idx="0"/>
-          <a:fillRef idx="0"/>
-          <a:effectRef idx="0"/>
-          <a:fontRef idx="minor"/>
-        </p:style>
-        <p:txBody>
-          <a:bodyPr lIns="0" rIns="0" tIns="0" bIns="0"/>
-          <a:p>
-            <a:pPr>
-              <a:lnSpc>
-                <a:spcPct val="100000"/>
-              </a:lnSpc>
-            </a:pPr>
-            <a:endParaRPr/>
-          </a:p>
-          <a:p>
-            <a:pPr>
-              <a:lnSpc>
-                <a:spcPct val="100000"/>
-              </a:lnSpc>
-            </a:pPr>
-            <a:endParaRPr/>
-          </a:p>
-        </p:txBody>
-      </p:sp>
-      <p:pic>
-        <p:nvPicPr>
-          <p:cNvPr id="115" name="" descr=""/>
-          <p:cNvPicPr/>
-          <p:nvPr/>
-        </p:nvPicPr>
-        <p:blipFill>
-          <a:blip r:embed="rId1"/>
-          <a:stretch/>
-        </p:blipFill>
-        <p:spPr>
-          <a:xfrm>
-            <a:off x="864000" y="1157760"/>
-            <a:ext cx="4200120" cy="1577880"/>
-          </a:xfrm>
-          <a:prstGeom prst="rect">
-            <a:avLst/>
-          </a:prstGeom>
-          <a:ln>
-            <a:noFill/>
-          </a:ln>
-        </p:spPr>
-      </p:pic>
-      <p:pic>
-        <p:nvPicPr>
-          <p:cNvPr id="116" name="" descr=""/>
-          <p:cNvPicPr/>
-          <p:nvPr/>
-        </p:nvPicPr>
-        <p:blipFill>
-          <a:blip r:embed="rId2"/>
-          <a:stretch/>
-        </p:blipFill>
-        <p:spPr>
-          <a:xfrm>
-            <a:off x="4104000" y="2808000"/>
-            <a:ext cx="4031640" cy="1555200"/>
-          </a:xfrm>
-          <a:prstGeom prst="rect">
-            <a:avLst/>
-          </a:prstGeom>
-          <a:ln>
-            <a:noFill/>
-          </a:ln>
-        </p:spPr>
-      </p:pic>
-      <p:pic>
-        <p:nvPicPr>
-          <p:cNvPr id="117" name="" descr=""/>
-          <p:cNvPicPr/>
-          <p:nvPr/>
-        </p:nvPicPr>
-        <p:blipFill>
-          <a:blip r:embed="rId3"/>
-          <a:stretch/>
-        </p:blipFill>
-        <p:spPr>
-          <a:xfrm>
-            <a:off x="1008000" y="4561560"/>
-            <a:ext cx="3958560" cy="1486080"/>
-          </a:xfrm>
-          <a:prstGeom prst="rect">
-            <a:avLst/>
-          </a:prstGeom>
-          <a:ln>
-            <a:noFill/>
-          </a:ln>
-        </p:spPr>
-      </p:pic>
-    </p:spTree>
-  </p:cSld>
-  <p:timing>
-    <p:tnLst>
-      <p:par>
-        <p:cTn id="17" dur="indefinite" restart="never" nodeType="tmRoot">
-          <p:childTnLst>
-            <p:seq>
-              <p:cTn id="18" nodeType="mainSeq"/>
-              <p:prevCondLst>
-                <p:cond delay="0" evt="onPrev">
-                  <p:tgtEl>
-                    <p:sldTgt/>
-                  </p:tgtEl>
-                </p:cond>
-              </p:prevCondLst>
-              <p:nextCondLst>
-                <p:cond delay="0" evt="onNext">
-                  <p:tgtEl>
-                    <p:sldTgt/>
-                  </p:tgtEl>
-                </p:cond>
-              </p:nextCondLst>
-            </p:seq>
-          </p:childTnLst>
-        </p:cTn>
-      </p:par>
-    </p:tnLst>
-  </p:timing>
-</p:sld>
-</file>
-
-<file path=ppt/slides/slide11.xml><?xml version="1.0" encoding="utf-8"?>
-<p:sld xmlns:a="http://schemas.openxmlformats.org/drawingml/2006/main" xmlns:p="http://schemas.openxmlformats.org/presentationml/2006/main" xmlns:r="http://schemas.openxmlformats.org/officeDocument/2006/relationships">
-  <p:cSld>
-    <p:spTree>
-      <p:nvGrpSpPr>
-        <p:cNvPr id="1" name=""/>
-        <p:cNvGrpSpPr/>
-        <p:nvPr/>
-      </p:nvGrpSpPr>
-      <p:grpSpPr>
-        <a:xfrm>
-          <a:off x="0" y="0"/>
-          <a:ext cx="0" cy="0"/>
-          <a:chOff x="0" y="0"/>
-          <a:chExt cx="0" cy="0"/>
-        </a:xfrm>
-      </p:grpSpPr>
-      <p:sp>
-        <p:nvSpPr>
-          <p:cNvPr id="118" name="CustomShape 1"/>
-          <p:cNvSpPr/>
-          <p:nvPr/>
-        </p:nvSpPr>
-        <p:spPr>
-          <a:xfrm>
-            <a:off x="633600" y="489240"/>
-            <a:ext cx="7716240" cy="456480"/>
-          </a:xfrm>
-          <a:prstGeom prst="rect">
-            <a:avLst/>
-          </a:prstGeom>
-          <a:noFill/>
-          <a:ln>
-            <a:noFill/>
-          </a:ln>
-        </p:spPr>
-        <p:style>
-          <a:lnRef idx="0"/>
-          <a:fillRef idx="0"/>
-          <a:effectRef idx="0"/>
-          <a:fontRef idx="minor"/>
-        </p:style>
-      </p:sp>
-      <p:sp>
-        <p:nvSpPr>
-          <p:cNvPr id="119" name="CustomShape 2"/>
-          <p:cNvSpPr/>
-          <p:nvPr/>
-        </p:nvSpPr>
-        <p:spPr>
-          <a:xfrm>
-            <a:off x="6879960" y="6311160"/>
-            <a:ext cx="2056680" cy="364320"/>
-          </a:xfrm>
-          <a:prstGeom prst="rect">
-            <a:avLst/>
-          </a:prstGeom>
-          <a:noFill/>
-          <a:ln>
-            <a:noFill/>
-          </a:ln>
-        </p:spPr>
-        <p:style>
-          <a:lnRef idx="0"/>
-          <a:fillRef idx="0"/>
-          <a:effectRef idx="0"/>
-          <a:fontRef idx="minor"/>
-        </p:style>
-        <p:txBody>
-          <a:bodyPr lIns="108000" rIns="108000" tIns="45000" bIns="45000" anchor="ctr"/>
-          <a:p>
-            <a:pPr algn="r">
-              <a:lnSpc>
-                <a:spcPct val="100000"/>
-              </a:lnSpc>
-            </a:pPr>
-            <a:fld id="{B867CD64-9FCB-4E6F-BB31-25CE84350380}" type="slidenum">
-              <a:rPr lang="fr-FR" sz="1000" strike="noStrike">
-                <a:solidFill>
-                  <a:srgbClr val="595959"/>
-                </a:solidFill>
-                <a:latin typeface="HelveticaNeue LT 45 Light"/>
-              </a:rPr>
-              <a:t>&lt;number&gt;</a:t>
-            </a:fld>
-            <a:endParaRPr/>
-          </a:p>
-        </p:txBody>
-      </p:sp>
-      <p:sp>
-        <p:nvSpPr>
-          <p:cNvPr id="120" name="CustomShape 3"/>
-          <p:cNvSpPr/>
-          <p:nvPr/>
-        </p:nvSpPr>
-        <p:spPr>
-          <a:xfrm>
-            <a:off x="712800" y="6311160"/>
-            <a:ext cx="6101280" cy="364320"/>
-          </a:xfrm>
-          <a:prstGeom prst="rect">
-            <a:avLst/>
-          </a:prstGeom>
-          <a:noFill/>
-          <a:ln>
-            <a:noFill/>
-          </a:ln>
-        </p:spPr>
-        <p:style>
-          <a:lnRef idx="0"/>
-          <a:fillRef idx="0"/>
-          <a:effectRef idx="0"/>
-          <a:fontRef idx="minor"/>
-        </p:style>
-      </p:sp>
-      <p:sp>
-        <p:nvSpPr>
-          <p:cNvPr id="121" name="CustomShape 4"/>
-          <p:cNvSpPr/>
-          <p:nvPr/>
-        </p:nvSpPr>
-        <p:spPr>
-          <a:xfrm>
-            <a:off x="703080" y="1951200"/>
-            <a:ext cx="7710480" cy="3638880"/>
-          </a:xfrm>
-          <a:prstGeom prst="rect">
-            <a:avLst/>
-          </a:prstGeom>
-          <a:noFill/>
-          <a:ln>
-            <a:noFill/>
-          </a:ln>
-        </p:spPr>
-        <p:style>
-          <a:lnRef idx="0"/>
-          <a:fillRef idx="0"/>
-          <a:effectRef idx="0"/>
-          <a:fontRef idx="minor"/>
-        </p:style>
-        <p:txBody>
-          <a:bodyPr lIns="0" rIns="0" tIns="0" bIns="0"/>
-          <a:p>
-            <a:pPr>
-              <a:lnSpc>
-                <a:spcPct val="100000"/>
-              </a:lnSpc>
-            </a:pPr>
-            <a:endParaRPr/>
-          </a:p>
-          <a:p>
-            <a:pPr>
-              <a:lnSpc>
-                <a:spcPct val="100000"/>
-              </a:lnSpc>
-            </a:pPr>
-            <a:endParaRPr/>
-          </a:p>
-        </p:txBody>
-      </p:sp>
-      <p:sp>
-        <p:nvSpPr>
-          <p:cNvPr id="122" name="TextShape 5"/>
-          <p:cNvSpPr txBox="1"/>
-          <p:nvPr/>
-        </p:nvSpPr>
-        <p:spPr>
-          <a:xfrm>
-            <a:off x="457200" y="273600"/>
-            <a:ext cx="8229240" cy="1144800"/>
-          </a:xfrm>
-          <a:prstGeom prst="rect">
-            <a:avLst/>
-          </a:prstGeom>
-          <a:noFill/>
-          <a:ln>
-            <a:noFill/>
-          </a:ln>
-        </p:spPr>
-        <p:txBody>
-          <a:bodyPr lIns="0" rIns="0" tIns="0" bIns="0" anchor="ctr"/>
-          <a:p>
-            <a:pPr algn="ctr"/>
-            <a:endParaRPr/>
-          </a:p>
-        </p:txBody>
-      </p:sp>
-      <p:sp>
-        <p:nvSpPr>
-          <p:cNvPr id="123" name="TextShape 6"/>
-          <p:cNvSpPr txBox="1"/>
-          <p:nvPr/>
-        </p:nvSpPr>
-        <p:spPr>
-          <a:xfrm>
-            <a:off x="457200" y="1604520"/>
-            <a:ext cx="8229240" cy="3977280"/>
-          </a:xfrm>
-          <a:prstGeom prst="rect">
-            <a:avLst/>
-          </a:prstGeom>
-          <a:noFill/>
-          <a:ln>
-            <a:noFill/>
-          </a:ln>
-        </p:spPr>
-        <p:txBody>
-          <a:bodyPr lIns="0" rIns="0" tIns="0" bIns="0" anchor="ctr"/>
-          <a:p>
-            <a:pPr algn="ctr"/>
-            <a:r>
-              <a:rPr lang="fr-FR" sz="4000">
-                <a:latin typeface="Arial"/>
-              </a:rPr>
-              <a:t>Demo</a:t>
-            </a:r>
-            <a:endParaRPr/>
-          </a:p>
-        </p:txBody>
-      </p:sp>
-    </p:spTree>
-  </p:cSld>
-  <p:timing>
-    <p:tnLst>
-      <p:par>
-        <p:cTn id="19" dur="indefinite" restart="never" nodeType="tmRoot">
-          <p:childTnLst>
-            <p:seq>
-              <p:cTn id="20" nodeType="mainSeq"/>
-              <p:prevCondLst>
-                <p:cond delay="0" evt="onPrev">
-                  <p:tgtEl>
-                    <p:sldTgt/>
-                  </p:tgtEl>
-                </p:cond>
-              </p:prevCondLst>
-              <p:nextCondLst>
-                <p:cond delay="0" evt="onNext">
-                  <p:tgtEl>
-                    <p:sldTgt/>
-                  </p:tgtEl>
-                </p:cond>
-              </p:nextCondLst>
-            </p:seq>
-          </p:childTnLst>
-        </p:cTn>
-      </p:par>
-    </p:tnLst>
-  </p:timing>
-</p:sld>
-</file>
-
-<file path=ppt/slides/slide12.xml><?xml version="1.0" encoding="utf-8"?>
-<p:sld xmlns:a="http://schemas.openxmlformats.org/drawingml/2006/main" xmlns:p="http://schemas.openxmlformats.org/presentationml/2006/main" xmlns:r="http://schemas.openxmlformats.org/officeDocument/2006/relationships">
-  <p:cSld>
-    <p:spTree>
-      <p:nvGrpSpPr>
-        <p:cNvPr id="1" name=""/>
-        <p:cNvGrpSpPr/>
-        <p:nvPr/>
-      </p:nvGrpSpPr>
-      <p:grpSpPr>
-        <a:xfrm>
-          <a:off x="0" y="0"/>
-          <a:ext cx="0" cy="0"/>
-          <a:chOff x="0" y="0"/>
-          <a:chExt cx="0" cy="0"/>
-        </a:xfrm>
-      </p:grpSpPr>
-      <p:sp>
-        <p:nvSpPr>
-          <p:cNvPr id="124" name="TextShape 1"/>
-          <p:cNvSpPr txBox="1"/>
-          <p:nvPr/>
-        </p:nvSpPr>
-        <p:spPr>
-          <a:xfrm>
-            <a:off x="457200" y="273600"/>
-            <a:ext cx="8229240" cy="1144800"/>
-          </a:xfrm>
-          <a:prstGeom prst="rect">
-            <a:avLst/>
-          </a:prstGeom>
-          <a:noFill/>
-          <a:ln>
-            <a:noFill/>
-          </a:ln>
-        </p:spPr>
-        <p:txBody>
-          <a:bodyPr lIns="0" rIns="0" tIns="0" bIns="0" anchor="ctr"/>
-          <a:p>
-            <a:pPr algn="ctr"/>
-            <a:endParaRPr/>
-          </a:p>
-        </p:txBody>
-      </p:sp>
-      <p:sp>
-        <p:nvSpPr>
-          <p:cNvPr id="125" name="TextShape 2"/>
-          <p:cNvSpPr txBox="1"/>
-          <p:nvPr/>
-        </p:nvSpPr>
-        <p:spPr>
-          <a:xfrm>
-            <a:off x="457200" y="1604520"/>
-            <a:ext cx="8229240" cy="3977280"/>
-          </a:xfrm>
-          <a:prstGeom prst="rect">
-            <a:avLst/>
-          </a:prstGeom>
-          <a:noFill/>
-          <a:ln>
-            <a:noFill/>
-          </a:ln>
-        </p:spPr>
-        <p:txBody>
-          <a:bodyPr lIns="0" rIns="0" tIns="0" bIns="0"/>
-          <a:p>
-            <a:pPr algn="ctr">
-              <a:buSzPct val="45000"/>
-              <a:buFont typeface="StarSymbol"/>
-              <a:buChar char=""/>
-            </a:pPr>
-            <a:r>
-              <a:rPr lang="fr-FR" sz="3200">
-                <a:latin typeface="Arial"/>
-              </a:rPr>
-              <a:t>Question</a:t>
-            </a:r>
-            <a:endParaRPr/>
-          </a:p>
-        </p:txBody>
-      </p:sp>
-    </p:spTree>
-  </p:cSld>
-</p:sld>
-</file>
-
-<file path=ppt/slides/slide13.xml><?xml version="1.0" encoding="utf-8"?>
-<p:sld xmlns:a="http://schemas.openxmlformats.org/drawingml/2006/main" xmlns:p="http://schemas.openxmlformats.org/presentationml/2006/main" xmlns:r="http://schemas.openxmlformats.org/officeDocument/2006/relationships">
-  <p:cSld>
-    <p:spTree>
-      <p:nvGrpSpPr>
-        <p:cNvPr id="1" name=""/>
-        <p:cNvGrpSpPr/>
-        <p:nvPr/>
-      </p:nvGrpSpPr>
-      <p:grpSpPr>
-        <a:xfrm>
-          <a:off x="0" y="0"/>
-          <a:ext cx="0" cy="0"/>
-          <a:chOff x="0" y="0"/>
-          <a:chExt cx="0" cy="0"/>
-        </a:xfrm>
-      </p:grpSpPr>
-      <p:sp>
-        <p:nvSpPr>
-          <p:cNvPr id="126" name="CustomShape 1"/>
-          <p:cNvSpPr/>
-          <p:nvPr/>
-        </p:nvSpPr>
-        <p:spPr>
-          <a:xfrm>
-            <a:off x="712800" y="6335280"/>
-            <a:ext cx="7717680" cy="359280"/>
-          </a:xfrm>
-          <a:prstGeom prst="rect">
-            <a:avLst/>
-          </a:prstGeom>
-          <a:noFill/>
-          <a:ln>
-            <a:noFill/>
-          </a:ln>
-        </p:spPr>
-        <p:style>
-          <a:lnRef idx="0"/>
-          <a:fillRef idx="0"/>
-          <a:effectRef idx="0"/>
-          <a:fontRef idx="minor"/>
-        </p:style>
-        <p:txBody>
-          <a:bodyPr lIns="0" rIns="0" tIns="0" bIns="0"/>
-          <a:p>
-            <a:pPr algn="ctr">
-              <a:lnSpc>
-                <a:spcPct val="100000"/>
-              </a:lnSpc>
-            </a:pPr>
-            <a:r>
-              <a:rPr lang="fr-FR" sz="2200" strike="noStrike">
-                <a:solidFill>
-                  <a:srgbClr val="595959"/>
-                </a:solidFill>
-                <a:latin typeface="HelveticaNeue LT 45 Light"/>
-              </a:rPr>
-              <a:t>17-18 mai 2019</a:t>
-            </a:r>
-            <a:endParaRPr/>
-          </a:p>
-        </p:txBody>
-      </p:sp>
-      <p:pic>
-        <p:nvPicPr>
-          <p:cNvPr id="127" name="Image 6" descr=""/>
-          <p:cNvPicPr/>
-          <p:nvPr/>
-        </p:nvPicPr>
-        <p:blipFill>
-          <a:blip r:embed="rId1"/>
-          <a:stretch/>
-        </p:blipFill>
-        <p:spPr>
-          <a:xfrm>
-            <a:off x="3359520" y="185040"/>
-            <a:ext cx="2486880" cy="927000"/>
-          </a:xfrm>
-          <a:prstGeom prst="rect">
-            <a:avLst/>
-          </a:prstGeom>
-          <a:ln>
-            <a:noFill/>
-          </a:ln>
-        </p:spPr>
-      </p:pic>
-      <p:sp>
-        <p:nvSpPr>
-          <p:cNvPr id="128" name="CustomShape 2"/>
-          <p:cNvSpPr/>
-          <p:nvPr/>
-        </p:nvSpPr>
-        <p:spPr>
-          <a:xfrm>
-            <a:off x="712800" y="2433960"/>
-            <a:ext cx="7717680" cy="539280"/>
-          </a:xfrm>
-          <a:prstGeom prst="rect">
-            <a:avLst/>
-          </a:prstGeom>
-          <a:noFill/>
-          <a:ln>
-            <a:noFill/>
-          </a:ln>
-        </p:spPr>
-        <p:style>
-          <a:lnRef idx="0"/>
-          <a:fillRef idx="0"/>
-          <a:effectRef idx="0"/>
-          <a:fontRef idx="minor"/>
-        </p:style>
-      </p:sp>
-      <p:pic>
-        <p:nvPicPr>
-          <p:cNvPr id="129" name="" descr=""/>
-          <p:cNvPicPr/>
-          <p:nvPr/>
-        </p:nvPicPr>
-        <p:blipFill>
-          <a:blip r:embed="rId2"/>
-          <a:stretch/>
-        </p:blipFill>
-        <p:spPr>
-          <a:xfrm>
-            <a:off x="1944720" y="2784240"/>
-            <a:ext cx="5307840" cy="1339200"/>
-          </a:xfrm>
-          <a:prstGeom prst="rect">
-            <a:avLst/>
-          </a:prstGeom>
-          <a:ln>
-            <a:noFill/>
-          </a:ln>
-        </p:spPr>
-      </p:pic>
-    </p:spTree>
-  </p:cSld>
-  <p:timing>
-    <p:tnLst>
-      <p:par>
-        <p:cTn id="21" dur="indefinite" restart="never" nodeType="tmRoot">
-          <p:childTnLst>
-            <p:seq>
-              <p:cTn id="22" nodeType="mainSeq"/>
               <p:prevCondLst>
                 <p:cond delay="0" evt="onPrev">
                   <p:tgtEl>
@@ -3819,14 +5941,14 @@
       </p:grpSpPr>
       <p:sp>
         <p:nvSpPr>
-          <p:cNvPr id="81" name="CustomShape 1"/>
+          <p:cNvPr id="162" name="CustomShape 1"/>
           <p:cNvSpPr/>
           <p:nvPr/>
         </p:nvSpPr>
         <p:spPr>
           <a:xfrm>
             <a:off x="720000" y="935640"/>
-            <a:ext cx="7710840" cy="506880"/>
+            <a:ext cx="7710480" cy="506520"/>
           </a:xfrm>
           <a:prstGeom prst="rect">
             <a:avLst/>
@@ -3845,14 +5967,14 @@
       </p:sp>
       <p:sp>
         <p:nvSpPr>
-          <p:cNvPr id="82" name="CustomShape 2"/>
+          <p:cNvPr id="163" name="CustomShape 2"/>
           <p:cNvSpPr/>
           <p:nvPr/>
         </p:nvSpPr>
         <p:spPr>
           <a:xfrm>
             <a:off x="6879960" y="6311160"/>
-            <a:ext cx="2056680" cy="364320"/>
+            <a:ext cx="2056320" cy="363960"/>
           </a:xfrm>
           <a:prstGeom prst="rect">
             <a:avLst/>
@@ -3876,12 +5998,13 @@
                 <a:spcPct val="100000"/>
               </a:lnSpc>
             </a:pPr>
-            <a:fld id="{5BA5A7ED-93FD-45E5-AAC1-9EFEBDDF7393}" type="slidenum">
+            <a:fld id="{E24D1CE5-FC49-4574-BE8F-B649000C84CD}" type="slidenum">
               <a:rPr lang="fr-FR" sz="1000" strike="noStrike">
                 <a:solidFill>
                   <a:srgbClr val="595959"/>
                 </a:solidFill>
                 <a:latin typeface="HelveticaNeue LT 45 Light"/>
+                <a:ea typeface="DejaVu Sans"/>
               </a:rPr>
               <a:t>&lt;number&gt;</a:t>
             </a:fld>
@@ -3891,14 +6014,14 @@
       </p:sp>
       <p:sp>
         <p:nvSpPr>
-          <p:cNvPr id="83" name="CustomShape 3"/>
+          <p:cNvPr id="164" name="CustomShape 3"/>
           <p:cNvSpPr/>
           <p:nvPr/>
         </p:nvSpPr>
         <p:spPr>
           <a:xfrm>
             <a:off x="712800" y="6311160"/>
-            <a:ext cx="6101280" cy="364320"/>
+            <a:ext cx="6100920" cy="363960"/>
           </a:xfrm>
           <a:prstGeom prst="rect">
             <a:avLst/>
@@ -3917,7 +6040,7 @@
       </p:sp>
       <p:pic>
         <p:nvPicPr>
-          <p:cNvPr id="84" name="" descr=""/>
+          <p:cNvPr id="165" name="" descr=""/>
           <p:cNvPicPr/>
           <p:nvPr/>
         </p:nvPicPr>
@@ -3928,7 +6051,7 @@
         <p:spPr>
           <a:xfrm>
             <a:off x="792000" y="1389240"/>
-            <a:ext cx="7626600" cy="4298400"/>
+            <a:ext cx="7626240" cy="4298040"/>
           </a:xfrm>
           <a:prstGeom prst="rect">
             <a:avLst/>
@@ -3989,14 +6112,14 @@
       </p:grpSpPr>
       <p:sp>
         <p:nvSpPr>
-          <p:cNvPr id="85" name="CustomShape 1"/>
+          <p:cNvPr id="166" name="CustomShape 1"/>
           <p:cNvSpPr/>
           <p:nvPr/>
         </p:nvSpPr>
         <p:spPr>
           <a:xfrm>
             <a:off x="576000" y="935640"/>
-            <a:ext cx="7710840" cy="506880"/>
+            <a:ext cx="7710480" cy="506520"/>
           </a:xfrm>
           <a:prstGeom prst="rect">
             <a:avLst/>
@@ -4015,14 +6138,14 @@
       </p:sp>
       <p:sp>
         <p:nvSpPr>
-          <p:cNvPr id="86" name="CustomShape 2"/>
+          <p:cNvPr id="167" name="CustomShape 2"/>
           <p:cNvSpPr/>
           <p:nvPr/>
         </p:nvSpPr>
         <p:spPr>
           <a:xfrm>
             <a:off x="6879960" y="6311160"/>
-            <a:ext cx="2056680" cy="364320"/>
+            <a:ext cx="2056320" cy="363960"/>
           </a:xfrm>
           <a:prstGeom prst="rect">
             <a:avLst/>
@@ -4046,12 +6169,13 @@
                 <a:spcPct val="100000"/>
               </a:lnSpc>
             </a:pPr>
-            <a:fld id="{2C6FD2D6-3B75-46FC-AFDF-5DCD65DB3943}" type="slidenum">
+            <a:fld id="{BB49207C-2CC6-4C86-A1EC-89C27DDBBAED}" type="slidenum">
               <a:rPr lang="fr-FR" sz="1000" strike="noStrike">
                 <a:solidFill>
                   <a:srgbClr val="595959"/>
                 </a:solidFill>
                 <a:latin typeface="HelveticaNeue LT 45 Light"/>
+                <a:ea typeface="DejaVu Sans"/>
               </a:rPr>
               <a:t>&lt;number&gt;</a:t>
             </a:fld>
@@ -4061,13 +6185,13 @@
       </p:sp>
       <p:graphicFrame>
         <p:nvGraphicFramePr>
-          <p:cNvPr id="87" name="Table 3"/>
+          <p:cNvPr id="168" name="Table 3"/>
           <p:cNvGraphicFramePr/>
           <p:nvPr/>
         </p:nvGraphicFramePr>
         <p:xfrm>
           <a:off x="1112760" y="1715760"/>
-          <a:ext cx="6100920" cy="2562120"/>
+          <a:ext cx="6100560" cy="2561760"/>
         </p:xfrm>
         <a:graphic>
           <a:graphicData uri="http://schemas.openxmlformats.org/drawingml/2006/table">
@@ -4228,14 +6352,14 @@
       </p:grpSpPr>
       <p:sp>
         <p:nvSpPr>
-          <p:cNvPr id="88" name="CustomShape 1"/>
+          <p:cNvPr id="169" name="CustomShape 1"/>
           <p:cNvSpPr/>
           <p:nvPr/>
         </p:nvSpPr>
         <p:spPr>
           <a:xfrm>
             <a:off x="720000" y="935640"/>
-            <a:ext cx="7710840" cy="506880"/>
+            <a:ext cx="7710480" cy="506520"/>
           </a:xfrm>
           <a:prstGeom prst="rect">
             <a:avLst/>
@@ -4254,14 +6378,14 @@
       </p:sp>
       <p:sp>
         <p:nvSpPr>
-          <p:cNvPr id="89" name="CustomShape 2"/>
+          <p:cNvPr id="170" name="CustomShape 2"/>
           <p:cNvSpPr/>
           <p:nvPr/>
         </p:nvSpPr>
         <p:spPr>
           <a:xfrm>
             <a:off x="6879960" y="6311160"/>
-            <a:ext cx="2056680" cy="364320"/>
+            <a:ext cx="2056320" cy="363960"/>
           </a:xfrm>
           <a:prstGeom prst="rect">
             <a:avLst/>
@@ -4285,12 +6409,13 @@
                 <a:spcPct val="100000"/>
               </a:lnSpc>
             </a:pPr>
-            <a:fld id="{7634C88E-FDD2-46D5-81F9-2BBC1ADE0ABA}" type="slidenum">
+            <a:fld id="{10BEFCF3-872D-4683-9A0F-7A9989AF1112}" type="slidenum">
               <a:rPr lang="fr-FR" sz="1000" strike="noStrike">
                 <a:solidFill>
                   <a:srgbClr val="595959"/>
                 </a:solidFill>
                 <a:latin typeface="HelveticaNeue LT 45 Light"/>
+                <a:ea typeface="DejaVu Sans"/>
               </a:rPr>
               <a:t>&lt;number&gt;</a:t>
             </a:fld>
@@ -4300,14 +6425,14 @@
       </p:sp>
       <p:sp>
         <p:nvSpPr>
-          <p:cNvPr id="90" name="CustomShape 3"/>
+          <p:cNvPr id="171" name="CustomShape 3"/>
           <p:cNvSpPr/>
           <p:nvPr/>
         </p:nvSpPr>
         <p:spPr>
           <a:xfrm>
             <a:off x="712800" y="6311160"/>
-            <a:ext cx="6101280" cy="364320"/>
+            <a:ext cx="6100920" cy="363960"/>
           </a:xfrm>
           <a:prstGeom prst="rect">
             <a:avLst/>
@@ -4326,7 +6451,7 @@
       </p:sp>
       <p:pic>
         <p:nvPicPr>
-          <p:cNvPr id="91" name="" descr=""/>
+          <p:cNvPr id="172" name="" descr=""/>
           <p:cNvPicPr/>
           <p:nvPr/>
         </p:nvPicPr>
@@ -4337,7 +6462,7 @@
         <p:spPr>
           <a:xfrm>
             <a:off x="1008000" y="1296360"/>
-            <a:ext cx="6695640" cy="4463280"/>
+            <a:ext cx="6695280" cy="4462920"/>
           </a:xfrm>
           <a:prstGeom prst="rect">
             <a:avLst/>
@@ -4396,8 +6521,58 @@
           <a:chExt cx="0" cy="0"/>
         </a:xfrm>
       </p:grpSpPr>
+      <p:pic>
+        <p:nvPicPr>
+          <p:cNvPr id="173" name="" descr=""/>
+          <p:cNvPicPr/>
+          <p:nvPr/>
+        </p:nvPicPr>
+        <p:blipFill>
+          <a:blip r:embed="rId1"/>
+          <a:stretch/>
+        </p:blipFill>
+        <p:spPr>
+          <a:xfrm>
+            <a:off x="1945080" y="2784600"/>
+            <a:ext cx="5307480" cy="1338840"/>
+          </a:xfrm>
+          <a:prstGeom prst="rect">
+            <a:avLst/>
+          </a:prstGeom>
+          <a:ln>
+            <a:noFill/>
+          </a:ln>
+        </p:spPr>
+      </p:pic>
     </p:spTree>
   </p:cSld>
+  <p:timing>
+    <p:tnLst>
+      <p:par>
+        <p:cTn id="9" dur="indefinite" restart="never" nodeType="tmRoot">
+          <p:childTnLst>
+            <p:seq>
+              <p:cTn id="10" nodeType="mainSeq"/>
+              <p:prevCondLst>
+                <p:cond delay="0" evt="onPrev">
+                  <p:tgtEl>
+                    <p:sldTgt/>
+                  </p:tgtEl>
+                </p:cond>
+              </p:prevCondLst>
+              <p:nextCondLst>
+                <p:cond delay="0" evt="onNext">
+                  <p:tgtEl>
+                    <p:sldTgt/>
+                  </p:tgtEl>
+                </p:cond>
+              </p:nextCondLst>
+            </p:seq>
+          </p:childTnLst>
+        </p:cTn>
+      </p:par>
+    </p:tnLst>
+  </p:timing>
 </p:sld>
 </file>
 
@@ -4420,14 +6595,14 @@
       </p:grpSpPr>
       <p:sp>
         <p:nvSpPr>
-          <p:cNvPr id="92" name="CustomShape 1"/>
+          <p:cNvPr id="174" name="CustomShape 1"/>
           <p:cNvSpPr/>
           <p:nvPr/>
         </p:nvSpPr>
         <p:spPr>
           <a:xfrm>
             <a:off x="720000" y="935640"/>
-            <a:ext cx="7710840" cy="506880"/>
+            <a:ext cx="7710480" cy="506520"/>
           </a:xfrm>
           <a:prstGeom prst="rect">
             <a:avLst/>
@@ -4446,14 +6621,14 @@
       </p:sp>
       <p:sp>
         <p:nvSpPr>
-          <p:cNvPr id="93" name="CustomShape 2"/>
+          <p:cNvPr id="175" name="CustomShape 2"/>
           <p:cNvSpPr/>
           <p:nvPr/>
         </p:nvSpPr>
         <p:spPr>
           <a:xfrm>
-            <a:off x="6879960" y="6311160"/>
-            <a:ext cx="2056680" cy="364320"/>
+            <a:off x="712800" y="480240"/>
+            <a:ext cx="7715880" cy="456120"/>
           </a:xfrm>
           <a:prstGeom prst="rect">
             <a:avLst/>
@@ -4469,6 +6644,32 @@
           <a:effectRef idx="0"/>
           <a:fontRef idx="minor"/>
         </p:style>
+      </p:sp>
+      <p:sp>
+        <p:nvSpPr>
+          <p:cNvPr id="176" name="CustomShape 3"/>
+          <p:cNvSpPr/>
+          <p:nvPr/>
+        </p:nvSpPr>
+        <p:spPr>
+          <a:xfrm>
+            <a:off x="6879960" y="6311160"/>
+            <a:ext cx="2056320" cy="363960"/>
+          </a:xfrm>
+          <a:prstGeom prst="rect">
+            <a:avLst/>
+          </a:prstGeom>
+          <a:noFill/>
+          <a:ln>
+            <a:noFill/>
+          </a:ln>
+        </p:spPr>
+        <p:style>
+          <a:lnRef idx="0"/>
+          <a:fillRef idx="0"/>
+          <a:effectRef idx="0"/>
+          <a:fontRef idx="minor"/>
+        </p:style>
         <p:txBody>
           <a:bodyPr lIns="108000" rIns="108000" tIns="45000" bIns="45000" anchor="ctr"/>
           <a:p>
@@ -4477,12 +6678,13 @@
                 <a:spcPct val="100000"/>
               </a:lnSpc>
             </a:pPr>
-            <a:fld id="{4C09BB5E-A5F1-4557-8D2A-70A2E4E7E985}" type="slidenum">
+            <a:fld id="{DAC3825F-4C71-4FB8-9063-82E2E85D76E4}" type="slidenum">
               <a:rPr lang="fr-FR" sz="1000" strike="noStrike">
                 <a:solidFill>
                   <a:srgbClr val="595959"/>
                 </a:solidFill>
                 <a:latin typeface="HelveticaNeue LT 45 Light"/>
+                <a:ea typeface="DejaVu Sans"/>
               </a:rPr>
               <a:t>&lt;number&gt;</a:t>
             </a:fld>
@@ -4490,23 +6692,194 @@
           </a:p>
         </p:txBody>
       </p:sp>
+      <p:sp>
+        <p:nvSpPr>
+          <p:cNvPr id="177" name="CustomShape 4"/>
+          <p:cNvSpPr/>
+          <p:nvPr/>
+        </p:nvSpPr>
+        <p:spPr>
+          <a:xfrm>
+            <a:off x="712800" y="6311160"/>
+            <a:ext cx="6100920" cy="363960"/>
+          </a:xfrm>
+          <a:prstGeom prst="rect">
+            <a:avLst/>
+          </a:prstGeom>
+          <a:noFill/>
+          <a:ln>
+            <a:noFill/>
+          </a:ln>
+        </p:spPr>
+        <p:style>
+          <a:lnRef idx="0"/>
+          <a:fillRef idx="0"/>
+          <a:effectRef idx="0"/>
+          <a:fontRef idx="minor"/>
+        </p:style>
+      </p:sp>
+      <p:pic>
+        <p:nvPicPr>
+          <p:cNvPr id="178" name="" descr=""/>
+          <p:cNvPicPr/>
+          <p:nvPr/>
+        </p:nvPicPr>
+        <p:blipFill>
+          <a:blip r:embed="rId1"/>
+          <a:stretch/>
+        </p:blipFill>
+        <p:spPr>
+          <a:xfrm>
+            <a:off x="2113920" y="1224000"/>
+            <a:ext cx="4077360" cy="4534920"/>
+          </a:xfrm>
+          <a:prstGeom prst="rect">
+            <a:avLst/>
+          </a:prstGeom>
+          <a:ln>
+            <a:noFill/>
+          </a:ln>
+        </p:spPr>
+      </p:pic>
+    </p:spTree>
+  </p:cSld>
+  <p:timing>
+    <p:tnLst>
+      <p:par>
+        <p:cTn id="11" dur="indefinite" restart="never" nodeType="tmRoot">
+          <p:childTnLst>
+            <p:seq>
+              <p:cTn id="12" nodeType="mainSeq"/>
+              <p:prevCondLst>
+                <p:cond delay="0" evt="onPrev">
+                  <p:tgtEl>
+                    <p:sldTgt/>
+                  </p:tgtEl>
+                </p:cond>
+              </p:prevCondLst>
+              <p:nextCondLst>
+                <p:cond delay="0" evt="onNext">
+                  <p:tgtEl>
+                    <p:sldTgt/>
+                  </p:tgtEl>
+                </p:cond>
+              </p:nextCondLst>
+            </p:seq>
+          </p:childTnLst>
+        </p:cTn>
+      </p:par>
+    </p:tnLst>
+  </p:timing>
+</p:sld>
+</file>
+
+<file path=ppt/slides/slide7.xml><?xml version="1.0" encoding="utf-8"?>
+<p:sld xmlns:a="http://schemas.openxmlformats.org/drawingml/2006/main" xmlns:p="http://schemas.openxmlformats.org/presentationml/2006/main" xmlns:r="http://schemas.openxmlformats.org/officeDocument/2006/relationships">
+  <p:cSld>
+    <p:spTree>
+      <p:nvGrpSpPr>
+        <p:cNvPr id="1" name=""/>
+        <p:cNvGrpSpPr/>
+        <p:nvPr/>
+      </p:nvGrpSpPr>
+      <p:grpSpPr>
+        <a:xfrm>
+          <a:off x="0" y="0"/>
+          <a:ext cx="0" cy="0"/>
+          <a:chOff x="0" y="0"/>
+          <a:chExt cx="0" cy="0"/>
+        </a:xfrm>
+      </p:grpSpPr>
+      <p:sp>
+        <p:nvSpPr>
+          <p:cNvPr id="179" name="CustomShape 1"/>
+          <p:cNvSpPr/>
+          <p:nvPr/>
+        </p:nvSpPr>
+        <p:spPr>
+          <a:xfrm>
+            <a:off x="720000" y="935640"/>
+            <a:ext cx="7710480" cy="506520"/>
+          </a:xfrm>
+          <a:prstGeom prst="rect">
+            <a:avLst/>
+          </a:prstGeom>
+          <a:noFill/>
+          <a:ln>
+            <a:noFill/>
+          </a:ln>
+        </p:spPr>
+        <p:style>
+          <a:lnRef idx="0"/>
+          <a:fillRef idx="0"/>
+          <a:effectRef idx="0"/>
+          <a:fontRef idx="minor"/>
+        </p:style>
+      </p:sp>
+      <p:sp>
+        <p:nvSpPr>
+          <p:cNvPr id="180" name="CustomShape 2"/>
+          <p:cNvSpPr/>
+          <p:nvPr/>
+        </p:nvSpPr>
+        <p:spPr>
+          <a:xfrm>
+            <a:off x="6879960" y="6311160"/>
+            <a:ext cx="2056320" cy="363960"/>
+          </a:xfrm>
+          <a:prstGeom prst="rect">
+            <a:avLst/>
+          </a:prstGeom>
+          <a:noFill/>
+          <a:ln>
+            <a:noFill/>
+          </a:ln>
+        </p:spPr>
+        <p:style>
+          <a:lnRef idx="0"/>
+          <a:fillRef idx="0"/>
+          <a:effectRef idx="0"/>
+          <a:fontRef idx="minor"/>
+        </p:style>
+        <p:txBody>
+          <a:bodyPr lIns="108000" rIns="108000" tIns="45000" bIns="45000" anchor="ctr"/>
+          <a:p>
+            <a:pPr algn="r">
+              <a:lnSpc>
+                <a:spcPct val="100000"/>
+              </a:lnSpc>
+            </a:pPr>
+            <a:fld id="{D2E12713-F049-47EC-BBE2-3ADDE20CF73C}" type="slidenum">
+              <a:rPr lang="fr-FR" sz="1000" strike="noStrike">
+                <a:solidFill>
+                  <a:srgbClr val="595959"/>
+                </a:solidFill>
+                <a:latin typeface="HelveticaNeue LT 45 Light"/>
+                <a:ea typeface="DejaVu Sans"/>
+              </a:rPr>
+              <a:t>&lt;number&gt;</a:t>
+            </a:fld>
+            <a:endParaRPr/>
+          </a:p>
+        </p:txBody>
+      </p:sp>
       <p:graphicFrame>
         <p:nvGraphicFramePr>
-          <p:cNvPr id="94" name="Table 3"/>
+          <p:cNvPr id="181" name="Table 3"/>
           <p:cNvGraphicFramePr/>
           <p:nvPr/>
         </p:nvGraphicFramePr>
         <p:xfrm>
           <a:off x="1306440" y="788760"/>
-          <a:ext cx="6324120" cy="5403240"/>
+          <a:ext cx="6323760" cy="5402880"/>
         </p:xfrm>
         <a:graphic>
           <a:graphicData uri="http://schemas.openxmlformats.org/drawingml/2006/table">
             <a:tbl>
               <a:tblPr/>
               <a:tblGrid>
-                <a:gridCol w="3162600"/>
-                <a:gridCol w="3161880"/>
+                <a:gridCol w="3162240"/>
+                <a:gridCol w="3161520"/>
               </a:tblGrid>
               <a:tr h="355320">
                 <a:tc>
@@ -4857,206 +7230,10 @@
   <p:timing>
     <p:tnLst>
       <p:par>
-        <p:cTn id="9" dur="indefinite" restart="never" nodeType="tmRoot">
+        <p:cTn id="13" dur="indefinite" restart="never" nodeType="tmRoot">
           <p:childTnLst>
             <p:seq>
-              <p:cTn id="10" nodeType="mainSeq"/>
-              <p:prevCondLst>
-                <p:cond delay="0" evt="onPrev">
-                  <p:tgtEl>
-                    <p:sldTgt/>
-                  </p:tgtEl>
-                </p:cond>
-              </p:prevCondLst>
-              <p:nextCondLst>
-                <p:cond delay="0" evt="onNext">
-                  <p:tgtEl>
-                    <p:sldTgt/>
-                  </p:tgtEl>
-                </p:cond>
-              </p:nextCondLst>
-            </p:seq>
-          </p:childTnLst>
-        </p:cTn>
-      </p:par>
-    </p:tnLst>
-  </p:timing>
-</p:sld>
-</file>
-
-<file path=ppt/slides/slide7.xml><?xml version="1.0" encoding="utf-8"?>
-<p:sld xmlns:a="http://schemas.openxmlformats.org/drawingml/2006/main" xmlns:p="http://schemas.openxmlformats.org/presentationml/2006/main" xmlns:r="http://schemas.openxmlformats.org/officeDocument/2006/relationships">
-  <p:cSld>
-    <p:spTree>
-      <p:nvGrpSpPr>
-        <p:cNvPr id="1" name=""/>
-        <p:cNvGrpSpPr/>
-        <p:nvPr/>
-      </p:nvGrpSpPr>
-      <p:grpSpPr>
-        <a:xfrm>
-          <a:off x="0" y="0"/>
-          <a:ext cx="0" cy="0"/>
-          <a:chOff x="0" y="0"/>
-          <a:chExt cx="0" cy="0"/>
-        </a:xfrm>
-      </p:grpSpPr>
-      <p:sp>
-        <p:nvSpPr>
-          <p:cNvPr id="95" name="CustomShape 1"/>
-          <p:cNvSpPr/>
-          <p:nvPr/>
-        </p:nvSpPr>
-        <p:spPr>
-          <a:xfrm>
-            <a:off x="720000" y="935640"/>
-            <a:ext cx="7710840" cy="506880"/>
-          </a:xfrm>
-          <a:prstGeom prst="rect">
-            <a:avLst/>
-          </a:prstGeom>
-          <a:noFill/>
-          <a:ln>
-            <a:noFill/>
-          </a:ln>
-        </p:spPr>
-        <p:style>
-          <a:lnRef idx="0"/>
-          <a:fillRef idx="0"/>
-          <a:effectRef idx="0"/>
-          <a:fontRef idx="minor"/>
-        </p:style>
-      </p:sp>
-      <p:sp>
-        <p:nvSpPr>
-          <p:cNvPr id="96" name="CustomShape 2"/>
-          <p:cNvSpPr/>
-          <p:nvPr/>
-        </p:nvSpPr>
-        <p:spPr>
-          <a:xfrm>
-            <a:off x="712800" y="480240"/>
-            <a:ext cx="7716240" cy="456480"/>
-          </a:xfrm>
-          <a:prstGeom prst="rect">
-            <a:avLst/>
-          </a:prstGeom>
-          <a:noFill/>
-          <a:ln>
-            <a:noFill/>
-          </a:ln>
-        </p:spPr>
-        <p:style>
-          <a:lnRef idx="0"/>
-          <a:fillRef idx="0"/>
-          <a:effectRef idx="0"/>
-          <a:fontRef idx="minor"/>
-        </p:style>
-      </p:sp>
-      <p:sp>
-        <p:nvSpPr>
-          <p:cNvPr id="97" name="CustomShape 3"/>
-          <p:cNvSpPr/>
-          <p:nvPr/>
-        </p:nvSpPr>
-        <p:spPr>
-          <a:xfrm>
-            <a:off x="6879960" y="6311160"/>
-            <a:ext cx="2056680" cy="364320"/>
-          </a:xfrm>
-          <a:prstGeom prst="rect">
-            <a:avLst/>
-          </a:prstGeom>
-          <a:noFill/>
-          <a:ln>
-            <a:noFill/>
-          </a:ln>
-        </p:spPr>
-        <p:style>
-          <a:lnRef idx="0"/>
-          <a:fillRef idx="0"/>
-          <a:effectRef idx="0"/>
-          <a:fontRef idx="minor"/>
-        </p:style>
-        <p:txBody>
-          <a:bodyPr lIns="108000" rIns="108000" tIns="45000" bIns="45000" anchor="ctr"/>
-          <a:p>
-            <a:pPr algn="r">
-              <a:lnSpc>
-                <a:spcPct val="100000"/>
-              </a:lnSpc>
-            </a:pPr>
-            <a:fld id="{62BC4972-AFB0-46E4-B010-7194B0B93AE4}" type="slidenum">
-              <a:rPr lang="fr-FR" sz="1000" strike="noStrike">
-                <a:solidFill>
-                  <a:srgbClr val="595959"/>
-                </a:solidFill>
-                <a:latin typeface="HelveticaNeue LT 45 Light"/>
-              </a:rPr>
-              <a:t>&lt;number&gt;</a:t>
-            </a:fld>
-            <a:endParaRPr/>
-          </a:p>
-        </p:txBody>
-      </p:sp>
-      <p:sp>
-        <p:nvSpPr>
-          <p:cNvPr id="98" name="CustomShape 4"/>
-          <p:cNvSpPr/>
-          <p:nvPr/>
-        </p:nvSpPr>
-        <p:spPr>
-          <a:xfrm>
-            <a:off x="712800" y="6311160"/>
-            <a:ext cx="6101280" cy="364320"/>
-          </a:xfrm>
-          <a:prstGeom prst="rect">
-            <a:avLst/>
-          </a:prstGeom>
-          <a:noFill/>
-          <a:ln>
-            <a:noFill/>
-          </a:ln>
-        </p:spPr>
-        <p:style>
-          <a:lnRef idx="0"/>
-          <a:fillRef idx="0"/>
-          <a:effectRef idx="0"/>
-          <a:fontRef idx="minor"/>
-        </p:style>
-      </p:sp>
-      <p:pic>
-        <p:nvPicPr>
-          <p:cNvPr id="99" name="" descr=""/>
-          <p:cNvPicPr/>
-          <p:nvPr/>
-        </p:nvPicPr>
-        <p:blipFill>
-          <a:blip r:embed="rId1"/>
-          <a:stretch/>
-        </p:blipFill>
-        <p:spPr>
-          <a:xfrm>
-            <a:off x="2113920" y="1224000"/>
-            <a:ext cx="4077720" cy="4535280"/>
-          </a:xfrm>
-          <a:prstGeom prst="rect">
-            <a:avLst/>
-          </a:prstGeom>
-          <a:ln>
-            <a:noFill/>
-          </a:ln>
-        </p:spPr>
-      </p:pic>
-    </p:spTree>
-  </p:cSld>
-  <p:timing>
-    <p:tnLst>
-      <p:par>
-        <p:cTn id="11" dur="indefinite" restart="never" nodeType="tmRoot">
-          <p:childTnLst>
-            <p:seq>
-              <p:cTn id="12" nodeType="mainSeq"/>
+              <p:cTn id="14" nodeType="mainSeq"/>
               <p:prevCondLst>
                 <p:cond delay="0" evt="onPrev">
                   <p:tgtEl>
@@ -5099,14 +7276,14 @@
       </p:grpSpPr>
       <p:sp>
         <p:nvSpPr>
-          <p:cNvPr id="100" name="CustomShape 1"/>
+          <p:cNvPr id="182" name="CustomShape 1"/>
           <p:cNvSpPr/>
           <p:nvPr/>
         </p:nvSpPr>
         <p:spPr>
           <a:xfrm>
-            <a:off x="720000" y="935640"/>
-            <a:ext cx="7710840" cy="506880"/>
+            <a:off x="633600" y="489240"/>
+            <a:ext cx="7715880" cy="456120"/>
           </a:xfrm>
           <a:prstGeom prst="rect">
             <a:avLst/>
@@ -5125,14 +7302,14 @@
       </p:sp>
       <p:sp>
         <p:nvSpPr>
-          <p:cNvPr id="101" name="CustomShape 2"/>
+          <p:cNvPr id="183" name="CustomShape 2"/>
           <p:cNvSpPr/>
           <p:nvPr/>
         </p:nvSpPr>
         <p:spPr>
           <a:xfrm>
-            <a:off x="712800" y="480240"/>
-            <a:ext cx="7716240" cy="456480"/>
+            <a:off x="6879960" y="6311160"/>
+            <a:ext cx="2056320" cy="363960"/>
           </a:xfrm>
           <a:prstGeom prst="rect">
             <a:avLst/>
@@ -5148,17 +7325,38 @@
           <a:effectRef idx="0"/>
           <a:fontRef idx="minor"/>
         </p:style>
-      </p:sp>
-      <p:sp>
-        <p:nvSpPr>
-          <p:cNvPr id="102" name="CustomShape 3"/>
+        <p:txBody>
+          <a:bodyPr lIns="108000" rIns="108000" tIns="45000" bIns="45000" anchor="ctr"/>
+          <a:p>
+            <a:pPr algn="r">
+              <a:lnSpc>
+                <a:spcPct val="100000"/>
+              </a:lnSpc>
+            </a:pPr>
+            <a:fld id="{B0E92467-C0FD-43E9-BADB-40A5B7B293F5}" type="slidenum">
+              <a:rPr lang="fr-FR" sz="1000" strike="noStrike">
+                <a:solidFill>
+                  <a:srgbClr val="595959"/>
+                </a:solidFill>
+                <a:latin typeface="HelveticaNeue LT 45 Light"/>
+                <a:ea typeface="DejaVu Sans"/>
+              </a:rPr>
+              <a:t>&lt;number&gt;</a:t>
+            </a:fld>
+            <a:endParaRPr/>
+          </a:p>
+        </p:txBody>
+      </p:sp>
+      <p:sp>
+        <p:nvSpPr>
+          <p:cNvPr id="184" name="CustomShape 3"/>
           <p:cNvSpPr/>
           <p:nvPr/>
         </p:nvSpPr>
         <p:spPr>
           <a:xfrm>
-            <a:off x="6879960" y="6311160"/>
-            <a:ext cx="2056680" cy="364320"/>
+            <a:off x="712800" y="6311160"/>
+            <a:ext cx="6100920" cy="363960"/>
           </a:xfrm>
           <a:prstGeom prst="rect">
             <a:avLst/>
@@ -5174,37 +7372,17 @@
           <a:effectRef idx="0"/>
           <a:fontRef idx="minor"/>
         </p:style>
-        <p:txBody>
-          <a:bodyPr lIns="108000" rIns="108000" tIns="45000" bIns="45000" anchor="ctr"/>
-          <a:p>
-            <a:pPr algn="r">
-              <a:lnSpc>
-                <a:spcPct val="100000"/>
-              </a:lnSpc>
-            </a:pPr>
-            <a:fld id="{B7B9250F-49DB-4BFD-8D6F-50DF47901AEA}" type="slidenum">
-              <a:rPr lang="fr-FR" sz="1000" strike="noStrike">
-                <a:solidFill>
-                  <a:srgbClr val="595959"/>
-                </a:solidFill>
-                <a:latin typeface="HelveticaNeue LT 45 Light"/>
-              </a:rPr>
-              <a:t>&lt;number&gt;</a:t>
-            </a:fld>
-            <a:endParaRPr/>
-          </a:p>
-        </p:txBody>
-      </p:sp>
-      <p:sp>
-        <p:nvSpPr>
-          <p:cNvPr id="103" name="CustomShape 4"/>
+      </p:sp>
+      <p:sp>
+        <p:nvSpPr>
+          <p:cNvPr id="185" name="CustomShape 4"/>
           <p:cNvSpPr/>
           <p:nvPr/>
         </p:nvSpPr>
         <p:spPr>
           <a:xfrm>
-            <a:off x="712800" y="6311160"/>
-            <a:ext cx="6101280" cy="364320"/>
+            <a:off x="703080" y="1951200"/>
+            <a:ext cx="7710120" cy="3638520"/>
           </a:xfrm>
           <a:prstGeom prst="rect">
             <a:avLst/>
@@ -5220,50 +7398,43 @@
           <a:effectRef idx="0"/>
           <a:fontRef idx="minor"/>
         </p:style>
-      </p:sp>
-      <p:pic>
-        <p:nvPicPr>
-          <p:cNvPr id="104" name="" descr=""/>
-          <p:cNvPicPr/>
+        <p:txBody>
+          <a:bodyPr lIns="0" rIns="0" tIns="0" bIns="0"/>
+          <a:p>
+            <a:pPr>
+              <a:lnSpc>
+                <a:spcPct val="100000"/>
+              </a:lnSpc>
+            </a:pPr>
+            <a:endParaRPr/>
+          </a:p>
+          <a:p>
+            <a:pPr>
+              <a:lnSpc>
+                <a:spcPct val="100000"/>
+              </a:lnSpc>
+            </a:pPr>
+            <a:endParaRPr/>
+          </a:p>
+        </p:txBody>
+      </p:sp>
+      <p:sp>
+        <p:nvSpPr>
+          <p:cNvPr id="186" name="CustomShape 5"/>
+          <p:cNvSpPr/>
           <p:nvPr/>
-        </p:nvPicPr>
-        <p:blipFill>
-          <a:blip r:embed="rId1"/>
-          <a:stretch/>
-        </p:blipFill>
-        <p:spPr>
-          <a:xfrm>
-            <a:off x="2113920" y="1224000"/>
-            <a:ext cx="4077720" cy="4535280"/>
-          </a:xfrm>
-          <a:prstGeom prst="rect">
-            <a:avLst/>
-          </a:prstGeom>
+        </p:nvSpPr>
+        <p:spPr>
+          <a:xfrm>
+            <a:off x="457200" y="273600"/>
+            <a:ext cx="8228880" cy="1144440"/>
+          </a:xfrm>
+          <a:prstGeom prst="rect">
+            <a:avLst/>
+          </a:prstGeom>
+          <a:noFill/>
           <a:ln>
             <a:noFill/>
-          </a:ln>
-        </p:spPr>
-      </p:pic>
-      <p:sp>
-        <p:nvSpPr>
-          <p:cNvPr id="105" name="CustomShape 5"/>
-          <p:cNvSpPr/>
-          <p:nvPr/>
-        </p:nvSpPr>
-        <p:spPr>
-          <a:xfrm>
-            <a:off x="1872000" y="2376000"/>
-            <a:ext cx="1367640" cy="863640"/>
-          </a:xfrm>
-          <a:prstGeom prst="ellipse">
-            <a:avLst/>
-          </a:prstGeom>
-          <a:noFill/>
-          <a:ln w="36000">
-            <a:solidFill>
-              <a:srgbClr val="ff3333"/>
-            </a:solidFill>
-            <a:round/>
           </a:ln>
         </p:spPr>
         <p:style>
@@ -5273,15 +7444,58 @@
           <a:fontRef idx="minor"/>
         </p:style>
       </p:sp>
+      <p:sp>
+        <p:nvSpPr>
+          <p:cNvPr id="187" name="CustomShape 6"/>
+          <p:cNvSpPr/>
+          <p:nvPr/>
+        </p:nvSpPr>
+        <p:spPr>
+          <a:xfrm>
+            <a:off x="457200" y="1604520"/>
+            <a:ext cx="8228880" cy="3976920"/>
+          </a:xfrm>
+          <a:prstGeom prst="rect">
+            <a:avLst/>
+          </a:prstGeom>
+          <a:noFill/>
+          <a:ln>
+            <a:noFill/>
+          </a:ln>
+        </p:spPr>
+        <p:style>
+          <a:lnRef idx="0"/>
+          <a:fillRef idx="0"/>
+          <a:effectRef idx="0"/>
+          <a:fontRef idx="minor"/>
+        </p:style>
+        <p:txBody>
+          <a:bodyPr lIns="0" rIns="0" tIns="0" bIns="0" anchor="ctr"/>
+          <a:p>
+            <a:pPr algn="ctr">
+              <a:lnSpc>
+                <a:spcPct val="100000"/>
+              </a:lnSpc>
+            </a:pPr>
+            <a:r>
+              <a:rPr lang="fr-FR" sz="4000" strike="noStrike">
+                <a:latin typeface="Arial"/>
+              </a:rPr>
+              <a:t>Demo</a:t>
+            </a:r>
+            <a:endParaRPr/>
+          </a:p>
+        </p:txBody>
+      </p:sp>
     </p:spTree>
   </p:cSld>
   <p:timing>
     <p:tnLst>
       <p:par>
-        <p:cTn id="13" dur="indefinite" restart="never" nodeType="tmRoot">
+        <p:cTn id="15" dur="indefinite" restart="never" nodeType="tmRoot">
           <p:childTnLst>
             <p:seq>
-              <p:cTn id="14" nodeType="mainSeq"/>
+              <p:cTn id="16" nodeType="mainSeq"/>
               <p:prevCondLst>
                 <p:cond delay="0" evt="onPrev">
                   <p:tgtEl>
@@ -5324,14 +7538,14 @@
       </p:grpSpPr>
       <p:sp>
         <p:nvSpPr>
-          <p:cNvPr id="106" name="CustomShape 1"/>
+          <p:cNvPr id="188" name="CustomShape 1"/>
           <p:cNvSpPr/>
           <p:nvPr/>
         </p:nvSpPr>
         <p:spPr>
           <a:xfrm>
-            <a:off x="633600" y="489240"/>
-            <a:ext cx="7716240" cy="456480"/>
+            <a:off x="712800" y="6335280"/>
+            <a:ext cx="7717320" cy="358920"/>
           </a:xfrm>
           <a:prstGeom prst="rect">
             <a:avLst/>
@@ -5350,144 +7564,28 @@
         <p:txBody>
           <a:bodyPr lIns="0" rIns="0" tIns="0" bIns="0"/>
           <a:p>
-            <a:pPr>
+            <a:pPr algn="ctr">
               <a:lnSpc>
                 <a:spcPct val="100000"/>
               </a:lnSpc>
             </a:pPr>
             <a:r>
-              <a:rPr lang="fr-FR" sz="2400" strike="noStrike">
-                <a:solidFill>
-                  <a:srgbClr val="000000"/>
-                </a:solidFill>
-                <a:latin typeface="HelveticaNeueLT Com 55 Roman"/>
-              </a:rPr>
-              <a:t>Facture tarmed</a:t>
-            </a:r>
-            <a:endParaRPr/>
-          </a:p>
-        </p:txBody>
-      </p:sp>
-      <p:sp>
-        <p:nvSpPr>
-          <p:cNvPr id="107" name="CustomShape 2"/>
-          <p:cNvSpPr/>
-          <p:nvPr/>
-        </p:nvSpPr>
-        <p:spPr>
-          <a:xfrm>
-            <a:off x="6879960" y="6311160"/>
-            <a:ext cx="2056680" cy="364320"/>
-          </a:xfrm>
-          <a:prstGeom prst="rect">
-            <a:avLst/>
-          </a:prstGeom>
-          <a:noFill/>
-          <a:ln>
-            <a:noFill/>
-          </a:ln>
-        </p:spPr>
-        <p:style>
-          <a:lnRef idx="0"/>
-          <a:fillRef idx="0"/>
-          <a:effectRef idx="0"/>
-          <a:fontRef idx="minor"/>
-        </p:style>
-        <p:txBody>
-          <a:bodyPr lIns="108000" rIns="108000" tIns="45000" bIns="45000" anchor="ctr"/>
-          <a:p>
-            <a:pPr algn="r">
-              <a:lnSpc>
-                <a:spcPct val="100000"/>
-              </a:lnSpc>
-            </a:pPr>
-            <a:fld id="{9E91FB42-5DF0-4494-8267-EFF40A8D456A}" type="slidenum">
-              <a:rPr lang="fr-FR" sz="1000" strike="noStrike">
+              <a:rPr lang="fr-FR" sz="2200" strike="noStrike">
                 <a:solidFill>
                   <a:srgbClr val="595959"/>
                 </a:solidFill>
                 <a:latin typeface="HelveticaNeue LT 45 Light"/>
+                <a:ea typeface="DejaVu Sans"/>
               </a:rPr>
-              <a:t>&lt;number&gt;</a:t>
-            </a:fld>
-            <a:endParaRPr/>
-          </a:p>
-        </p:txBody>
-      </p:sp>
-      <p:sp>
-        <p:nvSpPr>
-          <p:cNvPr id="108" name="CustomShape 3"/>
-          <p:cNvSpPr/>
-          <p:nvPr/>
-        </p:nvSpPr>
-        <p:spPr>
-          <a:xfrm>
-            <a:off x="712800" y="6311160"/>
-            <a:ext cx="6101280" cy="364320"/>
-          </a:xfrm>
-          <a:prstGeom prst="rect">
-            <a:avLst/>
-          </a:prstGeom>
-          <a:noFill/>
-          <a:ln>
-            <a:noFill/>
-          </a:ln>
-        </p:spPr>
-        <p:style>
-          <a:lnRef idx="0"/>
-          <a:fillRef idx="0"/>
-          <a:effectRef idx="0"/>
-          <a:fontRef idx="minor"/>
-        </p:style>
-      </p:sp>
-      <p:sp>
-        <p:nvSpPr>
-          <p:cNvPr id="109" name="CustomShape 4"/>
-          <p:cNvSpPr/>
-          <p:nvPr/>
-        </p:nvSpPr>
-        <p:spPr>
-          <a:xfrm>
-            <a:off x="703080" y="1951200"/>
-            <a:ext cx="7710480" cy="3638880"/>
-          </a:xfrm>
-          <a:prstGeom prst="rect">
-            <a:avLst/>
-          </a:prstGeom>
-          <a:noFill/>
-          <a:ln>
-            <a:noFill/>
-          </a:ln>
-        </p:spPr>
-        <p:style>
-          <a:lnRef idx="0"/>
-          <a:fillRef idx="0"/>
-          <a:effectRef idx="0"/>
-          <a:fontRef idx="minor"/>
-        </p:style>
-        <p:txBody>
-          <a:bodyPr lIns="0" rIns="0" tIns="0" bIns="0"/>
-          <a:p>
-            <a:pPr>
-              <a:lnSpc>
-                <a:spcPct val="100000"/>
-              </a:lnSpc>
-            </a:pPr>
-            <a:endParaRPr/>
-          </a:p>
-          <a:p>
-            <a:pPr>
-              <a:lnSpc>
-                <a:spcPct val="100000"/>
-              </a:lnSpc>
-            </a:pPr>
+              <a:t>17-18 mai 2019</a:t>
+            </a:r>
             <a:endParaRPr/>
           </a:p>
         </p:txBody>
       </p:sp>
       <p:pic>
         <p:nvPicPr>
-          <p:cNvPr id="110" name="" descr=""/>
+          <p:cNvPr id="189" name="Image 6" descr=""/>
           <p:cNvPicPr/>
           <p:nvPr/>
         </p:nvPicPr>
@@ -5497,8 +7595,8 @@
         </p:blipFill>
         <p:spPr>
           <a:xfrm>
-            <a:off x="936000" y="1224000"/>
-            <a:ext cx="6841800" cy="3915000"/>
+            <a:off x="3359520" y="185040"/>
+            <a:ext cx="2486520" cy="926640"/>
           </a:xfrm>
           <a:prstGeom prst="rect">
             <a:avLst/>
@@ -5508,15 +7606,101 @@
           </a:ln>
         </p:spPr>
       </p:pic>
+      <p:sp>
+        <p:nvSpPr>
+          <p:cNvPr id="190" name="CustomShape 2"/>
+          <p:cNvSpPr/>
+          <p:nvPr/>
+        </p:nvSpPr>
+        <p:spPr>
+          <a:xfrm>
+            <a:off x="712800" y="2433960"/>
+            <a:ext cx="7717320" cy="538920"/>
+          </a:xfrm>
+          <a:prstGeom prst="rect">
+            <a:avLst/>
+          </a:prstGeom>
+          <a:noFill/>
+          <a:ln>
+            <a:noFill/>
+          </a:ln>
+        </p:spPr>
+        <p:style>
+          <a:lnRef idx="0"/>
+          <a:fillRef idx="0"/>
+          <a:effectRef idx="0"/>
+          <a:fontRef idx="minor"/>
+        </p:style>
+      </p:sp>
+      <p:pic>
+        <p:nvPicPr>
+          <p:cNvPr id="191" name="" descr=""/>
+          <p:cNvPicPr/>
+          <p:nvPr/>
+        </p:nvPicPr>
+        <p:blipFill>
+          <a:blip r:embed="rId2"/>
+          <a:stretch/>
+        </p:blipFill>
+        <p:spPr>
+          <a:xfrm>
+            <a:off x="1944720" y="2784240"/>
+            <a:ext cx="5307480" cy="1338840"/>
+          </a:xfrm>
+          <a:prstGeom prst="rect">
+            <a:avLst/>
+          </a:prstGeom>
+          <a:ln>
+            <a:noFill/>
+          </a:ln>
+        </p:spPr>
+      </p:pic>
+      <p:sp>
+        <p:nvSpPr>
+          <p:cNvPr id="192" name="TextShape 3"/>
+          <p:cNvSpPr txBox="1"/>
+          <p:nvPr/>
+        </p:nvSpPr>
+        <p:spPr>
+          <a:xfrm>
+            <a:off x="3353400" y="4349880"/>
+            <a:ext cx="2550600" cy="1001880"/>
+          </a:xfrm>
+          <a:prstGeom prst="rect">
+            <a:avLst/>
+          </a:prstGeom>
+          <a:noFill/>
+          <a:ln>
+            <a:noFill/>
+          </a:ln>
+        </p:spPr>
+        <p:txBody>
+          <a:bodyPr lIns="90000" rIns="90000" tIns="45000" bIns="45000"/>
+          <a:p>
+            <a:pPr algn="ctr">
+              <a:lnSpc>
+                <a:spcPct val="100000"/>
+              </a:lnSpc>
+            </a:pPr>
+            <a:r>
+              <a:rPr lang="fr-FR" sz="3200" strike="noStrike">
+                <a:latin typeface="Arial"/>
+              </a:rPr>
+              <a:t>Questions ?</a:t>
+            </a:r>
+            <a:endParaRPr/>
+          </a:p>
+        </p:txBody>
+      </p:sp>
     </p:spTree>
   </p:cSld>
   <p:timing>
     <p:tnLst>
       <p:par>
-        <p:cTn id="15" dur="indefinite" restart="never" nodeType="tmRoot">
+        <p:cTn id="17" dur="indefinite" restart="never" nodeType="tmRoot">
           <p:childTnLst>
             <p:seq>
-              <p:cTn id="16" nodeType="mainSeq"/>
+              <p:cTn id="18" nodeType="mainSeq"/>
               <p:prevCondLst>
                 <p:cond delay="0" evt="onPrev">
                   <p:tgtEl>
@@ -5984,4 +8168,450 @@
     </a:fmtScheme>
   </a:themeElements>
 </a:theme>
+</file>
+
+<file path=ppt/theme/theme3.xml><?xml version="1.0" encoding="utf-8"?>
+<a:theme xmlns:a="http://schemas.openxmlformats.org/drawingml/2006/main" name="Office Theme">
+  <a:themeElements>
+    <a:clrScheme name="Office">
+      <a:dk1>
+        <a:sysClr val="windowText" lastClr="000000"/>
+      </a:dk1>
+      <a:lt1>
+        <a:sysClr val="window" lastClr="FFFFFF"/>
+      </a:lt1>
+      <a:dk2>
+        <a:srgbClr val="1F497D"/>
+      </a:dk2>
+      <a:lt2>
+        <a:srgbClr val="EEECE1"/>
+      </a:lt2>
+      <a:accent1>
+        <a:srgbClr val="4F81BD"/>
+      </a:accent1>
+      <a:accent2>
+        <a:srgbClr val="C0504D"/>
+      </a:accent2>
+      <a:accent3>
+        <a:srgbClr val="9BBB59"/>
+      </a:accent3>
+      <a:accent4>
+        <a:srgbClr val="8064A2"/>
+      </a:accent4>
+      <a:accent5>
+        <a:srgbClr val="4BACC6"/>
+      </a:accent5>
+      <a:accent6>
+        <a:srgbClr val="F79646"/>
+      </a:accent6>
+      <a:hlink>
+        <a:srgbClr val="0000FF"/>
+      </a:hlink>
+      <a:folHlink>
+        <a:srgbClr val="800080"/>
+      </a:folHlink>
+    </a:clrScheme>
+    <a:fontScheme name="Office">
+      <a:majorFont>
+        <a:latin typeface="Arial"/>
+        <a:ea typeface="DejaVu Sans"/>
+        <a:cs typeface="DejaVu Sans"/>
+      </a:majorFont>
+      <a:minorFont>
+        <a:latin typeface="Arial"/>
+        <a:ea typeface="DejaVu Sans"/>
+        <a:cs typeface="DejaVu Sans"/>
+      </a:minorFont>
+    </a:fontScheme>
+    <a:fmtScheme name="Office">
+      <a:fillStyleLst>
+        <a:solidFill>
+          <a:schemeClr val="phClr"/>
+        </a:solidFill>
+        <a:gradFill rotWithShape="1">
+          <a:gsLst>
+            <a:gs pos="0">
+              <a:schemeClr val="phClr">
+                <a:tint val="50000"/>
+                <a:satMod val="300000"/>
+              </a:schemeClr>
+            </a:gs>
+            <a:gs pos="35000">
+              <a:schemeClr val="phClr">
+                <a:tint val="37000"/>
+                <a:satMod val="300000"/>
+              </a:schemeClr>
+            </a:gs>
+            <a:gs pos="100000">
+              <a:schemeClr val="phClr">
+                <a:tint val="15000"/>
+                <a:satMod val="350000"/>
+              </a:schemeClr>
+            </a:gs>
+          </a:gsLst>
+          <a:lin ang="16200000" scaled="1"/>
+        </a:gradFill>
+        <a:gradFill rotWithShape="1">
+          <a:gsLst>
+            <a:gs pos="0">
+              <a:schemeClr val="phClr">
+                <a:shade val="51000"/>
+                <a:satMod val="130000"/>
+              </a:schemeClr>
+            </a:gs>
+            <a:gs pos="80000">
+              <a:schemeClr val="phClr">
+                <a:shade val="93000"/>
+                <a:satMod val="130000"/>
+              </a:schemeClr>
+            </a:gs>
+            <a:gs pos="100000">
+              <a:schemeClr val="phClr">
+                <a:shade val="94000"/>
+                <a:satMod val="135000"/>
+              </a:schemeClr>
+            </a:gs>
+          </a:gsLst>
+          <a:lin ang="16200000" scaled="0"/>
+        </a:gradFill>
+      </a:fillStyleLst>
+      <a:lnStyleLst>
+        <a:ln w="9525" cap="flat" cmpd="sng" algn="ctr">
+          <a:solidFill>
+            <a:schemeClr val="phClr">
+              <a:shade val="95000"/>
+              <a:satMod val="105000"/>
+            </a:schemeClr>
+          </a:solidFill>
+          <a:prstDash val="solid"/>
+        </a:ln>
+        <a:ln w="25400" cap="flat" cmpd="sng" algn="ctr">
+          <a:solidFill>
+            <a:schemeClr val="phClr"/>
+          </a:solidFill>
+          <a:prstDash val="solid"/>
+        </a:ln>
+        <a:ln w="38100" cap="flat" cmpd="sng" algn="ctr">
+          <a:solidFill>
+            <a:schemeClr val="phClr"/>
+          </a:solidFill>
+          <a:prstDash val="solid"/>
+        </a:ln>
+      </a:lnStyleLst>
+      <a:effectStyleLst>
+        <a:effectStyle>
+          <a:effectLst>
+            <a:outerShdw blurRad="40000" dist="20000" dir="5400000" rotWithShape="0">
+              <a:srgbClr val="000000">
+                <a:alpha val="38000"/>
+              </a:srgbClr>
+            </a:outerShdw>
+          </a:effectLst>
+        </a:effectStyle>
+        <a:effectStyle>
+          <a:effectLst>
+            <a:outerShdw blurRad="40000" dist="23000" dir="5400000" rotWithShape="0">
+              <a:srgbClr val="000000">
+                <a:alpha val="35000"/>
+              </a:srgbClr>
+            </a:outerShdw>
+          </a:effectLst>
+        </a:effectStyle>
+        <a:effectStyle>
+          <a:effectLst>
+            <a:outerShdw blurRad="40000" dist="23000" dir="5400000" rotWithShape="0">
+              <a:srgbClr val="000000">
+                <a:alpha val="35000"/>
+              </a:srgbClr>
+            </a:outerShdw>
+          </a:effectLst>
+          <a:scene3d>
+            <a:camera prst="orthographicFront">
+              <a:rot lat="0" lon="0" rev="0"/>
+            </a:camera>
+            <a:lightRig rig="threePt" dir="t">
+              <a:rot lat="0" lon="0" rev="1200000"/>
+            </a:lightRig>
+          </a:scene3d>
+          <a:sp3d>
+            <a:bevelT w="63500" h="25400"/>
+          </a:sp3d>
+        </a:effectStyle>
+      </a:effectStyleLst>
+      <a:bgFillStyleLst>
+        <a:solidFill>
+          <a:schemeClr val="phClr"/>
+        </a:solidFill>
+        <a:gradFill rotWithShape="1">
+          <a:gsLst>
+            <a:gs pos="0">
+              <a:schemeClr val="phClr">
+                <a:tint val="40000"/>
+                <a:satMod val="350000"/>
+              </a:schemeClr>
+            </a:gs>
+            <a:gs pos="40000">
+              <a:schemeClr val="phClr">
+                <a:tint val="45000"/>
+                <a:shade val="99000"/>
+                <a:satMod val="350000"/>
+              </a:schemeClr>
+            </a:gs>
+            <a:gs pos="100000">
+              <a:schemeClr val="phClr">
+                <a:shade val="20000"/>
+                <a:satMod val="255000"/>
+              </a:schemeClr>
+            </a:gs>
+          </a:gsLst>
+          <a:path path="circle">
+            <a:fillToRect l="50000" t="-80000" r="50000" b="180000"/>
+          </a:path>
+        </a:gradFill>
+        <a:gradFill rotWithShape="1">
+          <a:gsLst>
+            <a:gs pos="0">
+              <a:schemeClr val="phClr">
+                <a:tint val="80000"/>
+                <a:satMod val="300000"/>
+              </a:schemeClr>
+            </a:gs>
+            <a:gs pos="100000">
+              <a:schemeClr val="phClr">
+                <a:shade val="30000"/>
+                <a:satMod val="200000"/>
+              </a:schemeClr>
+            </a:gs>
+          </a:gsLst>
+          <a:path path="circle">
+            <a:fillToRect l="50000" t="50000" r="50000" b="50000"/>
+          </a:path>
+        </a:gradFill>
+      </a:bgFillStyleLst>
+    </a:fmtScheme>
+  </a:themeElements>
+</a:theme>
+</file>
+
+<file path=ppt/theme/theme4.xml><?xml version="1.0" encoding="utf-8"?>
+<a:theme xmlns:a="http://schemas.openxmlformats.org/drawingml/2006/main" name="Office Theme">
+  <a:themeElements>
+    <a:clrScheme name="Office">
+      <a:dk1>
+        <a:sysClr val="windowText" lastClr="000000"/>
+      </a:dk1>
+      <a:lt1>
+        <a:sysClr val="window" lastClr="FFFFFF"/>
+      </a:lt1>
+      <a:dk2>
+        <a:srgbClr val="1F497D"/>
+      </a:dk2>
+      <a:lt2>
+        <a:srgbClr val="EEECE1"/>
+      </a:lt2>
+      <a:accent1>
+        <a:srgbClr val="4F81BD"/>
+      </a:accent1>
+      <a:accent2>
+        <a:srgbClr val="C0504D"/>
+      </a:accent2>
+      <a:accent3>
+        <a:srgbClr val="9BBB59"/>
+      </a:accent3>
+      <a:accent4>
+        <a:srgbClr val="8064A2"/>
+      </a:accent4>
+      <a:accent5>
+        <a:srgbClr val="4BACC6"/>
+      </a:accent5>
+      <a:accent6>
+        <a:srgbClr val="F79646"/>
+      </a:accent6>
+      <a:hlink>
+        <a:srgbClr val="0000FF"/>
+      </a:hlink>
+      <a:folHlink>
+        <a:srgbClr val="800080"/>
+      </a:folHlink>
+    </a:clrScheme>
+    <a:fontScheme name="Office">
+      <a:majorFont>
+        <a:latin typeface="Arial"/>
+        <a:ea typeface="DejaVu Sans"/>
+        <a:cs typeface="DejaVu Sans"/>
+      </a:majorFont>
+      <a:minorFont>
+        <a:latin typeface="Arial"/>
+        <a:ea typeface="DejaVu Sans"/>
+        <a:cs typeface="DejaVu Sans"/>
+      </a:minorFont>
+    </a:fontScheme>
+    <a:fmtScheme name="Office">
+      <a:fillStyleLst>
+        <a:solidFill>
+          <a:schemeClr val="phClr"/>
+        </a:solidFill>
+        <a:gradFill rotWithShape="1">
+          <a:gsLst>
+            <a:gs pos="0">
+              <a:schemeClr val="phClr">
+                <a:tint val="50000"/>
+                <a:satMod val="300000"/>
+              </a:schemeClr>
+            </a:gs>
+            <a:gs pos="35000">
+              <a:schemeClr val="phClr">
+                <a:tint val="37000"/>
+                <a:satMod val="300000"/>
+              </a:schemeClr>
+            </a:gs>
+            <a:gs pos="100000">
+              <a:schemeClr val="phClr">
+                <a:tint val="15000"/>
+                <a:satMod val="350000"/>
+              </a:schemeClr>
+            </a:gs>
+          </a:gsLst>
+          <a:lin ang="16200000" scaled="1"/>
+        </a:gradFill>
+        <a:gradFill rotWithShape="1">
+          <a:gsLst>
+            <a:gs pos="0">
+              <a:schemeClr val="phClr">
+                <a:shade val="51000"/>
+                <a:satMod val="130000"/>
+              </a:schemeClr>
+            </a:gs>
+            <a:gs pos="80000">
+              <a:schemeClr val="phClr">
+                <a:shade val="93000"/>
+                <a:satMod val="130000"/>
+              </a:schemeClr>
+            </a:gs>
+            <a:gs pos="100000">
+              <a:schemeClr val="phClr">
+                <a:shade val="94000"/>
+                <a:satMod val="135000"/>
+              </a:schemeClr>
+            </a:gs>
+          </a:gsLst>
+          <a:lin ang="16200000" scaled="0"/>
+        </a:gradFill>
+      </a:fillStyleLst>
+      <a:lnStyleLst>
+        <a:ln w="9525" cap="flat" cmpd="sng" algn="ctr">
+          <a:solidFill>
+            <a:schemeClr val="phClr">
+              <a:shade val="95000"/>
+              <a:satMod val="105000"/>
+            </a:schemeClr>
+          </a:solidFill>
+          <a:prstDash val="solid"/>
+        </a:ln>
+        <a:ln w="25400" cap="flat" cmpd="sng" algn="ctr">
+          <a:solidFill>
+            <a:schemeClr val="phClr"/>
+          </a:solidFill>
+          <a:prstDash val="solid"/>
+        </a:ln>
+        <a:ln w="38100" cap="flat" cmpd="sng" algn="ctr">
+          <a:solidFill>
+            <a:schemeClr val="phClr"/>
+          </a:solidFill>
+          <a:prstDash val="solid"/>
+        </a:ln>
+      </a:lnStyleLst>
+      <a:effectStyleLst>
+        <a:effectStyle>
+          <a:effectLst>
+            <a:outerShdw blurRad="40000" dist="20000" dir="5400000" rotWithShape="0">
+              <a:srgbClr val="000000">
+                <a:alpha val="38000"/>
+              </a:srgbClr>
+            </a:outerShdw>
+          </a:effectLst>
+        </a:effectStyle>
+        <a:effectStyle>
+          <a:effectLst>
+            <a:outerShdw blurRad="40000" dist="23000" dir="5400000" rotWithShape="0">
+              <a:srgbClr val="000000">
+                <a:alpha val="35000"/>
+              </a:srgbClr>
+            </a:outerShdw>
+          </a:effectLst>
+        </a:effectStyle>
+        <a:effectStyle>
+          <a:effectLst>
+            <a:outerShdw blurRad="40000" dist="23000" dir="5400000" rotWithShape="0">
+              <a:srgbClr val="000000">
+                <a:alpha val="35000"/>
+              </a:srgbClr>
+            </a:outerShdw>
+          </a:effectLst>
+          <a:scene3d>
+            <a:camera prst="orthographicFront">
+              <a:rot lat="0" lon="0" rev="0"/>
+            </a:camera>
+            <a:lightRig rig="threePt" dir="t">
+              <a:rot lat="0" lon="0" rev="1200000"/>
+            </a:lightRig>
+          </a:scene3d>
+          <a:sp3d>
+            <a:bevelT w="63500" h="25400"/>
+          </a:sp3d>
+        </a:effectStyle>
+      </a:effectStyleLst>
+      <a:bgFillStyleLst>
+        <a:solidFill>
+          <a:schemeClr val="phClr"/>
+        </a:solidFill>
+        <a:gradFill rotWithShape="1">
+          <a:gsLst>
+            <a:gs pos="0">
+              <a:schemeClr val="phClr">
+                <a:tint val="40000"/>
+                <a:satMod val="350000"/>
+              </a:schemeClr>
+            </a:gs>
+            <a:gs pos="40000">
+              <a:schemeClr val="phClr">
+                <a:tint val="45000"/>
+                <a:shade val="99000"/>
+                <a:satMod val="350000"/>
+              </a:schemeClr>
+            </a:gs>
+            <a:gs pos="100000">
+              <a:schemeClr val="phClr">
+                <a:shade val="20000"/>
+                <a:satMod val="255000"/>
+              </a:schemeClr>
+            </a:gs>
+          </a:gsLst>
+          <a:path path="circle">
+            <a:fillToRect l="50000" t="-80000" r="50000" b="180000"/>
+          </a:path>
+        </a:gradFill>
+        <a:gradFill rotWithShape="1">
+          <a:gsLst>
+            <a:gs pos="0">
+              <a:schemeClr val="phClr">
+                <a:tint val="80000"/>
+                <a:satMod val="300000"/>
+              </a:schemeClr>
+            </a:gs>
+            <a:gs pos="100000">
+              <a:schemeClr val="phClr">
+                <a:shade val="30000"/>
+                <a:satMod val="200000"/>
+              </a:schemeClr>
+            </a:gs>
+          </a:gsLst>
+          <a:path path="circle">
+            <a:fillToRect l="50000" t="50000" r="50000" b="50000"/>
+          </a:path>
+        </a:gradFill>
+      </a:bgFillStyleLst>
+    </a:fmtScheme>
+  </a:themeElements>
+</a:theme>
 </file>
--- a/GM IT Hackathon PITCH Doc Time.pptx
+++ b/GM IT Hackathon PITCH Doc Time.pptx
@@ -5,18 +5,17 @@
     <p:sldMasterId id="2147483648" r:id="rId2"/>
     <p:sldMasterId id="2147483661" r:id="rId3"/>
     <p:sldMasterId id="2147483674" r:id="rId4"/>
-    <p:sldMasterId id="2147483687" r:id="rId5"/>
   </p:sldMasterIdLst>
   <p:sldIdLst>
-    <p:sldId id="256" r:id="rId6"/>
-    <p:sldId id="257" r:id="rId7"/>
-    <p:sldId id="258" r:id="rId8"/>
-    <p:sldId id="259" r:id="rId9"/>
-    <p:sldId id="260" r:id="rId10"/>
-    <p:sldId id="261" r:id="rId11"/>
-    <p:sldId id="262" r:id="rId12"/>
-    <p:sldId id="263" r:id="rId13"/>
-    <p:sldId id="264" r:id="rId14"/>
+    <p:sldId id="256" r:id="rId5"/>
+    <p:sldId id="257" r:id="rId6"/>
+    <p:sldId id="258" r:id="rId7"/>
+    <p:sldId id="259" r:id="rId8"/>
+    <p:sldId id="260" r:id="rId9"/>
+    <p:sldId id="261" r:id="rId10"/>
+    <p:sldId id="262" r:id="rId11"/>
+    <p:sldId id="263" r:id="rId12"/>
+    <p:sldId id="264" r:id="rId13"/>
   </p:sldIdLst>
   <p:sldSz cx="9144000" cy="6858000"/>
   <p:notesSz cx="7559675" cy="10691812"/>
@@ -75,7 +74,7 @@
         <p:spPr>
           <a:xfrm>
             <a:off x="457200" y="273600"/>
-            <a:ext cx="8229240" cy="1144800"/>
+            <a:ext cx="8228880" cy="1144440"/>
           </a:xfrm>
           <a:prstGeom prst="rect">
             <a:avLst/>
@@ -102,7 +101,7 @@
         <p:spPr>
           <a:xfrm>
             <a:off x="457200" y="1604520"/>
-            <a:ext cx="8229240" cy="1896840"/>
+            <a:ext cx="8228880" cy="1896840"/>
           </a:xfrm>
           <a:prstGeom prst="rect">
             <a:avLst/>
@@ -128,7 +127,7 @@
         <p:spPr>
           <a:xfrm>
             <a:off x="457200" y="3682080"/>
-            <a:ext cx="8229240" cy="1896840"/>
+            <a:ext cx="8228880" cy="1896840"/>
           </a:xfrm>
           <a:prstGeom prst="rect">
             <a:avLst/>
@@ -176,7 +175,7 @@
         <p:spPr>
           <a:xfrm>
             <a:off x="457200" y="273600"/>
-            <a:ext cx="8229240" cy="1144800"/>
+            <a:ext cx="8228880" cy="1144440"/>
           </a:xfrm>
           <a:prstGeom prst="rect">
             <a:avLst/>
@@ -203,7 +202,7 @@
         <p:spPr>
           <a:xfrm>
             <a:off x="457200" y="1604520"/>
-            <a:ext cx="4015800" cy="1896840"/>
+            <a:ext cx="4015440" cy="1896840"/>
           </a:xfrm>
           <a:prstGeom prst="rect">
             <a:avLst/>
@@ -228,8 +227,8 @@
         </p:nvSpPr>
         <p:spPr>
           <a:xfrm>
-            <a:off x="4674240" y="1604520"/>
-            <a:ext cx="4015800" cy="1896840"/>
+            <a:off x="4673880" y="1604520"/>
+            <a:ext cx="4015440" cy="1896840"/>
           </a:xfrm>
           <a:prstGeom prst="rect">
             <a:avLst/>
@@ -254,8 +253,8 @@
         </p:nvSpPr>
         <p:spPr>
           <a:xfrm>
-            <a:off x="4674240" y="3682080"/>
-            <a:ext cx="4015800" cy="1896840"/>
+            <a:off x="4673880" y="3682080"/>
+            <a:ext cx="4015440" cy="1896840"/>
           </a:xfrm>
           <a:prstGeom prst="rect">
             <a:avLst/>
@@ -281,7 +280,7 @@
         <p:spPr>
           <a:xfrm>
             <a:off x="457200" y="3682080"/>
-            <a:ext cx="4015800" cy="1896840"/>
+            <a:ext cx="4015440" cy="1896840"/>
           </a:xfrm>
           <a:prstGeom prst="rect">
             <a:avLst/>
@@ -329,7 +328,7 @@
         <p:spPr>
           <a:xfrm>
             <a:off x="457200" y="273600"/>
-            <a:ext cx="8229240" cy="1144800"/>
+            <a:ext cx="8228880" cy="1144440"/>
           </a:xfrm>
           <a:prstGeom prst="rect">
             <a:avLst/>
@@ -356,7 +355,7 @@
         <p:spPr>
           <a:xfrm>
             <a:off x="457200" y="1604520"/>
-            <a:ext cx="8229240" cy="3977280"/>
+            <a:ext cx="8228880" cy="3976920"/>
           </a:xfrm>
           <a:prstGeom prst="rect">
             <a:avLst/>
@@ -382,7 +381,7 @@
         <p:spPr>
           <a:xfrm>
             <a:off x="457200" y="1604520"/>
-            <a:ext cx="8229240" cy="3977280"/>
+            <a:ext cx="8228880" cy="3976920"/>
           </a:xfrm>
           <a:prstGeom prst="rect">
             <a:avLst/>
@@ -407,8 +406,8 @@
         </p:blipFill>
         <p:spPr>
           <a:xfrm>
-            <a:off x="2077920" y="1604520"/>
-            <a:ext cx="4987440" cy="3977280"/>
+            <a:off x="2077920" y="1604160"/>
+            <a:ext cx="4987080" cy="3976920"/>
           </a:xfrm>
           <a:prstGeom prst="rect">
             <a:avLst/>
@@ -430,8 +429,8 @@
         </p:blipFill>
         <p:spPr>
           <a:xfrm>
-            <a:off x="2077920" y="1604520"/>
-            <a:ext cx="4987440" cy="3977280"/>
+            <a:off x="2077920" y="1604160"/>
+            <a:ext cx="4987080" cy="3976920"/>
           </a:xfrm>
           <a:prstGeom prst="rect">
             <a:avLst/>
@@ -498,7 +497,7 @@
         <p:spPr>
           <a:xfrm>
             <a:off x="457200" y="273600"/>
-            <a:ext cx="8229240" cy="1144800"/>
+            <a:ext cx="8228880" cy="1144440"/>
           </a:xfrm>
           <a:prstGeom prst="rect">
             <a:avLst/>
@@ -525,7 +524,7 @@
         <p:spPr>
           <a:xfrm>
             <a:off x="457200" y="1604520"/>
-            <a:ext cx="8229240" cy="3977280"/>
+            <a:ext cx="8228880" cy="3976920"/>
           </a:xfrm>
           <a:prstGeom prst="rect">
             <a:avLst/>
@@ -574,7 +573,7 @@
         <p:spPr>
           <a:xfrm>
             <a:off x="457200" y="273600"/>
-            <a:ext cx="8229240" cy="1144800"/>
+            <a:ext cx="8228880" cy="1144440"/>
           </a:xfrm>
           <a:prstGeom prst="rect">
             <a:avLst/>
@@ -601,7 +600,7 @@
         <p:spPr>
           <a:xfrm>
             <a:off x="457200" y="1604520"/>
-            <a:ext cx="8229240" cy="3977280"/>
+            <a:ext cx="8228880" cy="3976920"/>
           </a:xfrm>
           <a:prstGeom prst="rect">
             <a:avLst/>
@@ -649,7 +648,7 @@
         <p:spPr>
           <a:xfrm>
             <a:off x="457200" y="273600"/>
-            <a:ext cx="8229240" cy="1144800"/>
+            <a:ext cx="8228880" cy="1144440"/>
           </a:xfrm>
           <a:prstGeom prst="rect">
             <a:avLst/>
@@ -676,7 +675,7 @@
         <p:spPr>
           <a:xfrm>
             <a:off x="457200" y="1604520"/>
-            <a:ext cx="4015800" cy="3977280"/>
+            <a:ext cx="4015440" cy="3976920"/>
           </a:xfrm>
           <a:prstGeom prst="rect">
             <a:avLst/>
@@ -701,8 +700,8 @@
         </p:nvSpPr>
         <p:spPr>
           <a:xfrm>
-            <a:off x="4674240" y="1604520"/>
-            <a:ext cx="4015800" cy="3977280"/>
+            <a:off x="4673880" y="1604520"/>
+            <a:ext cx="4015440" cy="3976920"/>
           </a:xfrm>
           <a:prstGeom prst="rect">
             <a:avLst/>
@@ -750,7 +749,7 @@
         <p:spPr>
           <a:xfrm>
             <a:off x="457200" y="273600"/>
-            <a:ext cx="8229240" cy="1144800"/>
+            <a:ext cx="8228880" cy="1144440"/>
           </a:xfrm>
           <a:prstGeom prst="rect">
             <a:avLst/>
@@ -799,7 +798,7 @@
         <p:spPr>
           <a:xfrm>
             <a:off x="457200" y="273600"/>
-            <a:ext cx="8229240" cy="5307840"/>
+            <a:ext cx="8228880" cy="5306400"/>
           </a:xfrm>
           <a:prstGeom prst="rect">
             <a:avLst/>
@@ -848,7 +847,7 @@
         <p:spPr>
           <a:xfrm>
             <a:off x="457200" y="273600"/>
-            <a:ext cx="8229240" cy="1144800"/>
+            <a:ext cx="8228880" cy="1144440"/>
           </a:xfrm>
           <a:prstGeom prst="rect">
             <a:avLst/>
@@ -875,7 +874,7 @@
         <p:spPr>
           <a:xfrm>
             <a:off x="457200" y="1604520"/>
-            <a:ext cx="4015800" cy="1896840"/>
+            <a:ext cx="4015440" cy="1896840"/>
           </a:xfrm>
           <a:prstGeom prst="rect">
             <a:avLst/>
@@ -901,7 +900,7 @@
         <p:spPr>
           <a:xfrm>
             <a:off x="457200" y="3682080"/>
-            <a:ext cx="4015800" cy="1896840"/>
+            <a:ext cx="4015440" cy="1896840"/>
           </a:xfrm>
           <a:prstGeom prst="rect">
             <a:avLst/>
@@ -926,8 +925,8 @@
         </p:nvSpPr>
         <p:spPr>
           <a:xfrm>
-            <a:off x="4674240" y="1604520"/>
-            <a:ext cx="4015800" cy="3977280"/>
+            <a:off x="4673880" y="1604520"/>
+            <a:ext cx="4015440" cy="3976920"/>
           </a:xfrm>
           <a:prstGeom prst="rect">
             <a:avLst/>
@@ -975,7 +974,7 @@
         <p:spPr>
           <a:xfrm>
             <a:off x="457200" y="273600"/>
-            <a:ext cx="8229240" cy="1144800"/>
+            <a:ext cx="8228880" cy="1144440"/>
           </a:xfrm>
           <a:prstGeom prst="rect">
             <a:avLst/>
@@ -1002,7 +1001,7 @@
         <p:spPr>
           <a:xfrm>
             <a:off x="457200" y="1604520"/>
-            <a:ext cx="8229240" cy="3977280"/>
+            <a:ext cx="8228880" cy="3976920"/>
           </a:xfrm>
           <a:prstGeom prst="rect">
             <a:avLst/>
@@ -1051,7 +1050,7 @@
         <p:spPr>
           <a:xfrm>
             <a:off x="457200" y="273600"/>
-            <a:ext cx="8229240" cy="1144800"/>
+            <a:ext cx="8228880" cy="1144440"/>
           </a:xfrm>
           <a:prstGeom prst="rect">
             <a:avLst/>
@@ -1078,7 +1077,7 @@
         <p:spPr>
           <a:xfrm>
             <a:off x="457200" y="1604520"/>
-            <a:ext cx="4015800" cy="3977280"/>
+            <a:ext cx="4015440" cy="3976920"/>
           </a:xfrm>
           <a:prstGeom prst="rect">
             <a:avLst/>
@@ -1103,8 +1102,8 @@
         </p:nvSpPr>
         <p:spPr>
           <a:xfrm>
-            <a:off x="4674240" y="1604520"/>
-            <a:ext cx="4015800" cy="1896840"/>
+            <a:off x="4673880" y="1604520"/>
+            <a:ext cx="4015440" cy="1896840"/>
           </a:xfrm>
           <a:prstGeom prst="rect">
             <a:avLst/>
@@ -1129,8 +1128,8 @@
         </p:nvSpPr>
         <p:spPr>
           <a:xfrm>
-            <a:off x="4674240" y="3682080"/>
-            <a:ext cx="4015800" cy="1896840"/>
+            <a:off x="4673880" y="3682080"/>
+            <a:ext cx="4015440" cy="1896840"/>
           </a:xfrm>
           <a:prstGeom prst="rect">
             <a:avLst/>
@@ -1178,7 +1177,7 @@
         <p:spPr>
           <a:xfrm>
             <a:off x="457200" y="273600"/>
-            <a:ext cx="8229240" cy="1144800"/>
+            <a:ext cx="8228880" cy="1144440"/>
           </a:xfrm>
           <a:prstGeom prst="rect">
             <a:avLst/>
@@ -1205,7 +1204,7 @@
         <p:spPr>
           <a:xfrm>
             <a:off x="457200" y="1604520"/>
-            <a:ext cx="4015800" cy="1896840"/>
+            <a:ext cx="4015440" cy="1896840"/>
           </a:xfrm>
           <a:prstGeom prst="rect">
             <a:avLst/>
@@ -1230,8 +1229,8 @@
         </p:nvSpPr>
         <p:spPr>
           <a:xfrm>
-            <a:off x="4674240" y="1604520"/>
-            <a:ext cx="4015800" cy="1896840"/>
+            <a:off x="4673880" y="1604520"/>
+            <a:ext cx="4015440" cy="1896840"/>
           </a:xfrm>
           <a:prstGeom prst="rect">
             <a:avLst/>
@@ -1257,7 +1256,7 @@
         <p:spPr>
           <a:xfrm>
             <a:off x="457200" y="3682080"/>
-            <a:ext cx="8229240" cy="1896840"/>
+            <a:ext cx="8228880" cy="1896840"/>
           </a:xfrm>
           <a:prstGeom prst="rect">
             <a:avLst/>
@@ -1305,7 +1304,7 @@
         <p:spPr>
           <a:xfrm>
             <a:off x="457200" y="273600"/>
-            <a:ext cx="8229240" cy="1144800"/>
+            <a:ext cx="8228880" cy="1144440"/>
           </a:xfrm>
           <a:prstGeom prst="rect">
             <a:avLst/>
@@ -1332,7 +1331,7 @@
         <p:spPr>
           <a:xfrm>
             <a:off x="457200" y="1604520"/>
-            <a:ext cx="8229240" cy="1896840"/>
+            <a:ext cx="8228880" cy="1896840"/>
           </a:xfrm>
           <a:prstGeom prst="rect">
             <a:avLst/>
@@ -1358,7 +1357,7 @@
         <p:spPr>
           <a:xfrm>
             <a:off x="457200" y="3682080"/>
-            <a:ext cx="8229240" cy="1896840"/>
+            <a:ext cx="8228880" cy="1896840"/>
           </a:xfrm>
           <a:prstGeom prst="rect">
             <a:avLst/>
@@ -1406,7 +1405,7 @@
         <p:spPr>
           <a:xfrm>
             <a:off x="457200" y="273600"/>
-            <a:ext cx="8229240" cy="1144800"/>
+            <a:ext cx="8228880" cy="1144440"/>
           </a:xfrm>
           <a:prstGeom prst="rect">
             <a:avLst/>
@@ -1433,7 +1432,7 @@
         <p:spPr>
           <a:xfrm>
             <a:off x="457200" y="1604520"/>
-            <a:ext cx="4015800" cy="1896840"/>
+            <a:ext cx="4015440" cy="1896840"/>
           </a:xfrm>
           <a:prstGeom prst="rect">
             <a:avLst/>
@@ -1458,8 +1457,8 @@
         </p:nvSpPr>
         <p:spPr>
           <a:xfrm>
-            <a:off x="4674240" y="1604520"/>
-            <a:ext cx="4015800" cy="1896840"/>
+            <a:off x="4673880" y="1604520"/>
+            <a:ext cx="4015440" cy="1896840"/>
           </a:xfrm>
           <a:prstGeom prst="rect">
             <a:avLst/>
@@ -1484,8 +1483,8 @@
         </p:nvSpPr>
         <p:spPr>
           <a:xfrm>
-            <a:off x="4674240" y="3682080"/>
-            <a:ext cx="4015800" cy="1896840"/>
+            <a:off x="4673880" y="3682080"/>
+            <a:ext cx="4015440" cy="1896840"/>
           </a:xfrm>
           <a:prstGeom prst="rect">
             <a:avLst/>
@@ -1511,7 +1510,7 @@
         <p:spPr>
           <a:xfrm>
             <a:off x="457200" y="3682080"/>
-            <a:ext cx="4015800" cy="1896840"/>
+            <a:ext cx="4015440" cy="1896840"/>
           </a:xfrm>
           <a:prstGeom prst="rect">
             <a:avLst/>
@@ -1559,7 +1558,7 @@
         <p:spPr>
           <a:xfrm>
             <a:off x="457200" y="273600"/>
-            <a:ext cx="8229240" cy="1144800"/>
+            <a:ext cx="8228880" cy="1144440"/>
           </a:xfrm>
           <a:prstGeom prst="rect">
             <a:avLst/>
@@ -1586,7 +1585,7 @@
         <p:spPr>
           <a:xfrm>
             <a:off x="457200" y="1604520"/>
-            <a:ext cx="8229240" cy="3977280"/>
+            <a:ext cx="8228880" cy="3976920"/>
           </a:xfrm>
           <a:prstGeom prst="rect">
             <a:avLst/>
@@ -1612,7 +1611,7 @@
         <p:spPr>
           <a:xfrm>
             <a:off x="457200" y="1604520"/>
-            <a:ext cx="8229240" cy="3977280"/>
+            <a:ext cx="8228880" cy="3976920"/>
           </a:xfrm>
           <a:prstGeom prst="rect">
             <a:avLst/>
@@ -1637,8 +1636,8 @@
         </p:blipFill>
         <p:spPr>
           <a:xfrm>
-            <a:off x="2077920" y="1604520"/>
-            <a:ext cx="4987440" cy="3977280"/>
+            <a:off x="2077920" y="1604160"/>
+            <a:ext cx="4987080" cy="3976920"/>
           </a:xfrm>
           <a:prstGeom prst="rect">
             <a:avLst/>
@@ -1660,8 +1659,8 @@
         </p:blipFill>
         <p:spPr>
           <a:xfrm>
-            <a:off x="2077920" y="1604520"/>
-            <a:ext cx="4987440" cy="3977280"/>
+            <a:off x="2077920" y="1604160"/>
+            <a:ext cx="4987080" cy="3976920"/>
           </a:xfrm>
           <a:prstGeom prst="rect">
             <a:avLst/>
@@ -1717,7 +1716,7 @@
       </p:grpSpPr>
       <p:sp>
         <p:nvSpPr>
-          <p:cNvPr id="85" name="PlaceHolder 1"/>
+          <p:cNvPr id="84" name="PlaceHolder 1"/>
           <p:cNvSpPr>
             <a:spLocks noGrp="1"/>
           </p:cNvSpPr>
@@ -1728,7 +1727,7 @@
         <p:spPr>
           <a:xfrm>
             <a:off x="457200" y="273600"/>
-            <a:ext cx="8229240" cy="1144800"/>
+            <a:ext cx="8228880" cy="1144440"/>
           </a:xfrm>
           <a:prstGeom prst="rect">
             <a:avLst/>
@@ -1744,7 +1743,7 @@
       </p:sp>
       <p:sp>
         <p:nvSpPr>
-          <p:cNvPr id="86" name="PlaceHolder 2"/>
+          <p:cNvPr id="85" name="PlaceHolder 2"/>
           <p:cNvSpPr>
             <a:spLocks noGrp="1"/>
           </p:cNvSpPr>
@@ -1755,7 +1754,7 @@
         <p:spPr>
           <a:xfrm>
             <a:off x="457200" y="1604520"/>
-            <a:ext cx="8229240" cy="3977280"/>
+            <a:ext cx="8228880" cy="3976920"/>
           </a:xfrm>
           <a:prstGeom prst="rect">
             <a:avLst/>
@@ -1793,7 +1792,7 @@
       </p:grpSpPr>
       <p:sp>
         <p:nvSpPr>
-          <p:cNvPr id="87" name="PlaceHolder 1"/>
+          <p:cNvPr id="86" name="PlaceHolder 1"/>
           <p:cNvSpPr>
             <a:spLocks noGrp="1"/>
           </p:cNvSpPr>
@@ -1804,7 +1803,7 @@
         <p:spPr>
           <a:xfrm>
             <a:off x="457200" y="273600"/>
-            <a:ext cx="8229240" cy="1144800"/>
+            <a:ext cx="8228880" cy="1144440"/>
           </a:xfrm>
           <a:prstGeom prst="rect">
             <a:avLst/>
@@ -1820,7 +1819,7 @@
       </p:sp>
       <p:sp>
         <p:nvSpPr>
-          <p:cNvPr id="88" name="PlaceHolder 2"/>
+          <p:cNvPr id="87" name="PlaceHolder 2"/>
           <p:cNvSpPr>
             <a:spLocks noGrp="1"/>
           </p:cNvSpPr>
@@ -1831,7 +1830,7 @@
         <p:spPr>
           <a:xfrm>
             <a:off x="457200" y="1604520"/>
-            <a:ext cx="8229240" cy="3977280"/>
+            <a:ext cx="8228880" cy="3976920"/>
           </a:xfrm>
           <a:prstGeom prst="rect">
             <a:avLst/>
@@ -1868,7 +1867,7 @@
       </p:grpSpPr>
       <p:sp>
         <p:nvSpPr>
-          <p:cNvPr id="89" name="PlaceHolder 1"/>
+          <p:cNvPr id="88" name="PlaceHolder 1"/>
           <p:cNvSpPr>
             <a:spLocks noGrp="1"/>
           </p:cNvSpPr>
@@ -1879,7 +1878,7 @@
         <p:spPr>
           <a:xfrm>
             <a:off x="457200" y="273600"/>
-            <a:ext cx="8229240" cy="1144800"/>
+            <a:ext cx="8228880" cy="1144440"/>
           </a:xfrm>
           <a:prstGeom prst="rect">
             <a:avLst/>
@@ -1895,7 +1894,7 @@
       </p:sp>
       <p:sp>
         <p:nvSpPr>
-          <p:cNvPr id="90" name="PlaceHolder 2"/>
+          <p:cNvPr id="89" name="PlaceHolder 2"/>
           <p:cNvSpPr>
             <a:spLocks noGrp="1"/>
           </p:cNvSpPr>
@@ -1906,7 +1905,7 @@
         <p:spPr>
           <a:xfrm>
             <a:off x="457200" y="1604520"/>
-            <a:ext cx="4015800" cy="3977280"/>
+            <a:ext cx="4015440" cy="3976920"/>
           </a:xfrm>
           <a:prstGeom prst="rect">
             <a:avLst/>
@@ -1921,7 +1920,7 @@
       </p:sp>
       <p:sp>
         <p:nvSpPr>
-          <p:cNvPr id="91" name="PlaceHolder 3"/>
+          <p:cNvPr id="90" name="PlaceHolder 3"/>
           <p:cNvSpPr>
             <a:spLocks noGrp="1"/>
           </p:cNvSpPr>
@@ -1931,8 +1930,8 @@
         </p:nvSpPr>
         <p:spPr>
           <a:xfrm>
-            <a:off x="4674240" y="1604520"/>
-            <a:ext cx="4015800" cy="3977280"/>
+            <a:off x="4673880" y="1604520"/>
+            <a:ext cx="4015440" cy="3976920"/>
           </a:xfrm>
           <a:prstGeom prst="rect">
             <a:avLst/>
@@ -1969,7 +1968,7 @@
       </p:grpSpPr>
       <p:sp>
         <p:nvSpPr>
-          <p:cNvPr id="92" name="PlaceHolder 1"/>
+          <p:cNvPr id="91" name="PlaceHolder 1"/>
           <p:cNvSpPr>
             <a:spLocks noGrp="1"/>
           </p:cNvSpPr>
@@ -1980,7 +1979,7 @@
         <p:spPr>
           <a:xfrm>
             <a:off x="457200" y="273600"/>
-            <a:ext cx="8229240" cy="1144800"/>
+            <a:ext cx="8228880" cy="1144440"/>
           </a:xfrm>
           <a:prstGeom prst="rect">
             <a:avLst/>
@@ -2029,7 +2028,7 @@
         <p:spPr>
           <a:xfrm>
             <a:off x="457200" y="273600"/>
-            <a:ext cx="8229240" cy="1144800"/>
+            <a:ext cx="8228880" cy="1144440"/>
           </a:xfrm>
           <a:prstGeom prst="rect">
             <a:avLst/>
@@ -2056,7 +2055,7 @@
         <p:spPr>
           <a:xfrm>
             <a:off x="457200" y="1604520"/>
-            <a:ext cx="8229240" cy="3977280"/>
+            <a:ext cx="8228880" cy="3976920"/>
           </a:xfrm>
           <a:prstGeom prst="rect">
             <a:avLst/>
@@ -2093,7 +2092,7 @@
       </p:grpSpPr>
       <p:sp>
         <p:nvSpPr>
-          <p:cNvPr id="93" name="PlaceHolder 1"/>
+          <p:cNvPr id="92" name="PlaceHolder 1"/>
           <p:cNvSpPr>
             <a:spLocks noGrp="1"/>
           </p:cNvSpPr>
@@ -2104,7 +2103,7 @@
         <p:spPr>
           <a:xfrm>
             <a:off x="457200" y="273600"/>
-            <a:ext cx="8229240" cy="5307840"/>
+            <a:ext cx="8228880" cy="5306400"/>
           </a:xfrm>
           <a:prstGeom prst="rect">
             <a:avLst/>
@@ -2142,7 +2141,7 @@
       </p:grpSpPr>
       <p:sp>
         <p:nvSpPr>
-          <p:cNvPr id="94" name="PlaceHolder 1"/>
+          <p:cNvPr id="93" name="PlaceHolder 1"/>
           <p:cNvSpPr>
             <a:spLocks noGrp="1"/>
           </p:cNvSpPr>
@@ -2153,7 +2152,7 @@
         <p:spPr>
           <a:xfrm>
             <a:off x="457200" y="273600"/>
-            <a:ext cx="8229240" cy="1144800"/>
+            <a:ext cx="8228880" cy="1144440"/>
           </a:xfrm>
           <a:prstGeom prst="rect">
             <a:avLst/>
@@ -2169,7 +2168,7 @@
       </p:sp>
       <p:sp>
         <p:nvSpPr>
-          <p:cNvPr id="95" name="PlaceHolder 2"/>
+          <p:cNvPr id="94" name="PlaceHolder 2"/>
           <p:cNvSpPr>
             <a:spLocks noGrp="1"/>
           </p:cNvSpPr>
@@ -2180,7 +2179,7 @@
         <p:spPr>
           <a:xfrm>
             <a:off x="457200" y="1604520"/>
-            <a:ext cx="4015800" cy="1896840"/>
+            <a:ext cx="4015440" cy="1896840"/>
           </a:xfrm>
           <a:prstGeom prst="rect">
             <a:avLst/>
@@ -2195,7 +2194,7 @@
       </p:sp>
       <p:sp>
         <p:nvSpPr>
-          <p:cNvPr id="96" name="PlaceHolder 3"/>
+          <p:cNvPr id="95" name="PlaceHolder 3"/>
           <p:cNvSpPr>
             <a:spLocks noGrp="1"/>
           </p:cNvSpPr>
@@ -2206,7 +2205,7 @@
         <p:spPr>
           <a:xfrm>
             <a:off x="457200" y="3682080"/>
-            <a:ext cx="4015800" cy="1896840"/>
+            <a:ext cx="4015440" cy="1896840"/>
           </a:xfrm>
           <a:prstGeom prst="rect">
             <a:avLst/>
@@ -2221,7 +2220,7 @@
       </p:sp>
       <p:sp>
         <p:nvSpPr>
-          <p:cNvPr id="97" name="PlaceHolder 4"/>
+          <p:cNvPr id="96" name="PlaceHolder 4"/>
           <p:cNvSpPr>
             <a:spLocks noGrp="1"/>
           </p:cNvSpPr>
@@ -2231,8 +2230,8 @@
         </p:nvSpPr>
         <p:spPr>
           <a:xfrm>
-            <a:off x="4674240" y="1604520"/>
-            <a:ext cx="4015800" cy="3977280"/>
+            <a:off x="4673880" y="1604520"/>
+            <a:ext cx="4015440" cy="3976920"/>
           </a:xfrm>
           <a:prstGeom prst="rect">
             <a:avLst/>
@@ -2269,7 +2268,7 @@
       </p:grpSpPr>
       <p:sp>
         <p:nvSpPr>
-          <p:cNvPr id="98" name="PlaceHolder 1"/>
+          <p:cNvPr id="97" name="PlaceHolder 1"/>
           <p:cNvSpPr>
             <a:spLocks noGrp="1"/>
           </p:cNvSpPr>
@@ -2280,7 +2279,7 @@
         <p:spPr>
           <a:xfrm>
             <a:off x="457200" y="273600"/>
-            <a:ext cx="8229240" cy="1144800"/>
+            <a:ext cx="8228880" cy="1144440"/>
           </a:xfrm>
           <a:prstGeom prst="rect">
             <a:avLst/>
@@ -2296,7 +2295,7 @@
       </p:sp>
       <p:sp>
         <p:nvSpPr>
-          <p:cNvPr id="99" name="PlaceHolder 2"/>
+          <p:cNvPr id="98" name="PlaceHolder 2"/>
           <p:cNvSpPr>
             <a:spLocks noGrp="1"/>
           </p:cNvSpPr>
@@ -2307,7 +2306,7 @@
         <p:spPr>
           <a:xfrm>
             <a:off x="457200" y="1604520"/>
-            <a:ext cx="4015800" cy="3977280"/>
+            <a:ext cx="4015440" cy="3976920"/>
           </a:xfrm>
           <a:prstGeom prst="rect">
             <a:avLst/>
@@ -2322,7 +2321,7 @@
       </p:sp>
       <p:sp>
         <p:nvSpPr>
-          <p:cNvPr id="100" name="PlaceHolder 3"/>
+          <p:cNvPr id="99" name="PlaceHolder 3"/>
           <p:cNvSpPr>
             <a:spLocks noGrp="1"/>
           </p:cNvSpPr>
@@ -2332,8 +2331,8 @@
         </p:nvSpPr>
         <p:spPr>
           <a:xfrm>
-            <a:off x="4674240" y="1604520"/>
-            <a:ext cx="4015800" cy="1896840"/>
+            <a:off x="4673880" y="1604520"/>
+            <a:ext cx="4015440" cy="1896840"/>
           </a:xfrm>
           <a:prstGeom prst="rect">
             <a:avLst/>
@@ -2348,7 +2347,7 @@
       </p:sp>
       <p:sp>
         <p:nvSpPr>
-          <p:cNvPr id="101" name="PlaceHolder 4"/>
+          <p:cNvPr id="100" name="PlaceHolder 4"/>
           <p:cNvSpPr>
             <a:spLocks noGrp="1"/>
           </p:cNvSpPr>
@@ -2358,8 +2357,8 @@
         </p:nvSpPr>
         <p:spPr>
           <a:xfrm>
-            <a:off x="4674240" y="3682080"/>
-            <a:ext cx="4015800" cy="1896840"/>
+            <a:off x="4673880" y="3682080"/>
+            <a:ext cx="4015440" cy="1896840"/>
           </a:xfrm>
           <a:prstGeom prst="rect">
             <a:avLst/>
@@ -2396,7 +2395,7 @@
       </p:grpSpPr>
       <p:sp>
         <p:nvSpPr>
-          <p:cNvPr id="102" name="PlaceHolder 1"/>
+          <p:cNvPr id="101" name="PlaceHolder 1"/>
           <p:cNvSpPr>
             <a:spLocks noGrp="1"/>
           </p:cNvSpPr>
@@ -2407,7 +2406,7 @@
         <p:spPr>
           <a:xfrm>
             <a:off x="457200" y="273600"/>
-            <a:ext cx="8229240" cy="1144800"/>
+            <a:ext cx="8228880" cy="1144440"/>
           </a:xfrm>
           <a:prstGeom prst="rect">
             <a:avLst/>
@@ -2423,7 +2422,7 @@
       </p:sp>
       <p:sp>
         <p:nvSpPr>
-          <p:cNvPr id="103" name="PlaceHolder 2"/>
+          <p:cNvPr id="102" name="PlaceHolder 2"/>
           <p:cNvSpPr>
             <a:spLocks noGrp="1"/>
           </p:cNvSpPr>
@@ -2434,7 +2433,7 @@
         <p:spPr>
           <a:xfrm>
             <a:off x="457200" y="1604520"/>
-            <a:ext cx="4015800" cy="1896840"/>
+            <a:ext cx="4015440" cy="1896840"/>
           </a:xfrm>
           <a:prstGeom prst="rect">
             <a:avLst/>
@@ -2449,7 +2448,7 @@
       </p:sp>
       <p:sp>
         <p:nvSpPr>
-          <p:cNvPr id="104" name="PlaceHolder 3"/>
+          <p:cNvPr id="103" name="PlaceHolder 3"/>
           <p:cNvSpPr>
             <a:spLocks noGrp="1"/>
           </p:cNvSpPr>
@@ -2459,8 +2458,8 @@
         </p:nvSpPr>
         <p:spPr>
           <a:xfrm>
-            <a:off x="4674240" y="1604520"/>
-            <a:ext cx="4015800" cy="1896840"/>
+            <a:off x="4673880" y="1604520"/>
+            <a:ext cx="4015440" cy="1896840"/>
           </a:xfrm>
           <a:prstGeom prst="rect">
             <a:avLst/>
@@ -2475,7 +2474,7 @@
       </p:sp>
       <p:sp>
         <p:nvSpPr>
-          <p:cNvPr id="105" name="PlaceHolder 4"/>
+          <p:cNvPr id="104" name="PlaceHolder 4"/>
           <p:cNvSpPr>
             <a:spLocks noGrp="1"/>
           </p:cNvSpPr>
@@ -2486,7 +2485,7 @@
         <p:spPr>
           <a:xfrm>
             <a:off x="457200" y="3682080"/>
-            <a:ext cx="8229240" cy="1896840"/>
+            <a:ext cx="8228880" cy="1896840"/>
           </a:xfrm>
           <a:prstGeom prst="rect">
             <a:avLst/>
@@ -2523,7 +2522,7 @@
       </p:grpSpPr>
       <p:sp>
         <p:nvSpPr>
-          <p:cNvPr id="106" name="PlaceHolder 1"/>
+          <p:cNvPr id="105" name="PlaceHolder 1"/>
           <p:cNvSpPr>
             <a:spLocks noGrp="1"/>
           </p:cNvSpPr>
@@ -2534,7 +2533,7 @@
         <p:spPr>
           <a:xfrm>
             <a:off x="457200" y="273600"/>
-            <a:ext cx="8229240" cy="1144800"/>
+            <a:ext cx="8228880" cy="1144440"/>
           </a:xfrm>
           <a:prstGeom prst="rect">
             <a:avLst/>
@@ -2550,7 +2549,7 @@
       </p:sp>
       <p:sp>
         <p:nvSpPr>
-          <p:cNvPr id="107" name="PlaceHolder 2"/>
+          <p:cNvPr id="106" name="PlaceHolder 2"/>
           <p:cNvSpPr>
             <a:spLocks noGrp="1"/>
           </p:cNvSpPr>
@@ -2561,7 +2560,7 @@
         <p:spPr>
           <a:xfrm>
             <a:off x="457200" y="1604520"/>
-            <a:ext cx="8229240" cy="1896840"/>
+            <a:ext cx="8228880" cy="1896840"/>
           </a:xfrm>
           <a:prstGeom prst="rect">
             <a:avLst/>
@@ -2576,7 +2575,7 @@
       </p:sp>
       <p:sp>
         <p:nvSpPr>
-          <p:cNvPr id="108" name="PlaceHolder 3"/>
+          <p:cNvPr id="107" name="PlaceHolder 3"/>
           <p:cNvSpPr>
             <a:spLocks noGrp="1"/>
           </p:cNvSpPr>
@@ -2587,7 +2586,7 @@
         <p:spPr>
           <a:xfrm>
             <a:off x="457200" y="3682080"/>
-            <a:ext cx="8229240" cy="1896840"/>
+            <a:ext cx="8228880" cy="1896840"/>
           </a:xfrm>
           <a:prstGeom prst="rect">
             <a:avLst/>
@@ -2624,7 +2623,7 @@
       </p:grpSpPr>
       <p:sp>
         <p:nvSpPr>
-          <p:cNvPr id="109" name="PlaceHolder 1"/>
+          <p:cNvPr id="108" name="PlaceHolder 1"/>
           <p:cNvSpPr>
             <a:spLocks noGrp="1"/>
           </p:cNvSpPr>
@@ -2635,7 +2634,7 @@
         <p:spPr>
           <a:xfrm>
             <a:off x="457200" y="273600"/>
-            <a:ext cx="8229240" cy="1144800"/>
+            <a:ext cx="8228880" cy="1144440"/>
           </a:xfrm>
           <a:prstGeom prst="rect">
             <a:avLst/>
@@ -2651,7 +2650,7 @@
       </p:sp>
       <p:sp>
         <p:nvSpPr>
-          <p:cNvPr id="110" name="PlaceHolder 2"/>
+          <p:cNvPr id="109" name="PlaceHolder 2"/>
           <p:cNvSpPr>
             <a:spLocks noGrp="1"/>
           </p:cNvSpPr>
@@ -2662,7 +2661,7 @@
         <p:spPr>
           <a:xfrm>
             <a:off x="457200" y="1604520"/>
-            <a:ext cx="4015800" cy="1896840"/>
+            <a:ext cx="4015440" cy="1896840"/>
           </a:xfrm>
           <a:prstGeom prst="rect">
             <a:avLst/>
@@ -2677,7 +2676,7 @@
       </p:sp>
       <p:sp>
         <p:nvSpPr>
-          <p:cNvPr id="111" name="PlaceHolder 3"/>
+          <p:cNvPr id="110" name="PlaceHolder 3"/>
           <p:cNvSpPr>
             <a:spLocks noGrp="1"/>
           </p:cNvSpPr>
@@ -2687,8 +2686,8 @@
         </p:nvSpPr>
         <p:spPr>
           <a:xfrm>
-            <a:off x="4674240" y="1604520"/>
-            <a:ext cx="4015800" cy="1896840"/>
+            <a:off x="4673880" y="1604520"/>
+            <a:ext cx="4015440" cy="1896840"/>
           </a:xfrm>
           <a:prstGeom prst="rect">
             <a:avLst/>
@@ -2703,7 +2702,7 @@
       </p:sp>
       <p:sp>
         <p:nvSpPr>
-          <p:cNvPr id="112" name="PlaceHolder 4"/>
+          <p:cNvPr id="111" name="PlaceHolder 4"/>
           <p:cNvSpPr>
             <a:spLocks noGrp="1"/>
           </p:cNvSpPr>
@@ -2713,8 +2712,8 @@
         </p:nvSpPr>
         <p:spPr>
           <a:xfrm>
-            <a:off x="4674240" y="3682080"/>
-            <a:ext cx="4015800" cy="1896840"/>
+            <a:off x="4673880" y="3682080"/>
+            <a:ext cx="4015440" cy="1896840"/>
           </a:xfrm>
           <a:prstGeom prst="rect">
             <a:avLst/>
@@ -2729,7 +2728,7 @@
       </p:sp>
       <p:sp>
         <p:nvSpPr>
-          <p:cNvPr id="113" name="PlaceHolder 5"/>
+          <p:cNvPr id="112" name="PlaceHolder 5"/>
           <p:cNvSpPr>
             <a:spLocks noGrp="1"/>
           </p:cNvSpPr>
@@ -2740,7 +2739,7 @@
         <p:spPr>
           <a:xfrm>
             <a:off x="457200" y="3682080"/>
-            <a:ext cx="4015800" cy="1896840"/>
+            <a:ext cx="4015440" cy="1896840"/>
           </a:xfrm>
           <a:prstGeom prst="rect">
             <a:avLst/>
@@ -2777,7 +2776,7 @@
       </p:grpSpPr>
       <p:sp>
         <p:nvSpPr>
-          <p:cNvPr id="114" name="PlaceHolder 1"/>
+          <p:cNvPr id="113" name="PlaceHolder 1"/>
           <p:cNvSpPr>
             <a:spLocks noGrp="1"/>
           </p:cNvSpPr>
@@ -2788,7 +2787,7 @@
         <p:spPr>
           <a:xfrm>
             <a:off x="457200" y="273600"/>
-            <a:ext cx="8229240" cy="1144800"/>
+            <a:ext cx="8228880" cy="1144440"/>
           </a:xfrm>
           <a:prstGeom prst="rect">
             <a:avLst/>
@@ -2804,7 +2803,7 @@
       </p:sp>
       <p:sp>
         <p:nvSpPr>
-          <p:cNvPr id="115" name="PlaceHolder 2"/>
+          <p:cNvPr id="114" name="PlaceHolder 2"/>
           <p:cNvSpPr>
             <a:spLocks noGrp="1"/>
           </p:cNvSpPr>
@@ -2815,7 +2814,7 @@
         <p:spPr>
           <a:xfrm>
             <a:off x="457200" y="1604520"/>
-            <a:ext cx="8229240" cy="3977280"/>
+            <a:ext cx="8228880" cy="3976920"/>
           </a:xfrm>
           <a:prstGeom prst="rect">
             <a:avLst/>
@@ -2830,7 +2829,7 @@
       </p:sp>
       <p:sp>
         <p:nvSpPr>
-          <p:cNvPr id="116" name="PlaceHolder 3"/>
+          <p:cNvPr id="115" name="PlaceHolder 3"/>
           <p:cNvSpPr>
             <a:spLocks noGrp="1"/>
           </p:cNvSpPr>
@@ -2841,7 +2840,7 @@
         <p:spPr>
           <a:xfrm>
             <a:off x="457200" y="1604520"/>
-            <a:ext cx="8229240" cy="3977280"/>
+            <a:ext cx="8228880" cy="3976920"/>
           </a:xfrm>
           <a:prstGeom prst="rect">
             <a:avLst/>
@@ -2854,6 +2853,29 @@
           </a:p>
         </p:txBody>
       </p:sp>
+      <p:pic>
+        <p:nvPicPr>
+          <p:cNvPr id="116" name="" descr=""/>
+          <p:cNvPicPr/>
+          <p:nvPr/>
+        </p:nvPicPr>
+        <p:blipFill>
+          <a:blip r:embed="rId2"/>
+          <a:stretch/>
+        </p:blipFill>
+        <p:spPr>
+          <a:xfrm>
+            <a:off x="2077920" y="1604160"/>
+            <a:ext cx="4987080" cy="3976920"/>
+          </a:xfrm>
+          <a:prstGeom prst="rect">
+            <a:avLst/>
+          </a:prstGeom>
+          <a:ln>
+            <a:noFill/>
+          </a:ln>
+        </p:spPr>
+      </p:pic>
       <p:pic>
         <p:nvPicPr>
           <p:cNvPr id="117" name="" descr=""/>
@@ -2861,13 +2883,13 @@
           <p:nvPr/>
         </p:nvPicPr>
         <p:blipFill>
-          <a:blip r:embed="rId2"/>
+          <a:blip r:embed="rId3"/>
           <a:stretch/>
         </p:blipFill>
         <p:spPr>
           <a:xfrm>
-            <a:off x="2077920" y="1604520"/>
-            <a:ext cx="4987440" cy="3977280"/>
+            <a:off x="2077920" y="1604160"/>
+            <a:ext cx="4987080" cy="3976920"/>
           </a:xfrm>
           <a:prstGeom prst="rect">
             <a:avLst/>
@@ -2877,202 +2899,6 @@
           </a:ln>
         </p:spPr>
       </p:pic>
-      <p:pic>
-        <p:nvPicPr>
-          <p:cNvPr id="118" name="" descr=""/>
-          <p:cNvPicPr/>
-          <p:nvPr/>
-        </p:nvPicPr>
-        <p:blipFill>
-          <a:blip r:embed="rId3"/>
-          <a:stretch/>
-        </p:blipFill>
-        <p:spPr>
-          <a:xfrm>
-            <a:off x="2077920" y="1604520"/>
-            <a:ext cx="4987440" cy="3977280"/>
-          </a:xfrm>
-          <a:prstGeom prst="rect">
-            <a:avLst/>
-          </a:prstGeom>
-          <a:ln>
-            <a:noFill/>
-          </a:ln>
-        </p:spPr>
-      </p:pic>
-    </p:spTree>
-  </p:cSld>
-</p:sldLayout>
-</file>
-
-<file path=ppt/slideLayouts/slideLayout37.xml><?xml version="1.0" encoding="utf-8"?>
-<p:sldLayout xmlns:a="http://schemas.openxmlformats.org/drawingml/2006/main" xmlns:p="http://schemas.openxmlformats.org/presentationml/2006/main" xmlns:r="http://schemas.openxmlformats.org/officeDocument/2006/relationships" type="blank" preserve="1">
-  <p:cSld name="Blank Slide">
-    <p:spTree>
-      <p:nvGrpSpPr>
-        <p:cNvPr id="1" name=""/>
-        <p:cNvGrpSpPr/>
-        <p:nvPr/>
-      </p:nvGrpSpPr>
-      <p:grpSpPr>
-        <a:xfrm>
-          <a:off x="0" y="0"/>
-          <a:ext cx="0" cy="0"/>
-          <a:chOff x="0" y="0"/>
-          <a:chExt cx="0" cy="0"/>
-        </a:xfrm>
-      </p:grpSpPr>
-    </p:spTree>
-  </p:cSld>
-</p:sldLayout>
-</file>
-
-<file path=ppt/slideLayouts/slideLayout38.xml><?xml version="1.0" encoding="utf-8"?>
-<p:sldLayout xmlns:a="http://schemas.openxmlformats.org/drawingml/2006/main" xmlns:p="http://schemas.openxmlformats.org/presentationml/2006/main" xmlns:r="http://schemas.openxmlformats.org/officeDocument/2006/relationships" type="tx" preserve="1">
-  <p:cSld name="Title Slide">
-    <p:spTree>
-      <p:nvGrpSpPr>
-        <p:cNvPr id="1" name=""/>
-        <p:cNvGrpSpPr/>
-        <p:nvPr/>
-      </p:nvGrpSpPr>
-      <p:grpSpPr>
-        <a:xfrm>
-          <a:off x="0" y="0"/>
-          <a:ext cx="0" cy="0"/>
-          <a:chOff x="0" y="0"/>
-          <a:chExt cx="0" cy="0"/>
-        </a:xfrm>
-      </p:grpSpPr>
-      <p:sp>
-        <p:nvSpPr>
-          <p:cNvPr id="125" name="PlaceHolder 1"/>
-          <p:cNvSpPr>
-            <a:spLocks noGrp="1"/>
-          </p:cNvSpPr>
-          <p:nvPr>
-            <p:ph type="title"/>
-          </p:nvPr>
-        </p:nvSpPr>
-        <p:spPr>
-          <a:xfrm>
-            <a:off x="457200" y="273600"/>
-            <a:ext cx="8229240" cy="1144800"/>
-          </a:xfrm>
-          <a:prstGeom prst="rect">
-            <a:avLst/>
-          </a:prstGeom>
-        </p:spPr>
-        <p:txBody>
-          <a:bodyPr lIns="0" rIns="0" tIns="0" bIns="0" anchor="ctr"/>
-          <a:p>
-            <a:pPr algn="ctr"/>
-            <a:endParaRPr/>
-          </a:p>
-        </p:txBody>
-      </p:sp>
-      <p:sp>
-        <p:nvSpPr>
-          <p:cNvPr id="126" name="PlaceHolder 2"/>
-          <p:cNvSpPr>
-            <a:spLocks noGrp="1"/>
-          </p:cNvSpPr>
-          <p:nvPr>
-            <p:ph type="subTitle"/>
-          </p:nvPr>
-        </p:nvSpPr>
-        <p:spPr>
-          <a:xfrm>
-            <a:off x="457200" y="1604520"/>
-            <a:ext cx="8229240" cy="3977280"/>
-          </a:xfrm>
-          <a:prstGeom prst="rect">
-            <a:avLst/>
-          </a:prstGeom>
-        </p:spPr>
-        <p:txBody>
-          <a:bodyPr lIns="0" rIns="0" tIns="0" bIns="0" anchor="ctr"/>
-          <a:p>
-            <a:pPr algn="ctr"/>
-            <a:endParaRPr/>
-          </a:p>
-        </p:txBody>
-      </p:sp>
-    </p:spTree>
-  </p:cSld>
-</p:sldLayout>
-</file>
-
-<file path=ppt/slideLayouts/slideLayout39.xml><?xml version="1.0" encoding="utf-8"?>
-<p:sldLayout xmlns:a="http://schemas.openxmlformats.org/drawingml/2006/main" xmlns:p="http://schemas.openxmlformats.org/presentationml/2006/main" xmlns:r="http://schemas.openxmlformats.org/officeDocument/2006/relationships" type="obj" preserve="1">
-  <p:cSld name="Title, Content">
-    <p:spTree>
-      <p:nvGrpSpPr>
-        <p:cNvPr id="1" name=""/>
-        <p:cNvGrpSpPr/>
-        <p:nvPr/>
-      </p:nvGrpSpPr>
-      <p:grpSpPr>
-        <a:xfrm>
-          <a:off x="0" y="0"/>
-          <a:ext cx="0" cy="0"/>
-          <a:chOff x="0" y="0"/>
-          <a:chExt cx="0" cy="0"/>
-        </a:xfrm>
-      </p:grpSpPr>
-      <p:sp>
-        <p:nvSpPr>
-          <p:cNvPr id="127" name="PlaceHolder 1"/>
-          <p:cNvSpPr>
-            <a:spLocks noGrp="1"/>
-          </p:cNvSpPr>
-          <p:nvPr>
-            <p:ph type="title"/>
-          </p:nvPr>
-        </p:nvSpPr>
-        <p:spPr>
-          <a:xfrm>
-            <a:off x="457200" y="273600"/>
-            <a:ext cx="8229240" cy="1144800"/>
-          </a:xfrm>
-          <a:prstGeom prst="rect">
-            <a:avLst/>
-          </a:prstGeom>
-        </p:spPr>
-        <p:txBody>
-          <a:bodyPr lIns="0" rIns="0" tIns="0" bIns="0" anchor="ctr"/>
-          <a:p>
-            <a:pPr algn="ctr"/>
-            <a:endParaRPr/>
-          </a:p>
-        </p:txBody>
-      </p:sp>
-      <p:sp>
-        <p:nvSpPr>
-          <p:cNvPr id="128" name="PlaceHolder 2"/>
-          <p:cNvSpPr>
-            <a:spLocks noGrp="1"/>
-          </p:cNvSpPr>
-          <p:nvPr>
-            <p:ph type="body"/>
-          </p:nvPr>
-        </p:nvSpPr>
-        <p:spPr>
-          <a:xfrm>
-            <a:off x="457200" y="1604520"/>
-            <a:ext cx="8229240" cy="3977280"/>
-          </a:xfrm>
-          <a:prstGeom prst="rect">
-            <a:avLst/>
-          </a:prstGeom>
-        </p:spPr>
-        <p:txBody>
-          <a:bodyPr lIns="0" rIns="0" tIns="0" bIns="0"/>
-          <a:p>
-            <a:endParaRPr/>
-          </a:p>
-        </p:txBody>
-      </p:sp>
     </p:spTree>
   </p:cSld>
 </p:sldLayout>
@@ -3108,7 +2934,7 @@
         <p:spPr>
           <a:xfrm>
             <a:off x="457200" y="273600"/>
-            <a:ext cx="8229240" cy="1144800"/>
+            <a:ext cx="8228880" cy="1144440"/>
           </a:xfrm>
           <a:prstGeom prst="rect">
             <a:avLst/>
@@ -3135,7 +2961,7 @@
         <p:spPr>
           <a:xfrm>
             <a:off x="457200" y="1604520"/>
-            <a:ext cx="4015800" cy="3977280"/>
+            <a:ext cx="4015440" cy="3976920"/>
           </a:xfrm>
           <a:prstGeom prst="rect">
             <a:avLst/>
@@ -3160,8 +2986,8 @@
         </p:nvSpPr>
         <p:spPr>
           <a:xfrm>
-            <a:off x="4674240" y="1604520"/>
-            <a:ext cx="4015800" cy="3977280"/>
+            <a:off x="4673880" y="1604520"/>
+            <a:ext cx="4015440" cy="3976920"/>
           </a:xfrm>
           <a:prstGeom prst="rect">
             <a:avLst/>
@@ -3174,987 +3000,6 @@
           </a:p>
         </p:txBody>
       </p:sp>
-    </p:spTree>
-  </p:cSld>
-</p:sldLayout>
-</file>
-
-<file path=ppt/slideLayouts/slideLayout40.xml><?xml version="1.0" encoding="utf-8"?>
-<p:sldLayout xmlns:a="http://schemas.openxmlformats.org/drawingml/2006/main" xmlns:p="http://schemas.openxmlformats.org/presentationml/2006/main" xmlns:r="http://schemas.openxmlformats.org/officeDocument/2006/relationships" type="twoObj" preserve="1">
-  <p:cSld name="Title, 2 Content">
-    <p:spTree>
-      <p:nvGrpSpPr>
-        <p:cNvPr id="1" name=""/>
-        <p:cNvGrpSpPr/>
-        <p:nvPr/>
-      </p:nvGrpSpPr>
-      <p:grpSpPr>
-        <a:xfrm>
-          <a:off x="0" y="0"/>
-          <a:ext cx="0" cy="0"/>
-          <a:chOff x="0" y="0"/>
-          <a:chExt cx="0" cy="0"/>
-        </a:xfrm>
-      </p:grpSpPr>
-      <p:sp>
-        <p:nvSpPr>
-          <p:cNvPr id="129" name="PlaceHolder 1"/>
-          <p:cNvSpPr>
-            <a:spLocks noGrp="1"/>
-          </p:cNvSpPr>
-          <p:nvPr>
-            <p:ph type="title"/>
-          </p:nvPr>
-        </p:nvSpPr>
-        <p:spPr>
-          <a:xfrm>
-            <a:off x="457200" y="273600"/>
-            <a:ext cx="8229240" cy="1144800"/>
-          </a:xfrm>
-          <a:prstGeom prst="rect">
-            <a:avLst/>
-          </a:prstGeom>
-        </p:spPr>
-        <p:txBody>
-          <a:bodyPr lIns="0" rIns="0" tIns="0" bIns="0" anchor="ctr"/>
-          <a:p>
-            <a:pPr algn="ctr"/>
-            <a:endParaRPr/>
-          </a:p>
-        </p:txBody>
-      </p:sp>
-      <p:sp>
-        <p:nvSpPr>
-          <p:cNvPr id="130" name="PlaceHolder 2"/>
-          <p:cNvSpPr>
-            <a:spLocks noGrp="1"/>
-          </p:cNvSpPr>
-          <p:nvPr>
-            <p:ph type="body"/>
-          </p:nvPr>
-        </p:nvSpPr>
-        <p:spPr>
-          <a:xfrm>
-            <a:off x="457200" y="1604520"/>
-            <a:ext cx="4015800" cy="3977280"/>
-          </a:xfrm>
-          <a:prstGeom prst="rect">
-            <a:avLst/>
-          </a:prstGeom>
-        </p:spPr>
-        <p:txBody>
-          <a:bodyPr lIns="0" rIns="0" tIns="0" bIns="0"/>
-          <a:p>
-            <a:endParaRPr/>
-          </a:p>
-        </p:txBody>
-      </p:sp>
-      <p:sp>
-        <p:nvSpPr>
-          <p:cNvPr id="131" name="PlaceHolder 3"/>
-          <p:cNvSpPr>
-            <a:spLocks noGrp="1"/>
-          </p:cNvSpPr>
-          <p:nvPr>
-            <p:ph type="body"/>
-          </p:nvPr>
-        </p:nvSpPr>
-        <p:spPr>
-          <a:xfrm>
-            <a:off x="4674240" y="1604520"/>
-            <a:ext cx="4015800" cy="3977280"/>
-          </a:xfrm>
-          <a:prstGeom prst="rect">
-            <a:avLst/>
-          </a:prstGeom>
-        </p:spPr>
-        <p:txBody>
-          <a:bodyPr lIns="0" rIns="0" tIns="0" bIns="0"/>
-          <a:p>
-            <a:endParaRPr/>
-          </a:p>
-        </p:txBody>
-      </p:sp>
-    </p:spTree>
-  </p:cSld>
-</p:sldLayout>
-</file>
-
-<file path=ppt/slideLayouts/slideLayout41.xml><?xml version="1.0" encoding="utf-8"?>
-<p:sldLayout xmlns:a="http://schemas.openxmlformats.org/drawingml/2006/main" xmlns:p="http://schemas.openxmlformats.org/presentationml/2006/main" xmlns:r="http://schemas.openxmlformats.org/officeDocument/2006/relationships" type="titleOnly" preserve="1">
-  <p:cSld name="Title Only">
-    <p:spTree>
-      <p:nvGrpSpPr>
-        <p:cNvPr id="1" name=""/>
-        <p:cNvGrpSpPr/>
-        <p:nvPr/>
-      </p:nvGrpSpPr>
-      <p:grpSpPr>
-        <a:xfrm>
-          <a:off x="0" y="0"/>
-          <a:ext cx="0" cy="0"/>
-          <a:chOff x="0" y="0"/>
-          <a:chExt cx="0" cy="0"/>
-        </a:xfrm>
-      </p:grpSpPr>
-      <p:sp>
-        <p:nvSpPr>
-          <p:cNvPr id="132" name="PlaceHolder 1"/>
-          <p:cNvSpPr>
-            <a:spLocks noGrp="1"/>
-          </p:cNvSpPr>
-          <p:nvPr>
-            <p:ph type="title"/>
-          </p:nvPr>
-        </p:nvSpPr>
-        <p:spPr>
-          <a:xfrm>
-            <a:off x="457200" y="273600"/>
-            <a:ext cx="8229240" cy="1144800"/>
-          </a:xfrm>
-          <a:prstGeom prst="rect">
-            <a:avLst/>
-          </a:prstGeom>
-        </p:spPr>
-        <p:txBody>
-          <a:bodyPr lIns="0" rIns="0" tIns="0" bIns="0" anchor="ctr"/>
-          <a:p>
-            <a:pPr algn="ctr"/>
-            <a:endParaRPr/>
-          </a:p>
-        </p:txBody>
-      </p:sp>
-    </p:spTree>
-  </p:cSld>
-</p:sldLayout>
-</file>
-
-<file path=ppt/slideLayouts/slideLayout42.xml><?xml version="1.0" encoding="utf-8"?>
-<p:sldLayout xmlns:a="http://schemas.openxmlformats.org/drawingml/2006/main" xmlns:p="http://schemas.openxmlformats.org/presentationml/2006/main" xmlns:r="http://schemas.openxmlformats.org/officeDocument/2006/relationships" type="objOnly" preserve="1">
-  <p:cSld name="Centered Text">
-    <p:spTree>
-      <p:nvGrpSpPr>
-        <p:cNvPr id="1" name=""/>
-        <p:cNvGrpSpPr/>
-        <p:nvPr/>
-      </p:nvGrpSpPr>
-      <p:grpSpPr>
-        <a:xfrm>
-          <a:off x="0" y="0"/>
-          <a:ext cx="0" cy="0"/>
-          <a:chOff x="0" y="0"/>
-          <a:chExt cx="0" cy="0"/>
-        </a:xfrm>
-      </p:grpSpPr>
-      <p:sp>
-        <p:nvSpPr>
-          <p:cNvPr id="133" name="PlaceHolder 1"/>
-          <p:cNvSpPr>
-            <a:spLocks noGrp="1"/>
-          </p:cNvSpPr>
-          <p:nvPr>
-            <p:ph type="subTitle"/>
-          </p:nvPr>
-        </p:nvSpPr>
-        <p:spPr>
-          <a:xfrm>
-            <a:off x="457200" y="273600"/>
-            <a:ext cx="8229240" cy="5307840"/>
-          </a:xfrm>
-          <a:prstGeom prst="rect">
-            <a:avLst/>
-          </a:prstGeom>
-        </p:spPr>
-        <p:txBody>
-          <a:bodyPr lIns="0" rIns="0" tIns="0" bIns="0" anchor="ctr"/>
-          <a:p>
-            <a:pPr algn="ctr"/>
-            <a:endParaRPr/>
-          </a:p>
-        </p:txBody>
-      </p:sp>
-    </p:spTree>
-  </p:cSld>
-</p:sldLayout>
-</file>
-
-<file path=ppt/slideLayouts/slideLayout43.xml><?xml version="1.0" encoding="utf-8"?>
-<p:sldLayout xmlns:a="http://schemas.openxmlformats.org/drawingml/2006/main" xmlns:p="http://schemas.openxmlformats.org/presentationml/2006/main" xmlns:r="http://schemas.openxmlformats.org/officeDocument/2006/relationships" type="twoObjAndObj" preserve="1">
-  <p:cSld name="Title, 2 Content and Content">
-    <p:spTree>
-      <p:nvGrpSpPr>
-        <p:cNvPr id="1" name=""/>
-        <p:cNvGrpSpPr/>
-        <p:nvPr/>
-      </p:nvGrpSpPr>
-      <p:grpSpPr>
-        <a:xfrm>
-          <a:off x="0" y="0"/>
-          <a:ext cx="0" cy="0"/>
-          <a:chOff x="0" y="0"/>
-          <a:chExt cx="0" cy="0"/>
-        </a:xfrm>
-      </p:grpSpPr>
-      <p:sp>
-        <p:nvSpPr>
-          <p:cNvPr id="134" name="PlaceHolder 1"/>
-          <p:cNvSpPr>
-            <a:spLocks noGrp="1"/>
-          </p:cNvSpPr>
-          <p:nvPr>
-            <p:ph type="title"/>
-          </p:nvPr>
-        </p:nvSpPr>
-        <p:spPr>
-          <a:xfrm>
-            <a:off x="457200" y="273600"/>
-            <a:ext cx="8229240" cy="1144800"/>
-          </a:xfrm>
-          <a:prstGeom prst="rect">
-            <a:avLst/>
-          </a:prstGeom>
-        </p:spPr>
-        <p:txBody>
-          <a:bodyPr lIns="0" rIns="0" tIns="0" bIns="0" anchor="ctr"/>
-          <a:p>
-            <a:pPr algn="ctr"/>
-            <a:endParaRPr/>
-          </a:p>
-        </p:txBody>
-      </p:sp>
-      <p:sp>
-        <p:nvSpPr>
-          <p:cNvPr id="135" name="PlaceHolder 2"/>
-          <p:cNvSpPr>
-            <a:spLocks noGrp="1"/>
-          </p:cNvSpPr>
-          <p:nvPr>
-            <p:ph type="body"/>
-          </p:nvPr>
-        </p:nvSpPr>
-        <p:spPr>
-          <a:xfrm>
-            <a:off x="457200" y="1604520"/>
-            <a:ext cx="4015800" cy="1896840"/>
-          </a:xfrm>
-          <a:prstGeom prst="rect">
-            <a:avLst/>
-          </a:prstGeom>
-        </p:spPr>
-        <p:txBody>
-          <a:bodyPr lIns="0" rIns="0" tIns="0" bIns="0"/>
-          <a:p>
-            <a:endParaRPr/>
-          </a:p>
-        </p:txBody>
-      </p:sp>
-      <p:sp>
-        <p:nvSpPr>
-          <p:cNvPr id="136" name="PlaceHolder 3"/>
-          <p:cNvSpPr>
-            <a:spLocks noGrp="1"/>
-          </p:cNvSpPr>
-          <p:nvPr>
-            <p:ph type="body"/>
-          </p:nvPr>
-        </p:nvSpPr>
-        <p:spPr>
-          <a:xfrm>
-            <a:off x="457200" y="3682080"/>
-            <a:ext cx="4015800" cy="1896840"/>
-          </a:xfrm>
-          <a:prstGeom prst="rect">
-            <a:avLst/>
-          </a:prstGeom>
-        </p:spPr>
-        <p:txBody>
-          <a:bodyPr lIns="0" rIns="0" tIns="0" bIns="0"/>
-          <a:p>
-            <a:endParaRPr/>
-          </a:p>
-        </p:txBody>
-      </p:sp>
-      <p:sp>
-        <p:nvSpPr>
-          <p:cNvPr id="137" name="PlaceHolder 4"/>
-          <p:cNvSpPr>
-            <a:spLocks noGrp="1"/>
-          </p:cNvSpPr>
-          <p:nvPr>
-            <p:ph type="body"/>
-          </p:nvPr>
-        </p:nvSpPr>
-        <p:spPr>
-          <a:xfrm>
-            <a:off x="4674240" y="1604520"/>
-            <a:ext cx="4015800" cy="3977280"/>
-          </a:xfrm>
-          <a:prstGeom prst="rect">
-            <a:avLst/>
-          </a:prstGeom>
-        </p:spPr>
-        <p:txBody>
-          <a:bodyPr lIns="0" rIns="0" tIns="0" bIns="0"/>
-          <a:p>
-            <a:endParaRPr/>
-          </a:p>
-        </p:txBody>
-      </p:sp>
-    </p:spTree>
-  </p:cSld>
-</p:sldLayout>
-</file>
-
-<file path=ppt/slideLayouts/slideLayout44.xml><?xml version="1.0" encoding="utf-8"?>
-<p:sldLayout xmlns:a="http://schemas.openxmlformats.org/drawingml/2006/main" xmlns:p="http://schemas.openxmlformats.org/presentationml/2006/main" xmlns:r="http://schemas.openxmlformats.org/officeDocument/2006/relationships" type="objAndTwoObj" preserve="1">
-  <p:cSld name="Title Content and 2 Content">
-    <p:spTree>
-      <p:nvGrpSpPr>
-        <p:cNvPr id="1" name=""/>
-        <p:cNvGrpSpPr/>
-        <p:nvPr/>
-      </p:nvGrpSpPr>
-      <p:grpSpPr>
-        <a:xfrm>
-          <a:off x="0" y="0"/>
-          <a:ext cx="0" cy="0"/>
-          <a:chOff x="0" y="0"/>
-          <a:chExt cx="0" cy="0"/>
-        </a:xfrm>
-      </p:grpSpPr>
-      <p:sp>
-        <p:nvSpPr>
-          <p:cNvPr id="138" name="PlaceHolder 1"/>
-          <p:cNvSpPr>
-            <a:spLocks noGrp="1"/>
-          </p:cNvSpPr>
-          <p:nvPr>
-            <p:ph type="title"/>
-          </p:nvPr>
-        </p:nvSpPr>
-        <p:spPr>
-          <a:xfrm>
-            <a:off x="457200" y="273600"/>
-            <a:ext cx="8229240" cy="1144800"/>
-          </a:xfrm>
-          <a:prstGeom prst="rect">
-            <a:avLst/>
-          </a:prstGeom>
-        </p:spPr>
-        <p:txBody>
-          <a:bodyPr lIns="0" rIns="0" tIns="0" bIns="0" anchor="ctr"/>
-          <a:p>
-            <a:pPr algn="ctr"/>
-            <a:endParaRPr/>
-          </a:p>
-        </p:txBody>
-      </p:sp>
-      <p:sp>
-        <p:nvSpPr>
-          <p:cNvPr id="139" name="PlaceHolder 2"/>
-          <p:cNvSpPr>
-            <a:spLocks noGrp="1"/>
-          </p:cNvSpPr>
-          <p:nvPr>
-            <p:ph type="body"/>
-          </p:nvPr>
-        </p:nvSpPr>
-        <p:spPr>
-          <a:xfrm>
-            <a:off x="457200" y="1604520"/>
-            <a:ext cx="4015800" cy="3977280"/>
-          </a:xfrm>
-          <a:prstGeom prst="rect">
-            <a:avLst/>
-          </a:prstGeom>
-        </p:spPr>
-        <p:txBody>
-          <a:bodyPr lIns="0" rIns="0" tIns="0" bIns="0"/>
-          <a:p>
-            <a:endParaRPr/>
-          </a:p>
-        </p:txBody>
-      </p:sp>
-      <p:sp>
-        <p:nvSpPr>
-          <p:cNvPr id="140" name="PlaceHolder 3"/>
-          <p:cNvSpPr>
-            <a:spLocks noGrp="1"/>
-          </p:cNvSpPr>
-          <p:nvPr>
-            <p:ph type="body"/>
-          </p:nvPr>
-        </p:nvSpPr>
-        <p:spPr>
-          <a:xfrm>
-            <a:off x="4674240" y="1604520"/>
-            <a:ext cx="4015800" cy="1896840"/>
-          </a:xfrm>
-          <a:prstGeom prst="rect">
-            <a:avLst/>
-          </a:prstGeom>
-        </p:spPr>
-        <p:txBody>
-          <a:bodyPr lIns="0" rIns="0" tIns="0" bIns="0"/>
-          <a:p>
-            <a:endParaRPr/>
-          </a:p>
-        </p:txBody>
-      </p:sp>
-      <p:sp>
-        <p:nvSpPr>
-          <p:cNvPr id="141" name="PlaceHolder 4"/>
-          <p:cNvSpPr>
-            <a:spLocks noGrp="1"/>
-          </p:cNvSpPr>
-          <p:nvPr>
-            <p:ph type="body"/>
-          </p:nvPr>
-        </p:nvSpPr>
-        <p:spPr>
-          <a:xfrm>
-            <a:off x="4674240" y="3682080"/>
-            <a:ext cx="4015800" cy="1896840"/>
-          </a:xfrm>
-          <a:prstGeom prst="rect">
-            <a:avLst/>
-          </a:prstGeom>
-        </p:spPr>
-        <p:txBody>
-          <a:bodyPr lIns="0" rIns="0" tIns="0" bIns="0"/>
-          <a:p>
-            <a:endParaRPr/>
-          </a:p>
-        </p:txBody>
-      </p:sp>
-    </p:spTree>
-  </p:cSld>
-</p:sldLayout>
-</file>
-
-<file path=ppt/slideLayouts/slideLayout45.xml><?xml version="1.0" encoding="utf-8"?>
-<p:sldLayout xmlns:a="http://schemas.openxmlformats.org/drawingml/2006/main" xmlns:p="http://schemas.openxmlformats.org/presentationml/2006/main" xmlns:r="http://schemas.openxmlformats.org/officeDocument/2006/relationships" type="twoObjOverTx" preserve="1">
-  <p:cSld name="Title, 2 Content over Content">
-    <p:spTree>
-      <p:nvGrpSpPr>
-        <p:cNvPr id="1" name=""/>
-        <p:cNvGrpSpPr/>
-        <p:nvPr/>
-      </p:nvGrpSpPr>
-      <p:grpSpPr>
-        <a:xfrm>
-          <a:off x="0" y="0"/>
-          <a:ext cx="0" cy="0"/>
-          <a:chOff x="0" y="0"/>
-          <a:chExt cx="0" cy="0"/>
-        </a:xfrm>
-      </p:grpSpPr>
-      <p:sp>
-        <p:nvSpPr>
-          <p:cNvPr id="142" name="PlaceHolder 1"/>
-          <p:cNvSpPr>
-            <a:spLocks noGrp="1"/>
-          </p:cNvSpPr>
-          <p:nvPr>
-            <p:ph type="title"/>
-          </p:nvPr>
-        </p:nvSpPr>
-        <p:spPr>
-          <a:xfrm>
-            <a:off x="457200" y="273600"/>
-            <a:ext cx="8229240" cy="1144800"/>
-          </a:xfrm>
-          <a:prstGeom prst="rect">
-            <a:avLst/>
-          </a:prstGeom>
-        </p:spPr>
-        <p:txBody>
-          <a:bodyPr lIns="0" rIns="0" tIns="0" bIns="0" anchor="ctr"/>
-          <a:p>
-            <a:pPr algn="ctr"/>
-            <a:endParaRPr/>
-          </a:p>
-        </p:txBody>
-      </p:sp>
-      <p:sp>
-        <p:nvSpPr>
-          <p:cNvPr id="143" name="PlaceHolder 2"/>
-          <p:cNvSpPr>
-            <a:spLocks noGrp="1"/>
-          </p:cNvSpPr>
-          <p:nvPr>
-            <p:ph type="body"/>
-          </p:nvPr>
-        </p:nvSpPr>
-        <p:spPr>
-          <a:xfrm>
-            <a:off x="457200" y="1604520"/>
-            <a:ext cx="4015800" cy="1896840"/>
-          </a:xfrm>
-          <a:prstGeom prst="rect">
-            <a:avLst/>
-          </a:prstGeom>
-        </p:spPr>
-        <p:txBody>
-          <a:bodyPr lIns="0" rIns="0" tIns="0" bIns="0"/>
-          <a:p>
-            <a:endParaRPr/>
-          </a:p>
-        </p:txBody>
-      </p:sp>
-      <p:sp>
-        <p:nvSpPr>
-          <p:cNvPr id="144" name="PlaceHolder 3"/>
-          <p:cNvSpPr>
-            <a:spLocks noGrp="1"/>
-          </p:cNvSpPr>
-          <p:nvPr>
-            <p:ph type="body"/>
-          </p:nvPr>
-        </p:nvSpPr>
-        <p:spPr>
-          <a:xfrm>
-            <a:off x="4674240" y="1604520"/>
-            <a:ext cx="4015800" cy="1896840"/>
-          </a:xfrm>
-          <a:prstGeom prst="rect">
-            <a:avLst/>
-          </a:prstGeom>
-        </p:spPr>
-        <p:txBody>
-          <a:bodyPr lIns="0" rIns="0" tIns="0" bIns="0"/>
-          <a:p>
-            <a:endParaRPr/>
-          </a:p>
-        </p:txBody>
-      </p:sp>
-      <p:sp>
-        <p:nvSpPr>
-          <p:cNvPr id="145" name="PlaceHolder 4"/>
-          <p:cNvSpPr>
-            <a:spLocks noGrp="1"/>
-          </p:cNvSpPr>
-          <p:nvPr>
-            <p:ph type="body"/>
-          </p:nvPr>
-        </p:nvSpPr>
-        <p:spPr>
-          <a:xfrm>
-            <a:off x="457200" y="3682080"/>
-            <a:ext cx="8229240" cy="1896840"/>
-          </a:xfrm>
-          <a:prstGeom prst="rect">
-            <a:avLst/>
-          </a:prstGeom>
-        </p:spPr>
-        <p:txBody>
-          <a:bodyPr lIns="0" rIns="0" tIns="0" bIns="0"/>
-          <a:p>
-            <a:endParaRPr/>
-          </a:p>
-        </p:txBody>
-      </p:sp>
-    </p:spTree>
-  </p:cSld>
-</p:sldLayout>
-</file>
-
-<file path=ppt/slideLayouts/slideLayout46.xml><?xml version="1.0" encoding="utf-8"?>
-<p:sldLayout xmlns:a="http://schemas.openxmlformats.org/drawingml/2006/main" xmlns:p="http://schemas.openxmlformats.org/presentationml/2006/main" xmlns:r="http://schemas.openxmlformats.org/officeDocument/2006/relationships" type="objOverTx" preserve="1">
-  <p:cSld name="Title, Content over Content">
-    <p:spTree>
-      <p:nvGrpSpPr>
-        <p:cNvPr id="1" name=""/>
-        <p:cNvGrpSpPr/>
-        <p:nvPr/>
-      </p:nvGrpSpPr>
-      <p:grpSpPr>
-        <a:xfrm>
-          <a:off x="0" y="0"/>
-          <a:ext cx="0" cy="0"/>
-          <a:chOff x="0" y="0"/>
-          <a:chExt cx="0" cy="0"/>
-        </a:xfrm>
-      </p:grpSpPr>
-      <p:sp>
-        <p:nvSpPr>
-          <p:cNvPr id="146" name="PlaceHolder 1"/>
-          <p:cNvSpPr>
-            <a:spLocks noGrp="1"/>
-          </p:cNvSpPr>
-          <p:nvPr>
-            <p:ph type="title"/>
-          </p:nvPr>
-        </p:nvSpPr>
-        <p:spPr>
-          <a:xfrm>
-            <a:off x="457200" y="273600"/>
-            <a:ext cx="8229240" cy="1144800"/>
-          </a:xfrm>
-          <a:prstGeom prst="rect">
-            <a:avLst/>
-          </a:prstGeom>
-        </p:spPr>
-        <p:txBody>
-          <a:bodyPr lIns="0" rIns="0" tIns="0" bIns="0" anchor="ctr"/>
-          <a:p>
-            <a:pPr algn="ctr"/>
-            <a:endParaRPr/>
-          </a:p>
-        </p:txBody>
-      </p:sp>
-      <p:sp>
-        <p:nvSpPr>
-          <p:cNvPr id="147" name="PlaceHolder 2"/>
-          <p:cNvSpPr>
-            <a:spLocks noGrp="1"/>
-          </p:cNvSpPr>
-          <p:nvPr>
-            <p:ph type="body"/>
-          </p:nvPr>
-        </p:nvSpPr>
-        <p:spPr>
-          <a:xfrm>
-            <a:off x="457200" y="1604520"/>
-            <a:ext cx="8229240" cy="1896840"/>
-          </a:xfrm>
-          <a:prstGeom prst="rect">
-            <a:avLst/>
-          </a:prstGeom>
-        </p:spPr>
-        <p:txBody>
-          <a:bodyPr lIns="0" rIns="0" tIns="0" bIns="0"/>
-          <a:p>
-            <a:endParaRPr/>
-          </a:p>
-        </p:txBody>
-      </p:sp>
-      <p:sp>
-        <p:nvSpPr>
-          <p:cNvPr id="148" name="PlaceHolder 3"/>
-          <p:cNvSpPr>
-            <a:spLocks noGrp="1"/>
-          </p:cNvSpPr>
-          <p:nvPr>
-            <p:ph type="body"/>
-          </p:nvPr>
-        </p:nvSpPr>
-        <p:spPr>
-          <a:xfrm>
-            <a:off x="457200" y="3682080"/>
-            <a:ext cx="8229240" cy="1896840"/>
-          </a:xfrm>
-          <a:prstGeom prst="rect">
-            <a:avLst/>
-          </a:prstGeom>
-        </p:spPr>
-        <p:txBody>
-          <a:bodyPr lIns="0" rIns="0" tIns="0" bIns="0"/>
-          <a:p>
-            <a:endParaRPr/>
-          </a:p>
-        </p:txBody>
-      </p:sp>
-    </p:spTree>
-  </p:cSld>
-</p:sldLayout>
-</file>
-
-<file path=ppt/slideLayouts/slideLayout47.xml><?xml version="1.0" encoding="utf-8"?>
-<p:sldLayout xmlns:a="http://schemas.openxmlformats.org/drawingml/2006/main" xmlns:p="http://schemas.openxmlformats.org/presentationml/2006/main" xmlns:r="http://schemas.openxmlformats.org/officeDocument/2006/relationships" type="fourObj" preserve="1">
-  <p:cSld name="Title, 4 Content">
-    <p:spTree>
-      <p:nvGrpSpPr>
-        <p:cNvPr id="1" name=""/>
-        <p:cNvGrpSpPr/>
-        <p:nvPr/>
-      </p:nvGrpSpPr>
-      <p:grpSpPr>
-        <a:xfrm>
-          <a:off x="0" y="0"/>
-          <a:ext cx="0" cy="0"/>
-          <a:chOff x="0" y="0"/>
-          <a:chExt cx="0" cy="0"/>
-        </a:xfrm>
-      </p:grpSpPr>
-      <p:sp>
-        <p:nvSpPr>
-          <p:cNvPr id="149" name="PlaceHolder 1"/>
-          <p:cNvSpPr>
-            <a:spLocks noGrp="1"/>
-          </p:cNvSpPr>
-          <p:nvPr>
-            <p:ph type="title"/>
-          </p:nvPr>
-        </p:nvSpPr>
-        <p:spPr>
-          <a:xfrm>
-            <a:off x="457200" y="273600"/>
-            <a:ext cx="8229240" cy="1144800"/>
-          </a:xfrm>
-          <a:prstGeom prst="rect">
-            <a:avLst/>
-          </a:prstGeom>
-        </p:spPr>
-        <p:txBody>
-          <a:bodyPr lIns="0" rIns="0" tIns="0" bIns="0" anchor="ctr"/>
-          <a:p>
-            <a:pPr algn="ctr"/>
-            <a:endParaRPr/>
-          </a:p>
-        </p:txBody>
-      </p:sp>
-      <p:sp>
-        <p:nvSpPr>
-          <p:cNvPr id="150" name="PlaceHolder 2"/>
-          <p:cNvSpPr>
-            <a:spLocks noGrp="1"/>
-          </p:cNvSpPr>
-          <p:nvPr>
-            <p:ph type="body"/>
-          </p:nvPr>
-        </p:nvSpPr>
-        <p:spPr>
-          <a:xfrm>
-            <a:off x="457200" y="1604520"/>
-            <a:ext cx="4015800" cy="1896840"/>
-          </a:xfrm>
-          <a:prstGeom prst="rect">
-            <a:avLst/>
-          </a:prstGeom>
-        </p:spPr>
-        <p:txBody>
-          <a:bodyPr lIns="0" rIns="0" tIns="0" bIns="0"/>
-          <a:p>
-            <a:endParaRPr/>
-          </a:p>
-        </p:txBody>
-      </p:sp>
-      <p:sp>
-        <p:nvSpPr>
-          <p:cNvPr id="151" name="PlaceHolder 3"/>
-          <p:cNvSpPr>
-            <a:spLocks noGrp="1"/>
-          </p:cNvSpPr>
-          <p:nvPr>
-            <p:ph type="body"/>
-          </p:nvPr>
-        </p:nvSpPr>
-        <p:spPr>
-          <a:xfrm>
-            <a:off x="4674240" y="1604520"/>
-            <a:ext cx="4015800" cy="1896840"/>
-          </a:xfrm>
-          <a:prstGeom prst="rect">
-            <a:avLst/>
-          </a:prstGeom>
-        </p:spPr>
-        <p:txBody>
-          <a:bodyPr lIns="0" rIns="0" tIns="0" bIns="0"/>
-          <a:p>
-            <a:endParaRPr/>
-          </a:p>
-        </p:txBody>
-      </p:sp>
-      <p:sp>
-        <p:nvSpPr>
-          <p:cNvPr id="152" name="PlaceHolder 4"/>
-          <p:cNvSpPr>
-            <a:spLocks noGrp="1"/>
-          </p:cNvSpPr>
-          <p:nvPr>
-            <p:ph type="body"/>
-          </p:nvPr>
-        </p:nvSpPr>
-        <p:spPr>
-          <a:xfrm>
-            <a:off x="4674240" y="3682080"/>
-            <a:ext cx="4015800" cy="1896840"/>
-          </a:xfrm>
-          <a:prstGeom prst="rect">
-            <a:avLst/>
-          </a:prstGeom>
-        </p:spPr>
-        <p:txBody>
-          <a:bodyPr lIns="0" rIns="0" tIns="0" bIns="0"/>
-          <a:p>
-            <a:endParaRPr/>
-          </a:p>
-        </p:txBody>
-      </p:sp>
-      <p:sp>
-        <p:nvSpPr>
-          <p:cNvPr id="153" name="PlaceHolder 5"/>
-          <p:cNvSpPr>
-            <a:spLocks noGrp="1"/>
-          </p:cNvSpPr>
-          <p:nvPr>
-            <p:ph type="body"/>
-          </p:nvPr>
-        </p:nvSpPr>
-        <p:spPr>
-          <a:xfrm>
-            <a:off x="457200" y="3682080"/>
-            <a:ext cx="4015800" cy="1896840"/>
-          </a:xfrm>
-          <a:prstGeom prst="rect">
-            <a:avLst/>
-          </a:prstGeom>
-        </p:spPr>
-        <p:txBody>
-          <a:bodyPr lIns="0" rIns="0" tIns="0" bIns="0"/>
-          <a:p>
-            <a:endParaRPr/>
-          </a:p>
-        </p:txBody>
-      </p:sp>
-    </p:spTree>
-  </p:cSld>
-</p:sldLayout>
-</file>
-
-<file path=ppt/slideLayouts/slideLayout48.xml><?xml version="1.0" encoding="utf-8"?>
-<p:sldLayout xmlns:a="http://schemas.openxmlformats.org/drawingml/2006/main" xmlns:p="http://schemas.openxmlformats.org/presentationml/2006/main" xmlns:r="http://schemas.openxmlformats.org/officeDocument/2006/relationships" type="blank" preserve="1">
-  <p:cSld name="Title, 6 Content">
-    <p:spTree>
-      <p:nvGrpSpPr>
-        <p:cNvPr id="1" name=""/>
-        <p:cNvGrpSpPr/>
-        <p:nvPr/>
-      </p:nvGrpSpPr>
-      <p:grpSpPr>
-        <a:xfrm>
-          <a:off x="0" y="0"/>
-          <a:ext cx="0" cy="0"/>
-          <a:chOff x="0" y="0"/>
-          <a:chExt cx="0" cy="0"/>
-        </a:xfrm>
-      </p:grpSpPr>
-      <p:sp>
-        <p:nvSpPr>
-          <p:cNvPr id="154" name="PlaceHolder 1"/>
-          <p:cNvSpPr>
-            <a:spLocks noGrp="1"/>
-          </p:cNvSpPr>
-          <p:nvPr>
-            <p:ph type="title"/>
-          </p:nvPr>
-        </p:nvSpPr>
-        <p:spPr>
-          <a:xfrm>
-            <a:off x="457200" y="273600"/>
-            <a:ext cx="8229240" cy="1144800"/>
-          </a:xfrm>
-          <a:prstGeom prst="rect">
-            <a:avLst/>
-          </a:prstGeom>
-        </p:spPr>
-        <p:txBody>
-          <a:bodyPr lIns="0" rIns="0" tIns="0" bIns="0" anchor="ctr"/>
-          <a:p>
-            <a:pPr algn="ctr"/>
-            <a:endParaRPr/>
-          </a:p>
-        </p:txBody>
-      </p:sp>
-      <p:sp>
-        <p:nvSpPr>
-          <p:cNvPr id="155" name="PlaceHolder 2"/>
-          <p:cNvSpPr>
-            <a:spLocks noGrp="1"/>
-          </p:cNvSpPr>
-          <p:nvPr>
-            <p:ph type="body"/>
-          </p:nvPr>
-        </p:nvSpPr>
-        <p:spPr>
-          <a:xfrm>
-            <a:off x="457200" y="1604520"/>
-            <a:ext cx="8229240" cy="3977280"/>
-          </a:xfrm>
-          <a:prstGeom prst="rect">
-            <a:avLst/>
-          </a:prstGeom>
-        </p:spPr>
-        <p:txBody>
-          <a:bodyPr lIns="0" rIns="0" tIns="0" bIns="0"/>
-          <a:p>
-            <a:endParaRPr/>
-          </a:p>
-        </p:txBody>
-      </p:sp>
-      <p:sp>
-        <p:nvSpPr>
-          <p:cNvPr id="156" name="PlaceHolder 3"/>
-          <p:cNvSpPr>
-            <a:spLocks noGrp="1"/>
-          </p:cNvSpPr>
-          <p:nvPr>
-            <p:ph type="body"/>
-          </p:nvPr>
-        </p:nvSpPr>
-        <p:spPr>
-          <a:xfrm>
-            <a:off x="457200" y="1604520"/>
-            <a:ext cx="8229240" cy="3977280"/>
-          </a:xfrm>
-          <a:prstGeom prst="rect">
-            <a:avLst/>
-          </a:prstGeom>
-        </p:spPr>
-        <p:txBody>
-          <a:bodyPr lIns="0" rIns="0" tIns="0" bIns="0"/>
-          <a:p>
-            <a:endParaRPr/>
-          </a:p>
-        </p:txBody>
-      </p:sp>
-      <p:pic>
-        <p:nvPicPr>
-          <p:cNvPr id="157" name="" descr=""/>
-          <p:cNvPicPr/>
-          <p:nvPr/>
-        </p:nvPicPr>
-        <p:blipFill>
-          <a:blip r:embed="rId2"/>
-          <a:stretch/>
-        </p:blipFill>
-        <p:spPr>
-          <a:xfrm>
-            <a:off x="2077920" y="1604520"/>
-            <a:ext cx="4987440" cy="3977280"/>
-          </a:xfrm>
-          <a:prstGeom prst="rect">
-            <a:avLst/>
-          </a:prstGeom>
-          <a:ln>
-            <a:noFill/>
-          </a:ln>
-        </p:spPr>
-      </p:pic>
-      <p:pic>
-        <p:nvPicPr>
-          <p:cNvPr id="158" name="" descr=""/>
-          <p:cNvPicPr/>
-          <p:nvPr/>
-        </p:nvPicPr>
-        <p:blipFill>
-          <a:blip r:embed="rId3"/>
-          <a:stretch/>
-        </p:blipFill>
-        <p:spPr>
-          <a:xfrm>
-            <a:off x="2077920" y="1604520"/>
-            <a:ext cx="4987440" cy="3977280"/>
-          </a:xfrm>
-          <a:prstGeom prst="rect">
-            <a:avLst/>
-          </a:prstGeom>
-          <a:ln>
-            <a:noFill/>
-          </a:ln>
-        </p:spPr>
-      </p:pic>
     </p:spTree>
   </p:cSld>
 </p:sldLayout>
@@ -4190,7 +3035,7 @@
         <p:spPr>
           <a:xfrm>
             <a:off x="457200" y="273600"/>
-            <a:ext cx="8229240" cy="1144800"/>
+            <a:ext cx="8228880" cy="1144440"/>
           </a:xfrm>
           <a:prstGeom prst="rect">
             <a:avLst/>
@@ -4239,7 +3084,7 @@
         <p:spPr>
           <a:xfrm>
             <a:off x="457200" y="273600"/>
-            <a:ext cx="8229240" cy="5307840"/>
+            <a:ext cx="8228880" cy="5306400"/>
           </a:xfrm>
           <a:prstGeom prst="rect">
             <a:avLst/>
@@ -4288,7 +3133,7 @@
         <p:spPr>
           <a:xfrm>
             <a:off x="457200" y="273600"/>
-            <a:ext cx="8229240" cy="1144800"/>
+            <a:ext cx="8228880" cy="1144440"/>
           </a:xfrm>
           <a:prstGeom prst="rect">
             <a:avLst/>
@@ -4315,7 +3160,7 @@
         <p:spPr>
           <a:xfrm>
             <a:off x="457200" y="1604520"/>
-            <a:ext cx="4015800" cy="1896840"/>
+            <a:ext cx="4015440" cy="1896840"/>
           </a:xfrm>
           <a:prstGeom prst="rect">
             <a:avLst/>
@@ -4341,7 +3186,7 @@
         <p:spPr>
           <a:xfrm>
             <a:off x="457200" y="3682080"/>
-            <a:ext cx="4015800" cy="1896840"/>
+            <a:ext cx="4015440" cy="1896840"/>
           </a:xfrm>
           <a:prstGeom prst="rect">
             <a:avLst/>
@@ -4366,8 +3211,8 @@
         </p:nvSpPr>
         <p:spPr>
           <a:xfrm>
-            <a:off x="4674240" y="1604520"/>
-            <a:ext cx="4015800" cy="3977280"/>
+            <a:off x="4673880" y="1604520"/>
+            <a:ext cx="4015440" cy="3976920"/>
           </a:xfrm>
           <a:prstGeom prst="rect">
             <a:avLst/>
@@ -4415,7 +3260,7 @@
         <p:spPr>
           <a:xfrm>
             <a:off x="457200" y="273600"/>
-            <a:ext cx="8229240" cy="1144800"/>
+            <a:ext cx="8228880" cy="1144440"/>
           </a:xfrm>
           <a:prstGeom prst="rect">
             <a:avLst/>
@@ -4442,7 +3287,7 @@
         <p:spPr>
           <a:xfrm>
             <a:off x="457200" y="1604520"/>
-            <a:ext cx="4015800" cy="3977280"/>
+            <a:ext cx="4015440" cy="3976920"/>
           </a:xfrm>
           <a:prstGeom prst="rect">
             <a:avLst/>
@@ -4467,8 +3312,8 @@
         </p:nvSpPr>
         <p:spPr>
           <a:xfrm>
-            <a:off x="4674240" y="1604520"/>
-            <a:ext cx="4015800" cy="1896840"/>
+            <a:off x="4673880" y="1604520"/>
+            <a:ext cx="4015440" cy="1896840"/>
           </a:xfrm>
           <a:prstGeom prst="rect">
             <a:avLst/>
@@ -4493,8 +3338,8 @@
         </p:nvSpPr>
         <p:spPr>
           <a:xfrm>
-            <a:off x="4674240" y="3682080"/>
-            <a:ext cx="4015800" cy="1896840"/>
+            <a:off x="4673880" y="3682080"/>
+            <a:ext cx="4015440" cy="1896840"/>
           </a:xfrm>
           <a:prstGeom prst="rect">
             <a:avLst/>
@@ -4542,7 +3387,7 @@
         <p:spPr>
           <a:xfrm>
             <a:off x="457200" y="273600"/>
-            <a:ext cx="8229240" cy="1144800"/>
+            <a:ext cx="8228880" cy="1144440"/>
           </a:xfrm>
           <a:prstGeom prst="rect">
             <a:avLst/>
@@ -4569,7 +3414,7 @@
         <p:spPr>
           <a:xfrm>
             <a:off x="457200" y="1604520"/>
-            <a:ext cx="4015800" cy="1896840"/>
+            <a:ext cx="4015440" cy="1896840"/>
           </a:xfrm>
           <a:prstGeom prst="rect">
             <a:avLst/>
@@ -4594,8 +3439,8 @@
         </p:nvSpPr>
         <p:spPr>
           <a:xfrm>
-            <a:off x="4674240" y="1604520"/>
-            <a:ext cx="4015800" cy="1896840"/>
+            <a:off x="4673880" y="1604520"/>
+            <a:ext cx="4015440" cy="1896840"/>
           </a:xfrm>
           <a:prstGeom prst="rect">
             <a:avLst/>
@@ -4621,7 +3466,7 @@
         <p:spPr>
           <a:xfrm>
             <a:off x="457200" y="3682080"/>
-            <a:ext cx="8229240" cy="1896840"/>
+            <a:ext cx="8228880" cy="1896840"/>
           </a:xfrm>
           <a:prstGeom prst="rect">
             <a:avLst/>
@@ -5332,40 +4177,13 @@
             <a:spLocks noGrp="1"/>
           </p:cNvSpPr>
           <p:nvPr>
-            <p:ph type="subTitle"/>
+            <p:ph type="body"/>
           </p:nvPr>
         </p:nvSpPr>
         <p:spPr>
           <a:xfrm>
             <a:off x="457200" y="1604520"/>
             <a:ext cx="8228880" cy="3976920"/>
-          </a:xfrm>
-          <a:prstGeom prst="rect">
-            <a:avLst/>
-          </a:prstGeom>
-        </p:spPr>
-        <p:txBody>
-          <a:bodyPr lIns="0" rIns="0" tIns="0" bIns="0" anchor="ctr"/>
-          <a:p>
-            <a:pPr algn="ctr"/>
-            <a:endParaRPr/>
-          </a:p>
-        </p:txBody>
-      </p:sp>
-      <p:sp>
-        <p:nvSpPr>
-          <p:cNvPr id="84" name="PlaceHolder 3"/>
-          <p:cNvSpPr>
-            <a:spLocks noGrp="1"/>
-          </p:cNvSpPr>
-          <p:nvPr>
-            <p:ph type="body"/>
-          </p:nvPr>
-        </p:nvSpPr>
-        <p:spPr>
-          <a:xfrm>
-            <a:off x="457200" y="1604520"/>
-            <a:ext cx="8229240" cy="3977280"/>
           </a:xfrm>
           <a:prstGeom prst="rect">
             <a:avLst/>
@@ -5380,7 +4198,7 @@
               <a:buChar char=""/>
             </a:pPr>
             <a:r>
-              <a:rPr lang="fr-FR" sz="3200">
+              <a:rPr lang="fr-FR">
                 <a:latin typeface="Arial"/>
               </a:rPr>
               <a:t>Click to edit the outline text format</a:t>
@@ -5394,7 +4212,7 @@
               <a:buChar char=""/>
             </a:pPr>
             <a:r>
-              <a:rPr lang="fr-FR" sz="2800">
+              <a:rPr lang="fr-FR">
                 <a:latin typeface="Arial"/>
               </a:rPr>
               <a:t>Second Outline Level</a:t>
@@ -5408,7 +4226,7 @@
               <a:buChar char=""/>
             </a:pPr>
             <a:r>
-              <a:rPr lang="fr-FR" sz="2400">
+              <a:rPr lang="fr-FR">
                 <a:latin typeface="Arial"/>
               </a:rPr>
               <a:t>Third Outline Level</a:t>
@@ -5422,7 +4240,7 @@
               <a:buChar char=""/>
             </a:pPr>
             <a:r>
-              <a:rPr lang="fr-FR" sz="2000">
+              <a:rPr lang="fr-FR">
                 <a:latin typeface="Arial"/>
               </a:rPr>
               <a:t>Fourth Outline Level</a:t>
@@ -5436,7 +4254,7 @@
               <a:buChar char=""/>
             </a:pPr>
             <a:r>
-              <a:rPr lang="fr-FR" sz="2000">
+              <a:rPr lang="fr-FR">
                 <a:latin typeface="Arial"/>
               </a:rPr>
               <a:t>Fifth Outline Level</a:t>
@@ -5450,7 +4268,7 @@
               <a:buChar char=""/>
             </a:pPr>
             <a:r>
-              <a:rPr lang="fr-FR" sz="2000">
+              <a:rPr lang="fr-FR">
                 <a:latin typeface="Arial"/>
               </a:rPr>
               <a:t>Sixth Outline Level</a:t>
@@ -5464,7 +4282,7 @@
               <a:buChar char=""/>
             </a:pPr>
             <a:r>
-              <a:rPr lang="fr-FR" sz="2000">
+              <a:rPr lang="fr-FR">
                 <a:latin typeface="Arial"/>
               </a:rPr>
               <a:t>Seventh Outline Level</a:t>
@@ -5489,293 +4307,6 @@
     <p:sldLayoutId id="2147483684" r:id="rId16"/>
     <p:sldLayoutId id="2147483685" r:id="rId17"/>
     <p:sldLayoutId id="2147483686" r:id="rId18"/>
-  </p:sldLayoutIdLst>
-</p:sldMaster>
-</file>
-
-<file path=ppt/slideMasters/slideMaster4.xml><?xml version="1.0" encoding="utf-8"?>
-<p:sldMaster xmlns:a="http://schemas.openxmlformats.org/drawingml/2006/main" xmlns:p="http://schemas.openxmlformats.org/presentationml/2006/main" xmlns:r="http://schemas.openxmlformats.org/officeDocument/2006/relationships">
-  <p:cSld>
-    <p:bg>
-      <p:bgPr>
-        <a:blipFill>
-          <a:blip r:embed="rId2"/>
-          <a:stretch>
-            <a:fillRect/>
-          </a:stretch>
-        </a:blipFill>
-      </p:bgPr>
-    </p:bg>
-    <p:spTree>
-      <p:nvGrpSpPr>
-        <p:cNvPr id="1" name=""/>
-        <p:cNvGrpSpPr/>
-        <p:nvPr/>
-      </p:nvGrpSpPr>
-      <p:grpSpPr>
-        <a:xfrm>
-          <a:off x="0" y="0"/>
-          <a:ext cx="0" cy="0"/>
-          <a:chOff x="0" y="0"/>
-          <a:chExt cx="0" cy="0"/>
-        </a:xfrm>
-      </p:grpSpPr>
-      <p:pic>
-        <p:nvPicPr>
-          <p:cNvPr id="119" name="" descr=""/>
-          <p:cNvPicPr/>
-          <p:nvPr/>
-        </p:nvPicPr>
-        <p:blipFill>
-          <a:blip r:embed="rId3"/>
-          <a:stretch/>
-        </p:blipFill>
-        <p:spPr>
-          <a:xfrm>
-            <a:off x="360" y="0"/>
-            <a:ext cx="360" cy="360"/>
-          </a:xfrm>
-          <a:prstGeom prst="rect">
-            <a:avLst/>
-          </a:prstGeom>
-          <a:ln>
-            <a:noFill/>
-          </a:ln>
-        </p:spPr>
-      </p:pic>
-      <p:pic>
-        <p:nvPicPr>
-          <p:cNvPr id="120" name="" descr=""/>
-          <p:cNvPicPr/>
-          <p:nvPr/>
-        </p:nvPicPr>
-        <p:blipFill>
-          <a:blip r:embed="rId4"/>
-          <a:stretch/>
-        </p:blipFill>
-        <p:spPr>
-          <a:xfrm>
-            <a:off x="360" y="0"/>
-            <a:ext cx="360" cy="360"/>
-          </a:xfrm>
-          <a:prstGeom prst="rect">
-            <a:avLst/>
-          </a:prstGeom>
-          <a:ln>
-            <a:noFill/>
-          </a:ln>
-        </p:spPr>
-      </p:pic>
-      <p:pic>
-        <p:nvPicPr>
-          <p:cNvPr id="121" name="" descr=""/>
-          <p:cNvPicPr/>
-          <p:nvPr/>
-        </p:nvPicPr>
-        <p:blipFill>
-          <a:blip r:embed="rId5"/>
-          <a:stretch/>
-        </p:blipFill>
-        <p:spPr>
-          <a:xfrm>
-            <a:off x="360" y="0"/>
-            <a:ext cx="360" cy="360"/>
-          </a:xfrm>
-          <a:prstGeom prst="rect">
-            <a:avLst/>
-          </a:prstGeom>
-          <a:ln>
-            <a:noFill/>
-          </a:ln>
-        </p:spPr>
-      </p:pic>
-      <p:pic>
-        <p:nvPicPr>
-          <p:cNvPr id="122" name="" descr=""/>
-          <p:cNvPicPr/>
-          <p:nvPr/>
-        </p:nvPicPr>
-        <p:blipFill>
-          <a:blip r:embed="rId6"/>
-          <a:stretch/>
-        </p:blipFill>
-        <p:spPr>
-          <a:xfrm>
-            <a:off x="360" y="0"/>
-            <a:ext cx="360" cy="360"/>
-          </a:xfrm>
-          <a:prstGeom prst="rect">
-            <a:avLst/>
-          </a:prstGeom>
-          <a:ln>
-            <a:noFill/>
-          </a:ln>
-        </p:spPr>
-      </p:pic>
-      <p:sp>
-        <p:nvSpPr>
-          <p:cNvPr id="123" name="PlaceHolder 1"/>
-          <p:cNvSpPr>
-            <a:spLocks noGrp="1"/>
-          </p:cNvSpPr>
-          <p:nvPr>
-            <p:ph type="title"/>
-          </p:nvPr>
-        </p:nvSpPr>
-        <p:spPr>
-          <a:xfrm>
-            <a:off x="457200" y="273600"/>
-            <a:ext cx="8228880" cy="1144440"/>
-          </a:xfrm>
-          <a:prstGeom prst="rect">
-            <a:avLst/>
-          </a:prstGeom>
-        </p:spPr>
-        <p:txBody>
-          <a:bodyPr lIns="0" rIns="0" tIns="0" bIns="0" anchor="ctr"/>
-          <a:p>
-            <a:pPr algn="ctr"/>
-            <a:endParaRPr/>
-          </a:p>
-        </p:txBody>
-      </p:sp>
-      <p:sp>
-        <p:nvSpPr>
-          <p:cNvPr id="124" name="PlaceHolder 2"/>
-          <p:cNvSpPr>
-            <a:spLocks noGrp="1"/>
-          </p:cNvSpPr>
-          <p:nvPr>
-            <p:ph type="body"/>
-          </p:nvPr>
-        </p:nvSpPr>
-        <p:spPr>
-          <a:xfrm>
-            <a:off x="457200" y="1604520"/>
-            <a:ext cx="8228880" cy="3976920"/>
-          </a:xfrm>
-          <a:prstGeom prst="rect">
-            <a:avLst/>
-          </a:prstGeom>
-        </p:spPr>
-        <p:txBody>
-          <a:bodyPr lIns="0" rIns="0" tIns="0" bIns="0"/>
-          <a:p>
-            <a:pPr>
-              <a:buSzPct val="45000"/>
-              <a:buFont typeface="StarSymbol"/>
-              <a:buChar char=""/>
-            </a:pPr>
-            <a:r>
-              <a:rPr lang="fr-FR">
-                <a:latin typeface="Arial"/>
-              </a:rPr>
-              <a:t>Click to edit the outline text format</a:t>
-            </a:r>
-            <a:endParaRPr/>
-          </a:p>
-          <a:p>
-            <a:pPr lvl="1">
-              <a:buSzPct val="75000"/>
-              <a:buFont typeface="StarSymbol"/>
-              <a:buChar char=""/>
-            </a:pPr>
-            <a:r>
-              <a:rPr lang="fr-FR">
-                <a:latin typeface="Arial"/>
-              </a:rPr>
-              <a:t>Second Outline Level</a:t>
-            </a:r>
-            <a:endParaRPr/>
-          </a:p>
-          <a:p>
-            <a:pPr lvl="2">
-              <a:buSzPct val="45000"/>
-              <a:buFont typeface="StarSymbol"/>
-              <a:buChar char=""/>
-            </a:pPr>
-            <a:r>
-              <a:rPr lang="fr-FR">
-                <a:latin typeface="Arial"/>
-              </a:rPr>
-              <a:t>Third Outline Level</a:t>
-            </a:r>
-            <a:endParaRPr/>
-          </a:p>
-          <a:p>
-            <a:pPr lvl="3">
-              <a:buSzPct val="75000"/>
-              <a:buFont typeface="StarSymbol"/>
-              <a:buChar char=""/>
-            </a:pPr>
-            <a:r>
-              <a:rPr lang="fr-FR">
-                <a:latin typeface="Arial"/>
-              </a:rPr>
-              <a:t>Fourth Outline Level</a:t>
-            </a:r>
-            <a:endParaRPr/>
-          </a:p>
-          <a:p>
-            <a:pPr lvl="4">
-              <a:buSzPct val="45000"/>
-              <a:buFont typeface="StarSymbol"/>
-              <a:buChar char=""/>
-            </a:pPr>
-            <a:r>
-              <a:rPr lang="fr-FR">
-                <a:latin typeface="Arial"/>
-              </a:rPr>
-              <a:t>Fifth Outline Level</a:t>
-            </a:r>
-            <a:endParaRPr/>
-          </a:p>
-          <a:p>
-            <a:pPr lvl="5">
-              <a:buSzPct val="45000"/>
-              <a:buFont typeface="StarSymbol"/>
-              <a:buChar char=""/>
-            </a:pPr>
-            <a:r>
-              <a:rPr lang="fr-FR">
-                <a:latin typeface="Arial"/>
-              </a:rPr>
-              <a:t>Sixth Outline Level</a:t>
-            </a:r>
-            <a:endParaRPr/>
-          </a:p>
-          <a:p>
-            <a:pPr lvl="6">
-              <a:buSzPct val="45000"/>
-              <a:buFont typeface="StarSymbol"/>
-              <a:buChar char=""/>
-            </a:pPr>
-            <a:r>
-              <a:rPr lang="fr-FR">
-                <a:latin typeface="Arial"/>
-              </a:rPr>
-              <a:t>Seventh Outline Level</a:t>
-            </a:r>
-            <a:endParaRPr/>
-          </a:p>
-        </p:txBody>
-      </p:sp>
-    </p:spTree>
-  </p:cSld>
-  <p:clrMap bg1="lt1" bg2="lt2" tx1="dk1" tx2="dk2" accent1="accent1" accent2="accent2" accent3="accent3" accent4="accent4" accent5="accent5" accent6="accent6" hlink="hlink" folHlink="folHlink"/>
-  <p:sldLayoutIdLst>
-    <p:sldLayoutId id="2147483688" r:id="rId7"/>
-    <p:sldLayoutId id="2147483689" r:id="rId8"/>
-    <p:sldLayoutId id="2147483690" r:id="rId9"/>
-    <p:sldLayoutId id="2147483691" r:id="rId10"/>
-    <p:sldLayoutId id="2147483692" r:id="rId11"/>
-    <p:sldLayoutId id="2147483693" r:id="rId12"/>
-    <p:sldLayoutId id="2147483694" r:id="rId13"/>
-    <p:sldLayoutId id="2147483695" r:id="rId14"/>
-    <p:sldLayoutId id="2147483696" r:id="rId15"/>
-    <p:sldLayoutId id="2147483697" r:id="rId16"/>
-    <p:sldLayoutId id="2147483698" r:id="rId17"/>
-    <p:sldLayoutId id="2147483699" r:id="rId18"/>
   </p:sldLayoutIdLst>
 </p:sldMaster>
 </file>
@@ -5799,14 +4330,14 @@
       </p:grpSpPr>
       <p:sp>
         <p:nvSpPr>
-          <p:cNvPr id="159" name="CustomShape 1"/>
+          <p:cNvPr id="118" name="CustomShape 1"/>
           <p:cNvSpPr/>
           <p:nvPr/>
         </p:nvSpPr>
         <p:spPr>
           <a:xfrm>
             <a:off x="712800" y="6335280"/>
-            <a:ext cx="7717320" cy="358920"/>
+            <a:ext cx="7716960" cy="358560"/>
           </a:xfrm>
           <a:prstGeom prst="rect">
             <a:avLst/>
@@ -5846,7 +4377,7 @@
       </p:sp>
       <p:pic>
         <p:nvPicPr>
-          <p:cNvPr id="160" name="Image 6" descr=""/>
+          <p:cNvPr id="119" name="Image 6" descr=""/>
           <p:cNvPicPr/>
           <p:nvPr/>
         </p:nvPicPr>
@@ -5857,7 +4388,7 @@
         <p:spPr>
           <a:xfrm>
             <a:off x="3359520" y="185040"/>
-            <a:ext cx="2486520" cy="926640"/>
+            <a:ext cx="2486160" cy="926280"/>
           </a:xfrm>
           <a:prstGeom prst="rect">
             <a:avLst/>
@@ -5869,7 +4400,7 @@
       </p:pic>
       <p:pic>
         <p:nvPicPr>
-          <p:cNvPr id="161" name="" descr=""/>
+          <p:cNvPr id="120" name="" descr=""/>
           <p:cNvPicPr/>
           <p:nvPr/>
         </p:nvPicPr>
@@ -5880,7 +4411,7 @@
         <p:spPr>
           <a:xfrm>
             <a:off x="1945080" y="2794320"/>
-            <a:ext cx="5307480" cy="1338840"/>
+            <a:ext cx="5307120" cy="1338480"/>
           </a:xfrm>
           <a:prstGeom prst="rect">
             <a:avLst/>
@@ -5941,14 +4472,14 @@
       </p:grpSpPr>
       <p:sp>
         <p:nvSpPr>
-          <p:cNvPr id="162" name="CustomShape 1"/>
+          <p:cNvPr id="121" name="CustomShape 1"/>
           <p:cNvSpPr/>
           <p:nvPr/>
         </p:nvSpPr>
         <p:spPr>
           <a:xfrm>
             <a:off x="720000" y="935640"/>
-            <a:ext cx="7710480" cy="506520"/>
+            <a:ext cx="7710120" cy="506160"/>
           </a:xfrm>
           <a:prstGeom prst="rect">
             <a:avLst/>
@@ -5967,14 +4498,14 @@
       </p:sp>
       <p:sp>
         <p:nvSpPr>
-          <p:cNvPr id="163" name="CustomShape 2"/>
+          <p:cNvPr id="122" name="CustomShape 2"/>
           <p:cNvSpPr/>
           <p:nvPr/>
         </p:nvSpPr>
         <p:spPr>
           <a:xfrm>
             <a:off x="6879960" y="6311160"/>
-            <a:ext cx="2056320" cy="363960"/>
+            <a:ext cx="2055960" cy="363600"/>
           </a:xfrm>
           <a:prstGeom prst="rect">
             <a:avLst/>
@@ -5998,7 +4529,7 @@
                 <a:spcPct val="100000"/>
               </a:lnSpc>
             </a:pPr>
-            <a:fld id="{E24D1CE5-FC49-4574-BE8F-B649000C84CD}" type="slidenum">
+            <a:fld id="{98CB3188-87DD-4B0E-9813-950049E04C34}" type="slidenum">
               <a:rPr lang="fr-FR" sz="1000" strike="noStrike">
                 <a:solidFill>
                   <a:srgbClr val="595959"/>
@@ -6014,14 +4545,14 @@
       </p:sp>
       <p:sp>
         <p:nvSpPr>
-          <p:cNvPr id="164" name="CustomShape 3"/>
+          <p:cNvPr id="123" name="CustomShape 3"/>
           <p:cNvSpPr/>
           <p:nvPr/>
         </p:nvSpPr>
         <p:spPr>
           <a:xfrm>
             <a:off x="712800" y="6311160"/>
-            <a:ext cx="6100920" cy="363960"/>
+            <a:ext cx="6100560" cy="363600"/>
           </a:xfrm>
           <a:prstGeom prst="rect">
             <a:avLst/>
@@ -6040,7 +4571,7 @@
       </p:sp>
       <p:pic>
         <p:nvPicPr>
-          <p:cNvPr id="165" name="" descr=""/>
+          <p:cNvPr id="124" name="" descr=""/>
           <p:cNvPicPr/>
           <p:nvPr/>
         </p:nvPicPr>
@@ -6051,7 +4582,7 @@
         <p:spPr>
           <a:xfrm>
             <a:off x="792000" y="1389240"/>
-            <a:ext cx="7626240" cy="4298040"/>
+            <a:ext cx="7625880" cy="4297680"/>
           </a:xfrm>
           <a:prstGeom prst="rect">
             <a:avLst/>
@@ -6112,14 +4643,14 @@
       </p:grpSpPr>
       <p:sp>
         <p:nvSpPr>
-          <p:cNvPr id="166" name="CustomShape 1"/>
+          <p:cNvPr id="125" name="CustomShape 1"/>
           <p:cNvSpPr/>
           <p:nvPr/>
         </p:nvSpPr>
         <p:spPr>
           <a:xfrm>
             <a:off x="576000" y="935640"/>
-            <a:ext cx="7710480" cy="506520"/>
+            <a:ext cx="7710120" cy="506160"/>
           </a:xfrm>
           <a:prstGeom prst="rect">
             <a:avLst/>
@@ -6138,14 +4669,14 @@
       </p:sp>
       <p:sp>
         <p:nvSpPr>
-          <p:cNvPr id="167" name="CustomShape 2"/>
+          <p:cNvPr id="126" name="CustomShape 2"/>
           <p:cNvSpPr/>
           <p:nvPr/>
         </p:nvSpPr>
         <p:spPr>
           <a:xfrm>
             <a:off x="6879960" y="6311160"/>
-            <a:ext cx="2056320" cy="363960"/>
+            <a:ext cx="2055960" cy="363600"/>
           </a:xfrm>
           <a:prstGeom prst="rect">
             <a:avLst/>
@@ -6169,7 +4700,7 @@
                 <a:spcPct val="100000"/>
               </a:lnSpc>
             </a:pPr>
-            <a:fld id="{BB49207C-2CC6-4C86-A1EC-89C27DDBBAED}" type="slidenum">
+            <a:fld id="{23A6BBD8-B74E-471C-A891-BA090990CA45}" type="slidenum">
               <a:rPr lang="fr-FR" sz="1000" strike="noStrike">
                 <a:solidFill>
                   <a:srgbClr val="595959"/>
@@ -6185,21 +4716,21 @@
       </p:sp>
       <p:graphicFrame>
         <p:nvGraphicFramePr>
-          <p:cNvPr id="168" name="Table 3"/>
+          <p:cNvPr id="127" name="Table 3"/>
           <p:cNvGraphicFramePr/>
           <p:nvPr/>
         </p:nvGraphicFramePr>
         <p:xfrm>
           <a:off x="1112760" y="1715760"/>
-          <a:ext cx="6100560" cy="2561760"/>
+          <a:ext cx="6100200" cy="2561400"/>
         </p:xfrm>
         <a:graphic>
           <a:graphicData uri="http://schemas.openxmlformats.org/drawingml/2006/table">
             <a:tbl>
               <a:tblPr/>
               <a:tblGrid>
-                <a:gridCol w="3050640"/>
                 <a:gridCol w="3050280"/>
+                <a:gridCol w="3049920"/>
               </a:tblGrid>
               <a:tr h="876960">
                 <a:tc>
@@ -6265,7 +4796,7 @@
                   <a:tcPr/>
                 </a:tc>
               </a:tr>
-              <a:tr h="842760">
+              <a:tr h="842040">
                 <a:tc>
                   <a:txBody>
                     <a:bodyPr/>
@@ -6352,14 +4883,14 @@
       </p:grpSpPr>
       <p:sp>
         <p:nvSpPr>
-          <p:cNvPr id="169" name="CustomShape 1"/>
+          <p:cNvPr id="128" name="CustomShape 1"/>
           <p:cNvSpPr/>
           <p:nvPr/>
         </p:nvSpPr>
         <p:spPr>
           <a:xfrm>
             <a:off x="720000" y="935640"/>
-            <a:ext cx="7710480" cy="506520"/>
+            <a:ext cx="7710120" cy="506160"/>
           </a:xfrm>
           <a:prstGeom prst="rect">
             <a:avLst/>
@@ -6378,14 +4909,14 @@
       </p:sp>
       <p:sp>
         <p:nvSpPr>
-          <p:cNvPr id="170" name="CustomShape 2"/>
+          <p:cNvPr id="129" name="CustomShape 2"/>
           <p:cNvSpPr/>
           <p:nvPr/>
         </p:nvSpPr>
         <p:spPr>
           <a:xfrm>
             <a:off x="6879960" y="6311160"/>
-            <a:ext cx="2056320" cy="363960"/>
+            <a:ext cx="2055960" cy="363600"/>
           </a:xfrm>
           <a:prstGeom prst="rect">
             <a:avLst/>
@@ -6409,7 +4940,7 @@
                 <a:spcPct val="100000"/>
               </a:lnSpc>
             </a:pPr>
-            <a:fld id="{10BEFCF3-872D-4683-9A0F-7A9989AF1112}" type="slidenum">
+            <a:fld id="{377889AF-CACF-4613-B74A-834FC846B32D}" type="slidenum">
               <a:rPr lang="fr-FR" sz="1000" strike="noStrike">
                 <a:solidFill>
                   <a:srgbClr val="595959"/>
@@ -6425,14 +4956,14 @@
       </p:sp>
       <p:sp>
         <p:nvSpPr>
-          <p:cNvPr id="171" name="CustomShape 3"/>
+          <p:cNvPr id="130" name="CustomShape 3"/>
           <p:cNvSpPr/>
           <p:nvPr/>
         </p:nvSpPr>
         <p:spPr>
           <a:xfrm>
             <a:off x="712800" y="6311160"/>
-            <a:ext cx="6100920" cy="363960"/>
+            <a:ext cx="6100560" cy="363600"/>
           </a:xfrm>
           <a:prstGeom prst="rect">
             <a:avLst/>
@@ -6451,7 +4982,7 @@
       </p:sp>
       <p:pic>
         <p:nvPicPr>
-          <p:cNvPr id="172" name="" descr=""/>
+          <p:cNvPr id="131" name="" descr=""/>
           <p:cNvPicPr/>
           <p:nvPr/>
         </p:nvPicPr>
@@ -6462,7 +4993,7 @@
         <p:spPr>
           <a:xfrm>
             <a:off x="1008000" y="1296360"/>
-            <a:ext cx="6695280" cy="4462920"/>
+            <a:ext cx="6694920" cy="4462560"/>
           </a:xfrm>
           <a:prstGeom prst="rect">
             <a:avLst/>
@@ -6523,7 +5054,7 @@
       </p:grpSpPr>
       <p:pic>
         <p:nvPicPr>
-          <p:cNvPr id="173" name="" descr=""/>
+          <p:cNvPr id="132" name="" descr=""/>
           <p:cNvPicPr/>
           <p:nvPr/>
         </p:nvPicPr>
@@ -6533,8 +5064,8 @@
         </p:blipFill>
         <p:spPr>
           <a:xfrm>
-            <a:off x="1945080" y="2784600"/>
-            <a:ext cx="5307480" cy="1338840"/>
+            <a:off x="1152000" y="973440"/>
+            <a:ext cx="6505920" cy="4642560"/>
           </a:xfrm>
           <a:prstGeom prst="rect">
             <a:avLst/>
@@ -6595,14 +5126,14 @@
       </p:grpSpPr>
       <p:sp>
         <p:nvSpPr>
-          <p:cNvPr id="174" name="CustomShape 1"/>
+          <p:cNvPr id="133" name="CustomShape 1"/>
           <p:cNvSpPr/>
           <p:nvPr/>
         </p:nvSpPr>
         <p:spPr>
           <a:xfrm>
             <a:off x="720000" y="935640"/>
-            <a:ext cx="7710480" cy="506520"/>
+            <a:ext cx="7710120" cy="506160"/>
           </a:xfrm>
           <a:prstGeom prst="rect">
             <a:avLst/>
@@ -6621,14 +5152,14 @@
       </p:sp>
       <p:sp>
         <p:nvSpPr>
-          <p:cNvPr id="175" name="CustomShape 2"/>
+          <p:cNvPr id="134" name="CustomShape 2"/>
           <p:cNvSpPr/>
           <p:nvPr/>
         </p:nvSpPr>
         <p:spPr>
           <a:xfrm>
             <a:off x="712800" y="480240"/>
-            <a:ext cx="7715880" cy="456120"/>
+            <a:ext cx="7715520" cy="455760"/>
           </a:xfrm>
           <a:prstGeom prst="rect">
             <a:avLst/>
@@ -6647,14 +5178,14 @@
       </p:sp>
       <p:sp>
         <p:nvSpPr>
-          <p:cNvPr id="176" name="CustomShape 3"/>
+          <p:cNvPr id="135" name="CustomShape 3"/>
           <p:cNvSpPr/>
           <p:nvPr/>
         </p:nvSpPr>
         <p:spPr>
           <a:xfrm>
             <a:off x="6879960" y="6311160"/>
-            <a:ext cx="2056320" cy="363960"/>
+            <a:ext cx="2055960" cy="363600"/>
           </a:xfrm>
           <a:prstGeom prst="rect">
             <a:avLst/>
@@ -6678,7 +5209,7 @@
                 <a:spcPct val="100000"/>
               </a:lnSpc>
             </a:pPr>
-            <a:fld id="{DAC3825F-4C71-4FB8-9063-82E2E85D76E4}" type="slidenum">
+            <a:fld id="{2E288296-3066-4E55-8945-C0310510069F}" type="slidenum">
               <a:rPr lang="fr-FR" sz="1000" strike="noStrike">
                 <a:solidFill>
                   <a:srgbClr val="595959"/>
@@ -6694,14 +5225,14 @@
       </p:sp>
       <p:sp>
         <p:nvSpPr>
-          <p:cNvPr id="177" name="CustomShape 4"/>
+          <p:cNvPr id="136" name="CustomShape 4"/>
           <p:cNvSpPr/>
           <p:nvPr/>
         </p:nvSpPr>
         <p:spPr>
           <a:xfrm>
             <a:off x="712800" y="6311160"/>
-            <a:ext cx="6100920" cy="363960"/>
+            <a:ext cx="6100560" cy="363600"/>
           </a:xfrm>
           <a:prstGeom prst="rect">
             <a:avLst/>
@@ -6720,7 +5251,7 @@
       </p:sp>
       <p:pic>
         <p:nvPicPr>
-          <p:cNvPr id="178" name="" descr=""/>
+          <p:cNvPr id="137" name="" descr=""/>
           <p:cNvPicPr/>
           <p:nvPr/>
         </p:nvPicPr>
@@ -6730,8 +5261,8 @@
         </p:blipFill>
         <p:spPr>
           <a:xfrm>
-            <a:off x="2113920" y="1224000"/>
-            <a:ext cx="4077360" cy="4534920"/>
+            <a:off x="1944000" y="721440"/>
+            <a:ext cx="5013000" cy="5575680"/>
           </a:xfrm>
           <a:prstGeom prst="rect">
             <a:avLst/>
@@ -6792,14 +5323,14 @@
       </p:grpSpPr>
       <p:sp>
         <p:nvSpPr>
-          <p:cNvPr id="179" name="CustomShape 1"/>
+          <p:cNvPr id="138" name="CustomShape 1"/>
           <p:cNvSpPr/>
           <p:nvPr/>
         </p:nvSpPr>
         <p:spPr>
           <a:xfrm>
             <a:off x="720000" y="935640"/>
-            <a:ext cx="7710480" cy="506520"/>
+            <a:ext cx="7710120" cy="506160"/>
           </a:xfrm>
           <a:prstGeom prst="rect">
             <a:avLst/>
@@ -6818,14 +5349,14 @@
       </p:sp>
       <p:sp>
         <p:nvSpPr>
-          <p:cNvPr id="180" name="CustomShape 2"/>
+          <p:cNvPr id="139" name="CustomShape 2"/>
           <p:cNvSpPr/>
           <p:nvPr/>
         </p:nvSpPr>
         <p:spPr>
           <a:xfrm>
             <a:off x="6879960" y="6311160"/>
-            <a:ext cx="2056320" cy="363960"/>
+            <a:ext cx="2055960" cy="363600"/>
           </a:xfrm>
           <a:prstGeom prst="rect">
             <a:avLst/>
@@ -6849,7 +5380,7 @@
                 <a:spcPct val="100000"/>
               </a:lnSpc>
             </a:pPr>
-            <a:fld id="{D2E12713-F049-47EC-BBE2-3ADDE20CF73C}" type="slidenum">
+            <a:fld id="{CDE3B75D-F711-419C-BC31-6B4A4E2D9195}" type="slidenum">
               <a:rPr lang="fr-FR" sz="1000" strike="noStrike">
                 <a:solidFill>
                   <a:srgbClr val="595959"/>
@@ -6865,13 +5396,13 @@
       </p:sp>
       <p:graphicFrame>
         <p:nvGraphicFramePr>
-          <p:cNvPr id="181" name="Table 3"/>
+          <p:cNvPr id="140" name="Table 3"/>
           <p:cNvGraphicFramePr/>
           <p:nvPr/>
         </p:nvGraphicFramePr>
         <p:xfrm>
           <a:off x="1306440" y="788760"/>
-          <a:ext cx="6323760" cy="5402880"/>
+          <a:ext cx="6323400" cy="5402520"/>
         </p:xfrm>
         <a:graphic>
           <a:graphicData uri="http://schemas.openxmlformats.org/drawingml/2006/table">
@@ -7276,14 +5807,14 @@
       </p:grpSpPr>
       <p:sp>
         <p:nvSpPr>
-          <p:cNvPr id="182" name="CustomShape 1"/>
+          <p:cNvPr id="141" name="CustomShape 1"/>
           <p:cNvSpPr/>
           <p:nvPr/>
         </p:nvSpPr>
         <p:spPr>
           <a:xfrm>
             <a:off x="633600" y="489240"/>
-            <a:ext cx="7715880" cy="456120"/>
+            <a:ext cx="7715520" cy="455760"/>
           </a:xfrm>
           <a:prstGeom prst="rect">
             <a:avLst/>
@@ -7302,14 +5833,14 @@
       </p:sp>
       <p:sp>
         <p:nvSpPr>
-          <p:cNvPr id="183" name="CustomShape 2"/>
+          <p:cNvPr id="142" name="CustomShape 2"/>
           <p:cNvSpPr/>
           <p:nvPr/>
         </p:nvSpPr>
         <p:spPr>
           <a:xfrm>
             <a:off x="6879960" y="6311160"/>
-            <a:ext cx="2056320" cy="363960"/>
+            <a:ext cx="2055960" cy="363600"/>
           </a:xfrm>
           <a:prstGeom prst="rect">
             <a:avLst/>
@@ -7333,7 +5864,7 @@
                 <a:spcPct val="100000"/>
               </a:lnSpc>
             </a:pPr>
-            <a:fld id="{B0E92467-C0FD-43E9-BADB-40A5B7B293F5}" type="slidenum">
+            <a:fld id="{6EDD732D-FF86-4977-9309-14238447C20D}" type="slidenum">
               <a:rPr lang="fr-FR" sz="1000" strike="noStrike">
                 <a:solidFill>
                   <a:srgbClr val="595959"/>
@@ -7349,14 +5880,14 @@
       </p:sp>
       <p:sp>
         <p:nvSpPr>
-          <p:cNvPr id="184" name="CustomShape 3"/>
+          <p:cNvPr id="143" name="CustomShape 3"/>
           <p:cNvSpPr/>
           <p:nvPr/>
         </p:nvSpPr>
         <p:spPr>
           <a:xfrm>
             <a:off x="712800" y="6311160"/>
-            <a:ext cx="6100920" cy="363960"/>
+            <a:ext cx="6100560" cy="363600"/>
           </a:xfrm>
           <a:prstGeom prst="rect">
             <a:avLst/>
@@ -7375,14 +5906,14 @@
       </p:sp>
       <p:sp>
         <p:nvSpPr>
-          <p:cNvPr id="185" name="CustomShape 4"/>
+          <p:cNvPr id="144" name="CustomShape 4"/>
           <p:cNvSpPr/>
           <p:nvPr/>
         </p:nvSpPr>
         <p:spPr>
           <a:xfrm>
             <a:off x="703080" y="1951200"/>
-            <a:ext cx="7710120" cy="3638520"/>
+            <a:ext cx="7709760" cy="3638160"/>
           </a:xfrm>
           <a:prstGeom prst="rect">
             <a:avLst/>
@@ -7420,14 +5951,14 @@
       </p:sp>
       <p:sp>
         <p:nvSpPr>
-          <p:cNvPr id="186" name="CustomShape 5"/>
+          <p:cNvPr id="145" name="CustomShape 5"/>
           <p:cNvSpPr/>
           <p:nvPr/>
         </p:nvSpPr>
         <p:spPr>
           <a:xfrm>
             <a:off x="457200" y="273600"/>
-            <a:ext cx="8228880" cy="1144440"/>
+            <a:ext cx="8228520" cy="1144080"/>
           </a:xfrm>
           <a:prstGeom prst="rect">
             <a:avLst/>
@@ -7446,14 +5977,14 @@
       </p:sp>
       <p:sp>
         <p:nvSpPr>
-          <p:cNvPr id="187" name="CustomShape 6"/>
+          <p:cNvPr id="146" name="CustomShape 6"/>
           <p:cNvSpPr/>
           <p:nvPr/>
         </p:nvSpPr>
         <p:spPr>
           <a:xfrm>
             <a:off x="457200" y="1604520"/>
-            <a:ext cx="8228880" cy="3976920"/>
+            <a:ext cx="8228520" cy="3976560"/>
           </a:xfrm>
           <a:prstGeom prst="rect">
             <a:avLst/>
@@ -7469,24 +6000,30 @@
           <a:effectRef idx="0"/>
           <a:fontRef idx="minor"/>
         </p:style>
-        <p:txBody>
-          <a:bodyPr lIns="0" rIns="0" tIns="0" bIns="0" anchor="ctr"/>
-          <a:p>
-            <a:pPr algn="ctr">
-              <a:lnSpc>
-                <a:spcPct val="100000"/>
-              </a:lnSpc>
-            </a:pPr>
-            <a:r>
-              <a:rPr lang="fr-FR" sz="4000" strike="noStrike">
-                <a:latin typeface="Arial"/>
-              </a:rPr>
-              <a:t>Demo</a:t>
-            </a:r>
-            <a:endParaRPr/>
-          </a:p>
-        </p:txBody>
-      </p:sp>
+      </p:sp>
+      <p:pic>
+        <p:nvPicPr>
+          <p:cNvPr id="147" name="" descr=""/>
+          <p:cNvPicPr/>
+          <p:nvPr/>
+        </p:nvPicPr>
+        <p:blipFill>
+          <a:blip r:embed="rId1"/>
+          <a:stretch/>
+        </p:blipFill>
+        <p:spPr>
+          <a:xfrm>
+            <a:off x="2090880" y="2015640"/>
+            <a:ext cx="5016240" cy="2857320"/>
+          </a:xfrm>
+          <a:prstGeom prst="rect">
+            <a:avLst/>
+          </a:prstGeom>
+          <a:ln>
+            <a:noFill/>
+          </a:ln>
+        </p:spPr>
+      </p:pic>
     </p:spTree>
   </p:cSld>
   <p:timing>
@@ -7538,14 +6075,14 @@
       </p:grpSpPr>
       <p:sp>
         <p:nvSpPr>
-          <p:cNvPr id="188" name="CustomShape 1"/>
-          <p:cNvSpPr/>
+          <p:cNvPr id="148" name="TextShape 1"/>
+          <p:cNvSpPr txBox="1"/>
           <p:nvPr/>
         </p:nvSpPr>
         <p:spPr>
           <a:xfrm>
-            <a:off x="712800" y="6335280"/>
-            <a:ext cx="7717320" cy="358920"/>
+            <a:off x="457200" y="273600"/>
+            <a:ext cx="8228880" cy="1144440"/>
           </a:xfrm>
           <a:prstGeom prst="rect">
             <a:avLst/>
@@ -7555,37 +6092,17 @@
             <a:noFill/>
           </a:ln>
         </p:spPr>
-        <p:style>
-          <a:lnRef idx="0"/>
-          <a:fillRef idx="0"/>
-          <a:effectRef idx="0"/>
-          <a:fontRef idx="minor"/>
-        </p:style>
-        <p:txBody>
-          <a:bodyPr lIns="0" rIns="0" tIns="0" bIns="0"/>
-          <a:p>
-            <a:pPr algn="ctr">
-              <a:lnSpc>
-                <a:spcPct val="100000"/>
-              </a:lnSpc>
-            </a:pPr>
-            <a:r>
-              <a:rPr lang="fr-FR" sz="2200" strike="noStrike">
-                <a:solidFill>
-                  <a:srgbClr val="595959"/>
-                </a:solidFill>
-                <a:latin typeface="HelveticaNeue LT 45 Light"/>
-                <a:ea typeface="DejaVu Sans"/>
-              </a:rPr>
-              <a:t>17-18 mai 2019</a:t>
-            </a:r>
+        <p:txBody>
+          <a:bodyPr lIns="0" rIns="0" tIns="0" bIns="0" anchor="ctr"/>
+          <a:p>
+            <a:pPr algn="ctr"/>
             <a:endParaRPr/>
           </a:p>
         </p:txBody>
       </p:sp>
       <p:pic>
         <p:nvPicPr>
-          <p:cNvPr id="189" name="Image 6" descr=""/>
+          <p:cNvPr id="149" name="" descr=""/>
           <p:cNvPicPr/>
           <p:nvPr/>
         </p:nvPicPr>
@@ -7595,8 +6112,8 @@
         </p:blipFill>
         <p:spPr>
           <a:xfrm>
-            <a:off x="3359520" y="185040"/>
-            <a:ext cx="2486520" cy="926640"/>
+            <a:off x="1928880" y="2045520"/>
+            <a:ext cx="5307120" cy="1338480"/>
           </a:xfrm>
           <a:prstGeom prst="rect">
             <a:avLst/>
@@ -7608,63 +6125,14 @@
       </p:pic>
       <p:sp>
         <p:nvSpPr>
-          <p:cNvPr id="190" name="CustomShape 2"/>
-          <p:cNvSpPr/>
-          <p:nvPr/>
-        </p:nvSpPr>
-        <p:spPr>
-          <a:xfrm>
-            <a:off x="712800" y="2433960"/>
-            <a:ext cx="7717320" cy="538920"/>
-          </a:xfrm>
-          <a:prstGeom prst="rect">
-            <a:avLst/>
-          </a:prstGeom>
-          <a:noFill/>
-          <a:ln>
-            <a:noFill/>
-          </a:ln>
-        </p:spPr>
-        <p:style>
-          <a:lnRef idx="0"/>
-          <a:fillRef idx="0"/>
-          <a:effectRef idx="0"/>
-          <a:fontRef idx="minor"/>
-        </p:style>
-      </p:sp>
-      <p:pic>
-        <p:nvPicPr>
-          <p:cNvPr id="191" name="" descr=""/>
-          <p:cNvPicPr/>
-          <p:nvPr/>
-        </p:nvPicPr>
-        <p:blipFill>
-          <a:blip r:embed="rId2"/>
-          <a:stretch/>
-        </p:blipFill>
-        <p:spPr>
-          <a:xfrm>
-            <a:off x="1944720" y="2784240"/>
-            <a:ext cx="5307480" cy="1338840"/>
-          </a:xfrm>
-          <a:prstGeom prst="rect">
-            <a:avLst/>
-          </a:prstGeom>
-          <a:ln>
-            <a:noFill/>
-          </a:ln>
-        </p:spPr>
-      </p:pic>
-      <p:sp>
-        <p:nvSpPr>
-          <p:cNvPr id="192" name="TextShape 3"/>
+          <p:cNvPr id="150" name="TextShape 2"/>
           <p:cNvSpPr txBox="1"/>
           <p:nvPr/>
         </p:nvSpPr>
         <p:spPr>
           <a:xfrm>
-            <a:off x="3353400" y="4349880"/>
-            <a:ext cx="2550600" cy="1001880"/>
+            <a:off x="3384000" y="4421520"/>
+            <a:ext cx="2349360" cy="546480"/>
           </a:xfrm>
           <a:prstGeom prst="rect">
             <a:avLst/>
@@ -7687,6 +6155,43 @@
                 <a:latin typeface="Arial"/>
               </a:rPr>
               <a:t>Questions ?</a:t>
+            </a:r>
+            <a:endParaRPr/>
+          </a:p>
+        </p:txBody>
+      </p:sp>
+      <p:sp>
+        <p:nvSpPr>
+          <p:cNvPr id="151" name="TextShape 3"/>
+          <p:cNvSpPr txBox="1"/>
+          <p:nvPr/>
+        </p:nvSpPr>
+        <p:spPr>
+          <a:xfrm>
+            <a:off x="2232000" y="3413520"/>
+            <a:ext cx="4824000" cy="1457640"/>
+          </a:xfrm>
+          <a:prstGeom prst="rect">
+            <a:avLst/>
+          </a:prstGeom>
+          <a:noFill/>
+          <a:ln>
+            <a:noFill/>
+          </a:ln>
+        </p:spPr>
+        <p:txBody>
+          <a:bodyPr lIns="90000" rIns="90000" tIns="45000" bIns="45000"/>
+          <a:p>
+            <a:pPr algn="ctr">
+              <a:lnSpc>
+                <a:spcPct val="100000"/>
+              </a:lnSpc>
+            </a:pPr>
+            <a:r>
+              <a:rPr lang="fr-FR" sz="2400" strike="noStrike">
+                <a:latin typeface="Arial"/>
+              </a:rPr>
+              <a:t>Attendre n'est pas une fatalité</a:t>
             </a:r>
             <a:endParaRPr/>
           </a:p>
@@ -8391,227 +6896,4 @@
     </a:fmtScheme>
   </a:themeElements>
 </a:theme>
-</file>
-
-<file path=ppt/theme/theme4.xml><?xml version="1.0" encoding="utf-8"?>
-<a:theme xmlns:a="http://schemas.openxmlformats.org/drawingml/2006/main" name="Office Theme">
-  <a:themeElements>
-    <a:clrScheme name="Office">
-      <a:dk1>
-        <a:sysClr val="windowText" lastClr="000000"/>
-      </a:dk1>
-      <a:lt1>
-        <a:sysClr val="window" lastClr="FFFFFF"/>
-      </a:lt1>
-      <a:dk2>
-        <a:srgbClr val="1F497D"/>
-      </a:dk2>
-      <a:lt2>
-        <a:srgbClr val="EEECE1"/>
-      </a:lt2>
-      <a:accent1>
-        <a:srgbClr val="4F81BD"/>
-      </a:accent1>
-      <a:accent2>
-        <a:srgbClr val="C0504D"/>
-      </a:accent2>
-      <a:accent3>
-        <a:srgbClr val="9BBB59"/>
-      </a:accent3>
-      <a:accent4>
-        <a:srgbClr val="8064A2"/>
-      </a:accent4>
-      <a:accent5>
-        <a:srgbClr val="4BACC6"/>
-      </a:accent5>
-      <a:accent6>
-        <a:srgbClr val="F79646"/>
-      </a:accent6>
-      <a:hlink>
-        <a:srgbClr val="0000FF"/>
-      </a:hlink>
-      <a:folHlink>
-        <a:srgbClr val="800080"/>
-      </a:folHlink>
-    </a:clrScheme>
-    <a:fontScheme name="Office">
-      <a:majorFont>
-        <a:latin typeface="Arial"/>
-        <a:ea typeface="DejaVu Sans"/>
-        <a:cs typeface="DejaVu Sans"/>
-      </a:majorFont>
-      <a:minorFont>
-        <a:latin typeface="Arial"/>
-        <a:ea typeface="DejaVu Sans"/>
-        <a:cs typeface="DejaVu Sans"/>
-      </a:minorFont>
-    </a:fontScheme>
-    <a:fmtScheme name="Office">
-      <a:fillStyleLst>
-        <a:solidFill>
-          <a:schemeClr val="phClr"/>
-        </a:solidFill>
-        <a:gradFill rotWithShape="1">
-          <a:gsLst>
-            <a:gs pos="0">
-              <a:schemeClr val="phClr">
-                <a:tint val="50000"/>
-                <a:satMod val="300000"/>
-              </a:schemeClr>
-            </a:gs>
-            <a:gs pos="35000">
-              <a:schemeClr val="phClr">
-                <a:tint val="37000"/>
-                <a:satMod val="300000"/>
-              </a:schemeClr>
-            </a:gs>
-            <a:gs pos="100000">
-              <a:schemeClr val="phClr">
-                <a:tint val="15000"/>
-                <a:satMod val="350000"/>
-              </a:schemeClr>
-            </a:gs>
-          </a:gsLst>
-          <a:lin ang="16200000" scaled="1"/>
-        </a:gradFill>
-        <a:gradFill rotWithShape="1">
-          <a:gsLst>
-            <a:gs pos="0">
-              <a:schemeClr val="phClr">
-                <a:shade val="51000"/>
-                <a:satMod val="130000"/>
-              </a:schemeClr>
-            </a:gs>
-            <a:gs pos="80000">
-              <a:schemeClr val="phClr">
-                <a:shade val="93000"/>
-                <a:satMod val="130000"/>
-              </a:schemeClr>
-            </a:gs>
-            <a:gs pos="100000">
-              <a:schemeClr val="phClr">
-                <a:shade val="94000"/>
-                <a:satMod val="135000"/>
-              </a:schemeClr>
-            </a:gs>
-          </a:gsLst>
-          <a:lin ang="16200000" scaled="0"/>
-        </a:gradFill>
-      </a:fillStyleLst>
-      <a:lnStyleLst>
-        <a:ln w="9525" cap="flat" cmpd="sng" algn="ctr">
-          <a:solidFill>
-            <a:schemeClr val="phClr">
-              <a:shade val="95000"/>
-              <a:satMod val="105000"/>
-            </a:schemeClr>
-          </a:solidFill>
-          <a:prstDash val="solid"/>
-        </a:ln>
-        <a:ln w="25400" cap="flat" cmpd="sng" algn="ctr">
-          <a:solidFill>
-            <a:schemeClr val="phClr"/>
-          </a:solidFill>
-          <a:prstDash val="solid"/>
-        </a:ln>
-        <a:ln w="38100" cap="flat" cmpd="sng" algn="ctr">
-          <a:solidFill>
-            <a:schemeClr val="phClr"/>
-          </a:solidFill>
-          <a:prstDash val="solid"/>
-        </a:ln>
-      </a:lnStyleLst>
-      <a:effectStyleLst>
-        <a:effectStyle>
-          <a:effectLst>
-            <a:outerShdw blurRad="40000" dist="20000" dir="5400000" rotWithShape="0">
-              <a:srgbClr val="000000">
-                <a:alpha val="38000"/>
-              </a:srgbClr>
-            </a:outerShdw>
-          </a:effectLst>
-        </a:effectStyle>
-        <a:effectStyle>
-          <a:effectLst>
-            <a:outerShdw blurRad="40000" dist="23000" dir="5400000" rotWithShape="0">
-              <a:srgbClr val="000000">
-                <a:alpha val="35000"/>
-              </a:srgbClr>
-            </a:outerShdw>
-          </a:effectLst>
-        </a:effectStyle>
-        <a:effectStyle>
-          <a:effectLst>
-            <a:outerShdw blurRad="40000" dist="23000" dir="5400000" rotWithShape="0">
-              <a:srgbClr val="000000">
-                <a:alpha val="35000"/>
-              </a:srgbClr>
-            </a:outerShdw>
-          </a:effectLst>
-          <a:scene3d>
-            <a:camera prst="orthographicFront">
-              <a:rot lat="0" lon="0" rev="0"/>
-            </a:camera>
-            <a:lightRig rig="threePt" dir="t">
-              <a:rot lat="0" lon="0" rev="1200000"/>
-            </a:lightRig>
-          </a:scene3d>
-          <a:sp3d>
-            <a:bevelT w="63500" h="25400"/>
-          </a:sp3d>
-        </a:effectStyle>
-      </a:effectStyleLst>
-      <a:bgFillStyleLst>
-        <a:solidFill>
-          <a:schemeClr val="phClr"/>
-        </a:solidFill>
-        <a:gradFill rotWithShape="1">
-          <a:gsLst>
-            <a:gs pos="0">
-              <a:schemeClr val="phClr">
-                <a:tint val="40000"/>
-                <a:satMod val="350000"/>
-              </a:schemeClr>
-            </a:gs>
-            <a:gs pos="40000">
-              <a:schemeClr val="phClr">
-                <a:tint val="45000"/>
-                <a:shade val="99000"/>
-                <a:satMod val="350000"/>
-              </a:schemeClr>
-            </a:gs>
-            <a:gs pos="100000">
-              <a:schemeClr val="phClr">
-                <a:shade val="20000"/>
-                <a:satMod val="255000"/>
-              </a:schemeClr>
-            </a:gs>
-          </a:gsLst>
-          <a:path path="circle">
-            <a:fillToRect l="50000" t="-80000" r="50000" b="180000"/>
-          </a:path>
-        </a:gradFill>
-        <a:gradFill rotWithShape="1">
-          <a:gsLst>
-            <a:gs pos="0">
-              <a:schemeClr val="phClr">
-                <a:tint val="80000"/>
-                <a:satMod val="300000"/>
-              </a:schemeClr>
-            </a:gs>
-            <a:gs pos="100000">
-              <a:schemeClr val="phClr">
-                <a:shade val="30000"/>
-                <a:satMod val="200000"/>
-              </a:schemeClr>
-            </a:gs>
-          </a:gsLst>
-          <a:path path="circle">
-            <a:fillToRect l="50000" t="50000" r="50000" b="50000"/>
-          </a:path>
-        </a:gradFill>
-      </a:bgFillStyleLst>
-    </a:fmtScheme>
-  </a:themeElements>
-</a:theme>
 </file>
--- a/GM IT Hackathon PITCH Doc Time.pptx
+++ b/GM IT Hackathon PITCH Doc Time.pptx
@@ -74,7 +74,7 @@
         <p:spPr>
           <a:xfrm>
             <a:off x="457200" y="273600"/>
-            <a:ext cx="8228880" cy="1144440"/>
+            <a:ext cx="8229240" cy="1144800"/>
           </a:xfrm>
           <a:prstGeom prst="rect">
             <a:avLst/>
@@ -101,7 +101,7 @@
         <p:spPr>
           <a:xfrm>
             <a:off x="457200" y="1604520"/>
-            <a:ext cx="8228880" cy="1896840"/>
+            <a:ext cx="8229240" cy="1896840"/>
           </a:xfrm>
           <a:prstGeom prst="rect">
             <a:avLst/>
@@ -127,7 +127,7 @@
         <p:spPr>
           <a:xfrm>
             <a:off x="457200" y="3682080"/>
-            <a:ext cx="8228880" cy="1896840"/>
+            <a:ext cx="8229240" cy="1896840"/>
           </a:xfrm>
           <a:prstGeom prst="rect">
             <a:avLst/>
@@ -175,7 +175,7 @@
         <p:spPr>
           <a:xfrm>
             <a:off x="457200" y="273600"/>
-            <a:ext cx="8228880" cy="1144440"/>
+            <a:ext cx="8229240" cy="1144800"/>
           </a:xfrm>
           <a:prstGeom prst="rect">
             <a:avLst/>
@@ -202,7 +202,7 @@
         <p:spPr>
           <a:xfrm>
             <a:off x="457200" y="1604520"/>
-            <a:ext cx="4015440" cy="1896840"/>
+            <a:ext cx="4015800" cy="1896840"/>
           </a:xfrm>
           <a:prstGeom prst="rect">
             <a:avLst/>
@@ -227,8 +227,8 @@
         </p:nvSpPr>
         <p:spPr>
           <a:xfrm>
-            <a:off x="4673880" y="1604520"/>
-            <a:ext cx="4015440" cy="1896840"/>
+            <a:off x="4674240" y="1604520"/>
+            <a:ext cx="4015800" cy="1896840"/>
           </a:xfrm>
           <a:prstGeom prst="rect">
             <a:avLst/>
@@ -253,8 +253,8 @@
         </p:nvSpPr>
         <p:spPr>
           <a:xfrm>
-            <a:off x="4673880" y="3682080"/>
-            <a:ext cx="4015440" cy="1896840"/>
+            <a:off x="4674240" y="3682080"/>
+            <a:ext cx="4015800" cy="1896840"/>
           </a:xfrm>
           <a:prstGeom prst="rect">
             <a:avLst/>
@@ -280,7 +280,7 @@
         <p:spPr>
           <a:xfrm>
             <a:off x="457200" y="3682080"/>
-            <a:ext cx="4015440" cy="1896840"/>
+            <a:ext cx="4015800" cy="1896840"/>
           </a:xfrm>
           <a:prstGeom prst="rect">
             <a:avLst/>
@@ -328,7 +328,7 @@
         <p:spPr>
           <a:xfrm>
             <a:off x="457200" y="273600"/>
-            <a:ext cx="8228880" cy="1144440"/>
+            <a:ext cx="8229240" cy="1144800"/>
           </a:xfrm>
           <a:prstGeom prst="rect">
             <a:avLst/>
@@ -355,7 +355,7 @@
         <p:spPr>
           <a:xfrm>
             <a:off x="457200" y="1604520"/>
-            <a:ext cx="8228880" cy="3976920"/>
+            <a:ext cx="8229240" cy="3977280"/>
           </a:xfrm>
           <a:prstGeom prst="rect">
             <a:avLst/>
@@ -381,7 +381,7 @@
         <p:spPr>
           <a:xfrm>
             <a:off x="457200" y="1604520"/>
-            <a:ext cx="8228880" cy="3976920"/>
+            <a:ext cx="8229240" cy="3977280"/>
           </a:xfrm>
           <a:prstGeom prst="rect">
             <a:avLst/>
@@ -406,8 +406,8 @@
         </p:blipFill>
         <p:spPr>
           <a:xfrm>
-            <a:off x="2077920" y="1604160"/>
-            <a:ext cx="4987080" cy="3976920"/>
+            <a:off x="2077920" y="1604520"/>
+            <a:ext cx="4987440" cy="3977280"/>
           </a:xfrm>
           <a:prstGeom prst="rect">
             <a:avLst/>
@@ -429,8 +429,8 @@
         </p:blipFill>
         <p:spPr>
           <a:xfrm>
-            <a:off x="2077920" y="1604160"/>
-            <a:ext cx="4987080" cy="3976920"/>
+            <a:off x="2077920" y="1604520"/>
+            <a:ext cx="4987440" cy="3977280"/>
           </a:xfrm>
           <a:prstGeom prst="rect">
             <a:avLst/>
@@ -497,7 +497,7 @@
         <p:spPr>
           <a:xfrm>
             <a:off x="457200" y="273600"/>
-            <a:ext cx="8228880" cy="1144440"/>
+            <a:ext cx="8229240" cy="1144800"/>
           </a:xfrm>
           <a:prstGeom prst="rect">
             <a:avLst/>
@@ -524,7 +524,7 @@
         <p:spPr>
           <a:xfrm>
             <a:off x="457200" y="1604520"/>
-            <a:ext cx="8228880" cy="3976920"/>
+            <a:ext cx="8229240" cy="3977280"/>
           </a:xfrm>
           <a:prstGeom prst="rect">
             <a:avLst/>
@@ -573,7 +573,7 @@
         <p:spPr>
           <a:xfrm>
             <a:off x="457200" y="273600"/>
-            <a:ext cx="8228880" cy="1144440"/>
+            <a:ext cx="8229240" cy="1144800"/>
           </a:xfrm>
           <a:prstGeom prst="rect">
             <a:avLst/>
@@ -600,7 +600,7 @@
         <p:spPr>
           <a:xfrm>
             <a:off x="457200" y="1604520"/>
-            <a:ext cx="8228880" cy="3976920"/>
+            <a:ext cx="8229240" cy="3977280"/>
           </a:xfrm>
           <a:prstGeom prst="rect">
             <a:avLst/>
@@ -648,7 +648,7 @@
         <p:spPr>
           <a:xfrm>
             <a:off x="457200" y="273600"/>
-            <a:ext cx="8228880" cy="1144440"/>
+            <a:ext cx="8229240" cy="1144800"/>
           </a:xfrm>
           <a:prstGeom prst="rect">
             <a:avLst/>
@@ -675,7 +675,7 @@
         <p:spPr>
           <a:xfrm>
             <a:off x="457200" y="1604520"/>
-            <a:ext cx="4015440" cy="3976920"/>
+            <a:ext cx="4015800" cy="3977280"/>
           </a:xfrm>
           <a:prstGeom prst="rect">
             <a:avLst/>
@@ -700,8 +700,8 @@
         </p:nvSpPr>
         <p:spPr>
           <a:xfrm>
-            <a:off x="4673880" y="1604520"/>
-            <a:ext cx="4015440" cy="3976920"/>
+            <a:off x="4674240" y="1604520"/>
+            <a:ext cx="4015800" cy="3977280"/>
           </a:xfrm>
           <a:prstGeom prst="rect">
             <a:avLst/>
@@ -749,7 +749,7 @@
         <p:spPr>
           <a:xfrm>
             <a:off x="457200" y="273600"/>
-            <a:ext cx="8228880" cy="1144440"/>
+            <a:ext cx="8229240" cy="1144800"/>
           </a:xfrm>
           <a:prstGeom prst="rect">
             <a:avLst/>
@@ -798,7 +798,7 @@
         <p:spPr>
           <a:xfrm>
             <a:off x="457200" y="273600"/>
-            <a:ext cx="8228880" cy="5306400"/>
+            <a:ext cx="8229240" cy="5307840"/>
           </a:xfrm>
           <a:prstGeom prst="rect">
             <a:avLst/>
@@ -847,7 +847,7 @@
         <p:spPr>
           <a:xfrm>
             <a:off x="457200" y="273600"/>
-            <a:ext cx="8228880" cy="1144440"/>
+            <a:ext cx="8229240" cy="1144800"/>
           </a:xfrm>
           <a:prstGeom prst="rect">
             <a:avLst/>
@@ -874,7 +874,7 @@
         <p:spPr>
           <a:xfrm>
             <a:off x="457200" y="1604520"/>
-            <a:ext cx="4015440" cy="1896840"/>
+            <a:ext cx="4015800" cy="1896840"/>
           </a:xfrm>
           <a:prstGeom prst="rect">
             <a:avLst/>
@@ -900,7 +900,7 @@
         <p:spPr>
           <a:xfrm>
             <a:off x="457200" y="3682080"/>
-            <a:ext cx="4015440" cy="1896840"/>
+            <a:ext cx="4015800" cy="1896840"/>
           </a:xfrm>
           <a:prstGeom prst="rect">
             <a:avLst/>
@@ -925,8 +925,8 @@
         </p:nvSpPr>
         <p:spPr>
           <a:xfrm>
-            <a:off x="4673880" y="1604520"/>
-            <a:ext cx="4015440" cy="3976920"/>
+            <a:off x="4674240" y="1604520"/>
+            <a:ext cx="4015800" cy="3977280"/>
           </a:xfrm>
           <a:prstGeom prst="rect">
             <a:avLst/>
@@ -974,7 +974,7 @@
         <p:spPr>
           <a:xfrm>
             <a:off x="457200" y="273600"/>
-            <a:ext cx="8228880" cy="1144440"/>
+            <a:ext cx="8229240" cy="1144800"/>
           </a:xfrm>
           <a:prstGeom prst="rect">
             <a:avLst/>
@@ -1001,7 +1001,7 @@
         <p:spPr>
           <a:xfrm>
             <a:off x="457200" y="1604520"/>
-            <a:ext cx="8228880" cy="3976920"/>
+            <a:ext cx="8229240" cy="3977280"/>
           </a:xfrm>
           <a:prstGeom prst="rect">
             <a:avLst/>
@@ -1050,7 +1050,7 @@
         <p:spPr>
           <a:xfrm>
             <a:off x="457200" y="273600"/>
-            <a:ext cx="8228880" cy="1144440"/>
+            <a:ext cx="8229240" cy="1144800"/>
           </a:xfrm>
           <a:prstGeom prst="rect">
             <a:avLst/>
@@ -1077,7 +1077,7 @@
         <p:spPr>
           <a:xfrm>
             <a:off x="457200" y="1604520"/>
-            <a:ext cx="4015440" cy="3976920"/>
+            <a:ext cx="4015800" cy="3977280"/>
           </a:xfrm>
           <a:prstGeom prst="rect">
             <a:avLst/>
@@ -1102,8 +1102,8 @@
         </p:nvSpPr>
         <p:spPr>
           <a:xfrm>
-            <a:off x="4673880" y="1604520"/>
-            <a:ext cx="4015440" cy="1896840"/>
+            <a:off x="4674240" y="1604520"/>
+            <a:ext cx="4015800" cy="1896840"/>
           </a:xfrm>
           <a:prstGeom prst="rect">
             <a:avLst/>
@@ -1128,8 +1128,8 @@
         </p:nvSpPr>
         <p:spPr>
           <a:xfrm>
-            <a:off x="4673880" y="3682080"/>
-            <a:ext cx="4015440" cy="1896840"/>
+            <a:off x="4674240" y="3682080"/>
+            <a:ext cx="4015800" cy="1896840"/>
           </a:xfrm>
           <a:prstGeom prst="rect">
             <a:avLst/>
@@ -1177,7 +1177,7 @@
         <p:spPr>
           <a:xfrm>
             <a:off x="457200" y="273600"/>
-            <a:ext cx="8228880" cy="1144440"/>
+            <a:ext cx="8229240" cy="1144800"/>
           </a:xfrm>
           <a:prstGeom prst="rect">
             <a:avLst/>
@@ -1204,7 +1204,7 @@
         <p:spPr>
           <a:xfrm>
             <a:off x="457200" y="1604520"/>
-            <a:ext cx="4015440" cy="1896840"/>
+            <a:ext cx="4015800" cy="1896840"/>
           </a:xfrm>
           <a:prstGeom prst="rect">
             <a:avLst/>
@@ -1229,8 +1229,8 @@
         </p:nvSpPr>
         <p:spPr>
           <a:xfrm>
-            <a:off x="4673880" y="1604520"/>
-            <a:ext cx="4015440" cy="1896840"/>
+            <a:off x="4674240" y="1604520"/>
+            <a:ext cx="4015800" cy="1896840"/>
           </a:xfrm>
           <a:prstGeom prst="rect">
             <a:avLst/>
@@ -1256,7 +1256,7 @@
         <p:spPr>
           <a:xfrm>
             <a:off x="457200" y="3682080"/>
-            <a:ext cx="8228880" cy="1896840"/>
+            <a:ext cx="8229240" cy="1896840"/>
           </a:xfrm>
           <a:prstGeom prst="rect">
             <a:avLst/>
@@ -1304,7 +1304,7 @@
         <p:spPr>
           <a:xfrm>
             <a:off x="457200" y="273600"/>
-            <a:ext cx="8228880" cy="1144440"/>
+            <a:ext cx="8229240" cy="1144800"/>
           </a:xfrm>
           <a:prstGeom prst="rect">
             <a:avLst/>
@@ -1331,7 +1331,7 @@
         <p:spPr>
           <a:xfrm>
             <a:off x="457200" y="1604520"/>
-            <a:ext cx="8228880" cy="1896840"/>
+            <a:ext cx="8229240" cy="1896840"/>
           </a:xfrm>
           <a:prstGeom prst="rect">
             <a:avLst/>
@@ -1357,7 +1357,7 @@
         <p:spPr>
           <a:xfrm>
             <a:off x="457200" y="3682080"/>
-            <a:ext cx="8228880" cy="1896840"/>
+            <a:ext cx="8229240" cy="1896840"/>
           </a:xfrm>
           <a:prstGeom prst="rect">
             <a:avLst/>
@@ -1405,7 +1405,7 @@
         <p:spPr>
           <a:xfrm>
             <a:off x="457200" y="273600"/>
-            <a:ext cx="8228880" cy="1144440"/>
+            <a:ext cx="8229240" cy="1144800"/>
           </a:xfrm>
           <a:prstGeom prst="rect">
             <a:avLst/>
@@ -1432,7 +1432,7 @@
         <p:spPr>
           <a:xfrm>
             <a:off x="457200" y="1604520"/>
-            <a:ext cx="4015440" cy="1896840"/>
+            <a:ext cx="4015800" cy="1896840"/>
           </a:xfrm>
           <a:prstGeom prst="rect">
             <a:avLst/>
@@ -1457,8 +1457,8 @@
         </p:nvSpPr>
         <p:spPr>
           <a:xfrm>
-            <a:off x="4673880" y="1604520"/>
-            <a:ext cx="4015440" cy="1896840"/>
+            <a:off x="4674240" y="1604520"/>
+            <a:ext cx="4015800" cy="1896840"/>
           </a:xfrm>
           <a:prstGeom prst="rect">
             <a:avLst/>
@@ -1483,8 +1483,8 @@
         </p:nvSpPr>
         <p:spPr>
           <a:xfrm>
-            <a:off x="4673880" y="3682080"/>
-            <a:ext cx="4015440" cy="1896840"/>
+            <a:off x="4674240" y="3682080"/>
+            <a:ext cx="4015800" cy="1896840"/>
           </a:xfrm>
           <a:prstGeom prst="rect">
             <a:avLst/>
@@ -1510,7 +1510,7 @@
         <p:spPr>
           <a:xfrm>
             <a:off x="457200" y="3682080"/>
-            <a:ext cx="4015440" cy="1896840"/>
+            <a:ext cx="4015800" cy="1896840"/>
           </a:xfrm>
           <a:prstGeom prst="rect">
             <a:avLst/>
@@ -1558,7 +1558,7 @@
         <p:spPr>
           <a:xfrm>
             <a:off x="457200" y="273600"/>
-            <a:ext cx="8228880" cy="1144440"/>
+            <a:ext cx="8229240" cy="1144800"/>
           </a:xfrm>
           <a:prstGeom prst="rect">
             <a:avLst/>
@@ -1585,7 +1585,7 @@
         <p:spPr>
           <a:xfrm>
             <a:off x="457200" y="1604520"/>
-            <a:ext cx="8228880" cy="3976920"/>
+            <a:ext cx="8229240" cy="3977280"/>
           </a:xfrm>
           <a:prstGeom prst="rect">
             <a:avLst/>
@@ -1611,7 +1611,7 @@
         <p:spPr>
           <a:xfrm>
             <a:off x="457200" y="1604520"/>
-            <a:ext cx="8228880" cy="3976920"/>
+            <a:ext cx="8229240" cy="3977280"/>
           </a:xfrm>
           <a:prstGeom prst="rect">
             <a:avLst/>
@@ -1636,8 +1636,8 @@
         </p:blipFill>
         <p:spPr>
           <a:xfrm>
-            <a:off x="2077920" y="1604160"/>
-            <a:ext cx="4987080" cy="3976920"/>
+            <a:off x="2077920" y="1604520"/>
+            <a:ext cx="4987440" cy="3977280"/>
           </a:xfrm>
           <a:prstGeom prst="rect">
             <a:avLst/>
@@ -1659,8 +1659,8 @@
         </p:blipFill>
         <p:spPr>
           <a:xfrm>
-            <a:off x="2077920" y="1604160"/>
-            <a:ext cx="4987080" cy="3976920"/>
+            <a:off x="2077920" y="1604520"/>
+            <a:ext cx="4987440" cy="3977280"/>
           </a:xfrm>
           <a:prstGeom prst="rect">
             <a:avLst/>
@@ -1727,7 +1727,7 @@
         <p:spPr>
           <a:xfrm>
             <a:off x="457200" y="273600"/>
-            <a:ext cx="8228880" cy="1144440"/>
+            <a:ext cx="8229240" cy="1144800"/>
           </a:xfrm>
           <a:prstGeom prst="rect">
             <a:avLst/>
@@ -1754,7 +1754,7 @@
         <p:spPr>
           <a:xfrm>
             <a:off x="457200" y="1604520"/>
-            <a:ext cx="8228880" cy="3976920"/>
+            <a:ext cx="8229240" cy="3977280"/>
           </a:xfrm>
           <a:prstGeom prst="rect">
             <a:avLst/>
@@ -1803,7 +1803,7 @@
         <p:spPr>
           <a:xfrm>
             <a:off x="457200" y="273600"/>
-            <a:ext cx="8228880" cy="1144440"/>
+            <a:ext cx="8229240" cy="1144800"/>
           </a:xfrm>
           <a:prstGeom prst="rect">
             <a:avLst/>
@@ -1830,7 +1830,7 @@
         <p:spPr>
           <a:xfrm>
             <a:off x="457200" y="1604520"/>
-            <a:ext cx="8228880" cy="3976920"/>
+            <a:ext cx="8229240" cy="3977280"/>
           </a:xfrm>
           <a:prstGeom prst="rect">
             <a:avLst/>
@@ -1878,7 +1878,7 @@
         <p:spPr>
           <a:xfrm>
             <a:off x="457200" y="273600"/>
-            <a:ext cx="8228880" cy="1144440"/>
+            <a:ext cx="8229240" cy="1144800"/>
           </a:xfrm>
           <a:prstGeom prst="rect">
             <a:avLst/>
@@ -1905,7 +1905,7 @@
         <p:spPr>
           <a:xfrm>
             <a:off x="457200" y="1604520"/>
-            <a:ext cx="4015440" cy="3976920"/>
+            <a:ext cx="4015800" cy="3977280"/>
           </a:xfrm>
           <a:prstGeom prst="rect">
             <a:avLst/>
@@ -1930,8 +1930,8 @@
         </p:nvSpPr>
         <p:spPr>
           <a:xfrm>
-            <a:off x="4673880" y="1604520"/>
-            <a:ext cx="4015440" cy="3976920"/>
+            <a:off x="4674240" y="1604520"/>
+            <a:ext cx="4015800" cy="3977280"/>
           </a:xfrm>
           <a:prstGeom prst="rect">
             <a:avLst/>
@@ -1979,7 +1979,7 @@
         <p:spPr>
           <a:xfrm>
             <a:off x="457200" y="273600"/>
-            <a:ext cx="8228880" cy="1144440"/>
+            <a:ext cx="8229240" cy="1144800"/>
           </a:xfrm>
           <a:prstGeom prst="rect">
             <a:avLst/>
@@ -2028,7 +2028,7 @@
         <p:spPr>
           <a:xfrm>
             <a:off x="457200" y="273600"/>
-            <a:ext cx="8228880" cy="1144440"/>
+            <a:ext cx="8229240" cy="1144800"/>
           </a:xfrm>
           <a:prstGeom prst="rect">
             <a:avLst/>
@@ -2055,7 +2055,7 @@
         <p:spPr>
           <a:xfrm>
             <a:off x="457200" y="1604520"/>
-            <a:ext cx="8228880" cy="3976920"/>
+            <a:ext cx="8229240" cy="3977280"/>
           </a:xfrm>
           <a:prstGeom prst="rect">
             <a:avLst/>
@@ -2103,7 +2103,7 @@
         <p:spPr>
           <a:xfrm>
             <a:off x="457200" y="273600"/>
-            <a:ext cx="8228880" cy="5306400"/>
+            <a:ext cx="8229240" cy="5307840"/>
           </a:xfrm>
           <a:prstGeom prst="rect">
             <a:avLst/>
@@ -2152,7 +2152,7 @@
         <p:spPr>
           <a:xfrm>
             <a:off x="457200" y="273600"/>
-            <a:ext cx="8228880" cy="1144440"/>
+            <a:ext cx="8229240" cy="1144800"/>
           </a:xfrm>
           <a:prstGeom prst="rect">
             <a:avLst/>
@@ -2179,7 +2179,7 @@
         <p:spPr>
           <a:xfrm>
             <a:off x="457200" y="1604520"/>
-            <a:ext cx="4015440" cy="1896840"/>
+            <a:ext cx="4015800" cy="1896840"/>
           </a:xfrm>
           <a:prstGeom prst="rect">
             <a:avLst/>
@@ -2205,7 +2205,7 @@
         <p:spPr>
           <a:xfrm>
             <a:off x="457200" y="3682080"/>
-            <a:ext cx="4015440" cy="1896840"/>
+            <a:ext cx="4015800" cy="1896840"/>
           </a:xfrm>
           <a:prstGeom prst="rect">
             <a:avLst/>
@@ -2230,8 +2230,8 @@
         </p:nvSpPr>
         <p:spPr>
           <a:xfrm>
-            <a:off x="4673880" y="1604520"/>
-            <a:ext cx="4015440" cy="3976920"/>
+            <a:off x="4674240" y="1604520"/>
+            <a:ext cx="4015800" cy="3977280"/>
           </a:xfrm>
           <a:prstGeom prst="rect">
             <a:avLst/>
@@ -2279,7 +2279,7 @@
         <p:spPr>
           <a:xfrm>
             <a:off x="457200" y="273600"/>
-            <a:ext cx="8228880" cy="1144440"/>
+            <a:ext cx="8229240" cy="1144800"/>
           </a:xfrm>
           <a:prstGeom prst="rect">
             <a:avLst/>
@@ -2306,7 +2306,7 @@
         <p:spPr>
           <a:xfrm>
             <a:off x="457200" y="1604520"/>
-            <a:ext cx="4015440" cy="3976920"/>
+            <a:ext cx="4015800" cy="3977280"/>
           </a:xfrm>
           <a:prstGeom prst="rect">
             <a:avLst/>
@@ -2331,8 +2331,8 @@
         </p:nvSpPr>
         <p:spPr>
           <a:xfrm>
-            <a:off x="4673880" y="1604520"/>
-            <a:ext cx="4015440" cy="1896840"/>
+            <a:off x="4674240" y="1604520"/>
+            <a:ext cx="4015800" cy="1896840"/>
           </a:xfrm>
           <a:prstGeom prst="rect">
             <a:avLst/>
@@ -2357,8 +2357,8 @@
         </p:nvSpPr>
         <p:spPr>
           <a:xfrm>
-            <a:off x="4673880" y="3682080"/>
-            <a:ext cx="4015440" cy="1896840"/>
+            <a:off x="4674240" y="3682080"/>
+            <a:ext cx="4015800" cy="1896840"/>
           </a:xfrm>
           <a:prstGeom prst="rect">
             <a:avLst/>
@@ -2406,7 +2406,7 @@
         <p:spPr>
           <a:xfrm>
             <a:off x="457200" y="273600"/>
-            <a:ext cx="8228880" cy="1144440"/>
+            <a:ext cx="8229240" cy="1144800"/>
           </a:xfrm>
           <a:prstGeom prst="rect">
             <a:avLst/>
@@ -2433,7 +2433,7 @@
         <p:spPr>
           <a:xfrm>
             <a:off x="457200" y="1604520"/>
-            <a:ext cx="4015440" cy="1896840"/>
+            <a:ext cx="4015800" cy="1896840"/>
           </a:xfrm>
           <a:prstGeom prst="rect">
             <a:avLst/>
@@ -2458,8 +2458,8 @@
         </p:nvSpPr>
         <p:spPr>
           <a:xfrm>
-            <a:off x="4673880" y="1604520"/>
-            <a:ext cx="4015440" cy="1896840"/>
+            <a:off x="4674240" y="1604520"/>
+            <a:ext cx="4015800" cy="1896840"/>
           </a:xfrm>
           <a:prstGeom prst="rect">
             <a:avLst/>
@@ -2485,7 +2485,7 @@
         <p:spPr>
           <a:xfrm>
             <a:off x="457200" y="3682080"/>
-            <a:ext cx="8228880" cy="1896840"/>
+            <a:ext cx="8229240" cy="1896840"/>
           </a:xfrm>
           <a:prstGeom prst="rect">
             <a:avLst/>
@@ -2533,7 +2533,7 @@
         <p:spPr>
           <a:xfrm>
             <a:off x="457200" y="273600"/>
-            <a:ext cx="8228880" cy="1144440"/>
+            <a:ext cx="8229240" cy="1144800"/>
           </a:xfrm>
           <a:prstGeom prst="rect">
             <a:avLst/>
@@ -2560,7 +2560,7 @@
         <p:spPr>
           <a:xfrm>
             <a:off x="457200" y="1604520"/>
-            <a:ext cx="8228880" cy="1896840"/>
+            <a:ext cx="8229240" cy="1896840"/>
           </a:xfrm>
           <a:prstGeom prst="rect">
             <a:avLst/>
@@ -2586,7 +2586,7 @@
         <p:spPr>
           <a:xfrm>
             <a:off x="457200" y="3682080"/>
-            <a:ext cx="8228880" cy="1896840"/>
+            <a:ext cx="8229240" cy="1896840"/>
           </a:xfrm>
           <a:prstGeom prst="rect">
             <a:avLst/>
@@ -2634,7 +2634,7 @@
         <p:spPr>
           <a:xfrm>
             <a:off x="457200" y="273600"/>
-            <a:ext cx="8228880" cy="1144440"/>
+            <a:ext cx="8229240" cy="1144800"/>
           </a:xfrm>
           <a:prstGeom prst="rect">
             <a:avLst/>
@@ -2661,7 +2661,7 @@
         <p:spPr>
           <a:xfrm>
             <a:off x="457200" y="1604520"/>
-            <a:ext cx="4015440" cy="1896840"/>
+            <a:ext cx="4015800" cy="1896840"/>
           </a:xfrm>
           <a:prstGeom prst="rect">
             <a:avLst/>
@@ -2686,8 +2686,8 @@
         </p:nvSpPr>
         <p:spPr>
           <a:xfrm>
-            <a:off x="4673880" y="1604520"/>
-            <a:ext cx="4015440" cy="1896840"/>
+            <a:off x="4674240" y="1604520"/>
+            <a:ext cx="4015800" cy="1896840"/>
           </a:xfrm>
           <a:prstGeom prst="rect">
             <a:avLst/>
@@ -2712,8 +2712,8 @@
         </p:nvSpPr>
         <p:spPr>
           <a:xfrm>
-            <a:off x="4673880" y="3682080"/>
-            <a:ext cx="4015440" cy="1896840"/>
+            <a:off x="4674240" y="3682080"/>
+            <a:ext cx="4015800" cy="1896840"/>
           </a:xfrm>
           <a:prstGeom prst="rect">
             <a:avLst/>
@@ -2739,7 +2739,7 @@
         <p:spPr>
           <a:xfrm>
             <a:off x="457200" y="3682080"/>
-            <a:ext cx="4015440" cy="1896840"/>
+            <a:ext cx="4015800" cy="1896840"/>
           </a:xfrm>
           <a:prstGeom prst="rect">
             <a:avLst/>
@@ -2787,7 +2787,7 @@
         <p:spPr>
           <a:xfrm>
             <a:off x="457200" y="273600"/>
-            <a:ext cx="8228880" cy="1144440"/>
+            <a:ext cx="8229240" cy="1144800"/>
           </a:xfrm>
           <a:prstGeom prst="rect">
             <a:avLst/>
@@ -2814,7 +2814,7 @@
         <p:spPr>
           <a:xfrm>
             <a:off x="457200" y="1604520"/>
-            <a:ext cx="8228880" cy="3976920"/>
+            <a:ext cx="8229240" cy="3977280"/>
           </a:xfrm>
           <a:prstGeom prst="rect">
             <a:avLst/>
@@ -2840,7 +2840,7 @@
         <p:spPr>
           <a:xfrm>
             <a:off x="457200" y="1604520"/>
-            <a:ext cx="8228880" cy="3976920"/>
+            <a:ext cx="8229240" cy="3977280"/>
           </a:xfrm>
           <a:prstGeom prst="rect">
             <a:avLst/>
@@ -2865,8 +2865,8 @@
         </p:blipFill>
         <p:spPr>
           <a:xfrm>
-            <a:off x="2077920" y="1604160"/>
-            <a:ext cx="4987080" cy="3976920"/>
+            <a:off x="2077920" y="1604520"/>
+            <a:ext cx="4987440" cy="3977280"/>
           </a:xfrm>
           <a:prstGeom prst="rect">
             <a:avLst/>
@@ -2888,8 +2888,8 @@
         </p:blipFill>
         <p:spPr>
           <a:xfrm>
-            <a:off x="2077920" y="1604160"/>
-            <a:ext cx="4987080" cy="3976920"/>
+            <a:off x="2077920" y="1604520"/>
+            <a:ext cx="4987440" cy="3977280"/>
           </a:xfrm>
           <a:prstGeom prst="rect">
             <a:avLst/>
@@ -2934,7 +2934,7 @@
         <p:spPr>
           <a:xfrm>
             <a:off x="457200" y="273600"/>
-            <a:ext cx="8228880" cy="1144440"/>
+            <a:ext cx="8229240" cy="1144800"/>
           </a:xfrm>
           <a:prstGeom prst="rect">
             <a:avLst/>
@@ -2961,7 +2961,7 @@
         <p:spPr>
           <a:xfrm>
             <a:off x="457200" y="1604520"/>
-            <a:ext cx="4015440" cy="3976920"/>
+            <a:ext cx="4015800" cy="3977280"/>
           </a:xfrm>
           <a:prstGeom prst="rect">
             <a:avLst/>
@@ -2986,8 +2986,8 @@
         </p:nvSpPr>
         <p:spPr>
           <a:xfrm>
-            <a:off x="4673880" y="1604520"/>
-            <a:ext cx="4015440" cy="3976920"/>
+            <a:off x="4674240" y="1604520"/>
+            <a:ext cx="4015800" cy="3977280"/>
           </a:xfrm>
           <a:prstGeom prst="rect">
             <a:avLst/>
@@ -3035,7 +3035,7 @@
         <p:spPr>
           <a:xfrm>
             <a:off x="457200" y="273600"/>
-            <a:ext cx="8228880" cy="1144440"/>
+            <a:ext cx="8229240" cy="1144800"/>
           </a:xfrm>
           <a:prstGeom prst="rect">
             <a:avLst/>
@@ -3084,7 +3084,7 @@
         <p:spPr>
           <a:xfrm>
             <a:off x="457200" y="273600"/>
-            <a:ext cx="8228880" cy="5306400"/>
+            <a:ext cx="8229240" cy="5307840"/>
           </a:xfrm>
           <a:prstGeom prst="rect">
             <a:avLst/>
@@ -3133,7 +3133,7 @@
         <p:spPr>
           <a:xfrm>
             <a:off x="457200" y="273600"/>
-            <a:ext cx="8228880" cy="1144440"/>
+            <a:ext cx="8229240" cy="1144800"/>
           </a:xfrm>
           <a:prstGeom prst="rect">
             <a:avLst/>
@@ -3160,7 +3160,7 @@
         <p:spPr>
           <a:xfrm>
             <a:off x="457200" y="1604520"/>
-            <a:ext cx="4015440" cy="1896840"/>
+            <a:ext cx="4015800" cy="1896840"/>
           </a:xfrm>
           <a:prstGeom prst="rect">
             <a:avLst/>
@@ -3186,7 +3186,7 @@
         <p:spPr>
           <a:xfrm>
             <a:off x="457200" y="3682080"/>
-            <a:ext cx="4015440" cy="1896840"/>
+            <a:ext cx="4015800" cy="1896840"/>
           </a:xfrm>
           <a:prstGeom prst="rect">
             <a:avLst/>
@@ -3211,8 +3211,8 @@
         </p:nvSpPr>
         <p:spPr>
           <a:xfrm>
-            <a:off x="4673880" y="1604520"/>
-            <a:ext cx="4015440" cy="3976920"/>
+            <a:off x="4674240" y="1604520"/>
+            <a:ext cx="4015800" cy="3977280"/>
           </a:xfrm>
           <a:prstGeom prst="rect">
             <a:avLst/>
@@ -3260,7 +3260,7 @@
         <p:spPr>
           <a:xfrm>
             <a:off x="457200" y="273600"/>
-            <a:ext cx="8228880" cy="1144440"/>
+            <a:ext cx="8229240" cy="1144800"/>
           </a:xfrm>
           <a:prstGeom prst="rect">
             <a:avLst/>
@@ -3287,7 +3287,7 @@
         <p:spPr>
           <a:xfrm>
             <a:off x="457200" y="1604520"/>
-            <a:ext cx="4015440" cy="3976920"/>
+            <a:ext cx="4015800" cy="3977280"/>
           </a:xfrm>
           <a:prstGeom prst="rect">
             <a:avLst/>
@@ -3312,8 +3312,8 @@
         </p:nvSpPr>
         <p:spPr>
           <a:xfrm>
-            <a:off x="4673880" y="1604520"/>
-            <a:ext cx="4015440" cy="1896840"/>
+            <a:off x="4674240" y="1604520"/>
+            <a:ext cx="4015800" cy="1896840"/>
           </a:xfrm>
           <a:prstGeom prst="rect">
             <a:avLst/>
@@ -3338,8 +3338,8 @@
         </p:nvSpPr>
         <p:spPr>
           <a:xfrm>
-            <a:off x="4673880" y="3682080"/>
-            <a:ext cx="4015440" cy="1896840"/>
+            <a:off x="4674240" y="3682080"/>
+            <a:ext cx="4015800" cy="1896840"/>
           </a:xfrm>
           <a:prstGeom prst="rect">
             <a:avLst/>
@@ -3387,7 +3387,7 @@
         <p:spPr>
           <a:xfrm>
             <a:off x="457200" y="273600"/>
-            <a:ext cx="8228880" cy="1144440"/>
+            <a:ext cx="8229240" cy="1144800"/>
           </a:xfrm>
           <a:prstGeom prst="rect">
             <a:avLst/>
@@ -3414,7 +3414,7 @@
         <p:spPr>
           <a:xfrm>
             <a:off x="457200" y="1604520"/>
-            <a:ext cx="4015440" cy="1896840"/>
+            <a:ext cx="4015800" cy="1896840"/>
           </a:xfrm>
           <a:prstGeom prst="rect">
             <a:avLst/>
@@ -3439,8 +3439,8 @@
         </p:nvSpPr>
         <p:spPr>
           <a:xfrm>
-            <a:off x="4673880" y="1604520"/>
-            <a:ext cx="4015440" cy="1896840"/>
+            <a:off x="4674240" y="1604520"/>
+            <a:ext cx="4015800" cy="1896840"/>
           </a:xfrm>
           <a:prstGeom prst="rect">
             <a:avLst/>
@@ -3466,7 +3466,7 @@
         <p:spPr>
           <a:xfrm>
             <a:off x="457200" y="3682080"/>
-            <a:ext cx="8228880" cy="1896840"/>
+            <a:ext cx="8229240" cy="1896840"/>
           </a:xfrm>
           <a:prstGeom prst="rect">
             <a:avLst/>
@@ -4156,7 +4156,7 @@
         <p:spPr>
           <a:xfrm>
             <a:off x="457200" y="273600"/>
-            <a:ext cx="8228880" cy="1144440"/>
+            <a:ext cx="8229240" cy="1144800"/>
           </a:xfrm>
           <a:prstGeom prst="rect">
             <a:avLst/>
@@ -4166,6 +4166,12 @@
           <a:bodyPr lIns="0" rIns="0" tIns="0" bIns="0" anchor="ctr"/>
           <a:p>
             <a:pPr algn="ctr"/>
+            <a:r>
+              <a:rPr lang="fr-FR" sz="4400">
+                <a:latin typeface="Arial"/>
+              </a:rPr>
+              <a:t>Click to edit the title text format</a:t>
+            </a:r>
             <a:endParaRPr/>
           </a:p>
         </p:txBody>
@@ -4183,7 +4189,7 @@
         <p:spPr>
           <a:xfrm>
             <a:off x="457200" y="1604520"/>
-            <a:ext cx="8228880" cy="3976920"/>
+            <a:ext cx="8229240" cy="3977280"/>
           </a:xfrm>
           <a:prstGeom prst="rect">
             <a:avLst/>
@@ -4198,7 +4204,7 @@
               <a:buChar char=""/>
             </a:pPr>
             <a:r>
-              <a:rPr lang="fr-FR">
+              <a:rPr lang="fr-FR" sz="3200">
                 <a:latin typeface="Arial"/>
               </a:rPr>
               <a:t>Click to edit the outline text format</a:t>
@@ -4212,7 +4218,7 @@
               <a:buChar char=""/>
             </a:pPr>
             <a:r>
-              <a:rPr lang="fr-FR">
+              <a:rPr lang="fr-FR" sz="2800">
                 <a:latin typeface="Arial"/>
               </a:rPr>
               <a:t>Second Outline Level</a:t>
@@ -4226,7 +4232,7 @@
               <a:buChar char=""/>
             </a:pPr>
             <a:r>
-              <a:rPr lang="fr-FR">
+              <a:rPr lang="fr-FR" sz="2400">
                 <a:latin typeface="Arial"/>
               </a:rPr>
               <a:t>Third Outline Level</a:t>
@@ -4240,7 +4246,7 @@
               <a:buChar char=""/>
             </a:pPr>
             <a:r>
-              <a:rPr lang="fr-FR">
+              <a:rPr lang="fr-FR" sz="2000">
                 <a:latin typeface="Arial"/>
               </a:rPr>
               <a:t>Fourth Outline Level</a:t>
@@ -4254,7 +4260,7 @@
               <a:buChar char=""/>
             </a:pPr>
             <a:r>
-              <a:rPr lang="fr-FR">
+              <a:rPr lang="fr-FR" sz="2000">
                 <a:latin typeface="Arial"/>
               </a:rPr>
               <a:t>Fifth Outline Level</a:t>
@@ -4268,7 +4274,7 @@
               <a:buChar char=""/>
             </a:pPr>
             <a:r>
-              <a:rPr lang="fr-FR">
+              <a:rPr lang="fr-FR" sz="2000">
                 <a:latin typeface="Arial"/>
               </a:rPr>
               <a:t>Sixth Outline Level</a:t>
@@ -4282,7 +4288,7 @@
               <a:buChar char=""/>
             </a:pPr>
             <a:r>
-              <a:rPr lang="fr-FR">
+              <a:rPr lang="fr-FR" sz="2000">
                 <a:latin typeface="Arial"/>
               </a:rPr>
               <a:t>Seventh Outline Level</a:t>
@@ -4337,7 +4343,7 @@
         <p:spPr>
           <a:xfrm>
             <a:off x="712800" y="6335280"/>
-            <a:ext cx="7716960" cy="358560"/>
+            <a:ext cx="7716600" cy="358200"/>
           </a:xfrm>
           <a:prstGeom prst="rect">
             <a:avLst/>
@@ -4388,7 +4394,7 @@
         <p:spPr>
           <a:xfrm>
             <a:off x="3359520" y="185040"/>
-            <a:ext cx="2486160" cy="926280"/>
+            <a:ext cx="2485800" cy="925920"/>
           </a:xfrm>
           <a:prstGeom prst="rect">
             <a:avLst/>
@@ -4411,7 +4417,7 @@
         <p:spPr>
           <a:xfrm>
             <a:off x="1945080" y="2794320"/>
-            <a:ext cx="5307120" cy="1338480"/>
+            <a:ext cx="5306760" cy="1338120"/>
           </a:xfrm>
           <a:prstGeom prst="rect">
             <a:avLst/>
@@ -4479,7 +4485,7 @@
         <p:spPr>
           <a:xfrm>
             <a:off x="720000" y="935640"/>
-            <a:ext cx="7710120" cy="506160"/>
+            <a:ext cx="7709760" cy="505800"/>
           </a:xfrm>
           <a:prstGeom prst="rect">
             <a:avLst/>
@@ -4505,7 +4511,7 @@
         <p:spPr>
           <a:xfrm>
             <a:off x="6879960" y="6311160"/>
-            <a:ext cx="2055960" cy="363600"/>
+            <a:ext cx="2055600" cy="363240"/>
           </a:xfrm>
           <a:prstGeom prst="rect">
             <a:avLst/>
@@ -4529,7 +4535,7 @@
                 <a:spcPct val="100000"/>
               </a:lnSpc>
             </a:pPr>
-            <a:fld id="{98CB3188-87DD-4B0E-9813-950049E04C34}" type="slidenum">
+            <a:fld id="{002EC602-CDAD-4C78-8BD6-4CE90BA1AB07}" type="slidenum">
               <a:rPr lang="fr-FR" sz="1000" strike="noStrike">
                 <a:solidFill>
                   <a:srgbClr val="595959"/>
@@ -4552,7 +4558,7 @@
         <p:spPr>
           <a:xfrm>
             <a:off x="712800" y="6311160"/>
-            <a:ext cx="6100560" cy="363600"/>
+            <a:ext cx="6100200" cy="363240"/>
           </a:xfrm>
           <a:prstGeom prst="rect">
             <a:avLst/>
@@ -4582,7 +4588,7 @@
         <p:spPr>
           <a:xfrm>
             <a:off x="792000" y="1389240"/>
-            <a:ext cx="7625880" cy="4297680"/>
+            <a:ext cx="7625520" cy="4297320"/>
           </a:xfrm>
           <a:prstGeom prst="rect">
             <a:avLst/>
@@ -4650,7 +4656,7 @@
         <p:spPr>
           <a:xfrm>
             <a:off x="576000" y="935640"/>
-            <a:ext cx="7710120" cy="506160"/>
+            <a:ext cx="7709760" cy="505800"/>
           </a:xfrm>
           <a:prstGeom prst="rect">
             <a:avLst/>
@@ -4676,7 +4682,7 @@
         <p:spPr>
           <a:xfrm>
             <a:off x="6879960" y="6311160"/>
-            <a:ext cx="2055960" cy="363600"/>
+            <a:ext cx="2055600" cy="363240"/>
           </a:xfrm>
           <a:prstGeom prst="rect">
             <a:avLst/>
@@ -4700,7 +4706,7 @@
                 <a:spcPct val="100000"/>
               </a:lnSpc>
             </a:pPr>
-            <a:fld id="{23A6BBD8-B74E-471C-A891-BA090990CA45}" type="slidenum">
+            <a:fld id="{DEB82E17-F3D0-48D1-9B0B-BFFCFED82890}" type="slidenum">
               <a:rPr lang="fr-FR" sz="1000" strike="noStrike">
                 <a:solidFill>
                   <a:srgbClr val="595959"/>
@@ -4721,18 +4727,18 @@
           <p:nvPr/>
         </p:nvGraphicFramePr>
         <p:xfrm>
-          <a:off x="1112760" y="1715760"/>
-          <a:ext cx="6100200" cy="2561400"/>
+          <a:off x="2808000" y="3888000"/>
+          <a:ext cx="5648040" cy="1523160"/>
         </p:xfrm>
         <a:graphic>
           <a:graphicData uri="http://schemas.openxmlformats.org/drawingml/2006/table">
             <a:tbl>
               <a:tblPr/>
               <a:tblGrid>
-                <a:gridCol w="3050280"/>
-                <a:gridCol w="3049920"/>
+                <a:gridCol w="2824560"/>
+                <a:gridCol w="2823480"/>
               </a:tblGrid>
-              <a:tr h="876960">
+              <a:tr h="716400">
                 <a:tc>
                   <a:txBody>
                     <a:bodyPr/>
@@ -4764,7 +4770,7 @@
                   <a:tcPr/>
                 </a:tc>
               </a:tr>
-              <a:tr h="842400">
+              <a:tr h="403200">
                 <a:tc>
                   <a:txBody>
                     <a:bodyPr/>
@@ -4796,7 +4802,7 @@
                   <a:tcPr/>
                 </a:tc>
               </a:tr>
-              <a:tr h="842040">
+              <a:tr h="403560">
                 <a:tc>
                   <a:txBody>
                     <a:bodyPr/>
@@ -4832,6 +4838,29 @@
           </a:graphicData>
         </a:graphic>
       </p:graphicFrame>
+      <p:pic>
+        <p:nvPicPr>
+          <p:cNvPr id="128" name="" descr=""/>
+          <p:cNvPicPr/>
+          <p:nvPr/>
+        </p:nvPicPr>
+        <p:blipFill>
+          <a:blip r:embed="rId1"/>
+          <a:stretch/>
+        </p:blipFill>
+        <p:spPr>
+          <a:xfrm>
+            <a:off x="952920" y="667080"/>
+            <a:ext cx="4319280" cy="2428920"/>
+          </a:xfrm>
+          <a:prstGeom prst="rect">
+            <a:avLst/>
+          </a:prstGeom>
+          <a:ln>
+            <a:noFill/>
+          </a:ln>
+        </p:spPr>
+      </p:pic>
     </p:spTree>
   </p:cSld>
   <p:timing>
@@ -4883,14 +4912,14 @@
       </p:grpSpPr>
       <p:sp>
         <p:nvSpPr>
-          <p:cNvPr id="128" name="CustomShape 1"/>
+          <p:cNvPr id="129" name="CustomShape 1"/>
           <p:cNvSpPr/>
           <p:nvPr/>
         </p:nvSpPr>
         <p:spPr>
           <a:xfrm>
             <a:off x="720000" y="935640"/>
-            <a:ext cx="7710120" cy="506160"/>
+            <a:ext cx="7709760" cy="505800"/>
           </a:xfrm>
           <a:prstGeom prst="rect">
             <a:avLst/>
@@ -4909,14 +4938,14 @@
       </p:sp>
       <p:sp>
         <p:nvSpPr>
-          <p:cNvPr id="129" name="CustomShape 2"/>
+          <p:cNvPr id="130" name="CustomShape 2"/>
           <p:cNvSpPr/>
           <p:nvPr/>
         </p:nvSpPr>
         <p:spPr>
           <a:xfrm>
             <a:off x="6879960" y="6311160"/>
-            <a:ext cx="2055960" cy="363600"/>
+            <a:ext cx="2055600" cy="363240"/>
           </a:xfrm>
           <a:prstGeom prst="rect">
             <a:avLst/>
@@ -4940,7 +4969,7 @@
                 <a:spcPct val="100000"/>
               </a:lnSpc>
             </a:pPr>
-            <a:fld id="{377889AF-CACF-4613-B74A-834FC846B32D}" type="slidenum">
+            <a:fld id="{860B1BAD-4026-44CE-8DF4-40CBBABCF4D5}" type="slidenum">
               <a:rPr lang="fr-FR" sz="1000" strike="noStrike">
                 <a:solidFill>
                   <a:srgbClr val="595959"/>
@@ -4956,14 +4985,14 @@
       </p:sp>
       <p:sp>
         <p:nvSpPr>
-          <p:cNvPr id="130" name="CustomShape 3"/>
+          <p:cNvPr id="131" name="CustomShape 3"/>
           <p:cNvSpPr/>
           <p:nvPr/>
         </p:nvSpPr>
         <p:spPr>
           <a:xfrm>
             <a:off x="712800" y="6311160"/>
-            <a:ext cx="6100560" cy="363600"/>
+            <a:ext cx="6100200" cy="363240"/>
           </a:xfrm>
           <a:prstGeom prst="rect">
             <a:avLst/>
@@ -4982,7 +5011,7 @@
       </p:sp>
       <p:pic>
         <p:nvPicPr>
-          <p:cNvPr id="131" name="" descr=""/>
+          <p:cNvPr id="132" name="" descr=""/>
           <p:cNvPicPr/>
           <p:nvPr/>
         </p:nvPicPr>
@@ -4993,7 +5022,7 @@
         <p:spPr>
           <a:xfrm>
             <a:off x="1008000" y="1296360"/>
-            <a:ext cx="6694920" cy="4462560"/>
+            <a:ext cx="6694560" cy="4462200"/>
           </a:xfrm>
           <a:prstGeom prst="rect">
             <a:avLst/>
@@ -5054,7 +5083,7 @@
       </p:grpSpPr>
       <p:pic>
         <p:nvPicPr>
-          <p:cNvPr id="132" name="" descr=""/>
+          <p:cNvPr id="133" name="" descr=""/>
           <p:cNvPicPr/>
           <p:nvPr/>
         </p:nvPicPr>
@@ -5065,7 +5094,7 @@
         <p:spPr>
           <a:xfrm>
             <a:off x="1152000" y="973440"/>
-            <a:ext cx="6505920" cy="4642560"/>
+            <a:ext cx="6505560" cy="4642200"/>
           </a:xfrm>
           <a:prstGeom prst="rect">
             <a:avLst/>
@@ -5126,14 +5155,14 @@
       </p:grpSpPr>
       <p:sp>
         <p:nvSpPr>
-          <p:cNvPr id="133" name="CustomShape 1"/>
+          <p:cNvPr id="134" name="CustomShape 1"/>
           <p:cNvSpPr/>
           <p:nvPr/>
         </p:nvSpPr>
         <p:spPr>
           <a:xfrm>
             <a:off x="720000" y="935640"/>
-            <a:ext cx="7710120" cy="506160"/>
+            <a:ext cx="7709760" cy="505800"/>
           </a:xfrm>
           <a:prstGeom prst="rect">
             <a:avLst/>
@@ -5152,14 +5181,14 @@
       </p:sp>
       <p:sp>
         <p:nvSpPr>
-          <p:cNvPr id="134" name="CustomShape 2"/>
+          <p:cNvPr id="135" name="CustomShape 2"/>
           <p:cNvSpPr/>
           <p:nvPr/>
         </p:nvSpPr>
         <p:spPr>
           <a:xfrm>
             <a:off x="712800" y="480240"/>
-            <a:ext cx="7715520" cy="455760"/>
+            <a:ext cx="7715160" cy="455400"/>
           </a:xfrm>
           <a:prstGeom prst="rect">
             <a:avLst/>
@@ -5178,14 +5207,14 @@
       </p:sp>
       <p:sp>
         <p:nvSpPr>
-          <p:cNvPr id="135" name="CustomShape 3"/>
+          <p:cNvPr id="136" name="CustomShape 3"/>
           <p:cNvSpPr/>
           <p:nvPr/>
         </p:nvSpPr>
         <p:spPr>
           <a:xfrm>
             <a:off x="6879960" y="6311160"/>
-            <a:ext cx="2055960" cy="363600"/>
+            <a:ext cx="2055600" cy="363240"/>
           </a:xfrm>
           <a:prstGeom prst="rect">
             <a:avLst/>
@@ -5209,7 +5238,7 @@
                 <a:spcPct val="100000"/>
               </a:lnSpc>
             </a:pPr>
-            <a:fld id="{2E288296-3066-4E55-8945-C0310510069F}" type="slidenum">
+            <a:fld id="{5CF8D3CC-7D55-49C0-9FAB-0A9717CE176B}" type="slidenum">
               <a:rPr lang="fr-FR" sz="1000" strike="noStrike">
                 <a:solidFill>
                   <a:srgbClr val="595959"/>
@@ -5225,14 +5254,14 @@
       </p:sp>
       <p:sp>
         <p:nvSpPr>
-          <p:cNvPr id="136" name="CustomShape 4"/>
+          <p:cNvPr id="137" name="CustomShape 4"/>
           <p:cNvSpPr/>
           <p:nvPr/>
         </p:nvSpPr>
         <p:spPr>
           <a:xfrm>
             <a:off x="712800" y="6311160"/>
-            <a:ext cx="6100560" cy="363600"/>
+            <a:ext cx="6100200" cy="363240"/>
           </a:xfrm>
           <a:prstGeom prst="rect">
             <a:avLst/>
@@ -5251,7 +5280,7 @@
       </p:sp>
       <p:pic>
         <p:nvPicPr>
-          <p:cNvPr id="137" name="" descr=""/>
+          <p:cNvPr id="138" name="" descr=""/>
           <p:cNvPicPr/>
           <p:nvPr/>
         </p:nvPicPr>
@@ -5262,7 +5291,7 @@
         <p:spPr>
           <a:xfrm>
             <a:off x="1944000" y="721440"/>
-            <a:ext cx="5013000" cy="5575680"/>
+            <a:ext cx="5012640" cy="5575320"/>
           </a:xfrm>
           <a:prstGeom prst="rect">
             <a:avLst/>
@@ -5323,14 +5352,14 @@
       </p:grpSpPr>
       <p:sp>
         <p:nvSpPr>
-          <p:cNvPr id="138" name="CustomShape 1"/>
+          <p:cNvPr id="139" name="CustomShape 1"/>
           <p:cNvSpPr/>
           <p:nvPr/>
         </p:nvSpPr>
         <p:spPr>
           <a:xfrm>
             <a:off x="720000" y="935640"/>
-            <a:ext cx="7710120" cy="506160"/>
+            <a:ext cx="7709760" cy="505800"/>
           </a:xfrm>
           <a:prstGeom prst="rect">
             <a:avLst/>
@@ -5349,14 +5378,14 @@
       </p:sp>
       <p:sp>
         <p:nvSpPr>
-          <p:cNvPr id="139" name="CustomShape 2"/>
+          <p:cNvPr id="140" name="CustomShape 2"/>
           <p:cNvSpPr/>
           <p:nvPr/>
         </p:nvSpPr>
         <p:spPr>
           <a:xfrm>
             <a:off x="6879960" y="6311160"/>
-            <a:ext cx="2055960" cy="363600"/>
+            <a:ext cx="2055600" cy="363240"/>
           </a:xfrm>
           <a:prstGeom prst="rect">
             <a:avLst/>
@@ -5380,7 +5409,7 @@
                 <a:spcPct val="100000"/>
               </a:lnSpc>
             </a:pPr>
-            <a:fld id="{CDE3B75D-F711-419C-BC31-6B4A4E2D9195}" type="slidenum">
+            <a:fld id="{F819EBFD-A30A-42EF-A49D-4185553AE92F}" type="slidenum">
               <a:rPr lang="fr-FR" sz="1000" strike="noStrike">
                 <a:solidFill>
                   <a:srgbClr val="595959"/>
@@ -5396,21 +5425,21 @@
       </p:sp>
       <p:graphicFrame>
         <p:nvGraphicFramePr>
-          <p:cNvPr id="140" name="Table 3"/>
+          <p:cNvPr id="141" name="Table 3"/>
           <p:cNvGraphicFramePr/>
           <p:nvPr/>
         </p:nvGraphicFramePr>
         <p:xfrm>
           <a:off x="1306440" y="788760"/>
-          <a:ext cx="6323400" cy="5402520"/>
+          <a:ext cx="6323040" cy="5402160"/>
         </p:xfrm>
         <a:graphic>
           <a:graphicData uri="http://schemas.openxmlformats.org/drawingml/2006/table">
             <a:tbl>
               <a:tblPr/>
               <a:tblGrid>
-                <a:gridCol w="3162240"/>
-                <a:gridCol w="3161520"/>
+                <a:gridCol w="3161880"/>
+                <a:gridCol w="3161160"/>
               </a:tblGrid>
               <a:tr h="355320">
                 <a:tc>
@@ -5807,14 +5836,14 @@
       </p:grpSpPr>
       <p:sp>
         <p:nvSpPr>
-          <p:cNvPr id="141" name="CustomShape 1"/>
+          <p:cNvPr id="142" name="CustomShape 1"/>
           <p:cNvSpPr/>
           <p:nvPr/>
         </p:nvSpPr>
         <p:spPr>
           <a:xfrm>
             <a:off x="633600" y="489240"/>
-            <a:ext cx="7715520" cy="455760"/>
+            <a:ext cx="7715160" cy="455400"/>
           </a:xfrm>
           <a:prstGeom prst="rect">
             <a:avLst/>
@@ -5833,14 +5862,14 @@
       </p:sp>
       <p:sp>
         <p:nvSpPr>
-          <p:cNvPr id="142" name="CustomShape 2"/>
+          <p:cNvPr id="143" name="CustomShape 2"/>
           <p:cNvSpPr/>
           <p:nvPr/>
         </p:nvSpPr>
         <p:spPr>
           <a:xfrm>
             <a:off x="6879960" y="6311160"/>
-            <a:ext cx="2055960" cy="363600"/>
+            <a:ext cx="2055600" cy="363240"/>
           </a:xfrm>
           <a:prstGeom prst="rect">
             <a:avLst/>
@@ -5864,7 +5893,7 @@
                 <a:spcPct val="100000"/>
               </a:lnSpc>
             </a:pPr>
-            <a:fld id="{6EDD732D-FF86-4977-9309-14238447C20D}" type="slidenum">
+            <a:fld id="{BED4DBCD-7A52-40C1-9DE8-8FA8FFD33AB8}" type="slidenum">
               <a:rPr lang="fr-FR" sz="1000" strike="noStrike">
                 <a:solidFill>
                   <a:srgbClr val="595959"/>
@@ -5880,14 +5909,14 @@
       </p:sp>
       <p:sp>
         <p:nvSpPr>
-          <p:cNvPr id="143" name="CustomShape 3"/>
+          <p:cNvPr id="144" name="CustomShape 3"/>
           <p:cNvSpPr/>
           <p:nvPr/>
         </p:nvSpPr>
         <p:spPr>
           <a:xfrm>
             <a:off x="712800" y="6311160"/>
-            <a:ext cx="6100560" cy="363600"/>
+            <a:ext cx="6100200" cy="363240"/>
           </a:xfrm>
           <a:prstGeom prst="rect">
             <a:avLst/>
@@ -5906,14 +5935,14 @@
       </p:sp>
       <p:sp>
         <p:nvSpPr>
-          <p:cNvPr id="144" name="CustomShape 4"/>
+          <p:cNvPr id="145" name="CustomShape 4"/>
           <p:cNvSpPr/>
           <p:nvPr/>
         </p:nvSpPr>
         <p:spPr>
           <a:xfrm>
             <a:off x="703080" y="1951200"/>
-            <a:ext cx="7709760" cy="3638160"/>
+            <a:ext cx="7709400" cy="3637800"/>
           </a:xfrm>
           <a:prstGeom prst="rect">
             <a:avLst/>
@@ -5951,14 +5980,14 @@
       </p:sp>
       <p:sp>
         <p:nvSpPr>
-          <p:cNvPr id="145" name="CustomShape 5"/>
+          <p:cNvPr id="146" name="CustomShape 5"/>
           <p:cNvSpPr/>
           <p:nvPr/>
         </p:nvSpPr>
         <p:spPr>
           <a:xfrm>
             <a:off x="457200" y="273600"/>
-            <a:ext cx="8228520" cy="1144080"/>
+            <a:ext cx="8228160" cy="1143720"/>
           </a:xfrm>
           <a:prstGeom prst="rect">
             <a:avLst/>
@@ -5977,14 +6006,14 @@
       </p:sp>
       <p:sp>
         <p:nvSpPr>
-          <p:cNvPr id="146" name="CustomShape 6"/>
+          <p:cNvPr id="147" name="CustomShape 6"/>
           <p:cNvSpPr/>
           <p:nvPr/>
         </p:nvSpPr>
         <p:spPr>
           <a:xfrm>
             <a:off x="457200" y="1604520"/>
-            <a:ext cx="8228520" cy="3976560"/>
+            <a:ext cx="8228160" cy="3976200"/>
           </a:xfrm>
           <a:prstGeom prst="rect">
             <a:avLst/>
@@ -6003,7 +6032,7 @@
       </p:sp>
       <p:pic>
         <p:nvPicPr>
-          <p:cNvPr id="147" name="" descr=""/>
+          <p:cNvPr id="148" name="" descr=""/>
           <p:cNvPicPr/>
           <p:nvPr/>
         </p:nvPicPr>
@@ -6014,7 +6043,7 @@
         <p:spPr>
           <a:xfrm>
             <a:off x="2090880" y="2015640"/>
-            <a:ext cx="5016240" cy="2857320"/>
+            <a:ext cx="5015880" cy="2856960"/>
           </a:xfrm>
           <a:prstGeom prst="rect">
             <a:avLst/>
@@ -6075,14 +6104,14 @@
       </p:grpSpPr>
       <p:sp>
         <p:nvSpPr>
-          <p:cNvPr id="148" name="TextShape 1"/>
-          <p:cNvSpPr txBox="1"/>
+          <p:cNvPr id="149" name="CustomShape 1"/>
+          <p:cNvSpPr/>
           <p:nvPr/>
         </p:nvSpPr>
         <p:spPr>
           <a:xfrm>
             <a:off x="457200" y="273600"/>
-            <a:ext cx="8228880" cy="1144440"/>
+            <a:ext cx="8228520" cy="1144080"/>
           </a:xfrm>
           <a:prstGeom prst="rect">
             <a:avLst/>
@@ -6092,17 +6121,16 @@
             <a:noFill/>
           </a:ln>
         </p:spPr>
-        <p:txBody>
-          <a:bodyPr lIns="0" rIns="0" tIns="0" bIns="0" anchor="ctr"/>
-          <a:p>
-            <a:pPr algn="ctr"/>
-            <a:endParaRPr/>
-          </a:p>
-        </p:txBody>
+        <p:style>
+          <a:lnRef idx="0"/>
+          <a:fillRef idx="0"/>
+          <a:effectRef idx="0"/>
+          <a:fontRef idx="minor"/>
+        </p:style>
       </p:sp>
       <p:pic>
         <p:nvPicPr>
-          <p:cNvPr id="149" name="" descr=""/>
+          <p:cNvPr id="150" name="" descr=""/>
           <p:cNvPicPr/>
           <p:nvPr/>
         </p:nvPicPr>
@@ -6113,7 +6141,7 @@
         <p:spPr>
           <a:xfrm>
             <a:off x="1928880" y="2045520"/>
-            <a:ext cx="5307120" cy="1338480"/>
+            <a:ext cx="5306760" cy="1338120"/>
           </a:xfrm>
           <a:prstGeom prst="rect">
             <a:avLst/>
@@ -6125,14 +6153,14 @@
       </p:pic>
       <p:sp>
         <p:nvSpPr>
-          <p:cNvPr id="150" name="TextShape 2"/>
-          <p:cNvSpPr txBox="1"/>
+          <p:cNvPr id="151" name="CustomShape 2"/>
+          <p:cNvSpPr/>
           <p:nvPr/>
         </p:nvSpPr>
         <p:spPr>
           <a:xfrm>
             <a:off x="3384000" y="4421520"/>
-            <a:ext cx="2349360" cy="546480"/>
+            <a:ext cx="2349000" cy="546120"/>
           </a:xfrm>
           <a:prstGeom prst="rect">
             <a:avLst/>
@@ -6142,6 +6170,12 @@
             <a:noFill/>
           </a:ln>
         </p:spPr>
+        <p:style>
+          <a:lnRef idx="0"/>
+          <a:fillRef idx="0"/>
+          <a:effectRef idx="0"/>
+          <a:fontRef idx="minor"/>
+        </p:style>
         <p:txBody>
           <a:bodyPr lIns="90000" rIns="90000" tIns="45000" bIns="45000"/>
           <a:p>
@@ -6162,14 +6196,14 @@
       </p:sp>
       <p:sp>
         <p:nvSpPr>
-          <p:cNvPr id="151" name="TextShape 3"/>
-          <p:cNvSpPr txBox="1"/>
+          <p:cNvPr id="152" name="CustomShape 3"/>
+          <p:cNvSpPr/>
           <p:nvPr/>
         </p:nvSpPr>
         <p:spPr>
           <a:xfrm>
             <a:off x="2232000" y="3413520"/>
-            <a:ext cx="4824000" cy="1457640"/>
+            <a:ext cx="4823640" cy="1457280"/>
           </a:xfrm>
           <a:prstGeom prst="rect">
             <a:avLst/>
@@ -6179,6 +6213,12 @@
             <a:noFill/>
           </a:ln>
         </p:spPr>
+        <p:style>
+          <a:lnRef idx="0"/>
+          <a:fillRef idx="0"/>
+          <a:effectRef idx="0"/>
+          <a:fontRef idx="minor"/>
+        </p:style>
         <p:txBody>
           <a:bodyPr lIns="90000" rIns="90000" tIns="45000" bIns="45000"/>
           <a:p>

--- a/GM IT Hackathon PITCH Doc Time.pptx
+++ b/GM IT Hackathon PITCH Doc Time.pptx
@@ -4343,7 +4343,7 @@
         <p:spPr>
           <a:xfrm>
             <a:off x="712800" y="6335280"/>
-            <a:ext cx="7716600" cy="358200"/>
+            <a:ext cx="7716240" cy="357840"/>
           </a:xfrm>
           <a:prstGeom prst="rect">
             <a:avLst/>
@@ -4394,7 +4394,7 @@
         <p:spPr>
           <a:xfrm>
             <a:off x="3359520" y="185040"/>
-            <a:ext cx="2485800" cy="925920"/>
+            <a:ext cx="2485440" cy="925560"/>
           </a:xfrm>
           <a:prstGeom prst="rect">
             <a:avLst/>
@@ -4417,7 +4417,7 @@
         <p:spPr>
           <a:xfrm>
             <a:off x="1945080" y="2794320"/>
-            <a:ext cx="5306760" cy="1338120"/>
+            <a:ext cx="5306400" cy="1337760"/>
           </a:xfrm>
           <a:prstGeom prst="rect">
             <a:avLst/>
@@ -4485,7 +4485,7 @@
         <p:spPr>
           <a:xfrm>
             <a:off x="720000" y="935640"/>
-            <a:ext cx="7709760" cy="505800"/>
+            <a:ext cx="7709400" cy="505440"/>
           </a:xfrm>
           <a:prstGeom prst="rect">
             <a:avLst/>
@@ -4511,7 +4511,7 @@
         <p:spPr>
           <a:xfrm>
             <a:off x="6879960" y="6311160"/>
-            <a:ext cx="2055600" cy="363240"/>
+            <a:ext cx="2055240" cy="362880"/>
           </a:xfrm>
           <a:prstGeom prst="rect">
             <a:avLst/>
@@ -4535,7 +4535,7 @@
                 <a:spcPct val="100000"/>
               </a:lnSpc>
             </a:pPr>
-            <a:fld id="{002EC602-CDAD-4C78-8BD6-4CE90BA1AB07}" type="slidenum">
+            <a:fld id="{525BDF18-7649-428F-8187-E244D317391F}" type="slidenum">
               <a:rPr lang="fr-FR" sz="1000" strike="noStrike">
                 <a:solidFill>
                   <a:srgbClr val="595959"/>
@@ -4558,7 +4558,7 @@
         <p:spPr>
           <a:xfrm>
             <a:off x="712800" y="6311160"/>
-            <a:ext cx="6100200" cy="363240"/>
+            <a:ext cx="6099840" cy="362880"/>
           </a:xfrm>
           <a:prstGeom prst="rect">
             <a:avLst/>
@@ -4588,7 +4588,7 @@
         <p:spPr>
           <a:xfrm>
             <a:off x="792000" y="1389240"/>
-            <a:ext cx="7625520" cy="4297320"/>
+            <a:ext cx="7625160" cy="4296960"/>
           </a:xfrm>
           <a:prstGeom prst="rect">
             <a:avLst/>
@@ -4656,7 +4656,7 @@
         <p:spPr>
           <a:xfrm>
             <a:off x="576000" y="935640"/>
-            <a:ext cx="7709760" cy="505800"/>
+            <a:ext cx="7709400" cy="505440"/>
           </a:xfrm>
           <a:prstGeom prst="rect">
             <a:avLst/>
@@ -4682,7 +4682,7 @@
         <p:spPr>
           <a:xfrm>
             <a:off x="6879960" y="6311160"/>
-            <a:ext cx="2055600" cy="363240"/>
+            <a:ext cx="2055240" cy="362880"/>
           </a:xfrm>
           <a:prstGeom prst="rect">
             <a:avLst/>
@@ -4706,7 +4706,7 @@
                 <a:spcPct val="100000"/>
               </a:lnSpc>
             </a:pPr>
-            <a:fld id="{DEB82E17-F3D0-48D1-9B0B-BFFCFED82890}" type="slidenum">
+            <a:fld id="{C0C24CC8-A54C-4ED7-95EE-642B4B4344BC}" type="slidenum">
               <a:rPr lang="fr-FR" sz="1000" strike="noStrike">
                 <a:solidFill>
                   <a:srgbClr val="595959"/>
@@ -4728,7 +4728,7 @@
         </p:nvGraphicFramePr>
         <p:xfrm>
           <a:off x="2808000" y="3888000"/>
-          <a:ext cx="5648040" cy="1523160"/>
+          <a:ext cx="5647680" cy="1522800"/>
         </p:xfrm>
         <a:graphic>
           <a:graphicData uri="http://schemas.openxmlformats.org/drawingml/2006/table">
@@ -4851,7 +4851,7 @@
         <p:spPr>
           <a:xfrm>
             <a:off x="952920" y="667080"/>
-            <a:ext cx="4319280" cy="2428920"/>
+            <a:ext cx="4318920" cy="2428560"/>
           </a:xfrm>
           <a:prstGeom prst="rect">
             <a:avLst/>
@@ -4919,7 +4919,7 @@
         <p:spPr>
           <a:xfrm>
             <a:off x="720000" y="935640"/>
-            <a:ext cx="7709760" cy="505800"/>
+            <a:ext cx="7709400" cy="505440"/>
           </a:xfrm>
           <a:prstGeom prst="rect">
             <a:avLst/>
@@ -4945,7 +4945,7 @@
         <p:spPr>
           <a:xfrm>
             <a:off x="6879960" y="6311160"/>
-            <a:ext cx="2055600" cy="363240"/>
+            <a:ext cx="2055240" cy="362880"/>
           </a:xfrm>
           <a:prstGeom prst="rect">
             <a:avLst/>
@@ -4969,7 +4969,7 @@
                 <a:spcPct val="100000"/>
               </a:lnSpc>
             </a:pPr>
-            <a:fld id="{860B1BAD-4026-44CE-8DF4-40CBBABCF4D5}" type="slidenum">
+            <a:fld id="{6A563365-7BCE-494E-B3E7-E765D0385B60}" type="slidenum">
               <a:rPr lang="fr-FR" sz="1000" strike="noStrike">
                 <a:solidFill>
                   <a:srgbClr val="595959"/>
@@ -4992,7 +4992,7 @@
         <p:spPr>
           <a:xfrm>
             <a:off x="712800" y="6311160"/>
-            <a:ext cx="6100200" cy="363240"/>
+            <a:ext cx="6099840" cy="362880"/>
           </a:xfrm>
           <a:prstGeom prst="rect">
             <a:avLst/>
@@ -5022,7 +5022,7 @@
         <p:spPr>
           <a:xfrm>
             <a:off x="1008000" y="1296360"/>
-            <a:ext cx="6694560" cy="4462200"/>
+            <a:ext cx="6694200" cy="4461840"/>
           </a:xfrm>
           <a:prstGeom prst="rect">
             <a:avLst/>
@@ -5094,7 +5094,7 @@
         <p:spPr>
           <a:xfrm>
             <a:off x="1152000" y="973440"/>
-            <a:ext cx="6505560" cy="4642200"/>
+            <a:ext cx="6505200" cy="4641840"/>
           </a:xfrm>
           <a:prstGeom prst="rect">
             <a:avLst/>
@@ -5162,7 +5162,7 @@
         <p:spPr>
           <a:xfrm>
             <a:off x="720000" y="935640"/>
-            <a:ext cx="7709760" cy="505800"/>
+            <a:ext cx="7709400" cy="505440"/>
           </a:xfrm>
           <a:prstGeom prst="rect">
             <a:avLst/>
@@ -5187,8 +5187,8 @@
         </p:nvSpPr>
         <p:spPr>
           <a:xfrm>
-            <a:off x="712800" y="480240"/>
-            <a:ext cx="7715160" cy="455400"/>
+            <a:off x="6879960" y="6311160"/>
+            <a:ext cx="2055240" cy="362880"/>
           </a:xfrm>
           <a:prstGeom prst="rect">
             <a:avLst/>
@@ -5204,32 +5204,6 @@
           <a:effectRef idx="0"/>
           <a:fontRef idx="minor"/>
         </p:style>
-      </p:sp>
-      <p:sp>
-        <p:nvSpPr>
-          <p:cNvPr id="136" name="CustomShape 3"/>
-          <p:cNvSpPr/>
-          <p:nvPr/>
-        </p:nvSpPr>
-        <p:spPr>
-          <a:xfrm>
-            <a:off x="6879960" y="6311160"/>
-            <a:ext cx="2055600" cy="363240"/>
-          </a:xfrm>
-          <a:prstGeom prst="rect">
-            <a:avLst/>
-          </a:prstGeom>
-          <a:noFill/>
-          <a:ln>
-            <a:noFill/>
-          </a:ln>
-        </p:spPr>
-        <p:style>
-          <a:lnRef idx="0"/>
-          <a:fillRef idx="0"/>
-          <a:effectRef idx="0"/>
-          <a:fontRef idx="minor"/>
-        </p:style>
         <p:txBody>
           <a:bodyPr lIns="108000" rIns="108000" tIns="45000" bIns="45000" anchor="ctr"/>
           <a:p>
@@ -5238,7 +5212,7 @@
                 <a:spcPct val="100000"/>
               </a:lnSpc>
             </a:pPr>
-            <a:fld id="{5CF8D3CC-7D55-49C0-9FAB-0A9717CE176B}" type="slidenum">
+            <a:fld id="{D7D1F209-73A0-4C29-8171-6F14D8C9FD8A}" type="slidenum">
               <a:rPr lang="fr-FR" sz="1000" strike="noStrike">
                 <a:solidFill>
                   <a:srgbClr val="595959"/>
@@ -5252,186 +5226,15 @@
           </a:p>
         </p:txBody>
       </p:sp>
-      <p:sp>
-        <p:nvSpPr>
-          <p:cNvPr id="137" name="CustomShape 4"/>
-          <p:cNvSpPr/>
-          <p:nvPr/>
-        </p:nvSpPr>
-        <p:spPr>
-          <a:xfrm>
-            <a:off x="712800" y="6311160"/>
-            <a:ext cx="6100200" cy="363240"/>
-          </a:xfrm>
-          <a:prstGeom prst="rect">
-            <a:avLst/>
-          </a:prstGeom>
-          <a:noFill/>
-          <a:ln>
-            <a:noFill/>
-          </a:ln>
-        </p:spPr>
-        <p:style>
-          <a:lnRef idx="0"/>
-          <a:fillRef idx="0"/>
-          <a:effectRef idx="0"/>
-          <a:fontRef idx="minor"/>
-        </p:style>
-      </p:sp>
-      <p:pic>
-        <p:nvPicPr>
-          <p:cNvPr id="138" name="" descr=""/>
-          <p:cNvPicPr/>
-          <p:nvPr/>
-        </p:nvPicPr>
-        <p:blipFill>
-          <a:blip r:embed="rId1"/>
-          <a:stretch/>
-        </p:blipFill>
-        <p:spPr>
-          <a:xfrm>
-            <a:off x="1944000" y="721440"/>
-            <a:ext cx="5012640" cy="5575320"/>
-          </a:xfrm>
-          <a:prstGeom prst="rect">
-            <a:avLst/>
-          </a:prstGeom>
-          <a:ln>
-            <a:noFill/>
-          </a:ln>
-        </p:spPr>
-      </p:pic>
-    </p:spTree>
-  </p:cSld>
-  <p:timing>
-    <p:tnLst>
-      <p:par>
-        <p:cTn id="11" dur="indefinite" restart="never" nodeType="tmRoot">
-          <p:childTnLst>
-            <p:seq>
-              <p:cTn id="12" nodeType="mainSeq"/>
-              <p:prevCondLst>
-                <p:cond delay="0" evt="onPrev">
-                  <p:tgtEl>
-                    <p:sldTgt/>
-                  </p:tgtEl>
-                </p:cond>
-              </p:prevCondLst>
-              <p:nextCondLst>
-                <p:cond delay="0" evt="onNext">
-                  <p:tgtEl>
-                    <p:sldTgt/>
-                  </p:tgtEl>
-                </p:cond>
-              </p:nextCondLst>
-            </p:seq>
-          </p:childTnLst>
-        </p:cTn>
-      </p:par>
-    </p:tnLst>
-  </p:timing>
-</p:sld>
-</file>
-
-<file path=ppt/slides/slide7.xml><?xml version="1.0" encoding="utf-8"?>
-<p:sld xmlns:a="http://schemas.openxmlformats.org/drawingml/2006/main" xmlns:p="http://schemas.openxmlformats.org/presentationml/2006/main" xmlns:r="http://schemas.openxmlformats.org/officeDocument/2006/relationships">
-  <p:cSld>
-    <p:spTree>
-      <p:nvGrpSpPr>
-        <p:cNvPr id="1" name=""/>
-        <p:cNvGrpSpPr/>
-        <p:nvPr/>
-      </p:nvGrpSpPr>
-      <p:grpSpPr>
-        <a:xfrm>
-          <a:off x="0" y="0"/>
-          <a:ext cx="0" cy="0"/>
-          <a:chOff x="0" y="0"/>
-          <a:chExt cx="0" cy="0"/>
-        </a:xfrm>
-      </p:grpSpPr>
-      <p:sp>
-        <p:nvSpPr>
-          <p:cNvPr id="139" name="CustomShape 1"/>
-          <p:cNvSpPr/>
-          <p:nvPr/>
-        </p:nvSpPr>
-        <p:spPr>
-          <a:xfrm>
-            <a:off x="720000" y="935640"/>
-            <a:ext cx="7709760" cy="505800"/>
-          </a:xfrm>
-          <a:prstGeom prst="rect">
-            <a:avLst/>
-          </a:prstGeom>
-          <a:noFill/>
-          <a:ln>
-            <a:noFill/>
-          </a:ln>
-        </p:spPr>
-        <p:style>
-          <a:lnRef idx="0"/>
-          <a:fillRef idx="0"/>
-          <a:effectRef idx="0"/>
-          <a:fontRef idx="minor"/>
-        </p:style>
-      </p:sp>
-      <p:sp>
-        <p:nvSpPr>
-          <p:cNvPr id="140" name="CustomShape 2"/>
-          <p:cNvSpPr/>
-          <p:nvPr/>
-        </p:nvSpPr>
-        <p:spPr>
-          <a:xfrm>
-            <a:off x="6879960" y="6311160"/>
-            <a:ext cx="2055600" cy="363240"/>
-          </a:xfrm>
-          <a:prstGeom prst="rect">
-            <a:avLst/>
-          </a:prstGeom>
-          <a:noFill/>
-          <a:ln>
-            <a:noFill/>
-          </a:ln>
-        </p:spPr>
-        <p:style>
-          <a:lnRef idx="0"/>
-          <a:fillRef idx="0"/>
-          <a:effectRef idx="0"/>
-          <a:fontRef idx="minor"/>
-        </p:style>
-        <p:txBody>
-          <a:bodyPr lIns="108000" rIns="108000" tIns="45000" bIns="45000" anchor="ctr"/>
-          <a:p>
-            <a:pPr algn="r">
-              <a:lnSpc>
-                <a:spcPct val="100000"/>
-              </a:lnSpc>
-            </a:pPr>
-            <a:fld id="{F819EBFD-A30A-42EF-A49D-4185553AE92F}" type="slidenum">
-              <a:rPr lang="fr-FR" sz="1000" strike="noStrike">
-                <a:solidFill>
-                  <a:srgbClr val="595959"/>
-                </a:solidFill>
-                <a:latin typeface="HelveticaNeue LT 45 Light"/>
-                <a:ea typeface="DejaVu Sans"/>
-              </a:rPr>
-              <a:t>&lt;number&gt;</a:t>
-            </a:fld>
-            <a:endParaRPr/>
-          </a:p>
-        </p:txBody>
-      </p:sp>
       <p:graphicFrame>
         <p:nvGraphicFramePr>
-          <p:cNvPr id="141" name="Table 3"/>
+          <p:cNvPr id="136" name="Table 3"/>
           <p:cNvGraphicFramePr/>
           <p:nvPr/>
         </p:nvGraphicFramePr>
         <p:xfrm>
           <a:off x="1306440" y="788760"/>
-          <a:ext cx="6323040" cy="5402160"/>
+          <a:ext cx="6322680" cy="5401800"/>
         </p:xfrm>
         <a:graphic>
           <a:graphicData uri="http://schemas.openxmlformats.org/drawingml/2006/table">
@@ -5790,6 +5593,203 @@
   <p:timing>
     <p:tnLst>
       <p:par>
+        <p:cTn id="11" dur="indefinite" restart="never" nodeType="tmRoot">
+          <p:childTnLst>
+            <p:seq>
+              <p:cTn id="12" nodeType="mainSeq"/>
+              <p:prevCondLst>
+                <p:cond delay="0" evt="onPrev">
+                  <p:tgtEl>
+                    <p:sldTgt/>
+                  </p:tgtEl>
+                </p:cond>
+              </p:prevCondLst>
+              <p:nextCondLst>
+                <p:cond delay="0" evt="onNext">
+                  <p:tgtEl>
+                    <p:sldTgt/>
+                  </p:tgtEl>
+                </p:cond>
+              </p:nextCondLst>
+            </p:seq>
+          </p:childTnLst>
+        </p:cTn>
+      </p:par>
+    </p:tnLst>
+  </p:timing>
+</p:sld>
+</file>
+
+<file path=ppt/slides/slide7.xml><?xml version="1.0" encoding="utf-8"?>
+<p:sld xmlns:a="http://schemas.openxmlformats.org/drawingml/2006/main" xmlns:p="http://schemas.openxmlformats.org/presentationml/2006/main" xmlns:r="http://schemas.openxmlformats.org/officeDocument/2006/relationships">
+  <p:cSld>
+    <p:spTree>
+      <p:nvGrpSpPr>
+        <p:cNvPr id="1" name=""/>
+        <p:cNvGrpSpPr/>
+        <p:nvPr/>
+      </p:nvGrpSpPr>
+      <p:grpSpPr>
+        <a:xfrm>
+          <a:off x="0" y="0"/>
+          <a:ext cx="0" cy="0"/>
+          <a:chOff x="0" y="0"/>
+          <a:chExt cx="0" cy="0"/>
+        </a:xfrm>
+      </p:grpSpPr>
+      <p:sp>
+        <p:nvSpPr>
+          <p:cNvPr id="137" name="CustomShape 1"/>
+          <p:cNvSpPr/>
+          <p:nvPr/>
+        </p:nvSpPr>
+        <p:spPr>
+          <a:xfrm>
+            <a:off x="720000" y="935640"/>
+            <a:ext cx="7709400" cy="505440"/>
+          </a:xfrm>
+          <a:prstGeom prst="rect">
+            <a:avLst/>
+          </a:prstGeom>
+          <a:noFill/>
+          <a:ln>
+            <a:noFill/>
+          </a:ln>
+        </p:spPr>
+        <p:style>
+          <a:lnRef idx="0"/>
+          <a:fillRef idx="0"/>
+          <a:effectRef idx="0"/>
+          <a:fontRef idx="minor"/>
+        </p:style>
+      </p:sp>
+      <p:sp>
+        <p:nvSpPr>
+          <p:cNvPr id="138" name="CustomShape 2"/>
+          <p:cNvSpPr/>
+          <p:nvPr/>
+        </p:nvSpPr>
+        <p:spPr>
+          <a:xfrm>
+            <a:off x="712800" y="480240"/>
+            <a:ext cx="7714800" cy="455040"/>
+          </a:xfrm>
+          <a:prstGeom prst="rect">
+            <a:avLst/>
+          </a:prstGeom>
+          <a:noFill/>
+          <a:ln>
+            <a:noFill/>
+          </a:ln>
+        </p:spPr>
+        <p:style>
+          <a:lnRef idx="0"/>
+          <a:fillRef idx="0"/>
+          <a:effectRef idx="0"/>
+          <a:fontRef idx="minor"/>
+        </p:style>
+      </p:sp>
+      <p:sp>
+        <p:nvSpPr>
+          <p:cNvPr id="139" name="CustomShape 3"/>
+          <p:cNvSpPr/>
+          <p:nvPr/>
+        </p:nvSpPr>
+        <p:spPr>
+          <a:xfrm>
+            <a:off x="6879960" y="6311160"/>
+            <a:ext cx="2055240" cy="362880"/>
+          </a:xfrm>
+          <a:prstGeom prst="rect">
+            <a:avLst/>
+          </a:prstGeom>
+          <a:noFill/>
+          <a:ln>
+            <a:noFill/>
+          </a:ln>
+        </p:spPr>
+        <p:style>
+          <a:lnRef idx="0"/>
+          <a:fillRef idx="0"/>
+          <a:effectRef idx="0"/>
+          <a:fontRef idx="minor"/>
+        </p:style>
+        <p:txBody>
+          <a:bodyPr lIns="108000" rIns="108000" tIns="45000" bIns="45000" anchor="ctr"/>
+          <a:p>
+            <a:pPr algn="r">
+              <a:lnSpc>
+                <a:spcPct val="100000"/>
+              </a:lnSpc>
+            </a:pPr>
+            <a:fld id="{9CCAA0AA-0808-422F-A2F2-2A0294B99B1C}" type="slidenum">
+              <a:rPr lang="fr-FR" sz="1000" strike="noStrike">
+                <a:solidFill>
+                  <a:srgbClr val="595959"/>
+                </a:solidFill>
+                <a:latin typeface="HelveticaNeue LT 45 Light"/>
+                <a:ea typeface="DejaVu Sans"/>
+              </a:rPr>
+              <a:t>&lt;number&gt;</a:t>
+            </a:fld>
+            <a:endParaRPr/>
+          </a:p>
+        </p:txBody>
+      </p:sp>
+      <p:sp>
+        <p:nvSpPr>
+          <p:cNvPr id="140" name="CustomShape 4"/>
+          <p:cNvSpPr/>
+          <p:nvPr/>
+        </p:nvSpPr>
+        <p:spPr>
+          <a:xfrm>
+            <a:off x="712800" y="6311160"/>
+            <a:ext cx="6099840" cy="362880"/>
+          </a:xfrm>
+          <a:prstGeom prst="rect">
+            <a:avLst/>
+          </a:prstGeom>
+          <a:noFill/>
+          <a:ln>
+            <a:noFill/>
+          </a:ln>
+        </p:spPr>
+        <p:style>
+          <a:lnRef idx="0"/>
+          <a:fillRef idx="0"/>
+          <a:effectRef idx="0"/>
+          <a:fontRef idx="minor"/>
+        </p:style>
+      </p:sp>
+      <p:pic>
+        <p:nvPicPr>
+          <p:cNvPr id="141" name="" descr=""/>
+          <p:cNvPicPr/>
+          <p:nvPr/>
+        </p:nvPicPr>
+        <p:blipFill>
+          <a:blip r:embed="rId1"/>
+          <a:stretch/>
+        </p:blipFill>
+        <p:spPr>
+          <a:xfrm>
+            <a:off x="1944000" y="721440"/>
+            <a:ext cx="5012280" cy="5574960"/>
+          </a:xfrm>
+          <a:prstGeom prst="rect">
+            <a:avLst/>
+          </a:prstGeom>
+          <a:ln>
+            <a:noFill/>
+          </a:ln>
+        </p:spPr>
+      </p:pic>
+    </p:spTree>
+  </p:cSld>
+  <p:timing>
+    <p:tnLst>
+      <p:par>
         <p:cTn id="13" dur="indefinite" restart="never" nodeType="tmRoot">
           <p:childTnLst>
             <p:seq>
@@ -5843,7 +5843,7 @@
         <p:spPr>
           <a:xfrm>
             <a:off x="633600" y="489240"/>
-            <a:ext cx="7715160" cy="455400"/>
+            <a:ext cx="7714800" cy="455040"/>
           </a:xfrm>
           <a:prstGeom prst="rect">
             <a:avLst/>
@@ -5869,7 +5869,7 @@
         <p:spPr>
           <a:xfrm>
             <a:off x="6879960" y="6311160"/>
-            <a:ext cx="2055600" cy="363240"/>
+            <a:ext cx="2055240" cy="362880"/>
           </a:xfrm>
           <a:prstGeom prst="rect">
             <a:avLst/>
@@ -5893,7 +5893,7 @@
                 <a:spcPct val="100000"/>
               </a:lnSpc>
             </a:pPr>
-            <a:fld id="{BED4DBCD-7A52-40C1-9DE8-8FA8FFD33AB8}" type="slidenum">
+            <a:fld id="{0D3580F6-E669-4E8A-9C92-E376001972B8}" type="slidenum">
               <a:rPr lang="fr-FR" sz="1000" strike="noStrike">
                 <a:solidFill>
                   <a:srgbClr val="595959"/>
@@ -5916,7 +5916,7 @@
         <p:spPr>
           <a:xfrm>
             <a:off x="712800" y="6311160"/>
-            <a:ext cx="6100200" cy="363240"/>
+            <a:ext cx="6099840" cy="362880"/>
           </a:xfrm>
           <a:prstGeom prst="rect">
             <a:avLst/>
@@ -5942,7 +5942,7 @@
         <p:spPr>
           <a:xfrm>
             <a:off x="703080" y="1951200"/>
-            <a:ext cx="7709400" cy="3637800"/>
+            <a:ext cx="7709040" cy="3637440"/>
           </a:xfrm>
           <a:prstGeom prst="rect">
             <a:avLst/>
@@ -5987,7 +5987,7 @@
         <p:spPr>
           <a:xfrm>
             <a:off x="457200" y="273600"/>
-            <a:ext cx="8228160" cy="1143720"/>
+            <a:ext cx="8227800" cy="1143360"/>
           </a:xfrm>
           <a:prstGeom prst="rect">
             <a:avLst/>
@@ -6013,7 +6013,7 @@
         <p:spPr>
           <a:xfrm>
             <a:off x="457200" y="1604520"/>
-            <a:ext cx="8228160" cy="3976200"/>
+            <a:ext cx="8227800" cy="3975840"/>
           </a:xfrm>
           <a:prstGeom prst="rect">
             <a:avLst/>
@@ -6043,7 +6043,7 @@
         <p:spPr>
           <a:xfrm>
             <a:off x="2090880" y="2015640"/>
-            <a:ext cx="5015880" cy="2856960"/>
+            <a:ext cx="5015520" cy="2856600"/>
           </a:xfrm>
           <a:prstGeom prst="rect">
             <a:avLst/>
@@ -6111,7 +6111,7 @@
         <p:spPr>
           <a:xfrm>
             <a:off x="457200" y="273600"/>
-            <a:ext cx="8228520" cy="1144080"/>
+            <a:ext cx="8228160" cy="1143720"/>
           </a:xfrm>
           <a:prstGeom prst="rect">
             <a:avLst/>
@@ -6141,7 +6141,7 @@
         <p:spPr>
           <a:xfrm>
             <a:off x="1928880" y="2045520"/>
-            <a:ext cx="5306760" cy="1338120"/>
+            <a:ext cx="5306400" cy="1337760"/>
           </a:xfrm>
           <a:prstGeom prst="rect">
             <a:avLst/>
@@ -6160,7 +6160,7 @@
         <p:spPr>
           <a:xfrm>
             <a:off x="3384000" y="4421520"/>
-            <a:ext cx="2349000" cy="546120"/>
+            <a:ext cx="2348640" cy="545760"/>
           </a:xfrm>
           <a:prstGeom prst="rect">
             <a:avLst/>
@@ -6186,7 +6186,11 @@
             </a:pPr>
             <a:r>
               <a:rPr lang="fr-FR" sz="3200" strike="noStrike">
+                <a:solidFill>
+                  <a:srgbClr val="000000"/>
+                </a:solidFill>
                 <a:latin typeface="Arial"/>
+                <a:ea typeface="DejaVu Sans"/>
               </a:rPr>
               <a:t>Questions ?</a:t>
             </a:r>
@@ -6203,7 +6207,7 @@
         <p:spPr>
           <a:xfrm>
             <a:off x="2232000" y="3413520"/>
-            <a:ext cx="4823640" cy="1457280"/>
+            <a:ext cx="4823280" cy="1456920"/>
           </a:xfrm>
           <a:prstGeom prst="rect">
             <a:avLst/>
@@ -6229,7 +6233,11 @@
             </a:pPr>
             <a:r>
               <a:rPr lang="fr-FR" sz="2400" strike="noStrike">
+                <a:solidFill>
+                  <a:srgbClr val="000000"/>
+                </a:solidFill>
                 <a:latin typeface="Arial"/>
+                <a:ea typeface="DejaVu Sans"/>
               </a:rPr>
               <a:t>Attendre n'est pas une fatalité</a:t>
             </a:r>
